--- a/HDM Data Science v0226 _copySven.pptx
+++ b/HDM Data Science v0226 _copySven.pptx
@@ -5,7 +5,7 @@
     <p:sldMasterId id="2147483738" r:id="rId1"/>
   </p:sldMasterIdLst>
   <p:notesMasterIdLst>
-    <p:notesMasterId r:id="rId26"/>
+    <p:notesMasterId r:id="rId27"/>
   </p:notesMasterIdLst>
   <p:sldIdLst>
     <p:sldId id="256" r:id="rId2"/>
@@ -29,9 +29,10 @@
     <p:sldId id="279" r:id="rId20"/>
     <p:sldId id="277" r:id="rId21"/>
     <p:sldId id="275" r:id="rId22"/>
-    <p:sldId id="276" r:id="rId23"/>
-    <p:sldId id="280" r:id="rId24"/>
-    <p:sldId id="272" r:id="rId25"/>
+    <p:sldId id="280" r:id="rId23"/>
+    <p:sldId id="276" r:id="rId24"/>
+    <p:sldId id="283" r:id="rId25"/>
+    <p:sldId id="272" r:id="rId26"/>
   </p:sldIdLst>
   <p:sldSz cx="12192000" cy="6858000"/>
   <p:notesSz cx="6858000" cy="9144000"/>
@@ -5240,7 +5241,7 @@
           <a:p>
             <a:fld id="{8CE265D3-6F69-46A3-BC22-BD3030E0EBE5}" type="slidenum">
               <a:rPr lang="de-DE" smtClean="0"/>
-              <a:t>23</a:t>
+              <a:t>22</a:t>
             </a:fld>
             <a:endParaRPr lang="de-DE"/>
           </a:p>
@@ -5324,7 +5325,7 @@
           <a:p>
             <a:fld id="{8CE265D3-6F69-46A3-BC22-BD3030E0EBE5}" type="slidenum">
               <a:rPr lang="de-DE" smtClean="0"/>
-              <a:t>24</a:t>
+              <a:t>25</a:t>
             </a:fld>
             <a:endParaRPr lang="de-DE"/>
           </a:p>
@@ -12814,7 +12815,7 @@
           <a:lstStyle/>
           <a:p>
             <a:r>
-              <a:rPr lang="en-GB">
+              <a:rPr lang="en-GB" dirty="0">
                 <a:solidFill>
                   <a:srgbClr val="FFFEFF"/>
                 </a:solidFill>
@@ -14686,10 +14687,226 @@
       </p:grpSpPr>
       <p:sp>
         <p:nvSpPr>
-          <p:cNvPr id="43" name="Rectangle 21">
+          <p:cNvPr id="51" name="Rectangle 50">
             <a:extLst>
               <a:ext uri="{FF2B5EF4-FFF2-40B4-BE49-F238E27FC236}">
-                <a16:creationId xmlns:a16="http://schemas.microsoft.com/office/drawing/2014/main" id="{00401440-1DC9-4C9E-A3BA-4DECEEB46503}"/>
+                <a16:creationId xmlns:a16="http://schemas.microsoft.com/office/drawing/2014/main" id="{DD651B61-325E-4E73-8445-38B0DE8AAAB6}"/>
+              </a:ext>
+              <a:ext uri="{C183D7F6-B498-43B3-948B-1728B52AA6E4}">
+                <adec:decorative xmlns:adec="http://schemas.microsoft.com/office/drawing/2017/decorative" val="1"/>
+              </a:ext>
+            </a:extLst>
+          </p:cNvPr>
+          <p:cNvSpPr>
+            <a:spLocks noGrp="1" noRot="1" noChangeAspect="1" noMove="1" noResize="1" noEditPoints="1" noAdjustHandles="1" noChangeArrowheads="1" noChangeShapeType="1" noTextEdit="1"/>
+          </p:cNvSpPr>
+          <p:nvPr>
+            <p:extLst>
+              <p:ext uri="{386F3935-93C4-4BCD-93E2-E3B085C9AB24}">
+                <p16:designElem xmlns:p16="http://schemas.microsoft.com/office/powerpoint/2015/main" val="1"/>
+              </p:ext>
+            </p:extLst>
+          </p:nvPr>
+        </p:nvSpPr>
+        <p:spPr>
+          <a:xfrm>
+            <a:off x="446534" y="457200"/>
+            <a:ext cx="3703320" cy="94997"/>
+          </a:xfrm>
+          <a:prstGeom prst="rect">
+            <a:avLst/>
+          </a:prstGeom>
+          <a:solidFill>
+            <a:srgbClr val="465359"/>
+          </a:solidFill>
+          <a:ln>
+            <a:noFill/>
+          </a:ln>
+          <a:effectLst/>
+        </p:spPr>
+        <p:style>
+          <a:lnRef idx="1">
+            <a:schemeClr val="accent1"/>
+          </a:lnRef>
+          <a:fillRef idx="3">
+            <a:schemeClr val="accent1"/>
+          </a:fillRef>
+          <a:effectRef idx="2">
+            <a:schemeClr val="accent1"/>
+          </a:effectRef>
+          <a:fontRef idx="minor">
+            <a:schemeClr val="lt1"/>
+          </a:fontRef>
+        </p:style>
+      </p:sp>
+      <p:sp>
+        <p:nvSpPr>
+          <p:cNvPr id="53" name="Rectangle 52">
+            <a:extLst>
+              <a:ext uri="{FF2B5EF4-FFF2-40B4-BE49-F238E27FC236}">
+                <a16:creationId xmlns:a16="http://schemas.microsoft.com/office/drawing/2014/main" id="{B42E5253-D3AC-4AC2-B766-8B34F13C2F5E}"/>
+              </a:ext>
+              <a:ext uri="{C183D7F6-B498-43B3-948B-1728B52AA6E4}">
+                <adec:decorative xmlns:adec="http://schemas.microsoft.com/office/drawing/2017/decorative" val="1"/>
+              </a:ext>
+            </a:extLst>
+          </p:cNvPr>
+          <p:cNvSpPr>
+            <a:spLocks noGrp="1" noRot="1" noChangeAspect="1" noMove="1" noResize="1" noEditPoints="1" noAdjustHandles="1" noChangeArrowheads="1" noChangeShapeType="1" noTextEdit="1"/>
+          </p:cNvSpPr>
+          <p:nvPr>
+            <p:extLst>
+              <p:ext uri="{386F3935-93C4-4BCD-93E2-E3B085C9AB24}">
+                <p16:designElem xmlns:p16="http://schemas.microsoft.com/office/powerpoint/2015/main" val="1"/>
+              </p:ext>
+            </p:extLst>
+          </p:nvPr>
+        </p:nvSpPr>
+        <p:spPr>
+          <a:xfrm>
+            <a:off x="8042147" y="453643"/>
+            <a:ext cx="3703320" cy="98554"/>
+          </a:xfrm>
+          <a:prstGeom prst="rect">
+            <a:avLst/>
+          </a:prstGeom>
+          <a:solidFill>
+            <a:srgbClr val="969FA7"/>
+          </a:solidFill>
+          <a:ln>
+            <a:noFill/>
+          </a:ln>
+          <a:effectLst/>
+        </p:spPr>
+        <p:style>
+          <a:lnRef idx="1">
+            <a:schemeClr val="accent1"/>
+          </a:lnRef>
+          <a:fillRef idx="3">
+            <a:schemeClr val="accent1"/>
+          </a:fillRef>
+          <a:effectRef idx="2">
+            <a:schemeClr val="accent1"/>
+          </a:effectRef>
+          <a:fontRef idx="minor">
+            <a:schemeClr val="lt1"/>
+          </a:fontRef>
+        </p:style>
+      </p:sp>
+      <p:sp>
+        <p:nvSpPr>
+          <p:cNvPr id="55" name="Rectangle 54">
+            <a:extLst>
+              <a:ext uri="{FF2B5EF4-FFF2-40B4-BE49-F238E27FC236}">
+                <a16:creationId xmlns:a16="http://schemas.microsoft.com/office/drawing/2014/main" id="{10AE8D57-436A-4073-9A75-15BB5949F8B4}"/>
+              </a:ext>
+              <a:ext uri="{C183D7F6-B498-43B3-948B-1728B52AA6E4}">
+                <adec:decorative xmlns:adec="http://schemas.microsoft.com/office/drawing/2017/decorative" val="1"/>
+              </a:ext>
+            </a:extLst>
+          </p:cNvPr>
+          <p:cNvSpPr>
+            <a:spLocks noGrp="1" noRot="1" noChangeAspect="1" noMove="1" noResize="1" noEditPoints="1" noAdjustHandles="1" noChangeArrowheads="1" noChangeShapeType="1" noTextEdit="1"/>
+          </p:cNvSpPr>
+          <p:nvPr>
+            <p:extLst>
+              <p:ext uri="{386F3935-93C4-4BCD-93E2-E3B085C9AB24}">
+                <p16:designElem xmlns:p16="http://schemas.microsoft.com/office/powerpoint/2015/main" val="1"/>
+              </p:ext>
+            </p:extLst>
+          </p:nvPr>
+        </p:nvSpPr>
+        <p:spPr>
+          <a:xfrm>
+            <a:off x="4241830" y="457200"/>
+            <a:ext cx="3703320" cy="91440"/>
+          </a:xfrm>
+          <a:prstGeom prst="rect">
+            <a:avLst/>
+          </a:prstGeom>
+          <a:solidFill>
+            <a:schemeClr val="accent1"/>
+          </a:solidFill>
+          <a:ln>
+            <a:noFill/>
+          </a:ln>
+          <a:effectLst/>
+        </p:spPr>
+        <p:style>
+          <a:lnRef idx="1">
+            <a:schemeClr val="accent1"/>
+          </a:lnRef>
+          <a:fillRef idx="3">
+            <a:schemeClr val="accent1"/>
+          </a:fillRef>
+          <a:effectRef idx="2">
+            <a:schemeClr val="accent1"/>
+          </a:effectRef>
+          <a:fontRef idx="minor">
+            <a:schemeClr val="lt1"/>
+          </a:fontRef>
+        </p:style>
+      </p:sp>
+      <p:sp>
+        <p:nvSpPr>
+          <p:cNvPr id="57" name="Rectangle 56">
+            <a:extLst>
+              <a:ext uri="{FF2B5EF4-FFF2-40B4-BE49-F238E27FC236}">
+                <a16:creationId xmlns:a16="http://schemas.microsoft.com/office/drawing/2014/main" id="{E2852671-8EB6-4EAF-8AF8-65CF3FD66456}"/>
+              </a:ext>
+              <a:ext uri="{C183D7F6-B498-43B3-948B-1728B52AA6E4}">
+                <adec:decorative xmlns:adec="http://schemas.microsoft.com/office/drawing/2017/decorative" val="1"/>
+              </a:ext>
+            </a:extLst>
+          </p:cNvPr>
+          <p:cNvSpPr>
+            <a:spLocks noGrp="1" noRot="1" noChangeAspect="1" noMove="1" noResize="1" noEditPoints="1" noAdjustHandles="1" noChangeArrowheads="1" noChangeShapeType="1" noTextEdit="1"/>
+          </p:cNvSpPr>
+          <p:nvPr>
+            <p:extLst>
+              <p:ext uri="{386F3935-93C4-4BCD-93E2-E3B085C9AB24}">
+                <p16:designElem xmlns:p16="http://schemas.microsoft.com/office/powerpoint/2015/main" val="1"/>
+              </p:ext>
+            </p:extLst>
+          </p:nvPr>
+        </p:nvSpPr>
+        <p:spPr>
+          <a:xfrm>
+            <a:off x="446534" y="3085764"/>
+            <a:ext cx="11298932" cy="3338149"/>
+          </a:xfrm>
+          <a:prstGeom prst="rect">
+            <a:avLst/>
+          </a:prstGeom>
+          <a:solidFill>
+            <a:srgbClr val="465359"/>
+          </a:solidFill>
+          <a:ln>
+            <a:noFill/>
+          </a:ln>
+          <a:effectLst/>
+        </p:spPr>
+        <p:style>
+          <a:lnRef idx="1">
+            <a:schemeClr val="accent1"/>
+          </a:lnRef>
+          <a:fillRef idx="3">
+            <a:schemeClr val="accent1"/>
+          </a:fillRef>
+          <a:effectRef idx="2">
+            <a:schemeClr val="accent1"/>
+          </a:effectRef>
+          <a:fontRef idx="minor">
+            <a:schemeClr val="lt1"/>
+          </a:fontRef>
+        </p:style>
+      </p:sp>
+      <p:sp useBgFill="1">
+        <p:nvSpPr>
+          <p:cNvPr id="59" name="Rectangle 58">
+            <a:extLst>
+              <a:ext uri="{FF2B5EF4-FFF2-40B4-BE49-F238E27FC236}">
+                <a16:creationId xmlns:a16="http://schemas.microsoft.com/office/drawing/2014/main" id="{7C427EA3-1645-4B27-A5C2-55E8E24C665F}"/>
               </a:ext>
               <a:ext uri="{C183D7F6-B498-43B3-948B-1728B52AA6E4}">
                 <adec:decorative xmlns:adec="http://schemas.microsoft.com/office/drawing/2017/decorative" val="1"/>
@@ -14715,9 +14932,6 @@
           <a:prstGeom prst="rect">
             <a:avLst/>
           </a:prstGeom>
-          <a:solidFill>
-            <a:schemeClr val="bg1"/>
-          </a:solidFill>
           <a:ln>
             <a:noFill/>
           </a:ln>
@@ -14743,16 +14957,178 @@
           <a:lstStyle/>
           <a:p>
             <a:pPr algn="ctr"/>
-            <a:endParaRPr lang="en-US" dirty="0"/>
+            <a:endParaRPr lang="en-US"/>
           </a:p>
         </p:txBody>
+      </p:sp>
+      <p:sp>
+        <p:nvSpPr>
+          <p:cNvPr id="61" name="Rectangle 60">
+            <a:extLst>
+              <a:ext uri="{FF2B5EF4-FFF2-40B4-BE49-F238E27FC236}">
+                <a16:creationId xmlns:a16="http://schemas.microsoft.com/office/drawing/2014/main" id="{885CDBF6-7B87-4A58-92CA-E887CA36AF04}"/>
+              </a:ext>
+              <a:ext uri="{C183D7F6-B498-43B3-948B-1728B52AA6E4}">
+                <adec:decorative xmlns:adec="http://schemas.microsoft.com/office/drawing/2017/decorative" val="1"/>
+              </a:ext>
+            </a:extLst>
+          </p:cNvPr>
+          <p:cNvSpPr>
+            <a:spLocks noGrp="1" noRot="1" noChangeAspect="1" noMove="1" noResize="1" noEditPoints="1" noAdjustHandles="1" noChangeArrowheads="1" noChangeShapeType="1" noTextEdit="1"/>
+          </p:cNvSpPr>
+          <p:nvPr>
+            <p:extLst>
+              <p:ext uri="{386F3935-93C4-4BCD-93E2-E3B085C9AB24}">
+                <p16:designElem xmlns:p16="http://schemas.microsoft.com/office/powerpoint/2015/main" val="1"/>
+              </p:ext>
+            </p:extLst>
+          </p:nvPr>
+        </p:nvSpPr>
+        <p:spPr>
+          <a:xfrm>
+            <a:off x="446534" y="457200"/>
+            <a:ext cx="3703320" cy="94997"/>
+          </a:xfrm>
+          <a:prstGeom prst="rect">
+            <a:avLst/>
+          </a:prstGeom>
+          <a:solidFill>
+            <a:srgbClr val="465359"/>
+          </a:solidFill>
+          <a:ln>
+            <a:noFill/>
+          </a:ln>
+          <a:effectLst/>
+        </p:spPr>
+        <p:style>
+          <a:lnRef idx="1">
+            <a:schemeClr val="accent1"/>
+          </a:lnRef>
+          <a:fillRef idx="3">
+            <a:schemeClr val="accent1"/>
+          </a:fillRef>
+          <a:effectRef idx="2">
+            <a:schemeClr val="accent1"/>
+          </a:effectRef>
+          <a:fontRef idx="minor">
+            <a:schemeClr val="lt1"/>
+          </a:fontRef>
+        </p:style>
+      </p:sp>
+      <p:sp>
+        <p:nvSpPr>
+          <p:cNvPr id="71" name="Rectangle 62">
+            <a:extLst>
+              <a:ext uri="{FF2B5EF4-FFF2-40B4-BE49-F238E27FC236}">
+                <a16:creationId xmlns:a16="http://schemas.microsoft.com/office/drawing/2014/main" id="{6BFF2B2E-1CF1-403F-BB44-3F9C3E7F67FF}"/>
+              </a:ext>
+              <a:ext uri="{C183D7F6-B498-43B3-948B-1728B52AA6E4}">
+                <adec:decorative xmlns:adec="http://schemas.microsoft.com/office/drawing/2017/decorative" val="1"/>
+              </a:ext>
+            </a:extLst>
+          </p:cNvPr>
+          <p:cNvSpPr>
+            <a:spLocks noGrp="1" noRot="1" noChangeAspect="1" noMove="1" noResize="1" noEditPoints="1" noAdjustHandles="1" noChangeArrowheads="1" noChangeShapeType="1" noTextEdit="1"/>
+          </p:cNvSpPr>
+          <p:nvPr>
+            <p:extLst>
+              <p:ext uri="{386F3935-93C4-4BCD-93E2-E3B085C9AB24}">
+                <p16:designElem xmlns:p16="http://schemas.microsoft.com/office/powerpoint/2015/main" val="1"/>
+              </p:ext>
+            </p:extLst>
+          </p:nvPr>
+        </p:nvSpPr>
+        <p:spPr>
+          <a:xfrm>
+            <a:off x="4241830" y="457200"/>
+            <a:ext cx="3703320" cy="91440"/>
+          </a:xfrm>
+          <a:prstGeom prst="rect">
+            <a:avLst/>
+          </a:prstGeom>
+          <a:solidFill>
+            <a:schemeClr val="accent1"/>
+          </a:solidFill>
+          <a:ln>
+            <a:noFill/>
+          </a:ln>
+          <a:effectLst/>
+        </p:spPr>
+        <p:style>
+          <a:lnRef idx="1">
+            <a:schemeClr val="accent1"/>
+          </a:lnRef>
+          <a:fillRef idx="3">
+            <a:schemeClr val="accent1"/>
+          </a:fillRef>
+          <a:effectRef idx="2">
+            <a:schemeClr val="accent1"/>
+          </a:effectRef>
+          <a:fontRef idx="minor">
+            <a:schemeClr val="lt1"/>
+          </a:fontRef>
+        </p:style>
+      </p:sp>
+      <p:sp>
+        <p:nvSpPr>
+          <p:cNvPr id="72" name="Rectangle 64">
+            <a:extLst>
+              <a:ext uri="{FF2B5EF4-FFF2-40B4-BE49-F238E27FC236}">
+                <a16:creationId xmlns:a16="http://schemas.microsoft.com/office/drawing/2014/main" id="{9D8B4D3C-0DE0-43B9-B032-32B536B96D02}"/>
+              </a:ext>
+              <a:ext uri="{C183D7F6-B498-43B3-948B-1728B52AA6E4}">
+                <adec:decorative xmlns:adec="http://schemas.microsoft.com/office/drawing/2017/decorative" val="1"/>
+              </a:ext>
+            </a:extLst>
+          </p:cNvPr>
+          <p:cNvSpPr>
+            <a:spLocks noGrp="1" noRot="1" noChangeAspect="1" noMove="1" noResize="1" noEditPoints="1" noAdjustHandles="1" noChangeArrowheads="1" noChangeShapeType="1" noTextEdit="1"/>
+          </p:cNvSpPr>
+          <p:nvPr>
+            <p:extLst>
+              <p:ext uri="{386F3935-93C4-4BCD-93E2-E3B085C9AB24}">
+                <p16:designElem xmlns:p16="http://schemas.microsoft.com/office/powerpoint/2015/main" val="1"/>
+              </p:ext>
+            </p:extLst>
+          </p:nvPr>
+        </p:nvSpPr>
+        <p:spPr>
+          <a:xfrm>
+            <a:off x="8042147" y="453643"/>
+            <a:ext cx="3703320" cy="98554"/>
+          </a:xfrm>
+          <a:prstGeom prst="rect">
+            <a:avLst/>
+          </a:prstGeom>
+          <a:solidFill>
+            <a:srgbClr val="969FA7"/>
+          </a:solidFill>
+          <a:ln>
+            <a:noFill/>
+          </a:ln>
+          <a:effectLst/>
+        </p:spPr>
+        <p:style>
+          <a:lnRef idx="1">
+            <a:schemeClr val="accent1"/>
+          </a:lnRef>
+          <a:fillRef idx="3">
+            <a:schemeClr val="accent1"/>
+          </a:fillRef>
+          <a:effectRef idx="2">
+            <a:schemeClr val="accent1"/>
+          </a:effectRef>
+          <a:fontRef idx="minor">
+            <a:schemeClr val="lt1"/>
+          </a:fontRef>
+        </p:style>
       </p:sp>
       <p:pic>
         <p:nvPicPr>
-          <p:cNvPr id="9" name="Inhaltsplatzhalter 8">
+          <p:cNvPr id="15" name="Grafik 14">
             <a:extLst>
               <a:ext uri="{FF2B5EF4-FFF2-40B4-BE49-F238E27FC236}">
-                <a16:creationId xmlns:a16="http://schemas.microsoft.com/office/drawing/2014/main" id="{BFC5F5D9-089E-AD23-F33C-FA58109B9490}"/>
+                <a16:creationId xmlns:a16="http://schemas.microsoft.com/office/drawing/2014/main" id="{4DEB3948-1527-16D0-B9D9-2E269B279834}"/>
               </a:ext>
             </a:extLst>
           </p:cNvPr>
@@ -14769,29 +15145,29 @@
         </p:blipFill>
         <p:spPr>
           <a:xfrm>
-            <a:off x="441139" y="1418859"/>
-            <a:ext cx="5331481" cy="1680301"/>
+            <a:off x="931166" y="1408564"/>
+            <a:ext cx="6518800" cy="4335002"/>
           </a:xfrm>
           <a:prstGeom prst="rect">
             <a:avLst/>
           </a:prstGeom>
         </p:spPr>
       </p:pic>
-      <p:cxnSp>
-        <p:nvCxnSpPr>
-          <p:cNvPr id="44" name="Straight Connector 23">
+      <p:sp>
+        <p:nvSpPr>
+          <p:cNvPr id="73" name="Rectangle 66">
             <a:extLst>
               <a:ext uri="{FF2B5EF4-FFF2-40B4-BE49-F238E27FC236}">
-                <a16:creationId xmlns:a16="http://schemas.microsoft.com/office/drawing/2014/main" id="{EEE3F140-02CB-4BBC-ABC0-8BF046C9D1B8}"/>
+                <a16:creationId xmlns:a16="http://schemas.microsoft.com/office/drawing/2014/main" id="{707788D3-E467-4E25-A5E9-FD41795BD551}"/>
               </a:ext>
               <a:ext uri="{C183D7F6-B498-43B3-948B-1728B52AA6E4}">
                 <adec:decorative xmlns:adec="http://schemas.microsoft.com/office/drawing/2017/decorative" val="1"/>
               </a:ext>
             </a:extLst>
           </p:cNvPr>
-          <p:cNvCxnSpPr>
-            <a:cxnSpLocks noGrp="1" noRot="1" noChangeAspect="1" noMove="1" noResize="1" noEditPoints="1" noAdjustHandles="1" noChangeArrowheads="1" noChangeShapeType="1"/>
-          </p:cNvCxnSpPr>
+          <p:cNvSpPr>
+            <a:spLocks noGrp="1" noRot="1" noChangeAspect="1" noMove="1" noResize="1" noEditPoints="1" noAdjustHandles="1" noChangeArrowheads="1" noChangeShapeType="1" noTextEdit="1"/>
+          </p:cNvSpPr>
           <p:nvPr>
             <p:extLst>
               <p:ext uri="{386F3935-93C4-4BCD-93E2-E3B085C9AB24}">
@@ -14799,93 +15175,11 @@
               </p:ext>
             </p:extLst>
           </p:nvPr>
-        </p:nvCxnSpPr>
+        </p:nvSpPr>
         <p:spPr>
           <a:xfrm>
-            <a:off x="6096000" y="1436050"/>
-            <a:ext cx="0" cy="1645920"/>
-          </a:xfrm>
-          <a:prstGeom prst="line">
-            <a:avLst/>
-          </a:prstGeom>
-          <a:ln w="19050">
-            <a:solidFill>
-              <a:srgbClr val="465359"/>
-            </a:solidFill>
-          </a:ln>
-        </p:spPr>
-        <p:style>
-          <a:lnRef idx="1">
-            <a:schemeClr val="accent1"/>
-          </a:lnRef>
-          <a:fillRef idx="0">
-            <a:schemeClr val="accent1"/>
-          </a:fillRef>
-          <a:effectRef idx="0">
-            <a:schemeClr val="accent1"/>
-          </a:effectRef>
-          <a:fontRef idx="minor">
-            <a:schemeClr val="tx1"/>
-          </a:fontRef>
-        </p:style>
-      </p:cxnSp>
-      <p:pic>
-        <p:nvPicPr>
-          <p:cNvPr id="15" name="Grafik 14">
-            <a:extLst>
-              <a:ext uri="{FF2B5EF4-FFF2-40B4-BE49-F238E27FC236}">
-                <a16:creationId xmlns:a16="http://schemas.microsoft.com/office/drawing/2014/main" id="{4DEB3948-1527-16D0-B9D9-2E269B279834}"/>
-              </a:ext>
-            </a:extLst>
-          </p:cNvPr>
-          <p:cNvPicPr>
-            <a:picLocks noChangeAspect="1"/>
-          </p:cNvPicPr>
-          <p:nvPr/>
-        </p:nvPicPr>
-        <p:blipFill>
-          <a:blip r:embed="rId4"/>
-          <a:stretch>
-            <a:fillRect/>
-          </a:stretch>
-        </p:blipFill>
-        <p:spPr>
-          <a:xfrm>
-            <a:off x="6417735" y="541064"/>
-            <a:ext cx="5166754" cy="3435892"/>
-          </a:xfrm>
-          <a:prstGeom prst="rect">
-            <a:avLst/>
-          </a:prstGeom>
-        </p:spPr>
-      </p:pic>
-      <p:sp>
-        <p:nvSpPr>
-          <p:cNvPr id="45" name="Rectangle 25">
-            <a:extLst>
-              <a:ext uri="{FF2B5EF4-FFF2-40B4-BE49-F238E27FC236}">
-                <a16:creationId xmlns:a16="http://schemas.microsoft.com/office/drawing/2014/main" id="{36B822CC-7DA9-4417-AA94-64CEB676F0B8}"/>
-              </a:ext>
-              <a:ext uri="{C183D7F6-B498-43B3-948B-1728B52AA6E4}">
-                <adec:decorative xmlns:adec="http://schemas.microsoft.com/office/drawing/2017/decorative" val="1"/>
-              </a:ext>
-            </a:extLst>
-          </p:cNvPr>
-          <p:cNvSpPr>
-            <a:spLocks noGrp="1" noRot="1" noChangeAspect="1" noMove="1" noResize="1" noEditPoints="1" noAdjustHandles="1" noChangeArrowheads="1" noChangeShapeType="1" noTextEdit="1"/>
-          </p:cNvSpPr>
-          <p:nvPr>
-            <p:extLst>
-              <p:ext uri="{386F3935-93C4-4BCD-93E2-E3B085C9AB24}">
-                <p16:designElem xmlns:p16="http://schemas.microsoft.com/office/powerpoint/2015/main" val="1"/>
-              </p:ext>
-            </p:extLst>
-          </p:nvPr>
-        </p:nvSpPr>
-        <p:spPr>
-          <a:xfrm>
-            <a:off x="447234" y="4219240"/>
-            <a:ext cx="11301984" cy="94997"/>
+            <a:off x="8042147" y="601200"/>
+            <a:ext cx="3703320" cy="5789365"/>
           </a:xfrm>
           <a:prstGeom prst="rect">
             <a:avLst/>
@@ -14915,60 +15209,6 @@
       </p:sp>
       <p:sp>
         <p:nvSpPr>
-          <p:cNvPr id="46" name="Rectangle 27">
-            <a:extLst>
-              <a:ext uri="{FF2B5EF4-FFF2-40B4-BE49-F238E27FC236}">
-                <a16:creationId xmlns:a16="http://schemas.microsoft.com/office/drawing/2014/main" id="{AFA01E88-71CC-4FF3-9E81-51E0C32B45E4}"/>
-              </a:ext>
-              <a:ext uri="{C183D7F6-B498-43B3-948B-1728B52AA6E4}">
-                <adec:decorative xmlns:adec="http://schemas.microsoft.com/office/drawing/2017/decorative" val="1"/>
-              </a:ext>
-            </a:extLst>
-          </p:cNvPr>
-          <p:cNvSpPr>
-            <a:spLocks noGrp="1" noRot="1" noChangeAspect="1" noMove="1" noResize="1" noEditPoints="1" noAdjustHandles="1" noChangeArrowheads="1" noChangeShapeType="1" noTextEdit="1"/>
-          </p:cNvSpPr>
-          <p:nvPr>
-            <p:extLst>
-              <p:ext uri="{386F3935-93C4-4BCD-93E2-E3B085C9AB24}">
-                <p16:designElem xmlns:p16="http://schemas.microsoft.com/office/powerpoint/2015/main" val="1"/>
-              </p:ext>
-            </p:extLst>
-          </p:nvPr>
-        </p:nvSpPr>
-        <p:spPr>
-          <a:xfrm>
-            <a:off x="447234" y="4359623"/>
-            <a:ext cx="11303626" cy="2051143"/>
-          </a:xfrm>
-          <a:prstGeom prst="rect">
-            <a:avLst/>
-          </a:prstGeom>
-          <a:solidFill>
-            <a:srgbClr val="465359"/>
-          </a:solidFill>
-          <a:ln w="6350" cmpd="sng">
-            <a:noFill/>
-          </a:ln>
-          <a:effectLst/>
-        </p:spPr>
-        <p:style>
-          <a:lnRef idx="1">
-            <a:schemeClr val="accent1"/>
-          </a:lnRef>
-          <a:fillRef idx="3">
-            <a:schemeClr val="accent1"/>
-          </a:fillRef>
-          <a:effectRef idx="2">
-            <a:schemeClr val="accent1"/>
-          </a:effectRef>
-          <a:fontRef idx="minor">
-            <a:schemeClr val="lt1"/>
-          </a:fontRef>
-        </p:style>
-      </p:sp>
-      <p:sp>
-        <p:nvSpPr>
           <p:cNvPr id="2" name="Titel 1">
             <a:extLst>
               <a:ext uri="{FF2B5EF4-FFF2-40B4-BE49-F238E27FC236}">
@@ -14985,18 +15225,23 @@
         </p:nvSpPr>
         <p:spPr>
           <a:xfrm>
-            <a:off x="679600" y="4596992"/>
-            <a:ext cx="9733802" cy="1607013"/>
+            <a:off x="8296275" y="1419225"/>
+            <a:ext cx="3081576" cy="2085869"/>
           </a:xfrm>
         </p:spPr>
         <p:txBody>
-          <a:bodyPr anchor="ctr">
+          <a:bodyPr vert="horz" lIns="91440" tIns="45720" rIns="91440" bIns="45720" rtlCol="0" anchor="b">
             <a:normAutofit/>
           </a:bodyPr>
           <a:lstStyle/>
           <a:p>
-            <a:r>
-              <a:rPr lang="en-US" sz="3000" dirty="0">
+            <a:pPr>
+              <a:lnSpc>
+                <a:spcPct val="90000"/>
+              </a:lnSpc>
+            </a:pPr>
+            <a:r>
+              <a:rPr lang="en-US" sz="3600">
                 <a:solidFill>
                   <a:srgbClr val="FFFFFF"/>
                 </a:solidFill>
@@ -15004,14 +15249,14 @@
               <a:t>Second Iteration </a:t>
             </a:r>
             <a:br>
-              <a:rPr lang="en-US" sz="3000" dirty="0">
+              <a:rPr lang="en-US" sz="3600">
                 <a:solidFill>
                   <a:srgbClr val="FFFFFF"/>
                 </a:solidFill>
               </a:rPr>
             </a:br>
             <a:r>
-              <a:rPr lang="en-US" sz="3000" dirty="0">
+              <a:rPr lang="en-US" sz="3600">
                 <a:solidFill>
                   <a:srgbClr val="FFFFFF"/>
                 </a:solidFill>
@@ -15059,228 +15304,12 @@
           <a:chExt cx="0" cy="0"/>
         </a:xfrm>
       </p:grpSpPr>
-      <p:sp>
-        <p:nvSpPr>
-          <p:cNvPr id="11" name="Rectangle 10">
+      <p:sp useBgFill="1">
+        <p:nvSpPr>
+          <p:cNvPr id="19" name="Rectangle 18">
             <a:extLst>
               <a:ext uri="{FF2B5EF4-FFF2-40B4-BE49-F238E27FC236}">
-                <a16:creationId xmlns:a16="http://schemas.microsoft.com/office/drawing/2014/main" id="{DD651B61-325E-4E73-8445-38B0DE8AAAB6}"/>
-              </a:ext>
-              <a:ext uri="{C183D7F6-B498-43B3-948B-1728B52AA6E4}">
-                <adec:decorative xmlns:adec="http://schemas.microsoft.com/office/drawing/2017/decorative" val="1"/>
-              </a:ext>
-            </a:extLst>
-          </p:cNvPr>
-          <p:cNvSpPr>
-            <a:spLocks noGrp="1" noRot="1" noChangeAspect="1" noMove="1" noResize="1" noEditPoints="1" noAdjustHandles="1" noChangeArrowheads="1" noChangeShapeType="1" noTextEdit="1"/>
-          </p:cNvSpPr>
-          <p:nvPr>
-            <p:extLst>
-              <p:ext uri="{386F3935-93C4-4BCD-93E2-E3B085C9AB24}">
-                <p16:designElem xmlns:p16="http://schemas.microsoft.com/office/powerpoint/2015/main" val="1"/>
-              </p:ext>
-            </p:extLst>
-          </p:nvPr>
-        </p:nvSpPr>
-        <p:spPr>
-          <a:xfrm>
-            <a:off x="446534" y="457200"/>
-            <a:ext cx="3703320" cy="94997"/>
-          </a:xfrm>
-          <a:prstGeom prst="rect">
-            <a:avLst/>
-          </a:prstGeom>
-          <a:solidFill>
-            <a:srgbClr val="465359"/>
-          </a:solidFill>
-          <a:ln>
-            <a:noFill/>
-          </a:ln>
-          <a:effectLst/>
-        </p:spPr>
-        <p:style>
-          <a:lnRef idx="1">
-            <a:schemeClr val="accent1"/>
-          </a:lnRef>
-          <a:fillRef idx="3">
-            <a:schemeClr val="accent1"/>
-          </a:fillRef>
-          <a:effectRef idx="2">
-            <a:schemeClr val="accent1"/>
-          </a:effectRef>
-          <a:fontRef idx="minor">
-            <a:schemeClr val="lt1"/>
-          </a:fontRef>
-        </p:style>
-      </p:sp>
-      <p:sp>
-        <p:nvSpPr>
-          <p:cNvPr id="39" name="Rectangle 12">
-            <a:extLst>
-              <a:ext uri="{FF2B5EF4-FFF2-40B4-BE49-F238E27FC236}">
-                <a16:creationId xmlns:a16="http://schemas.microsoft.com/office/drawing/2014/main" id="{B42E5253-D3AC-4AC2-B766-8B34F13C2F5E}"/>
-              </a:ext>
-              <a:ext uri="{C183D7F6-B498-43B3-948B-1728B52AA6E4}">
-                <adec:decorative xmlns:adec="http://schemas.microsoft.com/office/drawing/2017/decorative" val="1"/>
-              </a:ext>
-            </a:extLst>
-          </p:cNvPr>
-          <p:cNvSpPr>
-            <a:spLocks noGrp="1" noRot="1" noChangeAspect="1" noMove="1" noResize="1" noEditPoints="1" noAdjustHandles="1" noChangeArrowheads="1" noChangeShapeType="1" noTextEdit="1"/>
-          </p:cNvSpPr>
-          <p:nvPr>
-            <p:extLst>
-              <p:ext uri="{386F3935-93C4-4BCD-93E2-E3B085C9AB24}">
-                <p16:designElem xmlns:p16="http://schemas.microsoft.com/office/powerpoint/2015/main" val="1"/>
-              </p:ext>
-            </p:extLst>
-          </p:nvPr>
-        </p:nvSpPr>
-        <p:spPr>
-          <a:xfrm>
-            <a:off x="8042147" y="453643"/>
-            <a:ext cx="3703320" cy="98554"/>
-          </a:xfrm>
-          <a:prstGeom prst="rect">
-            <a:avLst/>
-          </a:prstGeom>
-          <a:solidFill>
-            <a:srgbClr val="969FA7"/>
-          </a:solidFill>
-          <a:ln>
-            <a:noFill/>
-          </a:ln>
-          <a:effectLst/>
-        </p:spPr>
-        <p:style>
-          <a:lnRef idx="1">
-            <a:schemeClr val="accent1"/>
-          </a:lnRef>
-          <a:fillRef idx="3">
-            <a:schemeClr val="accent1"/>
-          </a:fillRef>
-          <a:effectRef idx="2">
-            <a:schemeClr val="accent1"/>
-          </a:effectRef>
-          <a:fontRef idx="minor">
-            <a:schemeClr val="lt1"/>
-          </a:fontRef>
-        </p:style>
-      </p:sp>
-      <p:sp>
-        <p:nvSpPr>
-          <p:cNvPr id="40" name="Rectangle 14">
-            <a:extLst>
-              <a:ext uri="{FF2B5EF4-FFF2-40B4-BE49-F238E27FC236}">
-                <a16:creationId xmlns:a16="http://schemas.microsoft.com/office/drawing/2014/main" id="{10AE8D57-436A-4073-9A75-15BB5949F8B4}"/>
-              </a:ext>
-              <a:ext uri="{C183D7F6-B498-43B3-948B-1728B52AA6E4}">
-                <adec:decorative xmlns:adec="http://schemas.microsoft.com/office/drawing/2017/decorative" val="1"/>
-              </a:ext>
-            </a:extLst>
-          </p:cNvPr>
-          <p:cNvSpPr>
-            <a:spLocks noGrp="1" noRot="1" noChangeAspect="1" noMove="1" noResize="1" noEditPoints="1" noAdjustHandles="1" noChangeArrowheads="1" noChangeShapeType="1" noTextEdit="1"/>
-          </p:cNvSpPr>
-          <p:nvPr>
-            <p:extLst>
-              <p:ext uri="{386F3935-93C4-4BCD-93E2-E3B085C9AB24}">
-                <p16:designElem xmlns:p16="http://schemas.microsoft.com/office/powerpoint/2015/main" val="1"/>
-              </p:ext>
-            </p:extLst>
-          </p:nvPr>
-        </p:nvSpPr>
-        <p:spPr>
-          <a:xfrm>
-            <a:off x="4241830" y="457200"/>
-            <a:ext cx="3703320" cy="91440"/>
-          </a:xfrm>
-          <a:prstGeom prst="rect">
-            <a:avLst/>
-          </a:prstGeom>
-          <a:solidFill>
-            <a:schemeClr val="accent1"/>
-          </a:solidFill>
-          <a:ln>
-            <a:noFill/>
-          </a:ln>
-          <a:effectLst/>
-        </p:spPr>
-        <p:style>
-          <a:lnRef idx="1">
-            <a:schemeClr val="accent1"/>
-          </a:lnRef>
-          <a:fillRef idx="3">
-            <a:schemeClr val="accent1"/>
-          </a:fillRef>
-          <a:effectRef idx="2">
-            <a:schemeClr val="accent1"/>
-          </a:effectRef>
-          <a:fontRef idx="minor">
-            <a:schemeClr val="lt1"/>
-          </a:fontRef>
-        </p:style>
-      </p:sp>
-      <p:sp>
-        <p:nvSpPr>
-          <p:cNvPr id="41" name="Rectangle 16">
-            <a:extLst>
-              <a:ext uri="{FF2B5EF4-FFF2-40B4-BE49-F238E27FC236}">
-                <a16:creationId xmlns:a16="http://schemas.microsoft.com/office/drawing/2014/main" id="{E2852671-8EB6-4EAF-8AF8-65CF3FD66456}"/>
-              </a:ext>
-              <a:ext uri="{C183D7F6-B498-43B3-948B-1728B52AA6E4}">
-                <adec:decorative xmlns:adec="http://schemas.microsoft.com/office/drawing/2017/decorative" val="1"/>
-              </a:ext>
-            </a:extLst>
-          </p:cNvPr>
-          <p:cNvSpPr>
-            <a:spLocks noGrp="1" noRot="1" noChangeAspect="1" noMove="1" noResize="1" noEditPoints="1" noAdjustHandles="1" noChangeArrowheads="1" noChangeShapeType="1" noTextEdit="1"/>
-          </p:cNvSpPr>
-          <p:nvPr>
-            <p:extLst>
-              <p:ext uri="{386F3935-93C4-4BCD-93E2-E3B085C9AB24}">
-                <p16:designElem xmlns:p16="http://schemas.microsoft.com/office/powerpoint/2015/main" val="1"/>
-              </p:ext>
-            </p:extLst>
-          </p:nvPr>
-        </p:nvSpPr>
-        <p:spPr>
-          <a:xfrm>
-            <a:off x="446534" y="3085764"/>
-            <a:ext cx="11298932" cy="3338149"/>
-          </a:xfrm>
-          <a:prstGeom prst="rect">
-            <a:avLst/>
-          </a:prstGeom>
-          <a:solidFill>
-            <a:srgbClr val="465359"/>
-          </a:solidFill>
-          <a:ln>
-            <a:noFill/>
-          </a:ln>
-          <a:effectLst/>
-        </p:spPr>
-        <p:style>
-          <a:lnRef idx="1">
-            <a:schemeClr val="accent1"/>
-          </a:lnRef>
-          <a:fillRef idx="3">
-            <a:schemeClr val="accent1"/>
-          </a:fillRef>
-          <a:effectRef idx="2">
-            <a:schemeClr val="accent1"/>
-          </a:effectRef>
-          <a:fontRef idx="minor">
-            <a:schemeClr val="lt1"/>
-          </a:fontRef>
-        </p:style>
-      </p:sp>
-      <p:sp useBgFill="1">
-        <p:nvSpPr>
-          <p:cNvPr id="42" name="Rectangle 18">
-            <a:extLst>
-              <a:ext uri="{FF2B5EF4-FFF2-40B4-BE49-F238E27FC236}">
-                <a16:creationId xmlns:a16="http://schemas.microsoft.com/office/drawing/2014/main" id="{26B4480E-B7FF-4481-890E-043A69AE6FE2}"/>
+                <a16:creationId xmlns:a16="http://schemas.microsoft.com/office/drawing/2014/main" id="{FBE7ADA7-D199-447B-83C7-7FB0F7BFE027}"/>
               </a:ext>
               <a:ext uri="{C183D7F6-B498-43B3-948B-1728B52AA6E4}">
                 <adec:decorative xmlns:adec="http://schemas.microsoft.com/office/drawing/2017/decorative" val="1"/>
@@ -15337,10 +15366,10 @@
       </p:sp>
       <p:sp>
         <p:nvSpPr>
-          <p:cNvPr id="43" name="Rectangle 20">
+          <p:cNvPr id="21" name="Rectangle 20">
             <a:extLst>
               <a:ext uri="{FF2B5EF4-FFF2-40B4-BE49-F238E27FC236}">
-                <a16:creationId xmlns:a16="http://schemas.microsoft.com/office/drawing/2014/main" id="{8C2840C6-6494-4E12-A428-2012DA7DDF8A}"/>
+                <a16:creationId xmlns:a16="http://schemas.microsoft.com/office/drawing/2014/main" id="{CF7BDE25-3D6C-4A65-AE1F-17B3C31DC9DF}"/>
               </a:ext>
               <a:ext uri="{C183D7F6-B498-43B3-948B-1728B52AA6E4}">
                 <adec:decorative xmlns:adec="http://schemas.microsoft.com/office/drawing/2017/decorative" val="1"/>
@@ -15360,8 +15389,8 @@
         </p:nvSpPr>
         <p:spPr>
           <a:xfrm>
-            <a:off x="514059" y="457200"/>
-            <a:ext cx="5010912" cy="91440"/>
+            <a:off x="446534" y="4561150"/>
+            <a:ext cx="3703320" cy="94997"/>
           </a:xfrm>
           <a:prstGeom prst="rect">
             <a:avLst/>
@@ -15394,7 +15423,7 @@
           <p:cNvPr id="23" name="Rectangle 22">
             <a:extLst>
               <a:ext uri="{FF2B5EF4-FFF2-40B4-BE49-F238E27FC236}">
-                <a16:creationId xmlns:a16="http://schemas.microsoft.com/office/drawing/2014/main" id="{8CF5084D-B617-4011-8406-A93B64723187}"/>
+                <a16:creationId xmlns:a16="http://schemas.microsoft.com/office/drawing/2014/main" id="{5CD6E934-390A-4282-9C06-550879EA88ED}"/>
               </a:ext>
               <a:ext uri="{C183D7F6-B498-43B3-948B-1728B52AA6E4}">
                 <adec:decorative xmlns:adec="http://schemas.microsoft.com/office/drawing/2017/decorative" val="1"/>
@@ -15414,8 +15443,116 @@
         </p:nvSpPr>
         <p:spPr>
           <a:xfrm>
-            <a:off x="515583" y="608797"/>
-            <a:ext cx="5009388" cy="5781768"/>
+            <a:off x="4241830" y="4561150"/>
+            <a:ext cx="3703320" cy="91440"/>
+          </a:xfrm>
+          <a:prstGeom prst="rect">
+            <a:avLst/>
+          </a:prstGeom>
+          <a:solidFill>
+            <a:schemeClr val="accent1"/>
+          </a:solidFill>
+          <a:ln>
+            <a:noFill/>
+          </a:ln>
+          <a:effectLst/>
+        </p:spPr>
+        <p:style>
+          <a:lnRef idx="1">
+            <a:schemeClr val="accent1"/>
+          </a:lnRef>
+          <a:fillRef idx="3">
+            <a:schemeClr val="accent1"/>
+          </a:fillRef>
+          <a:effectRef idx="2">
+            <a:schemeClr val="accent1"/>
+          </a:effectRef>
+          <a:fontRef idx="minor">
+            <a:schemeClr val="lt1"/>
+          </a:fontRef>
+        </p:style>
+      </p:sp>
+      <p:sp>
+        <p:nvSpPr>
+          <p:cNvPr id="25" name="Rectangle 24">
+            <a:extLst>
+              <a:ext uri="{FF2B5EF4-FFF2-40B4-BE49-F238E27FC236}">
+                <a16:creationId xmlns:a16="http://schemas.microsoft.com/office/drawing/2014/main" id="{5207C480-2ED1-4822-91D1-C253F6887113}"/>
+              </a:ext>
+              <a:ext uri="{C183D7F6-B498-43B3-948B-1728B52AA6E4}">
+                <adec:decorative xmlns:adec="http://schemas.microsoft.com/office/drawing/2017/decorative" val="1"/>
+              </a:ext>
+            </a:extLst>
+          </p:cNvPr>
+          <p:cNvSpPr>
+            <a:spLocks noGrp="1" noRot="1" noChangeAspect="1" noMove="1" noResize="1" noEditPoints="1" noAdjustHandles="1" noChangeArrowheads="1" noChangeShapeType="1" noTextEdit="1"/>
+          </p:cNvSpPr>
+          <p:nvPr>
+            <p:extLst>
+              <p:ext uri="{386F3935-93C4-4BCD-93E2-E3B085C9AB24}">
+                <p16:designElem xmlns:p16="http://schemas.microsoft.com/office/powerpoint/2015/main" val="1"/>
+              </p:ext>
+            </p:extLst>
+          </p:nvPr>
+        </p:nvSpPr>
+        <p:spPr>
+          <a:xfrm>
+            <a:off x="8042147" y="4557593"/>
+            <a:ext cx="3703320" cy="98554"/>
+          </a:xfrm>
+          <a:prstGeom prst="rect">
+            <a:avLst/>
+          </a:prstGeom>
+          <a:solidFill>
+            <a:srgbClr val="969FA7"/>
+          </a:solidFill>
+          <a:ln>
+            <a:noFill/>
+          </a:ln>
+          <a:effectLst/>
+        </p:spPr>
+        <p:style>
+          <a:lnRef idx="1">
+            <a:schemeClr val="accent1"/>
+          </a:lnRef>
+          <a:fillRef idx="3">
+            <a:schemeClr val="accent1"/>
+          </a:fillRef>
+          <a:effectRef idx="2">
+            <a:schemeClr val="accent1"/>
+          </a:effectRef>
+          <a:fontRef idx="minor">
+            <a:schemeClr val="lt1"/>
+          </a:fontRef>
+        </p:style>
+      </p:sp>
+      <p:sp>
+        <p:nvSpPr>
+          <p:cNvPr id="27" name="Rectangle 26">
+            <a:extLst>
+              <a:ext uri="{FF2B5EF4-FFF2-40B4-BE49-F238E27FC236}">
+                <a16:creationId xmlns:a16="http://schemas.microsoft.com/office/drawing/2014/main" id="{A62FAE06-6CFA-41A5-8807-43DD2423C568}"/>
+              </a:ext>
+              <a:ext uri="{C183D7F6-B498-43B3-948B-1728B52AA6E4}">
+                <adec:decorative xmlns:adec="http://schemas.microsoft.com/office/drawing/2017/decorative" val="1"/>
+              </a:ext>
+            </a:extLst>
+          </p:cNvPr>
+          <p:cNvSpPr>
+            <a:spLocks noGrp="1" noRot="1" noChangeAspect="1" noMove="1" noResize="1" noEditPoints="1" noAdjustHandles="1" noChangeArrowheads="1" noChangeShapeType="1" noTextEdit="1"/>
+          </p:cNvSpPr>
+          <p:nvPr>
+            <p:extLst>
+              <p:ext uri="{386F3935-93C4-4BCD-93E2-E3B085C9AB24}">
+                <p16:designElem xmlns:p16="http://schemas.microsoft.com/office/powerpoint/2015/main" val="1"/>
+              </p:ext>
+            </p:extLst>
+          </p:nvPr>
+        </p:nvSpPr>
+        <p:spPr>
+          <a:xfrm>
+            <a:off x="440286" y="4734570"/>
+            <a:ext cx="11309338" cy="1656683"/>
           </a:xfrm>
           <a:prstGeom prst="rect">
             <a:avLst/>
@@ -15445,13 +15582,7 @@
       </p:sp>
       <p:sp>
         <p:nvSpPr>
-          <p:cNvPr id="2" name="Titel 1">
-            <a:extLst>
-              <a:ext uri="{FF2B5EF4-FFF2-40B4-BE49-F238E27FC236}">
-                <a16:creationId xmlns:a16="http://schemas.microsoft.com/office/drawing/2014/main" id="{06158C18-B0AD-4A23-BB2F-A981A9ADFAF7}"/>
-              </a:ext>
-            </a:extLst>
-          </p:cNvPr>
+          <p:cNvPr id="2" name="Titel 1"/>
           <p:cNvSpPr>
             <a:spLocks noGrp="1"/>
           </p:cNvSpPr>
@@ -15461,78 +15592,71 @@
         </p:nvSpPr>
         <p:spPr>
           <a:xfrm>
-            <a:off x="781872" y="1204126"/>
-            <a:ext cx="4476811" cy="3358833"/>
+            <a:off x="581192" y="4929704"/>
+            <a:ext cx="10925008" cy="1245166"/>
           </a:xfrm>
         </p:spPr>
         <p:txBody>
-          <a:bodyPr vert="horz" lIns="91440" tIns="45720" rIns="91440" bIns="45720" rtlCol="0" anchor="b">
+          <a:bodyPr anchor="ctr">
             <a:normAutofit/>
           </a:bodyPr>
           <a:lstStyle/>
           <a:p>
             <a:r>
-              <a:rPr lang="en-US" sz="4000" dirty="0">
+              <a:rPr lang="en-GB" dirty="0">
                 <a:solidFill>
-                  <a:srgbClr val="FFFFFF"/>
+                  <a:srgbClr val="FFFEFF"/>
                 </a:solidFill>
               </a:rPr>
               <a:t>Second Iteration</a:t>
             </a:r>
             <a:br>
-              <a:rPr lang="en-US" sz="4000" dirty="0">
+              <a:rPr lang="en-GB" dirty="0">
                 <a:solidFill>
-                  <a:srgbClr val="FFFFFF"/>
+                  <a:srgbClr val="FFFEFF"/>
                 </a:solidFill>
               </a:rPr>
             </a:br>
             <a:r>
-              <a:rPr lang="en-US" sz="4000" dirty="0">
+              <a:rPr lang="en-GB" dirty="0">
                 <a:solidFill>
-                  <a:srgbClr val="FFFFFF"/>
+                  <a:srgbClr val="FFFEFF"/>
                 </a:solidFill>
               </a:rPr>
-              <a:t>Model Template -- Ensembles</a:t>
+              <a:t>Random forest is the best performing model</a:t>
             </a:r>
           </a:p>
         </p:txBody>
       </p:sp>
-      <p:pic>
-        <p:nvPicPr>
-          <p:cNvPr id="6" name="Inhaltsplatzhalter 5">
-            <a:extLst>
-              <a:ext uri="{FF2B5EF4-FFF2-40B4-BE49-F238E27FC236}">
-                <a16:creationId xmlns:a16="http://schemas.microsoft.com/office/drawing/2014/main" id="{B88ED279-C1D1-2BED-99E9-87C16235764F}"/>
-              </a:ext>
-            </a:extLst>
-          </p:cNvPr>
-          <p:cNvPicPr>
-            <a:picLocks noGrp="1" noChangeAspect="1"/>
-          </p:cNvPicPr>
+      <p:graphicFrame>
+        <p:nvGraphicFramePr>
+          <p:cNvPr id="14" name="Inhaltsplatzhalter 13"/>
+          <p:cNvGraphicFramePr>
+            <a:graphicFrameLocks noGrp="1"/>
+          </p:cNvGraphicFramePr>
           <p:nvPr>
             <p:ph idx="1"/>
-          </p:nvPr>
-        </p:nvPicPr>
-        <p:blipFill>
-          <a:blip r:embed="rId2"/>
-          <a:stretch>
-            <a:fillRect/>
-          </a:stretch>
-        </p:blipFill>
-        <p:spPr>
-          <a:xfrm>
-            <a:off x="6095999" y="1000079"/>
-            <a:ext cx="5433917" cy="4999203"/>
-          </a:xfrm>
-          <a:prstGeom prst="rect">
-            <a:avLst/>
-          </a:prstGeom>
-        </p:spPr>
-      </p:pic>
+            <p:extLst>
+              <p:ext uri="{D42A27DB-BD31-4B8C-83A1-F6EECF244321}">
+                <p14:modId xmlns:p14="http://schemas.microsoft.com/office/powerpoint/2010/main" val="1929921343"/>
+              </p:ext>
+            </p:extLst>
+          </p:nvPr>
+        </p:nvGraphicFramePr>
+        <p:xfrm>
+          <a:off x="581025" y="728488"/>
+          <a:ext cx="11029950" cy="3560291"/>
+        </p:xfrm>
+        <a:graphic>
+          <a:graphicData uri="http://schemas.openxmlformats.org/drawingml/2006/chart">
+            <c:chart xmlns:c="http://schemas.openxmlformats.org/drawingml/2006/chart" xmlns:r="http://schemas.openxmlformats.org/officeDocument/2006/relationships" r:id="rId3"/>
+          </a:graphicData>
+        </a:graphic>
+      </p:graphicFrame>
     </p:spTree>
     <p:extLst>
       <p:ext uri="{BB962C8B-B14F-4D97-AF65-F5344CB8AC3E}">
-        <p14:creationId xmlns:p14="http://schemas.microsoft.com/office/powerpoint/2010/main" val="1576359950"/>
+        <p14:creationId xmlns:p14="http://schemas.microsoft.com/office/powerpoint/2010/main" val="525597324"/>
       </p:ext>
     </p:extLst>
   </p:cSld>
@@ -15567,12 +15691,228 @@
           <a:chExt cx="0" cy="0"/>
         </a:xfrm>
       </p:grpSpPr>
-      <p:sp useBgFill="1">
-        <p:nvSpPr>
-          <p:cNvPr id="19" name="Rectangle 18">
+      <p:sp>
+        <p:nvSpPr>
+          <p:cNvPr id="11" name="Rectangle 10">
             <a:extLst>
               <a:ext uri="{FF2B5EF4-FFF2-40B4-BE49-F238E27FC236}">
-                <a16:creationId xmlns:a16="http://schemas.microsoft.com/office/drawing/2014/main" id="{FBE7ADA7-D199-447B-83C7-7FB0F7BFE027}"/>
+                <a16:creationId xmlns:a16="http://schemas.microsoft.com/office/drawing/2014/main" id="{DD651B61-325E-4E73-8445-38B0DE8AAAB6}"/>
+              </a:ext>
+              <a:ext uri="{C183D7F6-B498-43B3-948B-1728B52AA6E4}">
+                <adec:decorative xmlns:adec="http://schemas.microsoft.com/office/drawing/2017/decorative" val="1"/>
+              </a:ext>
+            </a:extLst>
+          </p:cNvPr>
+          <p:cNvSpPr>
+            <a:spLocks noGrp="1" noRot="1" noChangeAspect="1" noMove="1" noResize="1" noEditPoints="1" noAdjustHandles="1" noChangeArrowheads="1" noChangeShapeType="1" noTextEdit="1"/>
+          </p:cNvSpPr>
+          <p:nvPr>
+            <p:extLst>
+              <p:ext uri="{386F3935-93C4-4BCD-93E2-E3B085C9AB24}">
+                <p16:designElem xmlns:p16="http://schemas.microsoft.com/office/powerpoint/2015/main" val="1"/>
+              </p:ext>
+            </p:extLst>
+          </p:nvPr>
+        </p:nvSpPr>
+        <p:spPr>
+          <a:xfrm>
+            <a:off x="446534" y="457200"/>
+            <a:ext cx="3703320" cy="94997"/>
+          </a:xfrm>
+          <a:prstGeom prst="rect">
+            <a:avLst/>
+          </a:prstGeom>
+          <a:solidFill>
+            <a:srgbClr val="465359"/>
+          </a:solidFill>
+          <a:ln>
+            <a:noFill/>
+          </a:ln>
+          <a:effectLst/>
+        </p:spPr>
+        <p:style>
+          <a:lnRef idx="1">
+            <a:schemeClr val="accent1"/>
+          </a:lnRef>
+          <a:fillRef idx="3">
+            <a:schemeClr val="accent1"/>
+          </a:fillRef>
+          <a:effectRef idx="2">
+            <a:schemeClr val="accent1"/>
+          </a:effectRef>
+          <a:fontRef idx="minor">
+            <a:schemeClr val="lt1"/>
+          </a:fontRef>
+        </p:style>
+      </p:sp>
+      <p:sp>
+        <p:nvSpPr>
+          <p:cNvPr id="39" name="Rectangle 12">
+            <a:extLst>
+              <a:ext uri="{FF2B5EF4-FFF2-40B4-BE49-F238E27FC236}">
+                <a16:creationId xmlns:a16="http://schemas.microsoft.com/office/drawing/2014/main" id="{B42E5253-D3AC-4AC2-B766-8B34F13C2F5E}"/>
+              </a:ext>
+              <a:ext uri="{C183D7F6-B498-43B3-948B-1728B52AA6E4}">
+                <adec:decorative xmlns:adec="http://schemas.microsoft.com/office/drawing/2017/decorative" val="1"/>
+              </a:ext>
+            </a:extLst>
+          </p:cNvPr>
+          <p:cNvSpPr>
+            <a:spLocks noGrp="1" noRot="1" noChangeAspect="1" noMove="1" noResize="1" noEditPoints="1" noAdjustHandles="1" noChangeArrowheads="1" noChangeShapeType="1" noTextEdit="1"/>
+          </p:cNvSpPr>
+          <p:nvPr>
+            <p:extLst>
+              <p:ext uri="{386F3935-93C4-4BCD-93E2-E3B085C9AB24}">
+                <p16:designElem xmlns:p16="http://schemas.microsoft.com/office/powerpoint/2015/main" val="1"/>
+              </p:ext>
+            </p:extLst>
+          </p:nvPr>
+        </p:nvSpPr>
+        <p:spPr>
+          <a:xfrm>
+            <a:off x="8042147" y="453643"/>
+            <a:ext cx="3703320" cy="98554"/>
+          </a:xfrm>
+          <a:prstGeom prst="rect">
+            <a:avLst/>
+          </a:prstGeom>
+          <a:solidFill>
+            <a:srgbClr val="969FA7"/>
+          </a:solidFill>
+          <a:ln>
+            <a:noFill/>
+          </a:ln>
+          <a:effectLst/>
+        </p:spPr>
+        <p:style>
+          <a:lnRef idx="1">
+            <a:schemeClr val="accent1"/>
+          </a:lnRef>
+          <a:fillRef idx="3">
+            <a:schemeClr val="accent1"/>
+          </a:fillRef>
+          <a:effectRef idx="2">
+            <a:schemeClr val="accent1"/>
+          </a:effectRef>
+          <a:fontRef idx="minor">
+            <a:schemeClr val="lt1"/>
+          </a:fontRef>
+        </p:style>
+      </p:sp>
+      <p:sp>
+        <p:nvSpPr>
+          <p:cNvPr id="40" name="Rectangle 14">
+            <a:extLst>
+              <a:ext uri="{FF2B5EF4-FFF2-40B4-BE49-F238E27FC236}">
+                <a16:creationId xmlns:a16="http://schemas.microsoft.com/office/drawing/2014/main" id="{10AE8D57-436A-4073-9A75-15BB5949F8B4}"/>
+              </a:ext>
+              <a:ext uri="{C183D7F6-B498-43B3-948B-1728B52AA6E4}">
+                <adec:decorative xmlns:adec="http://schemas.microsoft.com/office/drawing/2017/decorative" val="1"/>
+              </a:ext>
+            </a:extLst>
+          </p:cNvPr>
+          <p:cNvSpPr>
+            <a:spLocks noGrp="1" noRot="1" noChangeAspect="1" noMove="1" noResize="1" noEditPoints="1" noAdjustHandles="1" noChangeArrowheads="1" noChangeShapeType="1" noTextEdit="1"/>
+          </p:cNvSpPr>
+          <p:nvPr>
+            <p:extLst>
+              <p:ext uri="{386F3935-93C4-4BCD-93E2-E3B085C9AB24}">
+                <p16:designElem xmlns:p16="http://schemas.microsoft.com/office/powerpoint/2015/main" val="1"/>
+              </p:ext>
+            </p:extLst>
+          </p:nvPr>
+        </p:nvSpPr>
+        <p:spPr>
+          <a:xfrm>
+            <a:off x="4241830" y="457200"/>
+            <a:ext cx="3703320" cy="91440"/>
+          </a:xfrm>
+          <a:prstGeom prst="rect">
+            <a:avLst/>
+          </a:prstGeom>
+          <a:solidFill>
+            <a:schemeClr val="accent1"/>
+          </a:solidFill>
+          <a:ln>
+            <a:noFill/>
+          </a:ln>
+          <a:effectLst/>
+        </p:spPr>
+        <p:style>
+          <a:lnRef idx="1">
+            <a:schemeClr val="accent1"/>
+          </a:lnRef>
+          <a:fillRef idx="3">
+            <a:schemeClr val="accent1"/>
+          </a:fillRef>
+          <a:effectRef idx="2">
+            <a:schemeClr val="accent1"/>
+          </a:effectRef>
+          <a:fontRef idx="minor">
+            <a:schemeClr val="lt1"/>
+          </a:fontRef>
+        </p:style>
+      </p:sp>
+      <p:sp>
+        <p:nvSpPr>
+          <p:cNvPr id="41" name="Rectangle 16">
+            <a:extLst>
+              <a:ext uri="{FF2B5EF4-FFF2-40B4-BE49-F238E27FC236}">
+                <a16:creationId xmlns:a16="http://schemas.microsoft.com/office/drawing/2014/main" id="{E2852671-8EB6-4EAF-8AF8-65CF3FD66456}"/>
+              </a:ext>
+              <a:ext uri="{C183D7F6-B498-43B3-948B-1728B52AA6E4}">
+                <adec:decorative xmlns:adec="http://schemas.microsoft.com/office/drawing/2017/decorative" val="1"/>
+              </a:ext>
+            </a:extLst>
+          </p:cNvPr>
+          <p:cNvSpPr>
+            <a:spLocks noGrp="1" noRot="1" noChangeAspect="1" noMove="1" noResize="1" noEditPoints="1" noAdjustHandles="1" noChangeArrowheads="1" noChangeShapeType="1" noTextEdit="1"/>
+          </p:cNvSpPr>
+          <p:nvPr>
+            <p:extLst>
+              <p:ext uri="{386F3935-93C4-4BCD-93E2-E3B085C9AB24}">
+                <p16:designElem xmlns:p16="http://schemas.microsoft.com/office/powerpoint/2015/main" val="1"/>
+              </p:ext>
+            </p:extLst>
+          </p:nvPr>
+        </p:nvSpPr>
+        <p:spPr>
+          <a:xfrm>
+            <a:off x="446534" y="3085764"/>
+            <a:ext cx="11298932" cy="3338149"/>
+          </a:xfrm>
+          <a:prstGeom prst="rect">
+            <a:avLst/>
+          </a:prstGeom>
+          <a:solidFill>
+            <a:srgbClr val="465359"/>
+          </a:solidFill>
+          <a:ln>
+            <a:noFill/>
+          </a:ln>
+          <a:effectLst/>
+        </p:spPr>
+        <p:style>
+          <a:lnRef idx="1">
+            <a:schemeClr val="accent1"/>
+          </a:lnRef>
+          <a:fillRef idx="3">
+            <a:schemeClr val="accent1"/>
+          </a:fillRef>
+          <a:effectRef idx="2">
+            <a:schemeClr val="accent1"/>
+          </a:effectRef>
+          <a:fontRef idx="minor">
+            <a:schemeClr val="lt1"/>
+          </a:fontRef>
+        </p:style>
+      </p:sp>
+      <p:sp useBgFill="1">
+        <p:nvSpPr>
+          <p:cNvPr id="42" name="Rectangle 18">
+            <a:extLst>
+              <a:ext uri="{FF2B5EF4-FFF2-40B4-BE49-F238E27FC236}">
+                <a16:creationId xmlns:a16="http://schemas.microsoft.com/office/drawing/2014/main" id="{26B4480E-B7FF-4481-890E-043A69AE6FE2}"/>
               </a:ext>
               <a:ext uri="{C183D7F6-B498-43B3-948B-1728B52AA6E4}">
                 <adec:decorative xmlns:adec="http://schemas.microsoft.com/office/drawing/2017/decorative" val="1"/>
@@ -15629,10 +15969,10 @@
       </p:sp>
       <p:sp>
         <p:nvSpPr>
-          <p:cNvPr id="21" name="Rectangle 20">
+          <p:cNvPr id="43" name="Rectangle 20">
             <a:extLst>
               <a:ext uri="{FF2B5EF4-FFF2-40B4-BE49-F238E27FC236}">
-                <a16:creationId xmlns:a16="http://schemas.microsoft.com/office/drawing/2014/main" id="{CF7BDE25-3D6C-4A65-AE1F-17B3C31DC9DF}"/>
+                <a16:creationId xmlns:a16="http://schemas.microsoft.com/office/drawing/2014/main" id="{8C2840C6-6494-4E12-A428-2012DA7DDF8A}"/>
               </a:ext>
               <a:ext uri="{C183D7F6-B498-43B3-948B-1728B52AA6E4}">
                 <adec:decorative xmlns:adec="http://schemas.microsoft.com/office/drawing/2017/decorative" val="1"/>
@@ -15652,7 +15992,239 @@
         </p:nvSpPr>
         <p:spPr>
           <a:xfrm>
-            <a:off x="446534" y="4561150"/>
+            <a:off x="514059" y="457200"/>
+            <a:ext cx="5010912" cy="91440"/>
+          </a:xfrm>
+          <a:prstGeom prst="rect">
+            <a:avLst/>
+          </a:prstGeom>
+          <a:solidFill>
+            <a:srgbClr val="465359"/>
+          </a:solidFill>
+          <a:ln>
+            <a:noFill/>
+          </a:ln>
+          <a:effectLst/>
+        </p:spPr>
+        <p:style>
+          <a:lnRef idx="1">
+            <a:schemeClr val="accent1"/>
+          </a:lnRef>
+          <a:fillRef idx="3">
+            <a:schemeClr val="accent1"/>
+          </a:fillRef>
+          <a:effectRef idx="2">
+            <a:schemeClr val="accent1"/>
+          </a:effectRef>
+          <a:fontRef idx="minor">
+            <a:schemeClr val="lt1"/>
+          </a:fontRef>
+        </p:style>
+      </p:sp>
+      <p:sp>
+        <p:nvSpPr>
+          <p:cNvPr id="23" name="Rectangle 22">
+            <a:extLst>
+              <a:ext uri="{FF2B5EF4-FFF2-40B4-BE49-F238E27FC236}">
+                <a16:creationId xmlns:a16="http://schemas.microsoft.com/office/drawing/2014/main" id="{8CF5084D-B617-4011-8406-A93B64723187}"/>
+              </a:ext>
+              <a:ext uri="{C183D7F6-B498-43B3-948B-1728B52AA6E4}">
+                <adec:decorative xmlns:adec="http://schemas.microsoft.com/office/drawing/2017/decorative" val="1"/>
+              </a:ext>
+            </a:extLst>
+          </p:cNvPr>
+          <p:cNvSpPr>
+            <a:spLocks noGrp="1" noRot="1" noChangeAspect="1" noMove="1" noResize="1" noEditPoints="1" noAdjustHandles="1" noChangeArrowheads="1" noChangeShapeType="1" noTextEdit="1"/>
+          </p:cNvSpPr>
+          <p:nvPr>
+            <p:extLst>
+              <p:ext uri="{386F3935-93C4-4BCD-93E2-E3B085C9AB24}">
+                <p16:designElem xmlns:p16="http://schemas.microsoft.com/office/powerpoint/2015/main" val="1"/>
+              </p:ext>
+            </p:extLst>
+          </p:nvPr>
+        </p:nvSpPr>
+        <p:spPr>
+          <a:xfrm>
+            <a:off x="515583" y="608797"/>
+            <a:ext cx="5009388" cy="5781768"/>
+          </a:xfrm>
+          <a:prstGeom prst="rect">
+            <a:avLst/>
+          </a:prstGeom>
+          <a:solidFill>
+            <a:srgbClr val="465359"/>
+          </a:solidFill>
+          <a:ln>
+            <a:noFill/>
+          </a:ln>
+          <a:effectLst/>
+        </p:spPr>
+        <p:style>
+          <a:lnRef idx="1">
+            <a:schemeClr val="accent1"/>
+          </a:lnRef>
+          <a:fillRef idx="3">
+            <a:schemeClr val="accent1"/>
+          </a:fillRef>
+          <a:effectRef idx="2">
+            <a:schemeClr val="accent1"/>
+          </a:effectRef>
+          <a:fontRef idx="minor">
+            <a:schemeClr val="lt1"/>
+          </a:fontRef>
+        </p:style>
+      </p:sp>
+      <p:sp>
+        <p:nvSpPr>
+          <p:cNvPr id="2" name="Titel 1">
+            <a:extLst>
+              <a:ext uri="{FF2B5EF4-FFF2-40B4-BE49-F238E27FC236}">
+                <a16:creationId xmlns:a16="http://schemas.microsoft.com/office/drawing/2014/main" id="{06158C18-B0AD-4A23-BB2F-A981A9ADFAF7}"/>
+              </a:ext>
+            </a:extLst>
+          </p:cNvPr>
+          <p:cNvSpPr>
+            <a:spLocks noGrp="1"/>
+          </p:cNvSpPr>
+          <p:nvPr>
+            <p:ph type="title"/>
+          </p:nvPr>
+        </p:nvSpPr>
+        <p:spPr>
+          <a:xfrm>
+            <a:off x="781872" y="1204126"/>
+            <a:ext cx="4476811" cy="3358833"/>
+          </a:xfrm>
+        </p:spPr>
+        <p:txBody>
+          <a:bodyPr vert="horz" lIns="91440" tIns="45720" rIns="91440" bIns="45720" rtlCol="0" anchor="b">
+            <a:normAutofit/>
+          </a:bodyPr>
+          <a:lstStyle/>
+          <a:p>
+            <a:r>
+              <a:rPr lang="en-US" sz="4000" dirty="0">
+                <a:solidFill>
+                  <a:srgbClr val="FFFFFF"/>
+                </a:solidFill>
+              </a:rPr>
+              <a:t>Second Iteration</a:t>
+            </a:r>
+            <a:br>
+              <a:rPr lang="en-US" sz="4000" dirty="0">
+                <a:solidFill>
+                  <a:srgbClr val="FFFFFF"/>
+                </a:solidFill>
+              </a:rPr>
+            </a:br>
+            <a:r>
+              <a:rPr lang="en-US" sz="4000" dirty="0">
+                <a:solidFill>
+                  <a:srgbClr val="FFFFFF"/>
+                </a:solidFill>
+              </a:rPr>
+              <a:t>Model Template -- Ensembles</a:t>
+            </a:r>
+          </a:p>
+        </p:txBody>
+      </p:sp>
+      <p:pic>
+        <p:nvPicPr>
+          <p:cNvPr id="6" name="Inhaltsplatzhalter 5">
+            <a:extLst>
+              <a:ext uri="{FF2B5EF4-FFF2-40B4-BE49-F238E27FC236}">
+                <a16:creationId xmlns:a16="http://schemas.microsoft.com/office/drawing/2014/main" id="{B88ED279-C1D1-2BED-99E9-87C16235764F}"/>
+              </a:ext>
+            </a:extLst>
+          </p:cNvPr>
+          <p:cNvPicPr>
+            <a:picLocks noGrp="1" noChangeAspect="1"/>
+          </p:cNvPicPr>
+          <p:nvPr>
+            <p:ph idx="1"/>
+          </p:nvPr>
+        </p:nvPicPr>
+        <p:blipFill>
+          <a:blip r:embed="rId2"/>
+          <a:stretch>
+            <a:fillRect/>
+          </a:stretch>
+        </p:blipFill>
+        <p:spPr>
+          <a:xfrm>
+            <a:off x="6095999" y="1000079"/>
+            <a:ext cx="5433917" cy="4999203"/>
+          </a:xfrm>
+          <a:prstGeom prst="rect">
+            <a:avLst/>
+          </a:prstGeom>
+        </p:spPr>
+      </p:pic>
+    </p:spTree>
+    <p:extLst>
+      <p:ext uri="{BB962C8B-B14F-4D97-AF65-F5344CB8AC3E}">
+        <p14:creationId xmlns:p14="http://schemas.microsoft.com/office/powerpoint/2010/main" val="1576359950"/>
+      </p:ext>
+    </p:extLst>
+  </p:cSld>
+  <p:clrMapOvr>
+    <a:masterClrMapping/>
+  </p:clrMapOvr>
+</p:sld>
+</file>
+
+<file path=ppt/slides/slide24.xml><?xml version="1.0" encoding="utf-8"?>
+<p:sld xmlns:a="http://schemas.openxmlformats.org/drawingml/2006/main" xmlns:r="http://schemas.openxmlformats.org/officeDocument/2006/relationships" xmlns:p="http://schemas.openxmlformats.org/presentationml/2006/main">
+  <p:cSld>
+    <p:bg>
+      <p:bgPr>
+        <a:solidFill>
+          <a:schemeClr val="bg1"/>
+        </a:solidFill>
+        <a:effectLst/>
+      </p:bgPr>
+    </p:bg>
+    <p:spTree>
+      <p:nvGrpSpPr>
+        <p:cNvPr id="1" name=""/>
+        <p:cNvGrpSpPr/>
+        <p:nvPr/>
+      </p:nvGrpSpPr>
+      <p:grpSpPr>
+        <a:xfrm>
+          <a:off x="0" y="0"/>
+          <a:ext cx="0" cy="0"/>
+          <a:chOff x="0" y="0"/>
+          <a:chExt cx="0" cy="0"/>
+        </a:xfrm>
+      </p:grpSpPr>
+      <p:sp>
+        <p:nvSpPr>
+          <p:cNvPr id="48" name="Rectangle 47">
+            <a:extLst>
+              <a:ext uri="{FF2B5EF4-FFF2-40B4-BE49-F238E27FC236}">
+                <a16:creationId xmlns:a16="http://schemas.microsoft.com/office/drawing/2014/main" id="{DD651B61-325E-4E73-8445-38B0DE8AAAB6}"/>
+              </a:ext>
+              <a:ext uri="{C183D7F6-B498-43B3-948B-1728B52AA6E4}">
+                <adec:decorative xmlns:adec="http://schemas.microsoft.com/office/drawing/2017/decorative" val="1"/>
+              </a:ext>
+            </a:extLst>
+          </p:cNvPr>
+          <p:cNvSpPr>
+            <a:spLocks noGrp="1" noRot="1" noChangeAspect="1" noMove="1" noResize="1" noEditPoints="1" noAdjustHandles="1" noChangeArrowheads="1" noChangeShapeType="1" noTextEdit="1"/>
+          </p:cNvSpPr>
+          <p:nvPr>
+            <p:extLst>
+              <p:ext uri="{386F3935-93C4-4BCD-93E2-E3B085C9AB24}">
+                <p16:designElem xmlns:p16="http://schemas.microsoft.com/office/powerpoint/2015/main" val="1"/>
+              </p:ext>
+            </p:extLst>
+          </p:nvPr>
+        </p:nvSpPr>
+        <p:spPr>
+          <a:xfrm>
+            <a:off x="446534" y="457200"/>
             <a:ext cx="3703320" cy="94997"/>
           </a:xfrm>
           <a:prstGeom prst="rect">
@@ -15683,10 +16255,10 @@
       </p:sp>
       <p:sp>
         <p:nvSpPr>
-          <p:cNvPr id="23" name="Rectangle 22">
+          <p:cNvPr id="50" name="Rectangle 49">
             <a:extLst>
               <a:ext uri="{FF2B5EF4-FFF2-40B4-BE49-F238E27FC236}">
-                <a16:creationId xmlns:a16="http://schemas.microsoft.com/office/drawing/2014/main" id="{5CD6E934-390A-4282-9C06-550879EA88ED}"/>
+                <a16:creationId xmlns:a16="http://schemas.microsoft.com/office/drawing/2014/main" id="{B42E5253-D3AC-4AC2-B766-8B34F13C2F5E}"/>
               </a:ext>
               <a:ext uri="{C183D7F6-B498-43B3-948B-1728B52AA6E4}">
                 <adec:decorative xmlns:adec="http://schemas.microsoft.com/office/drawing/2017/decorative" val="1"/>
@@ -15706,61 +16278,7 @@
         </p:nvSpPr>
         <p:spPr>
           <a:xfrm>
-            <a:off x="4241830" y="4561150"/>
-            <a:ext cx="3703320" cy="91440"/>
-          </a:xfrm>
-          <a:prstGeom prst="rect">
-            <a:avLst/>
-          </a:prstGeom>
-          <a:solidFill>
-            <a:schemeClr val="accent1"/>
-          </a:solidFill>
-          <a:ln>
-            <a:noFill/>
-          </a:ln>
-          <a:effectLst/>
-        </p:spPr>
-        <p:style>
-          <a:lnRef idx="1">
-            <a:schemeClr val="accent1"/>
-          </a:lnRef>
-          <a:fillRef idx="3">
-            <a:schemeClr val="accent1"/>
-          </a:fillRef>
-          <a:effectRef idx="2">
-            <a:schemeClr val="accent1"/>
-          </a:effectRef>
-          <a:fontRef idx="minor">
-            <a:schemeClr val="lt1"/>
-          </a:fontRef>
-        </p:style>
-      </p:sp>
-      <p:sp>
-        <p:nvSpPr>
-          <p:cNvPr id="25" name="Rectangle 24">
-            <a:extLst>
-              <a:ext uri="{FF2B5EF4-FFF2-40B4-BE49-F238E27FC236}">
-                <a16:creationId xmlns:a16="http://schemas.microsoft.com/office/drawing/2014/main" id="{5207C480-2ED1-4822-91D1-C253F6887113}"/>
-              </a:ext>
-              <a:ext uri="{C183D7F6-B498-43B3-948B-1728B52AA6E4}">
-                <adec:decorative xmlns:adec="http://schemas.microsoft.com/office/drawing/2017/decorative" val="1"/>
-              </a:ext>
-            </a:extLst>
-          </p:cNvPr>
-          <p:cNvSpPr>
-            <a:spLocks noGrp="1" noRot="1" noChangeAspect="1" noMove="1" noResize="1" noEditPoints="1" noAdjustHandles="1" noChangeArrowheads="1" noChangeShapeType="1" noTextEdit="1"/>
-          </p:cNvSpPr>
-          <p:nvPr>
-            <p:extLst>
-              <p:ext uri="{386F3935-93C4-4BCD-93E2-E3B085C9AB24}">
-                <p16:designElem xmlns:p16="http://schemas.microsoft.com/office/powerpoint/2015/main" val="1"/>
-              </p:ext>
-            </p:extLst>
-          </p:nvPr>
-        </p:nvSpPr>
-        <p:spPr>
-          <a:xfrm>
-            <a:off x="8042147" y="4557593"/>
+            <a:off x="8042147" y="453643"/>
             <a:ext cx="3703320" cy="98554"/>
           </a:xfrm>
           <a:prstGeom prst="rect">
@@ -15791,10 +16309,10 @@
       </p:sp>
       <p:sp>
         <p:nvSpPr>
-          <p:cNvPr id="27" name="Rectangle 26">
+          <p:cNvPr id="52" name="Rectangle 51">
             <a:extLst>
               <a:ext uri="{FF2B5EF4-FFF2-40B4-BE49-F238E27FC236}">
-                <a16:creationId xmlns:a16="http://schemas.microsoft.com/office/drawing/2014/main" id="{A62FAE06-6CFA-41A5-8807-43DD2423C568}"/>
+                <a16:creationId xmlns:a16="http://schemas.microsoft.com/office/drawing/2014/main" id="{10AE8D57-436A-4073-9A75-15BB5949F8B4}"/>
               </a:ext>
               <a:ext uri="{C183D7F6-B498-43B3-948B-1728B52AA6E4}">
                 <adec:decorative xmlns:adec="http://schemas.microsoft.com/office/drawing/2017/decorative" val="1"/>
@@ -15814,8 +16332,62 @@
         </p:nvSpPr>
         <p:spPr>
           <a:xfrm>
-            <a:off x="440286" y="4734570"/>
-            <a:ext cx="11309338" cy="1656683"/>
+            <a:off x="4241830" y="457200"/>
+            <a:ext cx="3703320" cy="91440"/>
+          </a:xfrm>
+          <a:prstGeom prst="rect">
+            <a:avLst/>
+          </a:prstGeom>
+          <a:solidFill>
+            <a:schemeClr val="accent1"/>
+          </a:solidFill>
+          <a:ln>
+            <a:noFill/>
+          </a:ln>
+          <a:effectLst/>
+        </p:spPr>
+        <p:style>
+          <a:lnRef idx="1">
+            <a:schemeClr val="accent1"/>
+          </a:lnRef>
+          <a:fillRef idx="3">
+            <a:schemeClr val="accent1"/>
+          </a:fillRef>
+          <a:effectRef idx="2">
+            <a:schemeClr val="accent1"/>
+          </a:effectRef>
+          <a:fontRef idx="minor">
+            <a:schemeClr val="lt1"/>
+          </a:fontRef>
+        </p:style>
+      </p:sp>
+      <p:sp>
+        <p:nvSpPr>
+          <p:cNvPr id="54" name="Rectangle 53">
+            <a:extLst>
+              <a:ext uri="{FF2B5EF4-FFF2-40B4-BE49-F238E27FC236}">
+                <a16:creationId xmlns:a16="http://schemas.microsoft.com/office/drawing/2014/main" id="{E2852671-8EB6-4EAF-8AF8-65CF3FD66456}"/>
+              </a:ext>
+              <a:ext uri="{C183D7F6-B498-43B3-948B-1728B52AA6E4}">
+                <adec:decorative xmlns:adec="http://schemas.microsoft.com/office/drawing/2017/decorative" val="1"/>
+              </a:ext>
+            </a:extLst>
+          </p:cNvPr>
+          <p:cNvSpPr>
+            <a:spLocks noGrp="1" noRot="1" noChangeAspect="1" noMove="1" noResize="1" noEditPoints="1" noAdjustHandles="1" noChangeArrowheads="1" noChangeShapeType="1" noTextEdit="1"/>
+          </p:cNvSpPr>
+          <p:nvPr>
+            <p:extLst>
+              <p:ext uri="{386F3935-93C4-4BCD-93E2-E3B085C9AB24}">
+                <p16:designElem xmlns:p16="http://schemas.microsoft.com/office/powerpoint/2015/main" val="1"/>
+              </p:ext>
+            </p:extLst>
+          </p:nvPr>
+        </p:nvSpPr>
+        <p:spPr>
+          <a:xfrm>
+            <a:off x="446534" y="3085764"/>
+            <a:ext cx="11298932" cy="3338149"/>
           </a:xfrm>
           <a:prstGeom prst="rect">
             <a:avLst/>
@@ -15843,83 +16415,294 @@
           </a:fontRef>
         </p:style>
       </p:sp>
-      <p:sp>
-        <p:nvSpPr>
-          <p:cNvPr id="2" name="Titel 1"/>
-          <p:cNvSpPr>
-            <a:spLocks noGrp="1"/>
-          </p:cNvSpPr>
-          <p:nvPr>
-            <p:ph type="title"/>
+      <p:sp useBgFill="1">
+        <p:nvSpPr>
+          <p:cNvPr id="56" name="Rectangle 55">
+            <a:extLst>
+              <a:ext uri="{FF2B5EF4-FFF2-40B4-BE49-F238E27FC236}">
+                <a16:creationId xmlns:a16="http://schemas.microsoft.com/office/drawing/2014/main" id="{26B4480E-B7FF-4481-890E-043A69AE6FE2}"/>
+              </a:ext>
+              <a:ext uri="{C183D7F6-B498-43B3-948B-1728B52AA6E4}">
+                <adec:decorative xmlns:adec="http://schemas.microsoft.com/office/drawing/2017/decorative" val="1"/>
+              </a:ext>
+            </a:extLst>
+          </p:cNvPr>
+          <p:cNvSpPr>
+            <a:spLocks noGrp="1" noRot="1" noChangeAspect="1" noMove="1" noResize="1" noEditPoints="1" noAdjustHandles="1" noChangeArrowheads="1" noChangeShapeType="1" noTextEdit="1"/>
+          </p:cNvSpPr>
+          <p:nvPr>
+            <p:extLst>
+              <p:ext uri="{386F3935-93C4-4BCD-93E2-E3B085C9AB24}">
+                <p16:designElem xmlns:p16="http://schemas.microsoft.com/office/powerpoint/2015/main" val="1"/>
+              </p:ext>
+            </p:extLst>
           </p:nvPr>
         </p:nvSpPr>
         <p:spPr>
           <a:xfrm>
-            <a:off x="581192" y="4929704"/>
-            <a:ext cx="10925008" cy="1245166"/>
+            <a:off x="0" y="0"/>
+            <a:ext cx="12192000" cy="6858000"/>
+          </a:xfrm>
+          <a:prstGeom prst="rect">
+            <a:avLst/>
+          </a:prstGeom>
+          <a:ln>
+            <a:noFill/>
+          </a:ln>
+        </p:spPr>
+        <p:style>
+          <a:lnRef idx="2">
+            <a:schemeClr val="accent1">
+              <a:shade val="50000"/>
+            </a:schemeClr>
+          </a:lnRef>
+          <a:fillRef idx="1">
+            <a:schemeClr val="accent1"/>
+          </a:fillRef>
+          <a:effectRef idx="0">
+            <a:schemeClr val="accent1"/>
+          </a:effectRef>
+          <a:fontRef idx="minor">
+            <a:schemeClr val="lt1"/>
+          </a:fontRef>
+        </p:style>
+        <p:txBody>
+          <a:bodyPr rtlCol="0" anchor="ctr"/>
+          <a:lstStyle/>
+          <a:p>
+            <a:pPr algn="ctr"/>
+            <a:endParaRPr lang="en-US"/>
+          </a:p>
+        </p:txBody>
+      </p:sp>
+      <p:grpSp>
+        <p:nvGrpSpPr>
+          <p:cNvPr id="58" name="Group 57">
+            <a:extLst>
+              <a:ext uri="{FF2B5EF4-FFF2-40B4-BE49-F238E27FC236}">
+                <a16:creationId xmlns:a16="http://schemas.microsoft.com/office/drawing/2014/main" id="{79394E1F-0B5F-497D-B2A6-8383A2A54834}"/>
+              </a:ext>
+              <a:ext uri="{C183D7F6-B498-43B3-948B-1728B52AA6E4}">
+                <adec:decorative xmlns:adec="http://schemas.microsoft.com/office/drawing/2017/decorative" val="1"/>
+              </a:ext>
+            </a:extLst>
+          </p:cNvPr>
+          <p:cNvGrpSpPr>
+            <a:grpSpLocks noGrp="1" noUngrp="1" noRot="1" noChangeAspect="1" noMove="1" noResize="1"/>
+          </p:cNvGrpSpPr>
+          <p:nvPr>
+            <p:extLst>
+              <p:ext uri="{386F3935-93C4-4BCD-93E2-E3B085C9AB24}">
+                <p16:designElem xmlns:p16="http://schemas.microsoft.com/office/powerpoint/2015/main" val="1"/>
+              </p:ext>
+            </p:extLst>
+          </p:nvPr>
+        </p:nvGrpSpPr>
+        <p:grpSpPr>
+          <a:xfrm>
+            <a:off x="438068" y="457200"/>
+            <a:ext cx="3703320" cy="5935133"/>
+            <a:chOff x="438068" y="457200"/>
+            <a:chExt cx="3703320" cy="5935133"/>
+          </a:xfrm>
+        </p:grpSpPr>
+        <p:sp>
+          <p:nvSpPr>
+            <p:cNvPr id="59" name="Rectangle 58">
+              <a:extLst>
+                <a:ext uri="{FF2B5EF4-FFF2-40B4-BE49-F238E27FC236}">
+                  <a16:creationId xmlns:a16="http://schemas.microsoft.com/office/drawing/2014/main" id="{1F1FF39A-AC3C-4066-9D4C-519AA22812EA}"/>
+                </a:ext>
+                <a:ext uri="{C183D7F6-B498-43B3-948B-1728B52AA6E4}">
+                  <adec:decorative xmlns:adec="http://schemas.microsoft.com/office/drawing/2017/decorative" val="1"/>
+                </a:ext>
+              </a:extLst>
+            </p:cNvPr>
+            <p:cNvSpPr/>
+            <p:nvPr>
+              <p:extLst>
+                <p:ext uri="{386F3935-93C4-4BCD-93E2-E3B085C9AB24}">
+                  <p16:designElem xmlns:p16="http://schemas.microsoft.com/office/powerpoint/2015/main" val="1"/>
+                </p:ext>
+              </p:extLst>
+            </p:nvPr>
+          </p:nvSpPr>
+          <p:spPr>
+            <a:xfrm>
+              <a:off x="438068" y="601201"/>
+              <a:ext cx="3702134" cy="5791132"/>
+            </a:xfrm>
+            <a:prstGeom prst="rect">
+              <a:avLst/>
+            </a:prstGeom>
+            <a:solidFill>
+              <a:srgbClr val="465359">
+                <a:alpha val="97000"/>
+              </a:srgbClr>
+            </a:solidFill>
+            <a:ln w="6350" cmpd="sng">
+              <a:noFill/>
+            </a:ln>
+            <a:effectLst/>
+          </p:spPr>
+          <p:style>
+            <a:lnRef idx="1">
+              <a:schemeClr val="accent1"/>
+            </a:lnRef>
+            <a:fillRef idx="3">
+              <a:schemeClr val="accent1"/>
+            </a:fillRef>
+            <a:effectRef idx="2">
+              <a:schemeClr val="accent1"/>
+            </a:effectRef>
+            <a:fontRef idx="minor">
+              <a:schemeClr val="lt1"/>
+            </a:fontRef>
+          </p:style>
+        </p:sp>
+        <p:sp>
+          <p:nvSpPr>
+            <p:cNvPr id="60" name="Rectangle 59">
+              <a:extLst>
+                <a:ext uri="{FF2B5EF4-FFF2-40B4-BE49-F238E27FC236}">
+                  <a16:creationId xmlns:a16="http://schemas.microsoft.com/office/drawing/2014/main" id="{64C13BAB-7C00-4D21-A857-E3D41C0A2A66}"/>
+                </a:ext>
+                <a:ext uri="{C183D7F6-B498-43B3-948B-1728B52AA6E4}">
+                  <adec:decorative xmlns:adec="http://schemas.microsoft.com/office/drawing/2017/decorative" val="1"/>
+                </a:ext>
+              </a:extLst>
+            </p:cNvPr>
+            <p:cNvSpPr/>
+            <p:nvPr>
+              <p:extLst>
+                <p:ext uri="{386F3935-93C4-4BCD-93E2-E3B085C9AB24}">
+                  <p16:designElem xmlns:p16="http://schemas.microsoft.com/office/powerpoint/2015/main" val="1"/>
+                </p:ext>
+              </p:extLst>
+            </p:nvPr>
+          </p:nvSpPr>
+          <p:spPr>
+            <a:xfrm>
+              <a:off x="438068" y="457200"/>
+              <a:ext cx="3703320" cy="94997"/>
+            </a:xfrm>
+            <a:prstGeom prst="rect">
+              <a:avLst/>
+            </a:prstGeom>
+            <a:solidFill>
+              <a:srgbClr val="465359"/>
+            </a:solidFill>
+            <a:ln>
+              <a:noFill/>
+            </a:ln>
+            <a:effectLst/>
+          </p:spPr>
+          <p:style>
+            <a:lnRef idx="1">
+              <a:schemeClr val="accent1"/>
+            </a:lnRef>
+            <a:fillRef idx="3">
+              <a:schemeClr val="accent1"/>
+            </a:fillRef>
+            <a:effectRef idx="2">
+              <a:schemeClr val="accent1"/>
+            </a:effectRef>
+            <a:fontRef idx="minor">
+              <a:schemeClr val="lt1"/>
+            </a:fontRef>
+          </p:style>
+        </p:sp>
+      </p:grpSp>
+      <p:sp>
+        <p:nvSpPr>
+          <p:cNvPr id="2" name="Titel 1">
+            <a:extLst>
+              <a:ext uri="{FF2B5EF4-FFF2-40B4-BE49-F238E27FC236}">
+                <a16:creationId xmlns:a16="http://schemas.microsoft.com/office/drawing/2014/main" id="{06158C18-B0AD-4A23-BB2F-A981A9ADFAF7}"/>
+              </a:ext>
+            </a:extLst>
+          </p:cNvPr>
+          <p:cNvSpPr>
+            <a:spLocks noGrp="1"/>
+          </p:cNvSpPr>
+          <p:nvPr>
+            <p:ph type="title"/>
+          </p:nvPr>
+        </p:nvSpPr>
+        <p:spPr>
+          <a:xfrm>
+            <a:off x="584200" y="1524001"/>
+            <a:ext cx="3412067" cy="3478384"/>
           </a:xfrm>
         </p:spPr>
         <p:txBody>
-          <a:bodyPr anchor="ctr">
+          <a:bodyPr vert="horz" lIns="91440" tIns="45720" rIns="91440" bIns="45720" rtlCol="0" anchor="b">
             <a:normAutofit/>
           </a:bodyPr>
           <a:lstStyle/>
           <a:p>
             <a:r>
-              <a:rPr lang="en-GB" dirty="0">
+              <a:rPr lang="en-US" sz="3600">
                 <a:solidFill>
-                  <a:srgbClr val="FFFEFF"/>
+                  <a:srgbClr val="FFFFFF"/>
                 </a:solidFill>
               </a:rPr>
               <a:t>Second Iteration</a:t>
             </a:r>
             <a:br>
-              <a:rPr lang="en-GB" dirty="0">
+              <a:rPr lang="en-US" sz="3600">
                 <a:solidFill>
-                  <a:srgbClr val="FFFEFF"/>
+                  <a:srgbClr val="FFFFFF"/>
                 </a:solidFill>
               </a:rPr>
             </a:br>
             <a:r>
-              <a:rPr lang="en-GB" dirty="0">
+              <a:rPr lang="en-US" sz="3600">
                 <a:solidFill>
-                  <a:srgbClr val="FFFEFF"/>
+                  <a:srgbClr val="FFFFFF"/>
                 </a:solidFill>
               </a:rPr>
-              <a:t>Random forest is the best performing model</a:t>
+              <a:t>Model Template -- Ensembles</a:t>
             </a:r>
           </a:p>
         </p:txBody>
       </p:sp>
-      <p:graphicFrame>
-        <p:nvGraphicFramePr>
-          <p:cNvPr id="14" name="Inhaltsplatzhalter 13"/>
-          <p:cNvGraphicFramePr>
-            <a:graphicFrameLocks noGrp="1"/>
-          </p:cNvGraphicFramePr>
+      <p:pic>
+        <p:nvPicPr>
+          <p:cNvPr id="7" name="Inhaltsplatzhalter 6">
+            <a:extLst>
+              <a:ext uri="{FF2B5EF4-FFF2-40B4-BE49-F238E27FC236}">
+                <a16:creationId xmlns:a16="http://schemas.microsoft.com/office/drawing/2014/main" id="{46F4113F-6FB8-15FF-B7D9-F8BFEF1E09A2}"/>
+              </a:ext>
+            </a:extLst>
+          </p:cNvPr>
+          <p:cNvPicPr>
+            <a:picLocks noGrp="1" noChangeAspect="1"/>
+          </p:cNvPicPr>
           <p:nvPr>
             <p:ph idx="1"/>
-            <p:extLst>
-              <p:ext uri="{D42A27DB-BD31-4B8C-83A1-F6EECF244321}">
-                <p14:modId xmlns:p14="http://schemas.microsoft.com/office/powerpoint/2010/main" val="1929921343"/>
-              </p:ext>
-            </p:extLst>
-          </p:nvPr>
-        </p:nvGraphicFramePr>
-        <p:xfrm>
-          <a:off x="581025" y="728488"/>
-          <a:ext cx="11029950" cy="3560291"/>
-        </p:xfrm>
-        <a:graphic>
-          <a:graphicData uri="http://schemas.openxmlformats.org/drawingml/2006/chart">
-            <c:chart xmlns:c="http://schemas.openxmlformats.org/drawingml/2006/chart" xmlns:r="http://schemas.openxmlformats.org/officeDocument/2006/relationships" r:id="rId3"/>
-          </a:graphicData>
-        </a:graphic>
-      </p:graphicFrame>
+          </p:nvPr>
+        </p:nvPicPr>
+        <p:blipFill>
+          <a:blip r:embed="rId2"/>
+          <a:stretch>
+            <a:fillRect/>
+          </a:stretch>
+        </p:blipFill>
+        <p:spPr>
+          <a:xfrm>
+            <a:off x="5161801" y="618067"/>
+            <a:ext cx="5971367" cy="5598157"/>
+          </a:xfrm>
+          <a:prstGeom prst="rect">
+            <a:avLst/>
+          </a:prstGeom>
+        </p:spPr>
+      </p:pic>
     </p:spTree>
     <p:extLst>
       <p:ext uri="{BB962C8B-B14F-4D97-AF65-F5344CB8AC3E}">
-        <p14:creationId xmlns:p14="http://schemas.microsoft.com/office/powerpoint/2010/main" val="525597324"/>
+        <p14:creationId xmlns:p14="http://schemas.microsoft.com/office/powerpoint/2010/main" val="2244822357"/>
       </p:ext>
     </p:extLst>
   </p:cSld>
@@ -15929,7 +16712,7 @@
 </p:sld>
 </file>
 
-<file path=ppt/slides/slide24.xml><?xml version="1.0" encoding="utf-8"?>
+<file path=ppt/slides/slide25.xml><?xml version="1.0" encoding="utf-8"?>
 <p:sld xmlns:a="http://schemas.openxmlformats.org/drawingml/2006/main" xmlns:r="http://schemas.openxmlformats.org/officeDocument/2006/relationships" xmlns:p="http://schemas.openxmlformats.org/presentationml/2006/main">
   <p:cSld>
     <p:bg>

--- a/HDM Data Science v0226 _copySven.pptx
+++ b/HDM Data Science v0226 _copySven.pptx
@@ -5,7 +5,7 @@
     <p:sldMasterId id="2147483738" r:id="rId1"/>
   </p:sldMasterIdLst>
   <p:notesMasterIdLst>
-    <p:notesMasterId r:id="rId27"/>
+    <p:notesMasterId r:id="rId26"/>
   </p:notesMasterIdLst>
   <p:sldIdLst>
     <p:sldId id="256" r:id="rId2"/>
@@ -31,8 +31,7 @@
     <p:sldId id="275" r:id="rId22"/>
     <p:sldId id="280" r:id="rId23"/>
     <p:sldId id="276" r:id="rId24"/>
-    <p:sldId id="283" r:id="rId25"/>
-    <p:sldId id="272" r:id="rId26"/>
+    <p:sldId id="272" r:id="rId25"/>
   </p:sldIdLst>
   <p:sldSz cx="12192000" cy="6858000"/>
   <p:notesSz cx="6858000" cy="9144000"/>
@@ -5325,7 +5324,7 @@
           <a:p>
             <a:fld id="{8CE265D3-6F69-46A3-BC22-BD3030E0EBE5}" type="slidenum">
               <a:rPr lang="de-DE" smtClean="0"/>
-              <a:t>25</a:t>
+              <a:t>24</a:t>
             </a:fld>
             <a:endParaRPr lang="de-DE"/>
           </a:p>
@@ -16201,7 +16200,7 @@
       </p:grpSpPr>
       <p:sp>
         <p:nvSpPr>
-          <p:cNvPr id="48" name="Rectangle 47">
+          <p:cNvPr id="27" name="Rectangle 26">
             <a:extLst>
               <a:ext uri="{FF2B5EF4-FFF2-40B4-BE49-F238E27FC236}">
                 <a16:creationId xmlns:a16="http://schemas.microsoft.com/office/drawing/2014/main" id="{DD651B61-325E-4E73-8445-38B0DE8AAAB6}"/>
@@ -16255,7 +16254,7 @@
       </p:sp>
       <p:sp>
         <p:nvSpPr>
-          <p:cNvPr id="50" name="Rectangle 49">
+          <p:cNvPr id="29" name="Rectangle 28">
             <a:extLst>
               <a:ext uri="{FF2B5EF4-FFF2-40B4-BE49-F238E27FC236}">
                 <a16:creationId xmlns:a16="http://schemas.microsoft.com/office/drawing/2014/main" id="{B42E5253-D3AC-4AC2-B766-8B34F13C2F5E}"/>
@@ -16309,7 +16308,7 @@
       </p:sp>
       <p:sp>
         <p:nvSpPr>
-          <p:cNvPr id="52" name="Rectangle 51">
+          <p:cNvPr id="31" name="Rectangle 30">
             <a:extLst>
               <a:ext uri="{FF2B5EF4-FFF2-40B4-BE49-F238E27FC236}">
                 <a16:creationId xmlns:a16="http://schemas.microsoft.com/office/drawing/2014/main" id="{10AE8D57-436A-4073-9A75-15BB5949F8B4}"/>
@@ -16363,7 +16362,7 @@
       </p:sp>
       <p:sp>
         <p:nvSpPr>
-          <p:cNvPr id="54" name="Rectangle 53">
+          <p:cNvPr id="33" name="Rectangle 32">
             <a:extLst>
               <a:ext uri="{FF2B5EF4-FFF2-40B4-BE49-F238E27FC236}">
                 <a16:creationId xmlns:a16="http://schemas.microsoft.com/office/drawing/2014/main" id="{E2852671-8EB6-4EAF-8AF8-65CF3FD66456}"/>
@@ -16417,7 +16416,7 @@
       </p:sp>
       <p:sp useBgFill="1">
         <p:nvSpPr>
-          <p:cNvPr id="56" name="Rectangle 55">
+          <p:cNvPr id="35" name="Rectangle 34">
             <a:extLst>
               <a:ext uri="{FF2B5EF4-FFF2-40B4-BE49-F238E27FC236}">
                 <a16:creationId xmlns:a16="http://schemas.microsoft.com/office/drawing/2014/main" id="{26B4480E-B7FF-4481-890E-043A69AE6FE2}"/>
@@ -16477,7 +16476,7 @@
       </p:sp>
       <p:grpSp>
         <p:nvGrpSpPr>
-          <p:cNvPr id="58" name="Group 57">
+          <p:cNvPr id="37" name="Group 36">
             <a:extLst>
               <a:ext uri="{FF2B5EF4-FFF2-40B4-BE49-F238E27FC236}">
                 <a16:creationId xmlns:a16="http://schemas.microsoft.com/office/drawing/2014/main" id="{79394E1F-0B5F-497D-B2A6-8383A2A54834}"/>
@@ -16508,7 +16507,7 @@
         </p:grpSpPr>
         <p:sp>
           <p:nvSpPr>
-            <p:cNvPr id="59" name="Rectangle 58">
+            <p:cNvPr id="38" name="Rectangle 37">
               <a:extLst>
                 <a:ext uri="{FF2B5EF4-FFF2-40B4-BE49-F238E27FC236}">
                   <a16:creationId xmlns:a16="http://schemas.microsoft.com/office/drawing/2014/main" id="{1F1FF39A-AC3C-4066-9D4C-519AA22812EA}"/>
@@ -16562,7 +16561,7 @@
         </p:sp>
         <p:sp>
           <p:nvSpPr>
-            <p:cNvPr id="60" name="Rectangle 59">
+            <p:cNvPr id="39" name="Rectangle 38">
               <a:extLst>
                 <a:ext uri="{FF2B5EF4-FFF2-40B4-BE49-F238E27FC236}">
                   <a16:creationId xmlns:a16="http://schemas.microsoft.com/office/drawing/2014/main" id="{64C13BAB-7C00-4D21-A857-E3D41C0A2A66}"/>
@@ -16642,544 +16641,6 @@
           <a:lstStyle/>
           <a:p>
             <a:r>
-              <a:rPr lang="en-US" sz="3600">
-                <a:solidFill>
-                  <a:srgbClr val="FFFFFF"/>
-                </a:solidFill>
-              </a:rPr>
-              <a:t>Second Iteration</a:t>
-            </a:r>
-            <a:br>
-              <a:rPr lang="en-US" sz="3600">
-                <a:solidFill>
-                  <a:srgbClr val="FFFFFF"/>
-                </a:solidFill>
-              </a:rPr>
-            </a:br>
-            <a:r>
-              <a:rPr lang="en-US" sz="3600">
-                <a:solidFill>
-                  <a:srgbClr val="FFFFFF"/>
-                </a:solidFill>
-              </a:rPr>
-              <a:t>Model Template -- Ensembles</a:t>
-            </a:r>
-          </a:p>
-        </p:txBody>
-      </p:sp>
-      <p:pic>
-        <p:nvPicPr>
-          <p:cNvPr id="7" name="Inhaltsplatzhalter 6">
-            <a:extLst>
-              <a:ext uri="{FF2B5EF4-FFF2-40B4-BE49-F238E27FC236}">
-                <a16:creationId xmlns:a16="http://schemas.microsoft.com/office/drawing/2014/main" id="{46F4113F-6FB8-15FF-B7D9-F8BFEF1E09A2}"/>
-              </a:ext>
-            </a:extLst>
-          </p:cNvPr>
-          <p:cNvPicPr>
-            <a:picLocks noGrp="1" noChangeAspect="1"/>
-          </p:cNvPicPr>
-          <p:nvPr>
-            <p:ph idx="1"/>
-          </p:nvPr>
-        </p:nvPicPr>
-        <p:blipFill>
-          <a:blip r:embed="rId2"/>
-          <a:stretch>
-            <a:fillRect/>
-          </a:stretch>
-        </p:blipFill>
-        <p:spPr>
-          <a:xfrm>
-            <a:off x="5161801" y="618067"/>
-            <a:ext cx="5971367" cy="5598157"/>
-          </a:xfrm>
-          <a:prstGeom prst="rect">
-            <a:avLst/>
-          </a:prstGeom>
-        </p:spPr>
-      </p:pic>
-    </p:spTree>
-    <p:extLst>
-      <p:ext uri="{BB962C8B-B14F-4D97-AF65-F5344CB8AC3E}">
-        <p14:creationId xmlns:p14="http://schemas.microsoft.com/office/powerpoint/2010/main" val="2244822357"/>
-      </p:ext>
-    </p:extLst>
-  </p:cSld>
-  <p:clrMapOvr>
-    <a:masterClrMapping/>
-  </p:clrMapOvr>
-</p:sld>
-</file>
-
-<file path=ppt/slides/slide25.xml><?xml version="1.0" encoding="utf-8"?>
-<p:sld xmlns:a="http://schemas.openxmlformats.org/drawingml/2006/main" xmlns:r="http://schemas.openxmlformats.org/officeDocument/2006/relationships" xmlns:p="http://schemas.openxmlformats.org/presentationml/2006/main">
-  <p:cSld>
-    <p:bg>
-      <p:bgPr>
-        <a:solidFill>
-          <a:schemeClr val="bg1"/>
-        </a:solidFill>
-        <a:effectLst/>
-      </p:bgPr>
-    </p:bg>
-    <p:spTree>
-      <p:nvGrpSpPr>
-        <p:cNvPr id="1" name=""/>
-        <p:cNvGrpSpPr/>
-        <p:nvPr/>
-      </p:nvGrpSpPr>
-      <p:grpSpPr>
-        <a:xfrm>
-          <a:off x="0" y="0"/>
-          <a:ext cx="0" cy="0"/>
-          <a:chOff x="0" y="0"/>
-          <a:chExt cx="0" cy="0"/>
-        </a:xfrm>
-      </p:grpSpPr>
-      <p:sp>
-        <p:nvSpPr>
-          <p:cNvPr id="10" name="Rectangle 9">
-            <a:extLst>
-              <a:ext uri="{FF2B5EF4-FFF2-40B4-BE49-F238E27FC236}">
-                <a16:creationId xmlns:a16="http://schemas.microsoft.com/office/drawing/2014/main" id="{DD651B61-325E-4E73-8445-38B0DE8AAAB6}"/>
-              </a:ext>
-              <a:ext uri="{C183D7F6-B498-43B3-948B-1728B52AA6E4}">
-                <adec:decorative xmlns:adec="http://schemas.microsoft.com/office/drawing/2017/decorative" val="1"/>
-              </a:ext>
-            </a:extLst>
-          </p:cNvPr>
-          <p:cNvSpPr>
-            <a:spLocks noGrp="1" noRot="1" noChangeAspect="1" noMove="1" noResize="1" noEditPoints="1" noAdjustHandles="1" noChangeArrowheads="1" noChangeShapeType="1" noTextEdit="1"/>
-          </p:cNvSpPr>
-          <p:nvPr>
-            <p:extLst>
-              <p:ext uri="{386F3935-93C4-4BCD-93E2-E3B085C9AB24}">
-                <p16:designElem xmlns:p16="http://schemas.microsoft.com/office/powerpoint/2015/main" val="1"/>
-              </p:ext>
-            </p:extLst>
-          </p:nvPr>
-        </p:nvSpPr>
-        <p:spPr>
-          <a:xfrm>
-            <a:off x="446534" y="457200"/>
-            <a:ext cx="3703320" cy="94997"/>
-          </a:xfrm>
-          <a:prstGeom prst="rect">
-            <a:avLst/>
-          </a:prstGeom>
-          <a:solidFill>
-            <a:srgbClr val="465359"/>
-          </a:solidFill>
-          <a:ln>
-            <a:noFill/>
-          </a:ln>
-          <a:effectLst/>
-        </p:spPr>
-        <p:style>
-          <a:lnRef idx="1">
-            <a:schemeClr val="accent1"/>
-          </a:lnRef>
-          <a:fillRef idx="3">
-            <a:schemeClr val="accent1"/>
-          </a:fillRef>
-          <a:effectRef idx="2">
-            <a:schemeClr val="accent1"/>
-          </a:effectRef>
-          <a:fontRef idx="minor">
-            <a:schemeClr val="lt1"/>
-          </a:fontRef>
-        </p:style>
-      </p:sp>
-      <p:sp>
-        <p:nvSpPr>
-          <p:cNvPr id="12" name="Rectangle 11">
-            <a:extLst>
-              <a:ext uri="{FF2B5EF4-FFF2-40B4-BE49-F238E27FC236}">
-                <a16:creationId xmlns:a16="http://schemas.microsoft.com/office/drawing/2014/main" id="{B42E5253-D3AC-4AC2-B766-8B34F13C2F5E}"/>
-              </a:ext>
-              <a:ext uri="{C183D7F6-B498-43B3-948B-1728B52AA6E4}">
-                <adec:decorative xmlns:adec="http://schemas.microsoft.com/office/drawing/2017/decorative" val="1"/>
-              </a:ext>
-            </a:extLst>
-          </p:cNvPr>
-          <p:cNvSpPr>
-            <a:spLocks noGrp="1" noRot="1" noChangeAspect="1" noMove="1" noResize="1" noEditPoints="1" noAdjustHandles="1" noChangeArrowheads="1" noChangeShapeType="1" noTextEdit="1"/>
-          </p:cNvSpPr>
-          <p:nvPr>
-            <p:extLst>
-              <p:ext uri="{386F3935-93C4-4BCD-93E2-E3B085C9AB24}">
-                <p16:designElem xmlns:p16="http://schemas.microsoft.com/office/powerpoint/2015/main" val="1"/>
-              </p:ext>
-            </p:extLst>
-          </p:nvPr>
-        </p:nvSpPr>
-        <p:spPr>
-          <a:xfrm>
-            <a:off x="8042147" y="453643"/>
-            <a:ext cx="3703320" cy="98554"/>
-          </a:xfrm>
-          <a:prstGeom prst="rect">
-            <a:avLst/>
-          </a:prstGeom>
-          <a:solidFill>
-            <a:srgbClr val="969FA7"/>
-          </a:solidFill>
-          <a:ln>
-            <a:noFill/>
-          </a:ln>
-          <a:effectLst/>
-        </p:spPr>
-        <p:style>
-          <a:lnRef idx="1">
-            <a:schemeClr val="accent1"/>
-          </a:lnRef>
-          <a:fillRef idx="3">
-            <a:schemeClr val="accent1"/>
-          </a:fillRef>
-          <a:effectRef idx="2">
-            <a:schemeClr val="accent1"/>
-          </a:effectRef>
-          <a:fontRef idx="minor">
-            <a:schemeClr val="lt1"/>
-          </a:fontRef>
-        </p:style>
-      </p:sp>
-      <p:sp>
-        <p:nvSpPr>
-          <p:cNvPr id="14" name="Rectangle 13">
-            <a:extLst>
-              <a:ext uri="{FF2B5EF4-FFF2-40B4-BE49-F238E27FC236}">
-                <a16:creationId xmlns:a16="http://schemas.microsoft.com/office/drawing/2014/main" id="{10AE8D57-436A-4073-9A75-15BB5949F8B4}"/>
-              </a:ext>
-              <a:ext uri="{C183D7F6-B498-43B3-948B-1728B52AA6E4}">
-                <adec:decorative xmlns:adec="http://schemas.microsoft.com/office/drawing/2017/decorative" val="1"/>
-              </a:ext>
-            </a:extLst>
-          </p:cNvPr>
-          <p:cNvSpPr>
-            <a:spLocks noGrp="1" noRot="1" noChangeAspect="1" noMove="1" noResize="1" noEditPoints="1" noAdjustHandles="1" noChangeArrowheads="1" noChangeShapeType="1" noTextEdit="1"/>
-          </p:cNvSpPr>
-          <p:nvPr>
-            <p:extLst>
-              <p:ext uri="{386F3935-93C4-4BCD-93E2-E3B085C9AB24}">
-                <p16:designElem xmlns:p16="http://schemas.microsoft.com/office/powerpoint/2015/main" val="1"/>
-              </p:ext>
-            </p:extLst>
-          </p:nvPr>
-        </p:nvSpPr>
-        <p:spPr>
-          <a:xfrm>
-            <a:off x="4241830" y="457200"/>
-            <a:ext cx="3703320" cy="91440"/>
-          </a:xfrm>
-          <a:prstGeom prst="rect">
-            <a:avLst/>
-          </a:prstGeom>
-          <a:solidFill>
-            <a:schemeClr val="accent1"/>
-          </a:solidFill>
-          <a:ln>
-            <a:noFill/>
-          </a:ln>
-          <a:effectLst/>
-        </p:spPr>
-        <p:style>
-          <a:lnRef idx="1">
-            <a:schemeClr val="accent1"/>
-          </a:lnRef>
-          <a:fillRef idx="3">
-            <a:schemeClr val="accent1"/>
-          </a:fillRef>
-          <a:effectRef idx="2">
-            <a:schemeClr val="accent1"/>
-          </a:effectRef>
-          <a:fontRef idx="minor">
-            <a:schemeClr val="lt1"/>
-          </a:fontRef>
-        </p:style>
-      </p:sp>
-      <p:sp>
-        <p:nvSpPr>
-          <p:cNvPr id="16" name="Rectangle 15">
-            <a:extLst>
-              <a:ext uri="{FF2B5EF4-FFF2-40B4-BE49-F238E27FC236}">
-                <a16:creationId xmlns:a16="http://schemas.microsoft.com/office/drawing/2014/main" id="{E2852671-8EB6-4EAF-8AF8-65CF3FD66456}"/>
-              </a:ext>
-              <a:ext uri="{C183D7F6-B498-43B3-948B-1728B52AA6E4}">
-                <adec:decorative xmlns:adec="http://schemas.microsoft.com/office/drawing/2017/decorative" val="1"/>
-              </a:ext>
-            </a:extLst>
-          </p:cNvPr>
-          <p:cNvSpPr>
-            <a:spLocks noGrp="1" noRot="1" noChangeAspect="1" noMove="1" noResize="1" noEditPoints="1" noAdjustHandles="1" noChangeArrowheads="1" noChangeShapeType="1" noTextEdit="1"/>
-          </p:cNvSpPr>
-          <p:nvPr>
-            <p:extLst>
-              <p:ext uri="{386F3935-93C4-4BCD-93E2-E3B085C9AB24}">
-                <p16:designElem xmlns:p16="http://schemas.microsoft.com/office/powerpoint/2015/main" val="1"/>
-              </p:ext>
-            </p:extLst>
-          </p:nvPr>
-        </p:nvSpPr>
-        <p:spPr>
-          <a:xfrm>
-            <a:off x="446534" y="3085764"/>
-            <a:ext cx="11298932" cy="3338149"/>
-          </a:xfrm>
-          <a:prstGeom prst="rect">
-            <a:avLst/>
-          </a:prstGeom>
-          <a:solidFill>
-            <a:srgbClr val="465359"/>
-          </a:solidFill>
-          <a:ln>
-            <a:noFill/>
-          </a:ln>
-          <a:effectLst/>
-        </p:spPr>
-        <p:style>
-          <a:lnRef idx="1">
-            <a:schemeClr val="accent1"/>
-          </a:lnRef>
-          <a:fillRef idx="3">
-            <a:schemeClr val="accent1"/>
-          </a:fillRef>
-          <a:effectRef idx="2">
-            <a:schemeClr val="accent1"/>
-          </a:effectRef>
-          <a:fontRef idx="minor">
-            <a:schemeClr val="lt1"/>
-          </a:fontRef>
-        </p:style>
-      </p:sp>
-      <p:sp useBgFill="1">
-        <p:nvSpPr>
-          <p:cNvPr id="18" name="Rectangle 17">
-            <a:extLst>
-              <a:ext uri="{FF2B5EF4-FFF2-40B4-BE49-F238E27FC236}">
-                <a16:creationId xmlns:a16="http://schemas.microsoft.com/office/drawing/2014/main" id="{26B4480E-B7FF-4481-890E-043A69AE6FE2}"/>
-              </a:ext>
-              <a:ext uri="{C183D7F6-B498-43B3-948B-1728B52AA6E4}">
-                <adec:decorative xmlns:adec="http://schemas.microsoft.com/office/drawing/2017/decorative" val="1"/>
-              </a:ext>
-            </a:extLst>
-          </p:cNvPr>
-          <p:cNvSpPr>
-            <a:spLocks noGrp="1" noRot="1" noChangeAspect="1" noMove="1" noResize="1" noEditPoints="1" noAdjustHandles="1" noChangeArrowheads="1" noChangeShapeType="1" noTextEdit="1"/>
-          </p:cNvSpPr>
-          <p:nvPr>
-            <p:extLst>
-              <p:ext uri="{386F3935-93C4-4BCD-93E2-E3B085C9AB24}">
-                <p16:designElem xmlns:p16="http://schemas.microsoft.com/office/powerpoint/2015/main" val="1"/>
-              </p:ext>
-            </p:extLst>
-          </p:nvPr>
-        </p:nvSpPr>
-        <p:spPr>
-          <a:xfrm>
-            <a:off x="0" y="0"/>
-            <a:ext cx="12192000" cy="6858000"/>
-          </a:xfrm>
-          <a:prstGeom prst="rect">
-            <a:avLst/>
-          </a:prstGeom>
-          <a:ln>
-            <a:noFill/>
-          </a:ln>
-        </p:spPr>
-        <p:style>
-          <a:lnRef idx="2">
-            <a:schemeClr val="accent1">
-              <a:shade val="50000"/>
-            </a:schemeClr>
-          </a:lnRef>
-          <a:fillRef idx="1">
-            <a:schemeClr val="accent1"/>
-          </a:fillRef>
-          <a:effectRef idx="0">
-            <a:schemeClr val="accent1"/>
-          </a:effectRef>
-          <a:fontRef idx="minor">
-            <a:schemeClr val="lt1"/>
-          </a:fontRef>
-        </p:style>
-        <p:txBody>
-          <a:bodyPr rtlCol="0" anchor="ctr"/>
-          <a:lstStyle/>
-          <a:p>
-            <a:pPr algn="ctr"/>
-            <a:endParaRPr lang="en-US"/>
-          </a:p>
-        </p:txBody>
-      </p:sp>
-      <p:grpSp>
-        <p:nvGrpSpPr>
-          <p:cNvPr id="20" name="Group 19">
-            <a:extLst>
-              <a:ext uri="{FF2B5EF4-FFF2-40B4-BE49-F238E27FC236}">
-                <a16:creationId xmlns:a16="http://schemas.microsoft.com/office/drawing/2014/main" id="{79394E1F-0B5F-497D-B2A6-8383A2A54834}"/>
-              </a:ext>
-              <a:ext uri="{C183D7F6-B498-43B3-948B-1728B52AA6E4}">
-                <adec:decorative xmlns:adec="http://schemas.microsoft.com/office/drawing/2017/decorative" val="1"/>
-              </a:ext>
-            </a:extLst>
-          </p:cNvPr>
-          <p:cNvGrpSpPr>
-            <a:grpSpLocks noGrp="1" noUngrp="1" noRot="1" noChangeAspect="1" noMove="1" noResize="1"/>
-          </p:cNvGrpSpPr>
-          <p:nvPr>
-            <p:extLst>
-              <p:ext uri="{386F3935-93C4-4BCD-93E2-E3B085C9AB24}">
-                <p16:designElem xmlns:p16="http://schemas.microsoft.com/office/powerpoint/2015/main" val="1"/>
-              </p:ext>
-            </p:extLst>
-          </p:nvPr>
-        </p:nvGrpSpPr>
-        <p:grpSpPr>
-          <a:xfrm>
-            <a:off x="438068" y="457200"/>
-            <a:ext cx="3703320" cy="5935133"/>
-            <a:chOff x="438068" y="457200"/>
-            <a:chExt cx="3703320" cy="5935133"/>
-          </a:xfrm>
-        </p:grpSpPr>
-        <p:sp>
-          <p:nvSpPr>
-            <p:cNvPr id="21" name="Rectangle 20">
-              <a:extLst>
-                <a:ext uri="{FF2B5EF4-FFF2-40B4-BE49-F238E27FC236}">
-                  <a16:creationId xmlns:a16="http://schemas.microsoft.com/office/drawing/2014/main" id="{1F1FF39A-AC3C-4066-9D4C-519AA22812EA}"/>
-                </a:ext>
-                <a:ext uri="{C183D7F6-B498-43B3-948B-1728B52AA6E4}">
-                  <adec:decorative xmlns:adec="http://schemas.microsoft.com/office/drawing/2017/decorative" val="1"/>
-                </a:ext>
-              </a:extLst>
-            </p:cNvPr>
-            <p:cNvSpPr/>
-            <p:nvPr>
-              <p:extLst>
-                <p:ext uri="{386F3935-93C4-4BCD-93E2-E3B085C9AB24}">
-                  <p16:designElem xmlns:p16="http://schemas.microsoft.com/office/powerpoint/2015/main" val="1"/>
-                </p:ext>
-              </p:extLst>
-            </p:nvPr>
-          </p:nvSpPr>
-          <p:spPr>
-            <a:xfrm>
-              <a:off x="438068" y="601201"/>
-              <a:ext cx="3702134" cy="5791132"/>
-            </a:xfrm>
-            <a:prstGeom prst="rect">
-              <a:avLst/>
-            </a:prstGeom>
-            <a:solidFill>
-              <a:srgbClr val="465359">
-                <a:alpha val="97000"/>
-              </a:srgbClr>
-            </a:solidFill>
-            <a:ln w="6350" cmpd="sng">
-              <a:noFill/>
-            </a:ln>
-            <a:effectLst/>
-          </p:spPr>
-          <p:style>
-            <a:lnRef idx="1">
-              <a:schemeClr val="accent1"/>
-            </a:lnRef>
-            <a:fillRef idx="3">
-              <a:schemeClr val="accent1"/>
-            </a:fillRef>
-            <a:effectRef idx="2">
-              <a:schemeClr val="accent1"/>
-            </a:effectRef>
-            <a:fontRef idx="minor">
-              <a:schemeClr val="lt1"/>
-            </a:fontRef>
-          </p:style>
-        </p:sp>
-        <p:sp>
-          <p:nvSpPr>
-            <p:cNvPr id="22" name="Rectangle 21">
-              <a:extLst>
-                <a:ext uri="{FF2B5EF4-FFF2-40B4-BE49-F238E27FC236}">
-                  <a16:creationId xmlns:a16="http://schemas.microsoft.com/office/drawing/2014/main" id="{64C13BAB-7C00-4D21-A857-E3D41C0A2A66}"/>
-                </a:ext>
-                <a:ext uri="{C183D7F6-B498-43B3-948B-1728B52AA6E4}">
-                  <adec:decorative xmlns:adec="http://schemas.microsoft.com/office/drawing/2017/decorative" val="1"/>
-                </a:ext>
-              </a:extLst>
-            </p:cNvPr>
-            <p:cNvSpPr/>
-            <p:nvPr>
-              <p:extLst>
-                <p:ext uri="{386F3935-93C4-4BCD-93E2-E3B085C9AB24}">
-                  <p16:designElem xmlns:p16="http://schemas.microsoft.com/office/powerpoint/2015/main" val="1"/>
-                </p:ext>
-              </p:extLst>
-            </p:nvPr>
-          </p:nvSpPr>
-          <p:spPr>
-            <a:xfrm>
-              <a:off x="438068" y="457200"/>
-              <a:ext cx="3703320" cy="94997"/>
-            </a:xfrm>
-            <a:prstGeom prst="rect">
-              <a:avLst/>
-            </a:prstGeom>
-            <a:solidFill>
-              <a:srgbClr val="465359"/>
-            </a:solidFill>
-            <a:ln>
-              <a:noFill/>
-            </a:ln>
-            <a:effectLst/>
-          </p:spPr>
-          <p:style>
-            <a:lnRef idx="1">
-              <a:schemeClr val="accent1"/>
-            </a:lnRef>
-            <a:fillRef idx="3">
-              <a:schemeClr val="accent1"/>
-            </a:fillRef>
-            <a:effectRef idx="2">
-              <a:schemeClr val="accent1"/>
-            </a:effectRef>
-            <a:fontRef idx="minor">
-              <a:schemeClr val="lt1"/>
-            </a:fontRef>
-          </p:style>
-        </p:sp>
-      </p:grpSp>
-      <p:sp>
-        <p:nvSpPr>
-          <p:cNvPr id="2" name="Titel 1">
-            <a:extLst>
-              <a:ext uri="{FF2B5EF4-FFF2-40B4-BE49-F238E27FC236}">
-                <a16:creationId xmlns:a16="http://schemas.microsoft.com/office/drawing/2014/main" id="{06158C18-B0AD-4A23-BB2F-A981A9ADFAF7}"/>
-              </a:ext>
-            </a:extLst>
-          </p:cNvPr>
-          <p:cNvSpPr>
-            <a:spLocks noGrp="1"/>
-          </p:cNvSpPr>
-          <p:nvPr>
-            <p:ph type="title"/>
-          </p:nvPr>
-        </p:nvSpPr>
-        <p:spPr>
-          <a:xfrm>
-            <a:off x="584200" y="1524001"/>
-            <a:ext cx="3412067" cy="3478384"/>
-          </a:xfrm>
-        </p:spPr>
-        <p:txBody>
-          <a:bodyPr vert="horz" lIns="91440" tIns="45720" rIns="91440" bIns="45720" rtlCol="0" anchor="b">
-            <a:normAutofit/>
-          </a:bodyPr>
-          <a:lstStyle/>
-          <a:p>
-            <a:r>
               <a:rPr lang="en-US" sz="3600" dirty="0">
                 <a:solidFill>
                   <a:srgbClr val="FFFFFF"/>
@@ -17219,10 +16680,10 @@
       </p:sp>
       <p:pic>
         <p:nvPicPr>
-          <p:cNvPr id="5" name="Inhaltsplatzhalter 4">
+          <p:cNvPr id="9" name="Inhaltsplatzhalter 8">
             <a:extLst>
               <a:ext uri="{FF2B5EF4-FFF2-40B4-BE49-F238E27FC236}">
-                <a16:creationId xmlns:a16="http://schemas.microsoft.com/office/drawing/2014/main" id="{CBA2A802-BAB6-CE97-494C-29EF9F6FD12E}"/>
+                <a16:creationId xmlns:a16="http://schemas.microsoft.com/office/drawing/2014/main" id="{1C12F868-1325-2FAA-8038-BC9A3E042E60}"/>
               </a:ext>
             </a:extLst>
           </p:cNvPr>
@@ -17241,8 +16702,8 @@
         </p:blipFill>
         <p:spPr>
           <a:xfrm>
-            <a:off x="4765053" y="1100180"/>
-            <a:ext cx="6764864" cy="4633931"/>
+            <a:off x="5054580" y="618067"/>
+            <a:ext cx="6185809" cy="5598157"/>
           </a:xfrm>
           <a:prstGeom prst="rect">
             <a:avLst/>

--- a/HDM Data Science v0226 _copySven.pptx
+++ b/HDM Data Science v0226 _copySven.pptx
@@ -5,7 +5,7 @@
     <p:sldMasterId id="2147483738" r:id="rId1"/>
   </p:sldMasterIdLst>
   <p:notesMasterIdLst>
-    <p:notesMasterId r:id="rId26"/>
+    <p:notesMasterId r:id="rId28"/>
   </p:notesMasterIdLst>
   <p:sldIdLst>
     <p:sldId id="256" r:id="rId2"/>
@@ -32,6 +32,8 @@
     <p:sldId id="280" r:id="rId23"/>
     <p:sldId id="276" r:id="rId24"/>
     <p:sldId id="272" r:id="rId25"/>
+    <p:sldId id="283" r:id="rId26"/>
+    <p:sldId id="284" r:id="rId27"/>
   </p:sldIdLst>
   <p:sldSz cx="12192000" cy="6858000"/>
   <p:notesSz cx="6858000" cy="9144000"/>
@@ -2978,6 +2980,1858 @@
     </c:plotArea>
     <c:legend>
       <c:legendPos val="b"/>
+      <c:overlay val="0"/>
+      <c:spPr>
+        <a:noFill/>
+        <a:ln>
+          <a:noFill/>
+        </a:ln>
+        <a:effectLst/>
+      </c:spPr>
+      <c:txPr>
+        <a:bodyPr rot="0" spcFirstLastPara="1" vertOverflow="ellipsis" vert="horz" wrap="square" anchor="ctr" anchorCtr="1"/>
+        <a:lstStyle/>
+        <a:p>
+          <a:pPr>
+            <a:defRPr sz="1197" b="0" i="0" u="none" strike="noStrike" kern="1200" baseline="0">
+              <a:solidFill>
+                <a:schemeClr val="tx1">
+                  <a:lumMod val="65000"/>
+                  <a:lumOff val="35000"/>
+                </a:schemeClr>
+              </a:solidFill>
+              <a:latin typeface="+mn-lt"/>
+              <a:ea typeface="+mn-ea"/>
+              <a:cs typeface="+mn-cs"/>
+            </a:defRPr>
+          </a:pPr>
+          <a:endParaRPr lang="de-DE"/>
+        </a:p>
+      </c:txPr>
+    </c:legend>
+    <c:plotVisOnly val="1"/>
+    <c:dispBlanksAs val="gap"/>
+    <c:showDLblsOverMax val="0"/>
+  </c:chart>
+  <c:spPr>
+    <a:noFill/>
+    <a:ln>
+      <a:noFill/>
+    </a:ln>
+    <a:effectLst/>
+  </c:spPr>
+  <c:txPr>
+    <a:bodyPr/>
+    <a:lstStyle/>
+    <a:p>
+      <a:pPr>
+        <a:defRPr/>
+      </a:pPr>
+      <a:endParaRPr lang="de-DE"/>
+    </a:p>
+  </c:txPr>
+  <c:externalData r:id="rId3">
+    <c:autoUpdate val="0"/>
+  </c:externalData>
+</c:chartSpace>
+</file>
+
+<file path=ppt/charts/chart4.xml><?xml version="1.0" encoding="utf-8"?>
+<c:chartSpace xmlns:c="http://schemas.openxmlformats.org/drawingml/2006/chart" xmlns:a="http://schemas.openxmlformats.org/drawingml/2006/main" xmlns:r="http://schemas.openxmlformats.org/officeDocument/2006/relationships" xmlns:c16r2="http://schemas.microsoft.com/office/drawing/2015/06/chart">
+  <c:date1904 val="0"/>
+  <c:lang val="de-DE"/>
+  <c:roundedCorners val="0"/>
+  <mc:AlternateContent xmlns:mc="http://schemas.openxmlformats.org/markup-compatibility/2006">
+    <mc:Choice xmlns:c14="http://schemas.microsoft.com/office/drawing/2007/8/2/chart" Requires="c14">
+      <c14:style val="102"/>
+    </mc:Choice>
+    <mc:Fallback>
+      <c:style val="2"/>
+    </mc:Fallback>
+  </mc:AlternateContent>
+  <c:chart>
+    <c:title>
+      <c:tx>
+        <c:rich>
+          <a:bodyPr rot="0" spcFirstLastPara="1" vertOverflow="ellipsis" vert="horz" wrap="square" anchor="ctr" anchorCtr="1"/>
+          <a:lstStyle/>
+          <a:p>
+            <a:pPr>
+              <a:defRPr sz="1862" b="0" i="0" u="none" strike="noStrike" kern="1200" spc="0" baseline="0">
+                <a:solidFill>
+                  <a:schemeClr val="tx1">
+                    <a:lumMod val="65000"/>
+                    <a:lumOff val="35000"/>
+                  </a:schemeClr>
+                </a:solidFill>
+                <a:latin typeface="+mn-lt"/>
+                <a:ea typeface="+mn-ea"/>
+                <a:cs typeface="+mn-cs"/>
+              </a:defRPr>
+            </a:pPr>
+            <a:r>
+              <a:rPr lang="de-DE"/>
+              <a:t>Model </a:t>
+            </a:r>
+            <a:r>
+              <a:rPr lang="de-DE" err="1"/>
+              <a:t>comparison</a:t>
+            </a:r>
+            <a:r>
+              <a:rPr lang="de-DE"/>
+              <a:t> </a:t>
+            </a:r>
+          </a:p>
+        </c:rich>
+      </c:tx>
+      <c:overlay val="0"/>
+      <c:spPr>
+        <a:noFill/>
+        <a:ln>
+          <a:noFill/>
+        </a:ln>
+        <a:effectLst/>
+      </c:spPr>
+      <c:txPr>
+        <a:bodyPr rot="0" spcFirstLastPara="1" vertOverflow="ellipsis" vert="horz" wrap="square" anchor="ctr" anchorCtr="1"/>
+        <a:lstStyle/>
+        <a:p>
+          <a:pPr>
+            <a:defRPr sz="1862" b="0" i="0" u="none" strike="noStrike" kern="1200" spc="0" baseline="0">
+              <a:solidFill>
+                <a:schemeClr val="tx1">
+                  <a:lumMod val="65000"/>
+                  <a:lumOff val="35000"/>
+                </a:schemeClr>
+              </a:solidFill>
+              <a:latin typeface="+mn-lt"/>
+              <a:ea typeface="+mn-ea"/>
+              <a:cs typeface="+mn-cs"/>
+            </a:defRPr>
+          </a:pPr>
+          <a:endParaRPr lang="de-DE"/>
+        </a:p>
+      </c:txPr>
+    </c:title>
+    <c:autoTitleDeleted val="0"/>
+    <c:plotArea>
+      <c:layout/>
+      <c:barChart>
+        <c:barDir val="col"/>
+        <c:grouping val="clustered"/>
+        <c:varyColors val="0"/>
+        <c:ser>
+          <c:idx val="0"/>
+          <c:order val="0"/>
+          <c:tx>
+            <c:strRef>
+              <c:f>Tabelle1!$B$1</c:f>
+              <c:strCache>
+                <c:ptCount val="1"/>
+                <c:pt idx="0">
+                  <c:v>average Popularity Main Artist </c:v>
+                </c:pt>
+              </c:strCache>
+            </c:strRef>
+          </c:tx>
+          <c:spPr>
+            <a:solidFill>
+              <a:schemeClr val="accent1"/>
+            </a:solidFill>
+            <a:ln>
+              <a:noFill/>
+            </a:ln>
+            <a:effectLst/>
+          </c:spPr>
+          <c:invertIfNegative val="0"/>
+          <c:cat>
+            <c:strRef>
+              <c:f>Tabelle1!$A$2:$A$3</c:f>
+              <c:strCache>
+                <c:ptCount val="2"/>
+                <c:pt idx="0">
+                  <c:v>Weights first iteration</c:v>
+                </c:pt>
+                <c:pt idx="1">
+                  <c:v>Weights second iteration</c:v>
+                </c:pt>
+              </c:strCache>
+            </c:strRef>
+          </c:cat>
+          <c:val>
+            <c:numRef>
+              <c:f>Tabelle1!$B$2:$B$3</c:f>
+              <c:numCache>
+                <c:formatCode>0.000</c:formatCode>
+                <c:ptCount val="2"/>
+                <c:pt idx="0" formatCode="_-* #,##0.000_-;\-* #,##0.000_-;_-* &quot;-&quot;??_-;_-@_-">
+                  <c:v>0</c:v>
+                </c:pt>
+                <c:pt idx="1">
+                  <c:v>8.4919741035776805E-2</c:v>
+                </c:pt>
+              </c:numCache>
+            </c:numRef>
+          </c:val>
+          <c:extLst>
+            <c:ext xmlns:c16="http://schemas.microsoft.com/office/drawing/2014/chart" uri="{C3380CC4-5D6E-409C-BE32-E72D297353CC}">
+              <c16:uniqueId val="{00000000-CB1C-4803-8449-D9D4C366A9FF}"/>
+            </c:ext>
+          </c:extLst>
+        </c:ser>
+        <c:ser>
+          <c:idx val="1"/>
+          <c:order val="1"/>
+          <c:tx>
+            <c:strRef>
+              <c:f>Tabelle1!$C$1</c:f>
+              <c:strCache>
+                <c:ptCount val="1"/>
+                <c:pt idx="0">
+                  <c:v>average Follower Main Artist </c:v>
+                </c:pt>
+              </c:strCache>
+            </c:strRef>
+          </c:tx>
+          <c:spPr>
+            <a:solidFill>
+              <a:schemeClr val="accent2"/>
+            </a:solidFill>
+            <a:ln>
+              <a:noFill/>
+            </a:ln>
+            <a:effectLst/>
+          </c:spPr>
+          <c:invertIfNegative val="0"/>
+          <c:cat>
+            <c:strRef>
+              <c:f>Tabelle1!$A$2:$A$3</c:f>
+              <c:strCache>
+                <c:ptCount val="2"/>
+                <c:pt idx="0">
+                  <c:v>Weights first iteration</c:v>
+                </c:pt>
+                <c:pt idx="1">
+                  <c:v>Weights second iteration</c:v>
+                </c:pt>
+              </c:strCache>
+            </c:strRef>
+          </c:cat>
+          <c:val>
+            <c:numRef>
+              <c:f>Tabelle1!$C$2:$C$3</c:f>
+              <c:numCache>
+                <c:formatCode>0.000</c:formatCode>
+                <c:ptCount val="2"/>
+                <c:pt idx="0" formatCode="_-* #,##0.000_-;\-* #,##0.000_-;_-* &quot;-&quot;??_-;_-@_-">
+                  <c:v>0</c:v>
+                </c:pt>
+                <c:pt idx="1">
+                  <c:v>7.6902151035924501E-2</c:v>
+                </c:pt>
+              </c:numCache>
+            </c:numRef>
+          </c:val>
+          <c:extLst>
+            <c:ext xmlns:c16="http://schemas.microsoft.com/office/drawing/2014/chart" uri="{C3380CC4-5D6E-409C-BE32-E72D297353CC}">
+              <c16:uniqueId val="{00000001-CB1C-4803-8449-D9D4C366A9FF}"/>
+            </c:ext>
+          </c:extLst>
+        </c:ser>
+        <c:ser>
+          <c:idx val="2"/>
+          <c:order val="2"/>
+          <c:tx>
+            <c:strRef>
+              <c:f>Tabelle1!$D$1</c:f>
+              <c:strCache>
+                <c:ptCount val="1"/>
+                <c:pt idx="0">
+                  <c:v>Follower main Artist</c:v>
+                </c:pt>
+              </c:strCache>
+            </c:strRef>
+          </c:tx>
+          <c:spPr>
+            <a:solidFill>
+              <a:schemeClr val="accent3"/>
+            </a:solidFill>
+            <a:ln>
+              <a:noFill/>
+            </a:ln>
+            <a:effectLst/>
+          </c:spPr>
+          <c:invertIfNegative val="0"/>
+          <c:cat>
+            <c:strRef>
+              <c:f>Tabelle1!$A$2:$A$3</c:f>
+              <c:strCache>
+                <c:ptCount val="2"/>
+                <c:pt idx="0">
+                  <c:v>Weights first iteration</c:v>
+                </c:pt>
+                <c:pt idx="1">
+                  <c:v>Weights second iteration</c:v>
+                </c:pt>
+              </c:strCache>
+            </c:strRef>
+          </c:cat>
+          <c:val>
+            <c:numRef>
+              <c:f>Tabelle1!$D$2:$D$3</c:f>
+              <c:numCache>
+                <c:formatCode>0.000</c:formatCode>
+                <c:ptCount val="2"/>
+                <c:pt idx="0" formatCode="_-* #,##0.000_-;\-* #,##0.000_-;_-* &quot;-&quot;??_-;_-@_-">
+                  <c:v>0</c:v>
+                </c:pt>
+                <c:pt idx="1">
+                  <c:v>6.2895379116795005E-2</c:v>
+                </c:pt>
+              </c:numCache>
+            </c:numRef>
+          </c:val>
+          <c:extLst>
+            <c:ext xmlns:c16="http://schemas.microsoft.com/office/drawing/2014/chart" uri="{C3380CC4-5D6E-409C-BE32-E72D297353CC}">
+              <c16:uniqueId val="{00000002-CB1C-4803-8449-D9D4C366A9FF}"/>
+            </c:ext>
+          </c:extLst>
+        </c:ser>
+        <c:ser>
+          <c:idx val="3"/>
+          <c:order val="3"/>
+          <c:tx>
+            <c:strRef>
+              <c:f>Tabelle1!$E$1</c:f>
+              <c:strCache>
+                <c:ptCount val="1"/>
+                <c:pt idx="0">
+                  <c:v>loudness</c:v>
+                </c:pt>
+              </c:strCache>
+            </c:strRef>
+          </c:tx>
+          <c:spPr>
+            <a:solidFill>
+              <a:schemeClr val="accent4"/>
+            </a:solidFill>
+            <a:ln>
+              <a:noFill/>
+            </a:ln>
+            <a:effectLst/>
+          </c:spPr>
+          <c:invertIfNegative val="0"/>
+          <c:cat>
+            <c:strRef>
+              <c:f>Tabelle1!$A$2:$A$3</c:f>
+              <c:strCache>
+                <c:ptCount val="2"/>
+                <c:pt idx="0">
+                  <c:v>Weights first iteration</c:v>
+                </c:pt>
+                <c:pt idx="1">
+                  <c:v>Weights second iteration</c:v>
+                </c:pt>
+              </c:strCache>
+            </c:strRef>
+          </c:cat>
+          <c:val>
+            <c:numRef>
+              <c:f>Tabelle1!$E$2:$E$3</c:f>
+              <c:numCache>
+                <c:formatCode>0.000</c:formatCode>
+                <c:ptCount val="2"/>
+                <c:pt idx="0" formatCode="_-* #,##0.000_-;\-* #,##0.000_-;_-* &quot;-&quot;??_-;_-@_-">
+                  <c:v>0.13800000000000001</c:v>
+                </c:pt>
+                <c:pt idx="1">
+                  <c:v>5.7205244354562201E-2</c:v>
+                </c:pt>
+              </c:numCache>
+            </c:numRef>
+          </c:val>
+          <c:extLst>
+            <c:ext xmlns:c16="http://schemas.microsoft.com/office/drawing/2014/chart" uri="{C3380CC4-5D6E-409C-BE32-E72D297353CC}">
+              <c16:uniqueId val="{00000003-CB1C-4803-8449-D9D4C366A9FF}"/>
+            </c:ext>
+          </c:extLst>
+        </c:ser>
+        <c:ser>
+          <c:idx val="4"/>
+          <c:order val="4"/>
+          <c:tx>
+            <c:strRef>
+              <c:f>Tabelle1!$F$1</c:f>
+              <c:strCache>
+                <c:ptCount val="1"/>
+                <c:pt idx="0">
+                  <c:v>maximum Follower Main artist</c:v>
+                </c:pt>
+              </c:strCache>
+            </c:strRef>
+          </c:tx>
+          <c:spPr>
+            <a:solidFill>
+              <a:schemeClr val="accent5"/>
+            </a:solidFill>
+            <a:ln>
+              <a:noFill/>
+            </a:ln>
+            <a:effectLst/>
+          </c:spPr>
+          <c:invertIfNegative val="0"/>
+          <c:cat>
+            <c:strRef>
+              <c:f>Tabelle1!$A$2:$A$3</c:f>
+              <c:strCache>
+                <c:ptCount val="2"/>
+                <c:pt idx="0">
+                  <c:v>Weights first iteration</c:v>
+                </c:pt>
+                <c:pt idx="1">
+                  <c:v>Weights second iteration</c:v>
+                </c:pt>
+              </c:strCache>
+            </c:strRef>
+          </c:cat>
+          <c:val>
+            <c:numRef>
+              <c:f>Tabelle1!$F$2:$F$3</c:f>
+              <c:numCache>
+                <c:formatCode>0.000</c:formatCode>
+                <c:ptCount val="2"/>
+                <c:pt idx="0" formatCode="_-* #,##0.000_-;\-* #,##0.000_-;_-* &quot;-&quot;??_-;_-@_-">
+                  <c:v>0</c:v>
+                </c:pt>
+                <c:pt idx="1">
+                  <c:v>5.60296176787137E-2</c:v>
+                </c:pt>
+              </c:numCache>
+            </c:numRef>
+          </c:val>
+          <c:extLst>
+            <c:ext xmlns:c16="http://schemas.microsoft.com/office/drawing/2014/chart" uri="{C3380CC4-5D6E-409C-BE32-E72D297353CC}">
+              <c16:uniqueId val="{00000004-CB1C-4803-8449-D9D4C366A9FF}"/>
+            </c:ext>
+          </c:extLst>
+        </c:ser>
+        <c:ser>
+          <c:idx val="5"/>
+          <c:order val="5"/>
+          <c:tx>
+            <c:strRef>
+              <c:f>Tabelle1!$G$1</c:f>
+              <c:strCache>
+                <c:ptCount val="1"/>
+                <c:pt idx="0">
+                  <c:v>tempo</c:v>
+                </c:pt>
+              </c:strCache>
+            </c:strRef>
+          </c:tx>
+          <c:spPr>
+            <a:solidFill>
+              <a:schemeClr val="accent6"/>
+            </a:solidFill>
+            <a:ln>
+              <a:noFill/>
+            </a:ln>
+            <a:effectLst/>
+          </c:spPr>
+          <c:invertIfNegative val="0"/>
+          <c:cat>
+            <c:strRef>
+              <c:f>Tabelle1!$A$2:$A$3</c:f>
+              <c:strCache>
+                <c:ptCount val="2"/>
+                <c:pt idx="0">
+                  <c:v>Weights first iteration</c:v>
+                </c:pt>
+                <c:pt idx="1">
+                  <c:v>Weights second iteration</c:v>
+                </c:pt>
+              </c:strCache>
+            </c:strRef>
+          </c:cat>
+          <c:val>
+            <c:numRef>
+              <c:f>Tabelle1!$G$2:$G$3</c:f>
+              <c:numCache>
+                <c:formatCode>0.000</c:formatCode>
+                <c:ptCount val="2"/>
+                <c:pt idx="0" formatCode="_-* #,##0.000_-;\-* #,##0.000_-;_-* &quot;-&quot;??_-;_-@_-">
+                  <c:v>0.124</c:v>
+                </c:pt>
+                <c:pt idx="1">
+                  <c:v>5.3382930916454199E-2</c:v>
+                </c:pt>
+              </c:numCache>
+            </c:numRef>
+          </c:val>
+          <c:extLst>
+            <c:ext xmlns:c16="http://schemas.microsoft.com/office/drawing/2014/chart" uri="{C3380CC4-5D6E-409C-BE32-E72D297353CC}">
+              <c16:uniqueId val="{00000000-06AE-42F0-BE62-1B571509FCEA}"/>
+            </c:ext>
+          </c:extLst>
+        </c:ser>
+        <c:ser>
+          <c:idx val="6"/>
+          <c:order val="6"/>
+          <c:tx>
+            <c:strRef>
+              <c:f>Tabelle1!$H$1</c:f>
+              <c:strCache>
+                <c:ptCount val="1"/>
+                <c:pt idx="0">
+                  <c:v>popularity</c:v>
+                </c:pt>
+              </c:strCache>
+            </c:strRef>
+          </c:tx>
+          <c:spPr>
+            <a:solidFill>
+              <a:schemeClr val="accent1">
+                <a:lumMod val="60000"/>
+              </a:schemeClr>
+            </a:solidFill>
+            <a:ln>
+              <a:noFill/>
+            </a:ln>
+            <a:effectLst/>
+          </c:spPr>
+          <c:invertIfNegative val="0"/>
+          <c:cat>
+            <c:strRef>
+              <c:f>Tabelle1!$A$2:$A$3</c:f>
+              <c:strCache>
+                <c:ptCount val="2"/>
+                <c:pt idx="0">
+                  <c:v>Weights first iteration</c:v>
+                </c:pt>
+                <c:pt idx="1">
+                  <c:v>Weights second iteration</c:v>
+                </c:pt>
+              </c:strCache>
+            </c:strRef>
+          </c:cat>
+          <c:val>
+            <c:numRef>
+              <c:f>Tabelle1!$H$2:$H$3</c:f>
+              <c:numCache>
+                <c:formatCode>0.000</c:formatCode>
+                <c:ptCount val="2"/>
+                <c:pt idx="0" formatCode="_-* #,##0.000_-;\-* #,##0.000_-;_-* &quot;-&quot;??_-;_-@_-">
+                  <c:v>0</c:v>
+                </c:pt>
+                <c:pt idx="1">
+                  <c:v>4.70968172734006E-2</c:v>
+                </c:pt>
+              </c:numCache>
+            </c:numRef>
+          </c:val>
+          <c:extLst>
+            <c:ext xmlns:c16="http://schemas.microsoft.com/office/drawing/2014/chart" uri="{C3380CC4-5D6E-409C-BE32-E72D297353CC}">
+              <c16:uniqueId val="{00000000-AF2F-462C-93BE-40BF4BFF6F86}"/>
+            </c:ext>
+          </c:extLst>
+        </c:ser>
+        <c:ser>
+          <c:idx val="7"/>
+          <c:order val="7"/>
+          <c:tx>
+            <c:strRef>
+              <c:f>Tabelle1!$I$1</c:f>
+              <c:strCache>
+                <c:ptCount val="1"/>
+                <c:pt idx="0">
+                  <c:v>danceability</c:v>
+                </c:pt>
+              </c:strCache>
+            </c:strRef>
+          </c:tx>
+          <c:spPr>
+            <a:solidFill>
+              <a:schemeClr val="accent2">
+                <a:lumMod val="60000"/>
+              </a:schemeClr>
+            </a:solidFill>
+            <a:ln>
+              <a:noFill/>
+            </a:ln>
+            <a:effectLst/>
+          </c:spPr>
+          <c:invertIfNegative val="0"/>
+          <c:cat>
+            <c:strRef>
+              <c:f>Tabelle1!$A$2:$A$3</c:f>
+              <c:strCache>
+                <c:ptCount val="2"/>
+                <c:pt idx="0">
+                  <c:v>Weights first iteration</c:v>
+                </c:pt>
+                <c:pt idx="1">
+                  <c:v>Weights second iteration</c:v>
+                </c:pt>
+              </c:strCache>
+            </c:strRef>
+          </c:cat>
+          <c:val>
+            <c:numRef>
+              <c:f>Tabelle1!$I$2:$I$3</c:f>
+              <c:numCache>
+                <c:formatCode>0.000</c:formatCode>
+                <c:ptCount val="2"/>
+                <c:pt idx="0" formatCode="_-* #,##0.000_-;\-* #,##0.000_-;_-* &quot;-&quot;??_-;_-@_-">
+                  <c:v>9.5000000000000001E-2</c:v>
+                </c:pt>
+                <c:pt idx="1">
+                  <c:v>4.5684141731632502E-2</c:v>
+                </c:pt>
+              </c:numCache>
+            </c:numRef>
+          </c:val>
+          <c:extLst>
+            <c:ext xmlns:c16="http://schemas.microsoft.com/office/drawing/2014/chart" uri="{C3380CC4-5D6E-409C-BE32-E72D297353CC}">
+              <c16:uniqueId val="{00000001-AF2F-462C-93BE-40BF4BFF6F86}"/>
+            </c:ext>
+          </c:extLst>
+        </c:ser>
+        <c:ser>
+          <c:idx val="8"/>
+          <c:order val="8"/>
+          <c:tx>
+            <c:strRef>
+              <c:f>Tabelle1!$J$1</c:f>
+              <c:strCache>
+                <c:ptCount val="1"/>
+                <c:pt idx="0">
+                  <c:v>median(Follower_main_artist)</c:v>
+                </c:pt>
+              </c:strCache>
+            </c:strRef>
+          </c:tx>
+          <c:spPr>
+            <a:solidFill>
+              <a:schemeClr val="accent3">
+                <a:lumMod val="60000"/>
+              </a:schemeClr>
+            </a:solidFill>
+            <a:ln>
+              <a:noFill/>
+            </a:ln>
+            <a:effectLst/>
+          </c:spPr>
+          <c:invertIfNegative val="0"/>
+          <c:cat>
+            <c:strRef>
+              <c:f>Tabelle1!$A$2:$A$3</c:f>
+              <c:strCache>
+                <c:ptCount val="2"/>
+                <c:pt idx="0">
+                  <c:v>Weights first iteration</c:v>
+                </c:pt>
+                <c:pt idx="1">
+                  <c:v>Weights second iteration</c:v>
+                </c:pt>
+              </c:strCache>
+            </c:strRef>
+          </c:cat>
+          <c:val>
+            <c:numRef>
+              <c:f>Tabelle1!$J$2:$J$3</c:f>
+              <c:numCache>
+                <c:formatCode>0.000</c:formatCode>
+                <c:ptCount val="2"/>
+                <c:pt idx="0" formatCode="_-* #,##0.000_-;\-* #,##0.000_-;_-* &quot;-&quot;??_-;_-@_-">
+                  <c:v>0</c:v>
+                </c:pt>
+                <c:pt idx="1">
+                  <c:v>4.2419393952027699E-2</c:v>
+                </c:pt>
+              </c:numCache>
+            </c:numRef>
+          </c:val>
+          <c:extLst>
+            <c:ext xmlns:c16="http://schemas.microsoft.com/office/drawing/2014/chart" uri="{C3380CC4-5D6E-409C-BE32-E72D297353CC}">
+              <c16:uniqueId val="{00000002-AF2F-462C-93BE-40BF4BFF6F86}"/>
+            </c:ext>
+          </c:extLst>
+        </c:ser>
+        <c:ser>
+          <c:idx val="9"/>
+          <c:order val="9"/>
+          <c:tx>
+            <c:strRef>
+              <c:f>Tabelle1!$K$1</c:f>
+              <c:strCache>
+                <c:ptCount val="1"/>
+                <c:pt idx="0">
+                  <c:v>median(Popularity Main Artist)</c:v>
+                </c:pt>
+              </c:strCache>
+            </c:strRef>
+          </c:tx>
+          <c:spPr>
+            <a:solidFill>
+              <a:schemeClr val="accent4">
+                <a:lumMod val="60000"/>
+              </a:schemeClr>
+            </a:solidFill>
+            <a:ln>
+              <a:noFill/>
+            </a:ln>
+            <a:effectLst/>
+          </c:spPr>
+          <c:invertIfNegative val="0"/>
+          <c:cat>
+            <c:strRef>
+              <c:f>Tabelle1!$A$2:$A$3</c:f>
+              <c:strCache>
+                <c:ptCount val="2"/>
+                <c:pt idx="0">
+                  <c:v>Weights first iteration</c:v>
+                </c:pt>
+                <c:pt idx="1">
+                  <c:v>Weights second iteration</c:v>
+                </c:pt>
+              </c:strCache>
+            </c:strRef>
+          </c:cat>
+          <c:val>
+            <c:numRef>
+              <c:f>Tabelle1!$K$2:$K$3</c:f>
+              <c:numCache>
+                <c:formatCode>0.000</c:formatCode>
+                <c:ptCount val="2"/>
+                <c:pt idx="0" formatCode="_-* #,##0.000_-;\-* #,##0.000_-;_-* &quot;-&quot;??_-;_-@_-">
+                  <c:v>0</c:v>
+                </c:pt>
+                <c:pt idx="1">
+                  <c:v>4.1774115567461897E-2</c:v>
+                </c:pt>
+              </c:numCache>
+            </c:numRef>
+          </c:val>
+          <c:extLst>
+            <c:ext xmlns:c16="http://schemas.microsoft.com/office/drawing/2014/chart" uri="{C3380CC4-5D6E-409C-BE32-E72D297353CC}">
+              <c16:uniqueId val="{00000003-AF2F-462C-93BE-40BF4BFF6F86}"/>
+            </c:ext>
+          </c:extLst>
+        </c:ser>
+        <c:ser>
+          <c:idx val="10"/>
+          <c:order val="10"/>
+          <c:tx>
+            <c:strRef>
+              <c:f>Tabelle1!$L$1</c:f>
+              <c:strCache>
+                <c:ptCount val="1"/>
+                <c:pt idx="0">
+                  <c:v>maximum(Popularity Main Artist)</c:v>
+                </c:pt>
+              </c:strCache>
+            </c:strRef>
+          </c:tx>
+          <c:spPr>
+            <a:solidFill>
+              <a:schemeClr val="accent5">
+                <a:lumMod val="60000"/>
+              </a:schemeClr>
+            </a:solidFill>
+            <a:ln>
+              <a:noFill/>
+            </a:ln>
+            <a:effectLst/>
+          </c:spPr>
+          <c:invertIfNegative val="0"/>
+          <c:cat>
+            <c:strRef>
+              <c:f>Tabelle1!$A$2:$A$3</c:f>
+              <c:strCache>
+                <c:ptCount val="2"/>
+                <c:pt idx="0">
+                  <c:v>Weights first iteration</c:v>
+                </c:pt>
+                <c:pt idx="1">
+                  <c:v>Weights second iteration</c:v>
+                </c:pt>
+              </c:strCache>
+            </c:strRef>
+          </c:cat>
+          <c:val>
+            <c:numRef>
+              <c:f>Tabelle1!$L$2:$L$3</c:f>
+              <c:numCache>
+                <c:formatCode>0.000</c:formatCode>
+                <c:ptCount val="2"/>
+                <c:pt idx="0" formatCode="_-* #,##0.000_-;\-* #,##0.000_-;_-* &quot;-&quot;??_-;_-@_-">
+                  <c:v>0</c:v>
+                </c:pt>
+                <c:pt idx="1">
+                  <c:v>4.1629085187086003E-2</c:v>
+                </c:pt>
+              </c:numCache>
+            </c:numRef>
+          </c:val>
+          <c:extLst>
+            <c:ext xmlns:c16="http://schemas.microsoft.com/office/drawing/2014/chart" uri="{C3380CC4-5D6E-409C-BE32-E72D297353CC}">
+              <c16:uniqueId val="{00000004-AF2F-462C-93BE-40BF4BFF6F86}"/>
+            </c:ext>
+          </c:extLst>
+        </c:ser>
+        <c:ser>
+          <c:idx val="11"/>
+          <c:order val="11"/>
+          <c:tx>
+            <c:strRef>
+              <c:f>Tabelle1!$M$1</c:f>
+              <c:strCache>
+                <c:ptCount val="1"/>
+                <c:pt idx="0">
+                  <c:v>energy</c:v>
+                </c:pt>
+              </c:strCache>
+            </c:strRef>
+          </c:tx>
+          <c:spPr>
+            <a:solidFill>
+              <a:schemeClr val="accent6">
+                <a:lumMod val="60000"/>
+              </a:schemeClr>
+            </a:solidFill>
+            <a:ln>
+              <a:noFill/>
+            </a:ln>
+            <a:effectLst/>
+          </c:spPr>
+          <c:invertIfNegative val="0"/>
+          <c:cat>
+            <c:strRef>
+              <c:f>Tabelle1!$A$2:$A$3</c:f>
+              <c:strCache>
+                <c:ptCount val="2"/>
+                <c:pt idx="0">
+                  <c:v>Weights first iteration</c:v>
+                </c:pt>
+                <c:pt idx="1">
+                  <c:v>Weights second iteration</c:v>
+                </c:pt>
+              </c:strCache>
+            </c:strRef>
+          </c:cat>
+          <c:val>
+            <c:numRef>
+              <c:f>Tabelle1!$M$2:$M$3</c:f>
+              <c:numCache>
+                <c:formatCode>0.000</c:formatCode>
+                <c:ptCount val="2"/>
+                <c:pt idx="0" formatCode="_-* #,##0.000_-;\-* #,##0.000_-;_-* &quot;-&quot;??_-;_-@_-">
+                  <c:v>8.7999999999999995E-2</c:v>
+                </c:pt>
+                <c:pt idx="1">
+                  <c:v>4.14965676809965E-2</c:v>
+                </c:pt>
+              </c:numCache>
+            </c:numRef>
+          </c:val>
+          <c:extLst>
+            <c:ext xmlns:c16="http://schemas.microsoft.com/office/drawing/2014/chart" uri="{C3380CC4-5D6E-409C-BE32-E72D297353CC}">
+              <c16:uniqueId val="{00000005-AF2F-462C-93BE-40BF4BFF6F86}"/>
+            </c:ext>
+          </c:extLst>
+        </c:ser>
+        <c:ser>
+          <c:idx val="12"/>
+          <c:order val="12"/>
+          <c:tx>
+            <c:strRef>
+              <c:f>Tabelle1!$N$1</c:f>
+              <c:strCache>
+                <c:ptCount val="1"/>
+                <c:pt idx="0">
+                  <c:v>speechiness</c:v>
+                </c:pt>
+              </c:strCache>
+            </c:strRef>
+          </c:tx>
+          <c:spPr>
+            <a:solidFill>
+              <a:schemeClr val="accent1">
+                <a:lumMod val="80000"/>
+                <a:lumOff val="20000"/>
+              </a:schemeClr>
+            </a:solidFill>
+            <a:ln>
+              <a:noFill/>
+            </a:ln>
+            <a:effectLst/>
+          </c:spPr>
+          <c:invertIfNegative val="0"/>
+          <c:cat>
+            <c:strRef>
+              <c:f>Tabelle1!$A$2:$A$3</c:f>
+              <c:strCache>
+                <c:ptCount val="2"/>
+                <c:pt idx="0">
+                  <c:v>Weights first iteration</c:v>
+                </c:pt>
+                <c:pt idx="1">
+                  <c:v>Weights second iteration</c:v>
+                </c:pt>
+              </c:strCache>
+            </c:strRef>
+          </c:cat>
+          <c:val>
+            <c:numRef>
+              <c:f>Tabelle1!$N$2:$N$3</c:f>
+              <c:numCache>
+                <c:formatCode>0.000</c:formatCode>
+                <c:ptCount val="2"/>
+                <c:pt idx="0" formatCode="_-* #,##0.000_-;\-* #,##0.000_-;_-* &quot;-&quot;??_-;_-@_-">
+                  <c:v>8.1000000000000003E-2</c:v>
+                </c:pt>
+                <c:pt idx="1">
+                  <c:v>3.6560431720682803E-2</c:v>
+                </c:pt>
+              </c:numCache>
+            </c:numRef>
+          </c:val>
+          <c:extLst>
+            <c:ext xmlns:c16="http://schemas.microsoft.com/office/drawing/2014/chart" uri="{C3380CC4-5D6E-409C-BE32-E72D297353CC}">
+              <c16:uniqueId val="{00000006-AF2F-462C-93BE-40BF4BFF6F86}"/>
+            </c:ext>
+          </c:extLst>
+        </c:ser>
+        <c:ser>
+          <c:idx val="13"/>
+          <c:order val="13"/>
+          <c:tx>
+            <c:strRef>
+              <c:f>Tabelle1!$O$1</c:f>
+              <c:strCache>
+                <c:ptCount val="1"/>
+                <c:pt idx="0">
+                  <c:v>variance(Popularity Main Artist)</c:v>
+                </c:pt>
+              </c:strCache>
+            </c:strRef>
+          </c:tx>
+          <c:spPr>
+            <a:solidFill>
+              <a:schemeClr val="accent2">
+                <a:lumMod val="80000"/>
+                <a:lumOff val="20000"/>
+              </a:schemeClr>
+            </a:solidFill>
+            <a:ln>
+              <a:noFill/>
+            </a:ln>
+            <a:effectLst/>
+          </c:spPr>
+          <c:invertIfNegative val="0"/>
+          <c:cat>
+            <c:strRef>
+              <c:f>Tabelle1!$A$2:$A$3</c:f>
+              <c:strCache>
+                <c:ptCount val="2"/>
+                <c:pt idx="0">
+                  <c:v>Weights first iteration</c:v>
+                </c:pt>
+                <c:pt idx="1">
+                  <c:v>Weights second iteration</c:v>
+                </c:pt>
+              </c:strCache>
+            </c:strRef>
+          </c:cat>
+          <c:val>
+            <c:numRef>
+              <c:f>Tabelle1!$O$2:$O$3</c:f>
+              <c:numCache>
+                <c:formatCode>0.000</c:formatCode>
+                <c:ptCount val="2"/>
+                <c:pt idx="0" formatCode="_-* #,##0.000_-;\-* #,##0.000_-;_-* &quot;-&quot;??_-;_-@_-">
+                  <c:v>0</c:v>
+                </c:pt>
+                <c:pt idx="1">
+                  <c:v>3.6013845182396101E-2</c:v>
+                </c:pt>
+              </c:numCache>
+            </c:numRef>
+          </c:val>
+          <c:extLst>
+            <c:ext xmlns:c16="http://schemas.microsoft.com/office/drawing/2014/chart" uri="{C3380CC4-5D6E-409C-BE32-E72D297353CC}">
+              <c16:uniqueId val="{00000007-AF2F-462C-93BE-40BF4BFF6F86}"/>
+            </c:ext>
+          </c:extLst>
+        </c:ser>
+        <c:ser>
+          <c:idx val="14"/>
+          <c:order val="14"/>
+          <c:tx>
+            <c:strRef>
+              <c:f>Tabelle1!$P$1</c:f>
+              <c:strCache>
+                <c:ptCount val="1"/>
+                <c:pt idx="0">
+                  <c:v>acousticness</c:v>
+                </c:pt>
+              </c:strCache>
+            </c:strRef>
+          </c:tx>
+          <c:spPr>
+            <a:solidFill>
+              <a:schemeClr val="accent3">
+                <a:lumMod val="80000"/>
+                <a:lumOff val="20000"/>
+              </a:schemeClr>
+            </a:solidFill>
+            <a:ln>
+              <a:noFill/>
+            </a:ln>
+            <a:effectLst/>
+          </c:spPr>
+          <c:invertIfNegative val="0"/>
+          <c:cat>
+            <c:strRef>
+              <c:f>Tabelle1!$A$2:$A$3</c:f>
+              <c:strCache>
+                <c:ptCount val="2"/>
+                <c:pt idx="0">
+                  <c:v>Weights first iteration</c:v>
+                </c:pt>
+                <c:pt idx="1">
+                  <c:v>Weights second iteration</c:v>
+                </c:pt>
+              </c:strCache>
+            </c:strRef>
+          </c:cat>
+          <c:val>
+            <c:numRef>
+              <c:f>Tabelle1!$P$2:$P$3</c:f>
+              <c:numCache>
+                <c:formatCode>0.000</c:formatCode>
+                <c:ptCount val="2"/>
+                <c:pt idx="0" formatCode="_-* #,##0.000_-;\-* #,##0.000_-;_-* &quot;-&quot;??_-;_-@_-">
+                  <c:v>8.5999999999999993E-2</c:v>
+                </c:pt>
+                <c:pt idx="1">
+                  <c:v>3.4531052410420197E-2</c:v>
+                </c:pt>
+              </c:numCache>
+            </c:numRef>
+          </c:val>
+          <c:extLst>
+            <c:ext xmlns:c16="http://schemas.microsoft.com/office/drawing/2014/chart" uri="{C3380CC4-5D6E-409C-BE32-E72D297353CC}">
+              <c16:uniqueId val="{00000008-AF2F-462C-93BE-40BF4BFF6F86}"/>
+            </c:ext>
+          </c:extLst>
+        </c:ser>
+        <c:ser>
+          <c:idx val="15"/>
+          <c:order val="15"/>
+          <c:tx>
+            <c:strRef>
+              <c:f>Tabelle1!$Q$1</c:f>
+              <c:strCache>
+                <c:ptCount val="1"/>
+                <c:pt idx="0">
+                  <c:v>minimum(Popularity Main Artist)</c:v>
+                </c:pt>
+              </c:strCache>
+            </c:strRef>
+          </c:tx>
+          <c:spPr>
+            <a:solidFill>
+              <a:schemeClr val="accent4">
+                <a:lumMod val="80000"/>
+                <a:lumOff val="20000"/>
+              </a:schemeClr>
+            </a:solidFill>
+            <a:ln>
+              <a:noFill/>
+            </a:ln>
+            <a:effectLst/>
+          </c:spPr>
+          <c:invertIfNegative val="0"/>
+          <c:cat>
+            <c:strRef>
+              <c:f>Tabelle1!$A$2:$A$3</c:f>
+              <c:strCache>
+                <c:ptCount val="2"/>
+                <c:pt idx="0">
+                  <c:v>Weights first iteration</c:v>
+                </c:pt>
+                <c:pt idx="1">
+                  <c:v>Weights second iteration</c:v>
+                </c:pt>
+              </c:strCache>
+            </c:strRef>
+          </c:cat>
+          <c:val>
+            <c:numRef>
+              <c:f>Tabelle1!$Q$2:$Q$3</c:f>
+              <c:numCache>
+                <c:formatCode>0.000</c:formatCode>
+                <c:ptCount val="2"/>
+                <c:pt idx="0" formatCode="_-* #,##0.000_-;\-* #,##0.000_-;_-* &quot;-&quot;??_-;_-@_-">
+                  <c:v>0</c:v>
+                </c:pt>
+                <c:pt idx="1">
+                  <c:v>3.4491329387234003E-2</c:v>
+                </c:pt>
+              </c:numCache>
+            </c:numRef>
+          </c:val>
+          <c:extLst>
+            <c:ext xmlns:c16="http://schemas.microsoft.com/office/drawing/2014/chart" uri="{C3380CC4-5D6E-409C-BE32-E72D297353CC}">
+              <c16:uniqueId val="{00000009-AF2F-462C-93BE-40BF4BFF6F86}"/>
+            </c:ext>
+          </c:extLst>
+        </c:ser>
+        <c:ser>
+          <c:idx val="16"/>
+          <c:order val="16"/>
+          <c:tx>
+            <c:strRef>
+              <c:f>Tabelle1!$R$1</c:f>
+              <c:strCache>
+                <c:ptCount val="1"/>
+                <c:pt idx="0">
+                  <c:v>variance(Follower_main_artist)</c:v>
+                </c:pt>
+              </c:strCache>
+            </c:strRef>
+          </c:tx>
+          <c:spPr>
+            <a:solidFill>
+              <a:schemeClr val="accent5">
+                <a:lumMod val="80000"/>
+                <a:lumOff val="20000"/>
+              </a:schemeClr>
+            </a:solidFill>
+            <a:ln>
+              <a:noFill/>
+            </a:ln>
+            <a:effectLst/>
+          </c:spPr>
+          <c:invertIfNegative val="0"/>
+          <c:cat>
+            <c:strRef>
+              <c:f>Tabelle1!$A$2:$A$3</c:f>
+              <c:strCache>
+                <c:ptCount val="2"/>
+                <c:pt idx="0">
+                  <c:v>Weights first iteration</c:v>
+                </c:pt>
+                <c:pt idx="1">
+                  <c:v>Weights second iteration</c:v>
+                </c:pt>
+              </c:strCache>
+            </c:strRef>
+          </c:cat>
+          <c:val>
+            <c:numRef>
+              <c:f>Tabelle1!$R$2:$R$3</c:f>
+              <c:numCache>
+                <c:formatCode>0.000</c:formatCode>
+                <c:ptCount val="2"/>
+                <c:pt idx="0" formatCode="_-* #,##0.000_-;\-* #,##0.000_-;_-* &quot;-&quot;??_-;_-@_-">
+                  <c:v>0</c:v>
+                </c:pt>
+                <c:pt idx="1">
+                  <c:v>3.4372443501873198E-2</c:v>
+                </c:pt>
+              </c:numCache>
+            </c:numRef>
+          </c:val>
+          <c:extLst>
+            <c:ext xmlns:c16="http://schemas.microsoft.com/office/drawing/2014/chart" uri="{C3380CC4-5D6E-409C-BE32-E72D297353CC}">
+              <c16:uniqueId val="{0000000A-AF2F-462C-93BE-40BF4BFF6F86}"/>
+            </c:ext>
+          </c:extLst>
+        </c:ser>
+        <c:ser>
+          <c:idx val="17"/>
+          <c:order val="17"/>
+          <c:tx>
+            <c:strRef>
+              <c:f>Tabelle1!$S$1</c:f>
+              <c:strCache>
+                <c:ptCount val="1"/>
+                <c:pt idx="0">
+                  <c:v>valence</c:v>
+                </c:pt>
+              </c:strCache>
+            </c:strRef>
+          </c:tx>
+          <c:spPr>
+            <a:solidFill>
+              <a:schemeClr val="accent6">
+                <a:lumMod val="80000"/>
+                <a:lumOff val="20000"/>
+              </a:schemeClr>
+            </a:solidFill>
+            <a:ln>
+              <a:noFill/>
+            </a:ln>
+            <a:effectLst/>
+          </c:spPr>
+          <c:invertIfNegative val="0"/>
+          <c:cat>
+            <c:strRef>
+              <c:f>Tabelle1!$A$2:$A$3</c:f>
+              <c:strCache>
+                <c:ptCount val="2"/>
+                <c:pt idx="0">
+                  <c:v>Weights first iteration</c:v>
+                </c:pt>
+                <c:pt idx="1">
+                  <c:v>Weights second iteration</c:v>
+                </c:pt>
+              </c:strCache>
+            </c:strRef>
+          </c:cat>
+          <c:val>
+            <c:numRef>
+              <c:f>Tabelle1!$S$2:$S$3</c:f>
+              <c:numCache>
+                <c:formatCode>0.000</c:formatCode>
+                <c:ptCount val="2"/>
+                <c:pt idx="0" formatCode="_-* #,##0.000_-;\-* #,##0.000_-;_-* &quot;-&quot;??_-;_-@_-">
+                  <c:v>6.5000000000000002E-2</c:v>
+                </c:pt>
+                <c:pt idx="1">
+                  <c:v>3.1537932009084703E-2</c:v>
+                </c:pt>
+              </c:numCache>
+            </c:numRef>
+          </c:val>
+          <c:extLst>
+            <c:ext xmlns:c16="http://schemas.microsoft.com/office/drawing/2014/chart" uri="{C3380CC4-5D6E-409C-BE32-E72D297353CC}">
+              <c16:uniqueId val="{0000000B-AF2F-462C-93BE-40BF4BFF6F86}"/>
+            </c:ext>
+          </c:extLst>
+        </c:ser>
+        <c:ser>
+          <c:idx val="18"/>
+          <c:order val="18"/>
+          <c:tx>
+            <c:strRef>
+              <c:f>Tabelle1!$T$1</c:f>
+              <c:strCache>
+                <c:ptCount val="1"/>
+                <c:pt idx="0">
+                  <c:v>liveness</c:v>
+                </c:pt>
+              </c:strCache>
+            </c:strRef>
+          </c:tx>
+          <c:spPr>
+            <a:solidFill>
+              <a:schemeClr val="accent1">
+                <a:lumMod val="80000"/>
+              </a:schemeClr>
+            </a:solidFill>
+            <a:ln>
+              <a:noFill/>
+            </a:ln>
+            <a:effectLst/>
+          </c:spPr>
+          <c:invertIfNegative val="0"/>
+          <c:cat>
+            <c:strRef>
+              <c:f>Tabelle1!$A$2:$A$3</c:f>
+              <c:strCache>
+                <c:ptCount val="2"/>
+                <c:pt idx="0">
+                  <c:v>Weights first iteration</c:v>
+                </c:pt>
+                <c:pt idx="1">
+                  <c:v>Weights second iteration</c:v>
+                </c:pt>
+              </c:strCache>
+            </c:strRef>
+          </c:cat>
+          <c:val>
+            <c:numRef>
+              <c:f>Tabelle1!$T$2:$T$3</c:f>
+              <c:numCache>
+                <c:formatCode>0.000</c:formatCode>
+                <c:ptCount val="2"/>
+                <c:pt idx="0" formatCode="_-* #,##0.000_-;\-* #,##0.000_-;_-* &quot;-&quot;??_-;_-@_-">
+                  <c:v>7.4999999999999997E-2</c:v>
+                </c:pt>
+                <c:pt idx="1">
+                  <c:v>3.1142126534147701E-2</c:v>
+                </c:pt>
+              </c:numCache>
+            </c:numRef>
+          </c:val>
+          <c:extLst>
+            <c:ext xmlns:c16="http://schemas.microsoft.com/office/drawing/2014/chart" uri="{C3380CC4-5D6E-409C-BE32-E72D297353CC}">
+              <c16:uniqueId val="{0000000C-AF2F-462C-93BE-40BF4BFF6F86}"/>
+            </c:ext>
+          </c:extLst>
+        </c:ser>
+        <c:ser>
+          <c:idx val="19"/>
+          <c:order val="19"/>
+          <c:tx>
+            <c:strRef>
+              <c:f>Tabelle1!$U$1</c:f>
+              <c:strCache>
+                <c:ptCount val="1"/>
+                <c:pt idx="0">
+                  <c:v>Chartsduration</c:v>
+                </c:pt>
+              </c:strCache>
+            </c:strRef>
+          </c:tx>
+          <c:spPr>
+            <a:solidFill>
+              <a:schemeClr val="accent2">
+                <a:lumMod val="80000"/>
+              </a:schemeClr>
+            </a:solidFill>
+            <a:ln>
+              <a:noFill/>
+            </a:ln>
+            <a:effectLst/>
+          </c:spPr>
+          <c:invertIfNegative val="0"/>
+          <c:cat>
+            <c:strRef>
+              <c:f>Tabelle1!$A$2:$A$3</c:f>
+              <c:strCache>
+                <c:ptCount val="2"/>
+                <c:pt idx="0">
+                  <c:v>Weights first iteration</c:v>
+                </c:pt>
+                <c:pt idx="1">
+                  <c:v>Weights second iteration</c:v>
+                </c:pt>
+              </c:strCache>
+            </c:strRef>
+          </c:cat>
+          <c:val>
+            <c:numRef>
+              <c:f>Tabelle1!$U$2:$U$3</c:f>
+              <c:numCache>
+                <c:formatCode>0.000</c:formatCode>
+                <c:ptCount val="2"/>
+                <c:pt idx="0" formatCode="_-* #,##0.000_-;\-* #,##0.000_-;_-* &quot;-&quot;??_-;_-@_-">
+                  <c:v>0.115</c:v>
+                </c:pt>
+                <c:pt idx="1">
+                  <c:v>2.9323258305387099E-2</c:v>
+                </c:pt>
+              </c:numCache>
+            </c:numRef>
+          </c:val>
+          <c:extLst>
+            <c:ext xmlns:c16="http://schemas.microsoft.com/office/drawing/2014/chart" uri="{C3380CC4-5D6E-409C-BE32-E72D297353CC}">
+              <c16:uniqueId val="{0000000D-AF2F-462C-93BE-40BF4BFF6F86}"/>
+            </c:ext>
+          </c:extLst>
+        </c:ser>
+        <c:ser>
+          <c:idx val="20"/>
+          <c:order val="20"/>
+          <c:tx>
+            <c:strRef>
+              <c:f>Tabelle1!$V$1</c:f>
+              <c:strCache>
+                <c:ptCount val="1"/>
+                <c:pt idx="0">
+                  <c:v>key</c:v>
+                </c:pt>
+              </c:strCache>
+            </c:strRef>
+          </c:tx>
+          <c:spPr>
+            <a:solidFill>
+              <a:schemeClr val="accent3">
+                <a:lumMod val="80000"/>
+              </a:schemeClr>
+            </a:solidFill>
+            <a:ln>
+              <a:noFill/>
+            </a:ln>
+            <a:effectLst/>
+          </c:spPr>
+          <c:invertIfNegative val="0"/>
+          <c:cat>
+            <c:strRef>
+              <c:f>Tabelle1!$A$2:$A$3</c:f>
+              <c:strCache>
+                <c:ptCount val="2"/>
+                <c:pt idx="0">
+                  <c:v>Weights first iteration</c:v>
+                </c:pt>
+                <c:pt idx="1">
+                  <c:v>Weights second iteration</c:v>
+                </c:pt>
+              </c:strCache>
+            </c:strRef>
+          </c:cat>
+          <c:val>
+            <c:numRef>
+              <c:f>Tabelle1!$V$2:$V$3</c:f>
+              <c:numCache>
+                <c:formatCode>0.000</c:formatCode>
+                <c:ptCount val="2"/>
+                <c:pt idx="0" formatCode="_-* #,##0.000_-;\-* #,##0.000_-;_-* &quot;-&quot;??_-;_-@_-">
+                  <c:v>1.6E-2</c:v>
+                </c:pt>
+                <c:pt idx="1">
+                  <c:v>2.9098920704475E-2</c:v>
+                </c:pt>
+              </c:numCache>
+            </c:numRef>
+          </c:val>
+          <c:extLst>
+            <c:ext xmlns:c16="http://schemas.microsoft.com/office/drawing/2014/chart" uri="{C3380CC4-5D6E-409C-BE32-E72D297353CC}">
+              <c16:uniqueId val="{0000000E-AF2F-462C-93BE-40BF4BFF6F86}"/>
+            </c:ext>
+          </c:extLst>
+        </c:ser>
+        <c:ser>
+          <c:idx val="21"/>
+          <c:order val="21"/>
+          <c:tx>
+            <c:strRef>
+              <c:f>Tabelle1!$W$1</c:f>
+              <c:strCache>
+                <c:ptCount val="1"/>
+                <c:pt idx="0">
+                  <c:v>Artist_Popularity</c:v>
+                </c:pt>
+              </c:strCache>
+            </c:strRef>
+          </c:tx>
+          <c:spPr>
+            <a:solidFill>
+              <a:schemeClr val="accent4">
+                <a:lumMod val="80000"/>
+              </a:schemeClr>
+            </a:solidFill>
+            <a:ln>
+              <a:noFill/>
+            </a:ln>
+            <a:effectLst/>
+          </c:spPr>
+          <c:invertIfNegative val="0"/>
+          <c:cat>
+            <c:strRef>
+              <c:f>Tabelle1!$A$2:$A$3</c:f>
+              <c:strCache>
+                <c:ptCount val="2"/>
+                <c:pt idx="0">
+                  <c:v>Weights first iteration</c:v>
+                </c:pt>
+                <c:pt idx="1">
+                  <c:v>Weights second iteration</c:v>
+                </c:pt>
+              </c:strCache>
+            </c:strRef>
+          </c:cat>
+          <c:val>
+            <c:numRef>
+              <c:f>Tabelle1!$W$2:$W$3</c:f>
+              <c:numCache>
+                <c:formatCode>0.000</c:formatCode>
+                <c:ptCount val="2"/>
+                <c:pt idx="0" formatCode="_-* #,##0.000_-;\-* #,##0.000_-;_-* &quot;-&quot;??_-;_-@_-">
+                  <c:v>0</c:v>
+                </c:pt>
+                <c:pt idx="1">
+                  <c:v>1.86773415651664E-2</c:v>
+                </c:pt>
+              </c:numCache>
+            </c:numRef>
+          </c:val>
+          <c:extLst>
+            <c:ext xmlns:c16="http://schemas.microsoft.com/office/drawing/2014/chart" uri="{C3380CC4-5D6E-409C-BE32-E72D297353CC}">
+              <c16:uniqueId val="{0000000F-AF2F-462C-93BE-40BF4BFF6F86}"/>
+            </c:ext>
+          </c:extLst>
+        </c:ser>
+        <c:ser>
+          <c:idx val="22"/>
+          <c:order val="22"/>
+          <c:tx>
+            <c:strRef>
+              <c:f>Tabelle1!$X$1</c:f>
+              <c:strCache>
+                <c:ptCount val="1"/>
+                <c:pt idx="0">
+                  <c:v>instrumentalness</c:v>
+                </c:pt>
+              </c:strCache>
+            </c:strRef>
+          </c:tx>
+          <c:spPr>
+            <a:solidFill>
+              <a:schemeClr val="accent5">
+                <a:lumMod val="80000"/>
+              </a:schemeClr>
+            </a:solidFill>
+            <a:ln>
+              <a:noFill/>
+            </a:ln>
+            <a:effectLst/>
+          </c:spPr>
+          <c:invertIfNegative val="0"/>
+          <c:cat>
+            <c:strRef>
+              <c:f>Tabelle1!$A$2:$A$3</c:f>
+              <c:strCache>
+                <c:ptCount val="2"/>
+                <c:pt idx="0">
+                  <c:v>Weights first iteration</c:v>
+                </c:pt>
+                <c:pt idx="1">
+                  <c:v>Weights second iteration</c:v>
+                </c:pt>
+              </c:strCache>
+            </c:strRef>
+          </c:cat>
+          <c:val>
+            <c:numRef>
+              <c:f>Tabelle1!$X$2:$X$3</c:f>
+              <c:numCache>
+                <c:formatCode>0.000</c:formatCode>
+                <c:ptCount val="2"/>
+                <c:pt idx="0" formatCode="_-* #,##0.000_-;\-* #,##0.000_-;_-* &quot;-&quot;??_-;_-@_-">
+                  <c:v>5.2999999999999999E-2</c:v>
+                </c:pt>
+                <c:pt idx="1">
+                  <c:v>1.6620813218678102E-2</c:v>
+                </c:pt>
+              </c:numCache>
+            </c:numRef>
+          </c:val>
+          <c:extLst>
+            <c:ext xmlns:c16="http://schemas.microsoft.com/office/drawing/2014/chart" uri="{C3380CC4-5D6E-409C-BE32-E72D297353CC}">
+              <c16:uniqueId val="{00000010-AF2F-462C-93BE-40BF4BFF6F86}"/>
+            </c:ext>
+          </c:extLst>
+        </c:ser>
+        <c:ser>
+          <c:idx val="23"/>
+          <c:order val="23"/>
+          <c:tx>
+            <c:strRef>
+              <c:f>Tabelle1!$Y$1</c:f>
+              <c:strCache>
+                <c:ptCount val="1"/>
+                <c:pt idx="0">
+                  <c:v>mode</c:v>
+                </c:pt>
+              </c:strCache>
+            </c:strRef>
+          </c:tx>
+          <c:spPr>
+            <a:solidFill>
+              <a:schemeClr val="accent6">
+                <a:lumMod val="80000"/>
+              </a:schemeClr>
+            </a:solidFill>
+            <a:ln>
+              <a:noFill/>
+            </a:ln>
+            <a:effectLst/>
+          </c:spPr>
+          <c:invertIfNegative val="0"/>
+          <c:cat>
+            <c:strRef>
+              <c:f>Tabelle1!$A$2:$A$3</c:f>
+              <c:strCache>
+                <c:ptCount val="2"/>
+                <c:pt idx="0">
+                  <c:v>Weights first iteration</c:v>
+                </c:pt>
+                <c:pt idx="1">
+                  <c:v>Weights second iteration</c:v>
+                </c:pt>
+              </c:strCache>
+            </c:strRef>
+          </c:cat>
+          <c:val>
+            <c:numRef>
+              <c:f>Tabelle1!$Y$2:$Y$3</c:f>
+              <c:numCache>
+                <c:formatCode>0.000</c:formatCode>
+                <c:ptCount val="2"/>
+                <c:pt idx="0" formatCode="_-* #,##0.000_-;\-* #,##0.000_-;_-* &quot;-&quot;??_-;_-@_-">
+                  <c:v>2E-3</c:v>
+                </c:pt>
+                <c:pt idx="1">
+                  <c:v>8.12609631854792E-3</c:v>
+                </c:pt>
+              </c:numCache>
+            </c:numRef>
+          </c:val>
+          <c:extLst>
+            <c:ext xmlns:c16="http://schemas.microsoft.com/office/drawing/2014/chart" uri="{C3380CC4-5D6E-409C-BE32-E72D297353CC}">
+              <c16:uniqueId val="{00000011-AF2F-462C-93BE-40BF4BFF6F86}"/>
+            </c:ext>
+          </c:extLst>
+        </c:ser>
+        <c:ser>
+          <c:idx val="24"/>
+          <c:order val="24"/>
+          <c:tx>
+            <c:strRef>
+              <c:f>Tabelle1!$Z$1</c:f>
+              <c:strCache>
+                <c:ptCount val="1"/>
+                <c:pt idx="0">
+                  <c:v>explicit</c:v>
+                </c:pt>
+              </c:strCache>
+            </c:strRef>
+          </c:tx>
+          <c:spPr>
+            <a:solidFill>
+              <a:schemeClr val="accent1">
+                <a:lumMod val="60000"/>
+                <a:lumOff val="40000"/>
+              </a:schemeClr>
+            </a:solidFill>
+            <a:ln>
+              <a:noFill/>
+            </a:ln>
+            <a:effectLst/>
+          </c:spPr>
+          <c:invertIfNegative val="0"/>
+          <c:cat>
+            <c:strRef>
+              <c:f>Tabelle1!$A$2:$A$3</c:f>
+              <c:strCache>
+                <c:ptCount val="2"/>
+                <c:pt idx="0">
+                  <c:v>Weights first iteration</c:v>
+                </c:pt>
+                <c:pt idx="1">
+                  <c:v>Weights second iteration</c:v>
+                </c:pt>
+              </c:strCache>
+            </c:strRef>
+          </c:cat>
+          <c:val>
+            <c:numRef>
+              <c:f>Tabelle1!$Z$2:$Z$3</c:f>
+              <c:numCache>
+                <c:formatCode>0.000</c:formatCode>
+                <c:ptCount val="2"/>
+                <c:pt idx="0" formatCode="_-* #,##0.000_-;\-* #,##0.000_-;_-* &quot;-&quot;??_-;_-@_-">
+                  <c:v>2E-3</c:v>
+                </c:pt>
+                <c:pt idx="1">
+                  <c:v>6.2499731562618297E-3</c:v>
+                </c:pt>
+              </c:numCache>
+            </c:numRef>
+          </c:val>
+          <c:extLst>
+            <c:ext xmlns:c16="http://schemas.microsoft.com/office/drawing/2014/chart" uri="{C3380CC4-5D6E-409C-BE32-E72D297353CC}">
+              <c16:uniqueId val="{00000012-AF2F-462C-93BE-40BF4BFF6F86}"/>
+            </c:ext>
+          </c:extLst>
+        </c:ser>
+        <c:ser>
+          <c:idx val="25"/>
+          <c:order val="25"/>
+          <c:tx>
+            <c:strRef>
+              <c:f>Tabelle1!$AA$1</c:f>
+              <c:strCache>
+                <c:ptCount val="1"/>
+                <c:pt idx="0">
+                  <c:v>time_signature</c:v>
+                </c:pt>
+              </c:strCache>
+            </c:strRef>
+          </c:tx>
+          <c:spPr>
+            <a:solidFill>
+              <a:schemeClr val="accent2">
+                <a:lumMod val="60000"/>
+                <a:lumOff val="40000"/>
+              </a:schemeClr>
+            </a:solidFill>
+            <a:ln>
+              <a:noFill/>
+            </a:ln>
+            <a:effectLst/>
+          </c:spPr>
+          <c:invertIfNegative val="0"/>
+          <c:cat>
+            <c:strRef>
+              <c:f>Tabelle1!$A$2:$A$3</c:f>
+              <c:strCache>
+                <c:ptCount val="2"/>
+                <c:pt idx="0">
+                  <c:v>Weights first iteration</c:v>
+                </c:pt>
+                <c:pt idx="1">
+                  <c:v>Weights second iteration</c:v>
+                </c:pt>
+              </c:strCache>
+            </c:strRef>
+          </c:cat>
+          <c:val>
+            <c:numRef>
+              <c:f>Tabelle1!$AA$2:$AA$3</c:f>
+              <c:numCache>
+                <c:formatCode>0.000</c:formatCode>
+                <c:ptCount val="2"/>
+                <c:pt idx="0" formatCode="_-* #,##0.000_-;\-* #,##0.000_-;_-* &quot;-&quot;??_-;_-@_-">
+                  <c:v>0</c:v>
+                </c:pt>
+                <c:pt idx="1">
+                  <c:v>1.81925045481209E-3</c:v>
+                </c:pt>
+              </c:numCache>
+            </c:numRef>
+          </c:val>
+          <c:extLst>
+            <c:ext xmlns:c16="http://schemas.microsoft.com/office/drawing/2014/chart" uri="{C3380CC4-5D6E-409C-BE32-E72D297353CC}">
+              <c16:uniqueId val="{00000013-AF2F-462C-93BE-40BF4BFF6F86}"/>
+            </c:ext>
+          </c:extLst>
+        </c:ser>
+        <c:dLbls>
+          <c:dLblPos val="outEnd"/>
+          <c:showLegendKey val="0"/>
+          <c:showVal val="0"/>
+          <c:showCatName val="0"/>
+          <c:showSerName val="0"/>
+          <c:showPercent val="0"/>
+          <c:showBubbleSize val="0"/>
+        </c:dLbls>
+        <c:gapWidth val="150"/>
+        <c:axId val="819986456"/>
+        <c:axId val="819983832"/>
+      </c:barChart>
+      <c:catAx>
+        <c:axId val="819986456"/>
+        <c:scaling>
+          <c:orientation val="minMax"/>
+        </c:scaling>
+        <c:delete val="0"/>
+        <c:axPos val="b"/>
+        <c:numFmt formatCode="General" sourceLinked="1"/>
+        <c:majorTickMark val="none"/>
+        <c:minorTickMark val="none"/>
+        <c:tickLblPos val="nextTo"/>
+        <c:spPr>
+          <a:noFill/>
+          <a:ln w="9525" cap="flat" cmpd="sng" algn="ctr">
+            <a:solidFill>
+              <a:schemeClr val="tx1">
+                <a:lumMod val="15000"/>
+                <a:lumOff val="85000"/>
+              </a:schemeClr>
+            </a:solidFill>
+            <a:round/>
+          </a:ln>
+          <a:effectLst/>
+        </c:spPr>
+        <c:txPr>
+          <a:bodyPr rot="-60000000" spcFirstLastPara="1" vertOverflow="ellipsis" vert="horz" wrap="square" anchor="ctr" anchorCtr="1"/>
+          <a:lstStyle/>
+          <a:p>
+            <a:pPr>
+              <a:defRPr sz="1197" b="0" i="0" u="none" strike="noStrike" kern="1200" baseline="0">
+                <a:solidFill>
+                  <a:schemeClr val="tx1">
+                    <a:lumMod val="65000"/>
+                    <a:lumOff val="35000"/>
+                  </a:schemeClr>
+                </a:solidFill>
+                <a:latin typeface="+mn-lt"/>
+                <a:ea typeface="+mn-ea"/>
+                <a:cs typeface="+mn-cs"/>
+              </a:defRPr>
+            </a:pPr>
+            <a:endParaRPr lang="de-DE"/>
+          </a:p>
+        </c:txPr>
+        <c:crossAx val="819983832"/>
+        <c:crosses val="autoZero"/>
+        <c:auto val="1"/>
+        <c:lblAlgn val="ctr"/>
+        <c:lblOffset val="100"/>
+        <c:noMultiLvlLbl val="0"/>
+      </c:catAx>
+      <c:valAx>
+        <c:axId val="819983832"/>
+        <c:scaling>
+          <c:orientation val="minMax"/>
+        </c:scaling>
+        <c:delete val="0"/>
+        <c:axPos val="l"/>
+        <c:majorGridlines>
+          <c:spPr>
+            <a:ln w="9525" cap="flat" cmpd="sng" algn="ctr">
+              <a:solidFill>
+                <a:schemeClr val="tx1">
+                  <a:lumMod val="15000"/>
+                  <a:lumOff val="85000"/>
+                </a:schemeClr>
+              </a:solidFill>
+              <a:round/>
+            </a:ln>
+            <a:effectLst/>
+          </c:spPr>
+        </c:majorGridlines>
+        <c:numFmt formatCode="_-* #,##0.000_-;\-* #,##0.000_-;_-* &quot;-&quot;??_-;_-@_-" sourceLinked="1"/>
+        <c:majorTickMark val="none"/>
+        <c:minorTickMark val="none"/>
+        <c:tickLblPos val="nextTo"/>
+        <c:spPr>
+          <a:noFill/>
+          <a:ln>
+            <a:noFill/>
+          </a:ln>
+          <a:effectLst/>
+        </c:spPr>
+        <c:txPr>
+          <a:bodyPr rot="-60000000" spcFirstLastPara="1" vertOverflow="ellipsis" vert="horz" wrap="square" anchor="ctr" anchorCtr="1"/>
+          <a:lstStyle/>
+          <a:p>
+            <a:pPr>
+              <a:defRPr sz="1197" b="0" i="0" u="none" strike="noStrike" kern="1200" baseline="0">
+                <a:solidFill>
+                  <a:schemeClr val="tx1">
+                    <a:lumMod val="65000"/>
+                    <a:lumOff val="35000"/>
+                  </a:schemeClr>
+                </a:solidFill>
+                <a:latin typeface="+mn-lt"/>
+                <a:ea typeface="+mn-ea"/>
+                <a:cs typeface="+mn-cs"/>
+              </a:defRPr>
+            </a:pPr>
+            <a:endParaRPr lang="de-DE"/>
+          </a:p>
+        </c:txPr>
+        <c:crossAx val="819986456"/>
+        <c:crosses val="autoZero"/>
+        <c:crossBetween val="between"/>
+      </c:valAx>
+      <c:spPr>
+        <a:noFill/>
+        <a:ln>
+          <a:noFill/>
+        </a:ln>
+        <a:effectLst/>
+      </c:spPr>
+    </c:plotArea>
+    <c:legend>
+      <c:legendPos val="r"/>
       <c:overlay val="0"/>
       <c:spPr>
         <a:noFill/>
@@ -3113,6 +4967,46 @@
   <a:schemeClr val="accent1"/>
   <a:schemeClr val="accent3"/>
   <a:schemeClr val="accent5"/>
+  <cs:variation/>
+  <cs:variation>
+    <a:lumMod val="60000"/>
+  </cs:variation>
+  <cs:variation>
+    <a:lumMod val="80000"/>
+    <a:lumOff val="20000"/>
+  </cs:variation>
+  <cs:variation>
+    <a:lumMod val="80000"/>
+  </cs:variation>
+  <cs:variation>
+    <a:lumMod val="60000"/>
+    <a:lumOff val="40000"/>
+  </cs:variation>
+  <cs:variation>
+    <a:lumMod val="50000"/>
+  </cs:variation>
+  <cs:variation>
+    <a:lumMod val="70000"/>
+    <a:lumOff val="30000"/>
+  </cs:variation>
+  <cs:variation>
+    <a:lumMod val="70000"/>
+  </cs:variation>
+  <cs:variation>
+    <a:lumMod val="50000"/>
+    <a:lumOff val="50000"/>
+  </cs:variation>
+</cs:colorStyle>
+</file>
+
+<file path=ppt/charts/colors4.xml><?xml version="1.0" encoding="utf-8"?>
+<cs:colorStyle xmlns:cs="http://schemas.microsoft.com/office/drawing/2012/chartStyle" xmlns:a="http://schemas.openxmlformats.org/drawingml/2006/main" meth="cycle" id="10">
+  <a:schemeClr val="accent1"/>
+  <a:schemeClr val="accent2"/>
+  <a:schemeClr val="accent3"/>
+  <a:schemeClr val="accent4"/>
+  <a:schemeClr val="accent5"/>
+  <a:schemeClr val="accent6"/>
   <cs:variation/>
   <cs:variation>
     <a:lumMod val="60000"/>
@@ -4654,6 +6548,509 @@
 </cs:chartStyle>
 </file>
 
+<file path=ppt/charts/style4.xml><?xml version="1.0" encoding="utf-8"?>
+<cs:chartStyle xmlns:cs="http://schemas.microsoft.com/office/drawing/2012/chartStyle" xmlns:a="http://schemas.openxmlformats.org/drawingml/2006/main" id="201">
+  <cs:axisTitle>
+    <cs:lnRef idx="0"/>
+    <cs:fillRef idx="0"/>
+    <cs:effectRef idx="0"/>
+    <cs:fontRef idx="minor">
+      <a:schemeClr val="tx1">
+        <a:lumMod val="65000"/>
+        <a:lumOff val="35000"/>
+      </a:schemeClr>
+    </cs:fontRef>
+    <cs:defRPr sz="1330" kern="1200"/>
+  </cs:axisTitle>
+  <cs:categoryAxis>
+    <cs:lnRef idx="0"/>
+    <cs:fillRef idx="0"/>
+    <cs:effectRef idx="0"/>
+    <cs:fontRef idx="minor">
+      <a:schemeClr val="tx1">
+        <a:lumMod val="65000"/>
+        <a:lumOff val="35000"/>
+      </a:schemeClr>
+    </cs:fontRef>
+    <cs:spPr>
+      <a:ln w="9525" cap="flat" cmpd="sng" algn="ctr">
+        <a:solidFill>
+          <a:schemeClr val="tx1">
+            <a:lumMod val="15000"/>
+            <a:lumOff val="85000"/>
+          </a:schemeClr>
+        </a:solidFill>
+        <a:round/>
+      </a:ln>
+    </cs:spPr>
+    <cs:defRPr sz="1197" kern="1200"/>
+  </cs:categoryAxis>
+  <cs:chartArea mods="allowNoFillOverride allowNoLineOverride">
+    <cs:lnRef idx="0"/>
+    <cs:fillRef idx="0"/>
+    <cs:effectRef idx="0"/>
+    <cs:fontRef idx="minor">
+      <a:schemeClr val="tx1"/>
+    </cs:fontRef>
+    <cs:spPr>
+      <a:solidFill>
+        <a:schemeClr val="bg1"/>
+      </a:solidFill>
+      <a:ln w="9525" cap="flat" cmpd="sng" algn="ctr">
+        <a:solidFill>
+          <a:schemeClr val="tx1">
+            <a:lumMod val="15000"/>
+            <a:lumOff val="85000"/>
+          </a:schemeClr>
+        </a:solidFill>
+        <a:round/>
+      </a:ln>
+    </cs:spPr>
+    <cs:defRPr sz="1330" kern="1200"/>
+  </cs:chartArea>
+  <cs:dataLabel>
+    <cs:lnRef idx="0"/>
+    <cs:fillRef idx="0"/>
+    <cs:effectRef idx="0"/>
+    <cs:fontRef idx="minor">
+      <a:schemeClr val="tx1">
+        <a:lumMod val="75000"/>
+        <a:lumOff val="25000"/>
+      </a:schemeClr>
+    </cs:fontRef>
+    <cs:defRPr sz="1197" kern="1200"/>
+  </cs:dataLabel>
+  <cs:dataLabelCallout>
+    <cs:lnRef idx="0"/>
+    <cs:fillRef idx="0"/>
+    <cs:effectRef idx="0"/>
+    <cs:fontRef idx="minor">
+      <a:schemeClr val="dk1">
+        <a:lumMod val="65000"/>
+        <a:lumOff val="35000"/>
+      </a:schemeClr>
+    </cs:fontRef>
+    <cs:spPr>
+      <a:solidFill>
+        <a:schemeClr val="lt1"/>
+      </a:solidFill>
+      <a:ln>
+        <a:solidFill>
+          <a:schemeClr val="dk1">
+            <a:lumMod val="25000"/>
+            <a:lumOff val="75000"/>
+          </a:schemeClr>
+        </a:solidFill>
+      </a:ln>
+    </cs:spPr>
+    <cs:defRPr sz="1197" kern="1200"/>
+    <cs:bodyPr rot="0" spcFirstLastPara="1" vertOverflow="clip" horzOverflow="clip" vert="horz" wrap="square" lIns="36576" tIns="18288" rIns="36576" bIns="18288" anchor="ctr" anchorCtr="1">
+      <a:spAutoFit/>
+    </cs:bodyPr>
+  </cs:dataLabelCallout>
+  <cs:dataPoint>
+    <cs:lnRef idx="0"/>
+    <cs:fillRef idx="1">
+      <cs:styleClr val="auto"/>
+    </cs:fillRef>
+    <cs:effectRef idx="0"/>
+    <cs:fontRef idx="minor">
+      <a:schemeClr val="tx1"/>
+    </cs:fontRef>
+  </cs:dataPoint>
+  <cs:dataPoint3D>
+    <cs:lnRef idx="0"/>
+    <cs:fillRef idx="1">
+      <cs:styleClr val="auto"/>
+    </cs:fillRef>
+    <cs:effectRef idx="0"/>
+    <cs:fontRef idx="minor">
+      <a:schemeClr val="tx1"/>
+    </cs:fontRef>
+  </cs:dataPoint3D>
+  <cs:dataPointLine>
+    <cs:lnRef idx="0">
+      <cs:styleClr val="auto"/>
+    </cs:lnRef>
+    <cs:fillRef idx="1"/>
+    <cs:effectRef idx="0"/>
+    <cs:fontRef idx="minor">
+      <a:schemeClr val="tx1"/>
+    </cs:fontRef>
+    <cs:spPr>
+      <a:ln w="28575" cap="rnd">
+        <a:solidFill>
+          <a:schemeClr val="phClr"/>
+        </a:solidFill>
+        <a:round/>
+      </a:ln>
+    </cs:spPr>
+  </cs:dataPointLine>
+  <cs:dataPointMarker>
+    <cs:lnRef idx="0">
+      <cs:styleClr val="auto"/>
+    </cs:lnRef>
+    <cs:fillRef idx="1">
+      <cs:styleClr val="auto"/>
+    </cs:fillRef>
+    <cs:effectRef idx="0"/>
+    <cs:fontRef idx="minor">
+      <a:schemeClr val="tx1"/>
+    </cs:fontRef>
+    <cs:spPr>
+      <a:ln w="9525">
+        <a:solidFill>
+          <a:schemeClr val="phClr"/>
+        </a:solidFill>
+      </a:ln>
+    </cs:spPr>
+  </cs:dataPointMarker>
+  <cs:dataPointMarkerLayout symbol="circle" size="5"/>
+  <cs:dataPointWireframe>
+    <cs:lnRef idx="0">
+      <cs:styleClr val="auto"/>
+    </cs:lnRef>
+    <cs:fillRef idx="1"/>
+    <cs:effectRef idx="0"/>
+    <cs:fontRef idx="minor">
+      <a:schemeClr val="tx1"/>
+    </cs:fontRef>
+    <cs:spPr>
+      <a:ln w="9525" cap="rnd">
+        <a:solidFill>
+          <a:schemeClr val="phClr"/>
+        </a:solidFill>
+        <a:round/>
+      </a:ln>
+    </cs:spPr>
+  </cs:dataPointWireframe>
+  <cs:dataTable>
+    <cs:lnRef idx="0"/>
+    <cs:fillRef idx="0"/>
+    <cs:effectRef idx="0"/>
+    <cs:fontRef idx="minor">
+      <a:schemeClr val="tx1">
+        <a:lumMod val="65000"/>
+        <a:lumOff val="35000"/>
+      </a:schemeClr>
+    </cs:fontRef>
+    <cs:spPr>
+      <a:noFill/>
+      <a:ln w="9525" cap="flat" cmpd="sng" algn="ctr">
+        <a:solidFill>
+          <a:schemeClr val="tx1">
+            <a:lumMod val="15000"/>
+            <a:lumOff val="85000"/>
+          </a:schemeClr>
+        </a:solidFill>
+        <a:round/>
+      </a:ln>
+    </cs:spPr>
+    <cs:defRPr sz="1197" kern="1200"/>
+  </cs:dataTable>
+  <cs:downBar>
+    <cs:lnRef idx="0"/>
+    <cs:fillRef idx="0"/>
+    <cs:effectRef idx="0"/>
+    <cs:fontRef idx="minor">
+      <a:schemeClr val="dk1"/>
+    </cs:fontRef>
+    <cs:spPr>
+      <a:solidFill>
+        <a:schemeClr val="dk1">
+          <a:lumMod val="65000"/>
+          <a:lumOff val="35000"/>
+        </a:schemeClr>
+      </a:solidFill>
+      <a:ln w="9525">
+        <a:solidFill>
+          <a:schemeClr val="tx1">
+            <a:lumMod val="65000"/>
+            <a:lumOff val="35000"/>
+          </a:schemeClr>
+        </a:solidFill>
+      </a:ln>
+    </cs:spPr>
+  </cs:downBar>
+  <cs:dropLine>
+    <cs:lnRef idx="0"/>
+    <cs:fillRef idx="0"/>
+    <cs:effectRef idx="0"/>
+    <cs:fontRef idx="minor">
+      <a:schemeClr val="tx1"/>
+    </cs:fontRef>
+    <cs:spPr>
+      <a:ln w="9525" cap="flat" cmpd="sng" algn="ctr">
+        <a:solidFill>
+          <a:schemeClr val="tx1">
+            <a:lumMod val="35000"/>
+            <a:lumOff val="65000"/>
+          </a:schemeClr>
+        </a:solidFill>
+        <a:round/>
+      </a:ln>
+    </cs:spPr>
+  </cs:dropLine>
+  <cs:errorBar>
+    <cs:lnRef idx="0"/>
+    <cs:fillRef idx="0"/>
+    <cs:effectRef idx="0"/>
+    <cs:fontRef idx="minor">
+      <a:schemeClr val="tx1"/>
+    </cs:fontRef>
+    <cs:spPr>
+      <a:ln w="9525" cap="flat" cmpd="sng" algn="ctr">
+        <a:solidFill>
+          <a:schemeClr val="tx1">
+            <a:lumMod val="65000"/>
+            <a:lumOff val="35000"/>
+          </a:schemeClr>
+        </a:solidFill>
+        <a:round/>
+      </a:ln>
+    </cs:spPr>
+  </cs:errorBar>
+  <cs:floor>
+    <cs:lnRef idx="0"/>
+    <cs:fillRef idx="0"/>
+    <cs:effectRef idx="0"/>
+    <cs:fontRef idx="minor">
+      <a:schemeClr val="tx1"/>
+    </cs:fontRef>
+    <cs:spPr>
+      <a:noFill/>
+      <a:ln>
+        <a:noFill/>
+      </a:ln>
+    </cs:spPr>
+  </cs:floor>
+  <cs:gridlineMajor>
+    <cs:lnRef idx="0"/>
+    <cs:fillRef idx="0"/>
+    <cs:effectRef idx="0"/>
+    <cs:fontRef idx="minor">
+      <a:schemeClr val="tx1"/>
+    </cs:fontRef>
+    <cs:spPr>
+      <a:ln w="9525" cap="flat" cmpd="sng" algn="ctr">
+        <a:solidFill>
+          <a:schemeClr val="tx1">
+            <a:lumMod val="15000"/>
+            <a:lumOff val="85000"/>
+          </a:schemeClr>
+        </a:solidFill>
+        <a:round/>
+      </a:ln>
+    </cs:spPr>
+  </cs:gridlineMajor>
+  <cs:gridlineMinor>
+    <cs:lnRef idx="0"/>
+    <cs:fillRef idx="0"/>
+    <cs:effectRef idx="0"/>
+    <cs:fontRef idx="minor">
+      <a:schemeClr val="tx1"/>
+    </cs:fontRef>
+    <cs:spPr>
+      <a:ln w="9525" cap="flat" cmpd="sng" algn="ctr">
+        <a:solidFill>
+          <a:schemeClr val="tx1">
+            <a:lumMod val="5000"/>
+            <a:lumOff val="95000"/>
+          </a:schemeClr>
+        </a:solidFill>
+        <a:round/>
+      </a:ln>
+    </cs:spPr>
+  </cs:gridlineMinor>
+  <cs:hiLoLine>
+    <cs:lnRef idx="0"/>
+    <cs:fillRef idx="0"/>
+    <cs:effectRef idx="0"/>
+    <cs:fontRef idx="minor">
+      <a:schemeClr val="tx1"/>
+    </cs:fontRef>
+    <cs:spPr>
+      <a:ln w="9525" cap="flat" cmpd="sng" algn="ctr">
+        <a:solidFill>
+          <a:schemeClr val="tx1">
+            <a:lumMod val="75000"/>
+            <a:lumOff val="25000"/>
+          </a:schemeClr>
+        </a:solidFill>
+        <a:round/>
+      </a:ln>
+    </cs:spPr>
+  </cs:hiLoLine>
+  <cs:leaderLine>
+    <cs:lnRef idx="0"/>
+    <cs:fillRef idx="0"/>
+    <cs:effectRef idx="0"/>
+    <cs:fontRef idx="minor">
+      <a:schemeClr val="tx1"/>
+    </cs:fontRef>
+    <cs:spPr>
+      <a:ln w="9525" cap="flat" cmpd="sng" algn="ctr">
+        <a:solidFill>
+          <a:schemeClr val="tx1">
+            <a:lumMod val="35000"/>
+            <a:lumOff val="65000"/>
+          </a:schemeClr>
+        </a:solidFill>
+        <a:round/>
+      </a:ln>
+    </cs:spPr>
+  </cs:leaderLine>
+  <cs:legend>
+    <cs:lnRef idx="0"/>
+    <cs:fillRef idx="0"/>
+    <cs:effectRef idx="0"/>
+    <cs:fontRef idx="minor">
+      <a:schemeClr val="tx1">
+        <a:lumMod val="65000"/>
+        <a:lumOff val="35000"/>
+      </a:schemeClr>
+    </cs:fontRef>
+    <cs:defRPr sz="1197" kern="1200"/>
+  </cs:legend>
+  <cs:plotArea mods="allowNoFillOverride allowNoLineOverride">
+    <cs:lnRef idx="0"/>
+    <cs:fillRef idx="0"/>
+    <cs:effectRef idx="0"/>
+    <cs:fontRef idx="minor">
+      <a:schemeClr val="tx1"/>
+    </cs:fontRef>
+  </cs:plotArea>
+  <cs:plotArea3D mods="allowNoFillOverride allowNoLineOverride">
+    <cs:lnRef idx="0"/>
+    <cs:fillRef idx="0"/>
+    <cs:effectRef idx="0"/>
+    <cs:fontRef idx="minor">
+      <a:schemeClr val="tx1"/>
+    </cs:fontRef>
+  </cs:plotArea3D>
+  <cs:seriesAxis>
+    <cs:lnRef idx="0"/>
+    <cs:fillRef idx="0"/>
+    <cs:effectRef idx="0"/>
+    <cs:fontRef idx="minor">
+      <a:schemeClr val="tx1">
+        <a:lumMod val="65000"/>
+        <a:lumOff val="35000"/>
+      </a:schemeClr>
+    </cs:fontRef>
+    <cs:defRPr sz="1197" kern="1200"/>
+  </cs:seriesAxis>
+  <cs:seriesLine>
+    <cs:lnRef idx="0"/>
+    <cs:fillRef idx="0"/>
+    <cs:effectRef idx="0"/>
+    <cs:fontRef idx="minor">
+      <a:schemeClr val="tx1"/>
+    </cs:fontRef>
+    <cs:spPr>
+      <a:ln w="9525" cap="flat" cmpd="sng" algn="ctr">
+        <a:solidFill>
+          <a:schemeClr val="tx1">
+            <a:lumMod val="35000"/>
+            <a:lumOff val="65000"/>
+          </a:schemeClr>
+        </a:solidFill>
+        <a:round/>
+      </a:ln>
+    </cs:spPr>
+  </cs:seriesLine>
+  <cs:title>
+    <cs:lnRef idx="0"/>
+    <cs:fillRef idx="0"/>
+    <cs:effectRef idx="0"/>
+    <cs:fontRef idx="minor">
+      <a:schemeClr val="tx1">
+        <a:lumMod val="65000"/>
+        <a:lumOff val="35000"/>
+      </a:schemeClr>
+    </cs:fontRef>
+    <cs:defRPr sz="1862" b="0" kern="1200" spc="0" baseline="0"/>
+  </cs:title>
+  <cs:trendline>
+    <cs:lnRef idx="0">
+      <cs:styleClr val="auto"/>
+    </cs:lnRef>
+    <cs:fillRef idx="0"/>
+    <cs:effectRef idx="0"/>
+    <cs:fontRef idx="minor">
+      <a:schemeClr val="tx1"/>
+    </cs:fontRef>
+    <cs:spPr>
+      <a:ln w="19050" cap="rnd">
+        <a:solidFill>
+          <a:schemeClr val="phClr"/>
+        </a:solidFill>
+        <a:prstDash val="sysDot"/>
+      </a:ln>
+    </cs:spPr>
+  </cs:trendline>
+  <cs:trendlineLabel>
+    <cs:lnRef idx="0"/>
+    <cs:fillRef idx="0"/>
+    <cs:effectRef idx="0"/>
+    <cs:fontRef idx="minor">
+      <a:schemeClr val="tx1">
+        <a:lumMod val="65000"/>
+        <a:lumOff val="35000"/>
+      </a:schemeClr>
+    </cs:fontRef>
+    <cs:defRPr sz="1197" kern="1200"/>
+  </cs:trendlineLabel>
+  <cs:upBar>
+    <cs:lnRef idx="0"/>
+    <cs:fillRef idx="0"/>
+    <cs:effectRef idx="0"/>
+    <cs:fontRef idx="minor">
+      <a:schemeClr val="dk1"/>
+    </cs:fontRef>
+    <cs:spPr>
+      <a:solidFill>
+        <a:schemeClr val="lt1"/>
+      </a:solidFill>
+      <a:ln w="9525">
+        <a:solidFill>
+          <a:schemeClr val="tx1">
+            <a:lumMod val="15000"/>
+            <a:lumOff val="85000"/>
+          </a:schemeClr>
+        </a:solidFill>
+      </a:ln>
+    </cs:spPr>
+  </cs:upBar>
+  <cs:valueAxis>
+    <cs:lnRef idx="0"/>
+    <cs:fillRef idx="0"/>
+    <cs:effectRef idx="0"/>
+    <cs:fontRef idx="minor">
+      <a:schemeClr val="tx1">
+        <a:lumMod val="65000"/>
+        <a:lumOff val="35000"/>
+      </a:schemeClr>
+    </cs:fontRef>
+    <cs:defRPr sz="1197" kern="1200"/>
+  </cs:valueAxis>
+  <cs:wall>
+    <cs:lnRef idx="0"/>
+    <cs:fillRef idx="0"/>
+    <cs:effectRef idx="0"/>
+    <cs:fontRef idx="minor">
+      <a:schemeClr val="tx1"/>
+    </cs:fontRef>
+    <cs:spPr>
+      <a:noFill/>
+      <a:ln>
+        <a:noFill/>
+      </a:ln>
+    </cs:spPr>
+  </cs:wall>
+</cs:chartStyle>
+</file>
+
 <file path=ppt/notesMasters/notesMaster1.xml><?xml version="1.0" encoding="utf-8"?>
 <p:notesMaster xmlns:a="http://schemas.openxmlformats.org/drawingml/2006/main" xmlns:r="http://schemas.openxmlformats.org/officeDocument/2006/relationships" xmlns:p="http://schemas.openxmlformats.org/presentationml/2006/main">
   <p:cSld>
@@ -5334,6 +7731,174 @@
     <p:extLst>
       <p:ext uri="{BB962C8B-B14F-4D97-AF65-F5344CB8AC3E}">
         <p14:creationId xmlns:p14="http://schemas.microsoft.com/office/powerpoint/2010/main" val="3913961450"/>
+      </p:ext>
+    </p:extLst>
+  </p:cSld>
+  <p:clrMapOvr>
+    <a:masterClrMapping/>
+  </p:clrMapOvr>
+</p:notes>
+</file>
+
+<file path=ppt/notesSlides/notesSlide13.xml><?xml version="1.0" encoding="utf-8"?>
+<p:notes xmlns:a="http://schemas.openxmlformats.org/drawingml/2006/main" xmlns:r="http://schemas.openxmlformats.org/officeDocument/2006/relationships" xmlns:p="http://schemas.openxmlformats.org/presentationml/2006/main">
+  <p:cSld>
+    <p:spTree>
+      <p:nvGrpSpPr>
+        <p:cNvPr id="1" name=""/>
+        <p:cNvGrpSpPr/>
+        <p:nvPr/>
+      </p:nvGrpSpPr>
+      <p:grpSpPr>
+        <a:xfrm>
+          <a:off x="0" y="0"/>
+          <a:ext cx="0" cy="0"/>
+          <a:chOff x="0" y="0"/>
+          <a:chExt cx="0" cy="0"/>
+        </a:xfrm>
+      </p:grpSpPr>
+      <p:sp>
+        <p:nvSpPr>
+          <p:cNvPr id="2" name="Folienbildplatzhalter 1"/>
+          <p:cNvSpPr>
+            <a:spLocks noGrp="1" noRot="1" noChangeAspect="1"/>
+          </p:cNvSpPr>
+          <p:nvPr>
+            <p:ph type="sldImg"/>
+          </p:nvPr>
+        </p:nvSpPr>
+        <p:spPr/>
+      </p:sp>
+      <p:sp>
+        <p:nvSpPr>
+          <p:cNvPr id="3" name="Notizenplatzhalter 2"/>
+          <p:cNvSpPr>
+            <a:spLocks noGrp="1"/>
+          </p:cNvSpPr>
+          <p:nvPr>
+            <p:ph type="body" idx="1"/>
+          </p:nvPr>
+        </p:nvSpPr>
+        <p:spPr/>
+        <p:txBody>
+          <a:bodyPr/>
+          <a:lstStyle/>
+          <a:p>
+            <a:endParaRPr lang="de-DE" dirty="0"/>
+          </a:p>
+        </p:txBody>
+      </p:sp>
+      <p:sp>
+        <p:nvSpPr>
+          <p:cNvPr id="4" name="Foliennummernplatzhalter 3"/>
+          <p:cNvSpPr>
+            <a:spLocks noGrp="1"/>
+          </p:cNvSpPr>
+          <p:nvPr>
+            <p:ph type="sldNum" sz="quarter" idx="5"/>
+          </p:nvPr>
+        </p:nvSpPr>
+        <p:spPr/>
+        <p:txBody>
+          <a:bodyPr/>
+          <a:lstStyle/>
+          <a:p>
+            <a:fld id="{8CE265D3-6F69-46A3-BC22-BD3030E0EBE5}" type="slidenum">
+              <a:rPr lang="de-DE" smtClean="0"/>
+              <a:t>25</a:t>
+            </a:fld>
+            <a:endParaRPr lang="de-DE"/>
+          </a:p>
+        </p:txBody>
+      </p:sp>
+    </p:spTree>
+    <p:extLst>
+      <p:ext uri="{BB962C8B-B14F-4D97-AF65-F5344CB8AC3E}">
+        <p14:creationId xmlns:p14="http://schemas.microsoft.com/office/powerpoint/2010/main" val="4097581328"/>
+      </p:ext>
+    </p:extLst>
+  </p:cSld>
+  <p:clrMapOvr>
+    <a:masterClrMapping/>
+  </p:clrMapOvr>
+</p:notes>
+</file>
+
+<file path=ppt/notesSlides/notesSlide14.xml><?xml version="1.0" encoding="utf-8"?>
+<p:notes xmlns:a="http://schemas.openxmlformats.org/drawingml/2006/main" xmlns:r="http://schemas.openxmlformats.org/officeDocument/2006/relationships" xmlns:p="http://schemas.openxmlformats.org/presentationml/2006/main">
+  <p:cSld>
+    <p:spTree>
+      <p:nvGrpSpPr>
+        <p:cNvPr id="1" name=""/>
+        <p:cNvGrpSpPr/>
+        <p:nvPr/>
+      </p:nvGrpSpPr>
+      <p:grpSpPr>
+        <a:xfrm>
+          <a:off x="0" y="0"/>
+          <a:ext cx="0" cy="0"/>
+          <a:chOff x="0" y="0"/>
+          <a:chExt cx="0" cy="0"/>
+        </a:xfrm>
+      </p:grpSpPr>
+      <p:sp>
+        <p:nvSpPr>
+          <p:cNvPr id="2" name="Folienbildplatzhalter 1"/>
+          <p:cNvSpPr>
+            <a:spLocks noGrp="1" noRot="1" noChangeAspect="1"/>
+          </p:cNvSpPr>
+          <p:nvPr>
+            <p:ph type="sldImg"/>
+          </p:nvPr>
+        </p:nvSpPr>
+        <p:spPr/>
+      </p:sp>
+      <p:sp>
+        <p:nvSpPr>
+          <p:cNvPr id="3" name="Notizenplatzhalter 2"/>
+          <p:cNvSpPr>
+            <a:spLocks noGrp="1"/>
+          </p:cNvSpPr>
+          <p:nvPr>
+            <p:ph type="body" idx="1"/>
+          </p:nvPr>
+        </p:nvSpPr>
+        <p:spPr/>
+        <p:txBody>
+          <a:bodyPr/>
+          <a:lstStyle/>
+          <a:p>
+            <a:endParaRPr lang="de-DE" dirty="0"/>
+          </a:p>
+        </p:txBody>
+      </p:sp>
+      <p:sp>
+        <p:nvSpPr>
+          <p:cNvPr id="4" name="Foliennummernplatzhalter 3"/>
+          <p:cNvSpPr>
+            <a:spLocks noGrp="1"/>
+          </p:cNvSpPr>
+          <p:nvPr>
+            <p:ph type="sldNum" sz="quarter" idx="5"/>
+          </p:nvPr>
+        </p:nvSpPr>
+        <p:spPr/>
+        <p:txBody>
+          <a:bodyPr/>
+          <a:lstStyle/>
+          <a:p>
+            <a:fld id="{8CE265D3-6F69-46A3-BC22-BD3030E0EBE5}" type="slidenum">
+              <a:rPr lang="de-DE" smtClean="0"/>
+              <a:t>26</a:t>
+            </a:fld>
+            <a:endParaRPr lang="de-DE"/>
+          </a:p>
+        </p:txBody>
+      </p:sp>
+    </p:spTree>
+    <p:extLst>
+      <p:ext uri="{BB962C8B-B14F-4D97-AF65-F5344CB8AC3E}">
+        <p14:creationId xmlns:p14="http://schemas.microsoft.com/office/powerpoint/2010/main" val="2866494394"/>
       </p:ext>
     </p:extLst>
   </p:cSld>
@@ -16714,6 +19279,619 @@
     <p:extLst>
       <p:ext uri="{BB962C8B-B14F-4D97-AF65-F5344CB8AC3E}">
         <p14:creationId xmlns:p14="http://schemas.microsoft.com/office/powerpoint/2010/main" val="201829269"/>
+      </p:ext>
+    </p:extLst>
+  </p:cSld>
+  <p:clrMapOvr>
+    <a:masterClrMapping/>
+  </p:clrMapOvr>
+</p:sld>
+</file>
+
+<file path=ppt/slides/slide25.xml><?xml version="1.0" encoding="utf-8"?>
+<p:sld xmlns:a="http://schemas.openxmlformats.org/drawingml/2006/main" xmlns:r="http://schemas.openxmlformats.org/officeDocument/2006/relationships" xmlns:p="http://schemas.openxmlformats.org/presentationml/2006/main">
+  <p:cSld>
+    <p:bg>
+      <p:bgPr>
+        <a:solidFill>
+          <a:schemeClr val="bg1"/>
+        </a:solidFill>
+        <a:effectLst/>
+      </p:bgPr>
+    </p:bg>
+    <p:spTree>
+      <p:nvGrpSpPr>
+        <p:cNvPr id="1" name=""/>
+        <p:cNvGrpSpPr/>
+        <p:nvPr/>
+      </p:nvGrpSpPr>
+      <p:grpSpPr>
+        <a:xfrm>
+          <a:off x="0" y="0"/>
+          <a:ext cx="0" cy="0"/>
+          <a:chOff x="0" y="0"/>
+          <a:chExt cx="0" cy="0"/>
+        </a:xfrm>
+      </p:grpSpPr>
+      <p:sp>
+        <p:nvSpPr>
+          <p:cNvPr id="27" name="Rectangle 26">
+            <a:extLst>
+              <a:ext uri="{FF2B5EF4-FFF2-40B4-BE49-F238E27FC236}">
+                <a16:creationId xmlns:a16="http://schemas.microsoft.com/office/drawing/2014/main" id="{DD651B61-325E-4E73-8445-38B0DE8AAAB6}"/>
+              </a:ext>
+              <a:ext uri="{C183D7F6-B498-43B3-948B-1728B52AA6E4}">
+                <adec:decorative xmlns:adec="http://schemas.microsoft.com/office/drawing/2017/decorative" val="1"/>
+              </a:ext>
+            </a:extLst>
+          </p:cNvPr>
+          <p:cNvSpPr>
+            <a:spLocks noGrp="1" noRot="1" noChangeAspect="1" noMove="1" noResize="1" noEditPoints="1" noAdjustHandles="1" noChangeArrowheads="1" noChangeShapeType="1" noTextEdit="1"/>
+          </p:cNvSpPr>
+          <p:nvPr>
+            <p:extLst>
+              <p:ext uri="{386F3935-93C4-4BCD-93E2-E3B085C9AB24}">
+                <p16:designElem xmlns:p16="http://schemas.microsoft.com/office/powerpoint/2015/main" val="1"/>
+              </p:ext>
+            </p:extLst>
+          </p:nvPr>
+        </p:nvSpPr>
+        <p:spPr>
+          <a:xfrm>
+            <a:off x="446534" y="457200"/>
+            <a:ext cx="3703320" cy="94997"/>
+          </a:xfrm>
+          <a:prstGeom prst="rect">
+            <a:avLst/>
+          </a:prstGeom>
+          <a:solidFill>
+            <a:srgbClr val="465359"/>
+          </a:solidFill>
+          <a:ln>
+            <a:noFill/>
+          </a:ln>
+          <a:effectLst/>
+        </p:spPr>
+        <p:style>
+          <a:lnRef idx="1">
+            <a:schemeClr val="accent1"/>
+          </a:lnRef>
+          <a:fillRef idx="3">
+            <a:schemeClr val="accent1"/>
+          </a:fillRef>
+          <a:effectRef idx="2">
+            <a:schemeClr val="accent1"/>
+          </a:effectRef>
+          <a:fontRef idx="minor">
+            <a:schemeClr val="lt1"/>
+          </a:fontRef>
+        </p:style>
+      </p:sp>
+      <p:sp>
+        <p:nvSpPr>
+          <p:cNvPr id="29" name="Rectangle 28">
+            <a:extLst>
+              <a:ext uri="{FF2B5EF4-FFF2-40B4-BE49-F238E27FC236}">
+                <a16:creationId xmlns:a16="http://schemas.microsoft.com/office/drawing/2014/main" id="{B42E5253-D3AC-4AC2-B766-8B34F13C2F5E}"/>
+              </a:ext>
+              <a:ext uri="{C183D7F6-B498-43B3-948B-1728B52AA6E4}">
+                <adec:decorative xmlns:adec="http://schemas.microsoft.com/office/drawing/2017/decorative" val="1"/>
+              </a:ext>
+            </a:extLst>
+          </p:cNvPr>
+          <p:cNvSpPr>
+            <a:spLocks noGrp="1" noRot="1" noChangeAspect="1" noMove="1" noResize="1" noEditPoints="1" noAdjustHandles="1" noChangeArrowheads="1" noChangeShapeType="1" noTextEdit="1"/>
+          </p:cNvSpPr>
+          <p:nvPr>
+            <p:extLst>
+              <p:ext uri="{386F3935-93C4-4BCD-93E2-E3B085C9AB24}">
+                <p16:designElem xmlns:p16="http://schemas.microsoft.com/office/powerpoint/2015/main" val="1"/>
+              </p:ext>
+            </p:extLst>
+          </p:nvPr>
+        </p:nvSpPr>
+        <p:spPr>
+          <a:xfrm>
+            <a:off x="8042147" y="453643"/>
+            <a:ext cx="3703320" cy="98554"/>
+          </a:xfrm>
+          <a:prstGeom prst="rect">
+            <a:avLst/>
+          </a:prstGeom>
+          <a:solidFill>
+            <a:srgbClr val="969FA7"/>
+          </a:solidFill>
+          <a:ln>
+            <a:noFill/>
+          </a:ln>
+          <a:effectLst/>
+        </p:spPr>
+        <p:style>
+          <a:lnRef idx="1">
+            <a:schemeClr val="accent1"/>
+          </a:lnRef>
+          <a:fillRef idx="3">
+            <a:schemeClr val="accent1"/>
+          </a:fillRef>
+          <a:effectRef idx="2">
+            <a:schemeClr val="accent1"/>
+          </a:effectRef>
+          <a:fontRef idx="minor">
+            <a:schemeClr val="lt1"/>
+          </a:fontRef>
+        </p:style>
+      </p:sp>
+      <p:sp>
+        <p:nvSpPr>
+          <p:cNvPr id="31" name="Rectangle 30">
+            <a:extLst>
+              <a:ext uri="{FF2B5EF4-FFF2-40B4-BE49-F238E27FC236}">
+                <a16:creationId xmlns:a16="http://schemas.microsoft.com/office/drawing/2014/main" id="{10AE8D57-436A-4073-9A75-15BB5949F8B4}"/>
+              </a:ext>
+              <a:ext uri="{C183D7F6-B498-43B3-948B-1728B52AA6E4}">
+                <adec:decorative xmlns:adec="http://schemas.microsoft.com/office/drawing/2017/decorative" val="1"/>
+              </a:ext>
+            </a:extLst>
+          </p:cNvPr>
+          <p:cNvSpPr>
+            <a:spLocks noGrp="1" noRot="1" noChangeAspect="1" noMove="1" noResize="1" noEditPoints="1" noAdjustHandles="1" noChangeArrowheads="1" noChangeShapeType="1" noTextEdit="1"/>
+          </p:cNvSpPr>
+          <p:nvPr>
+            <p:extLst>
+              <p:ext uri="{386F3935-93C4-4BCD-93E2-E3B085C9AB24}">
+                <p16:designElem xmlns:p16="http://schemas.microsoft.com/office/powerpoint/2015/main" val="1"/>
+              </p:ext>
+            </p:extLst>
+          </p:nvPr>
+        </p:nvSpPr>
+        <p:spPr>
+          <a:xfrm>
+            <a:off x="4241830" y="457200"/>
+            <a:ext cx="3703320" cy="91440"/>
+          </a:xfrm>
+          <a:prstGeom prst="rect">
+            <a:avLst/>
+          </a:prstGeom>
+          <a:solidFill>
+            <a:schemeClr val="accent1"/>
+          </a:solidFill>
+          <a:ln>
+            <a:noFill/>
+          </a:ln>
+          <a:effectLst/>
+        </p:spPr>
+        <p:style>
+          <a:lnRef idx="1">
+            <a:schemeClr val="accent1"/>
+          </a:lnRef>
+          <a:fillRef idx="3">
+            <a:schemeClr val="accent1"/>
+          </a:fillRef>
+          <a:effectRef idx="2">
+            <a:schemeClr val="accent1"/>
+          </a:effectRef>
+          <a:fontRef idx="minor">
+            <a:schemeClr val="lt1"/>
+          </a:fontRef>
+        </p:style>
+      </p:sp>
+      <p:sp>
+        <p:nvSpPr>
+          <p:cNvPr id="33" name="Rectangle 32">
+            <a:extLst>
+              <a:ext uri="{FF2B5EF4-FFF2-40B4-BE49-F238E27FC236}">
+                <a16:creationId xmlns:a16="http://schemas.microsoft.com/office/drawing/2014/main" id="{E2852671-8EB6-4EAF-8AF8-65CF3FD66456}"/>
+              </a:ext>
+              <a:ext uri="{C183D7F6-B498-43B3-948B-1728B52AA6E4}">
+                <adec:decorative xmlns:adec="http://schemas.microsoft.com/office/drawing/2017/decorative" val="1"/>
+              </a:ext>
+            </a:extLst>
+          </p:cNvPr>
+          <p:cNvSpPr>
+            <a:spLocks noGrp="1" noRot="1" noChangeAspect="1" noMove="1" noResize="1" noEditPoints="1" noAdjustHandles="1" noChangeArrowheads="1" noChangeShapeType="1" noTextEdit="1"/>
+          </p:cNvSpPr>
+          <p:nvPr>
+            <p:extLst>
+              <p:ext uri="{386F3935-93C4-4BCD-93E2-E3B085C9AB24}">
+                <p16:designElem xmlns:p16="http://schemas.microsoft.com/office/powerpoint/2015/main" val="1"/>
+              </p:ext>
+            </p:extLst>
+          </p:nvPr>
+        </p:nvSpPr>
+        <p:spPr>
+          <a:xfrm>
+            <a:off x="446534" y="3085764"/>
+            <a:ext cx="11298932" cy="3338149"/>
+          </a:xfrm>
+          <a:prstGeom prst="rect">
+            <a:avLst/>
+          </a:prstGeom>
+          <a:solidFill>
+            <a:srgbClr val="465359"/>
+          </a:solidFill>
+          <a:ln>
+            <a:noFill/>
+          </a:ln>
+          <a:effectLst/>
+        </p:spPr>
+        <p:style>
+          <a:lnRef idx="1">
+            <a:schemeClr val="accent1"/>
+          </a:lnRef>
+          <a:fillRef idx="3">
+            <a:schemeClr val="accent1"/>
+          </a:fillRef>
+          <a:effectRef idx="2">
+            <a:schemeClr val="accent1"/>
+          </a:effectRef>
+          <a:fontRef idx="minor">
+            <a:schemeClr val="lt1"/>
+          </a:fontRef>
+        </p:style>
+      </p:sp>
+      <p:sp useBgFill="1">
+        <p:nvSpPr>
+          <p:cNvPr id="35" name="Rectangle 34">
+            <a:extLst>
+              <a:ext uri="{FF2B5EF4-FFF2-40B4-BE49-F238E27FC236}">
+                <a16:creationId xmlns:a16="http://schemas.microsoft.com/office/drawing/2014/main" id="{26B4480E-B7FF-4481-890E-043A69AE6FE2}"/>
+              </a:ext>
+              <a:ext uri="{C183D7F6-B498-43B3-948B-1728B52AA6E4}">
+                <adec:decorative xmlns:adec="http://schemas.microsoft.com/office/drawing/2017/decorative" val="1"/>
+              </a:ext>
+            </a:extLst>
+          </p:cNvPr>
+          <p:cNvSpPr>
+            <a:spLocks noGrp="1" noRot="1" noChangeAspect="1" noMove="1" noResize="1" noEditPoints="1" noAdjustHandles="1" noChangeArrowheads="1" noChangeShapeType="1" noTextEdit="1"/>
+          </p:cNvSpPr>
+          <p:nvPr>
+            <p:extLst>
+              <p:ext uri="{386F3935-93C4-4BCD-93E2-E3B085C9AB24}">
+                <p16:designElem xmlns:p16="http://schemas.microsoft.com/office/powerpoint/2015/main" val="1"/>
+              </p:ext>
+            </p:extLst>
+          </p:nvPr>
+        </p:nvSpPr>
+        <p:spPr>
+          <a:xfrm>
+            <a:off x="0" y="0"/>
+            <a:ext cx="12192000" cy="6858000"/>
+          </a:xfrm>
+          <a:prstGeom prst="rect">
+            <a:avLst/>
+          </a:prstGeom>
+          <a:ln>
+            <a:noFill/>
+          </a:ln>
+        </p:spPr>
+        <p:style>
+          <a:lnRef idx="2">
+            <a:schemeClr val="accent1">
+              <a:shade val="50000"/>
+            </a:schemeClr>
+          </a:lnRef>
+          <a:fillRef idx="1">
+            <a:schemeClr val="accent1"/>
+          </a:fillRef>
+          <a:effectRef idx="0">
+            <a:schemeClr val="accent1"/>
+          </a:effectRef>
+          <a:fontRef idx="minor">
+            <a:schemeClr val="lt1"/>
+          </a:fontRef>
+        </p:style>
+        <p:txBody>
+          <a:bodyPr rtlCol="0" anchor="ctr"/>
+          <a:lstStyle/>
+          <a:p>
+            <a:pPr algn="ctr"/>
+            <a:endParaRPr lang="en-US"/>
+          </a:p>
+        </p:txBody>
+      </p:sp>
+      <p:grpSp>
+        <p:nvGrpSpPr>
+          <p:cNvPr id="37" name="Group 36">
+            <a:extLst>
+              <a:ext uri="{FF2B5EF4-FFF2-40B4-BE49-F238E27FC236}">
+                <a16:creationId xmlns:a16="http://schemas.microsoft.com/office/drawing/2014/main" id="{79394E1F-0B5F-497D-B2A6-8383A2A54834}"/>
+              </a:ext>
+              <a:ext uri="{C183D7F6-B498-43B3-948B-1728B52AA6E4}">
+                <adec:decorative xmlns:adec="http://schemas.microsoft.com/office/drawing/2017/decorative" val="1"/>
+              </a:ext>
+            </a:extLst>
+          </p:cNvPr>
+          <p:cNvGrpSpPr>
+            <a:grpSpLocks noGrp="1" noUngrp="1" noRot="1" noChangeAspect="1" noMove="1" noResize="1"/>
+          </p:cNvGrpSpPr>
+          <p:nvPr>
+            <p:extLst>
+              <p:ext uri="{386F3935-93C4-4BCD-93E2-E3B085C9AB24}">
+                <p16:designElem xmlns:p16="http://schemas.microsoft.com/office/powerpoint/2015/main" val="1"/>
+              </p:ext>
+            </p:extLst>
+          </p:nvPr>
+        </p:nvGrpSpPr>
+        <p:grpSpPr>
+          <a:xfrm>
+            <a:off x="438068" y="457200"/>
+            <a:ext cx="3703320" cy="5935133"/>
+            <a:chOff x="438068" y="457200"/>
+            <a:chExt cx="3703320" cy="5935133"/>
+          </a:xfrm>
+        </p:grpSpPr>
+        <p:sp>
+          <p:nvSpPr>
+            <p:cNvPr id="38" name="Rectangle 37">
+              <a:extLst>
+                <a:ext uri="{FF2B5EF4-FFF2-40B4-BE49-F238E27FC236}">
+                  <a16:creationId xmlns:a16="http://schemas.microsoft.com/office/drawing/2014/main" id="{1F1FF39A-AC3C-4066-9D4C-519AA22812EA}"/>
+                </a:ext>
+                <a:ext uri="{C183D7F6-B498-43B3-948B-1728B52AA6E4}">
+                  <adec:decorative xmlns:adec="http://schemas.microsoft.com/office/drawing/2017/decorative" val="1"/>
+                </a:ext>
+              </a:extLst>
+            </p:cNvPr>
+            <p:cNvSpPr/>
+            <p:nvPr>
+              <p:extLst>
+                <p:ext uri="{386F3935-93C4-4BCD-93E2-E3B085C9AB24}">
+                  <p16:designElem xmlns:p16="http://schemas.microsoft.com/office/powerpoint/2015/main" val="1"/>
+                </p:ext>
+              </p:extLst>
+            </p:nvPr>
+          </p:nvSpPr>
+          <p:spPr>
+            <a:xfrm>
+              <a:off x="438068" y="601201"/>
+              <a:ext cx="3702134" cy="5791132"/>
+            </a:xfrm>
+            <a:prstGeom prst="rect">
+              <a:avLst/>
+            </a:prstGeom>
+            <a:solidFill>
+              <a:srgbClr val="465359">
+                <a:alpha val="97000"/>
+              </a:srgbClr>
+            </a:solidFill>
+            <a:ln w="6350" cmpd="sng">
+              <a:noFill/>
+            </a:ln>
+            <a:effectLst/>
+          </p:spPr>
+          <p:style>
+            <a:lnRef idx="1">
+              <a:schemeClr val="accent1"/>
+            </a:lnRef>
+            <a:fillRef idx="3">
+              <a:schemeClr val="accent1"/>
+            </a:fillRef>
+            <a:effectRef idx="2">
+              <a:schemeClr val="accent1"/>
+            </a:effectRef>
+            <a:fontRef idx="minor">
+              <a:schemeClr val="lt1"/>
+            </a:fontRef>
+          </p:style>
+        </p:sp>
+        <p:sp>
+          <p:nvSpPr>
+            <p:cNvPr id="39" name="Rectangle 38">
+              <a:extLst>
+                <a:ext uri="{FF2B5EF4-FFF2-40B4-BE49-F238E27FC236}">
+                  <a16:creationId xmlns:a16="http://schemas.microsoft.com/office/drawing/2014/main" id="{64C13BAB-7C00-4D21-A857-E3D41C0A2A66}"/>
+                </a:ext>
+                <a:ext uri="{C183D7F6-B498-43B3-948B-1728B52AA6E4}">
+                  <adec:decorative xmlns:adec="http://schemas.microsoft.com/office/drawing/2017/decorative" val="1"/>
+                </a:ext>
+              </a:extLst>
+            </p:cNvPr>
+            <p:cNvSpPr/>
+            <p:nvPr>
+              <p:extLst>
+                <p:ext uri="{386F3935-93C4-4BCD-93E2-E3B085C9AB24}">
+                  <p16:designElem xmlns:p16="http://schemas.microsoft.com/office/powerpoint/2015/main" val="1"/>
+                </p:ext>
+              </p:extLst>
+            </p:nvPr>
+          </p:nvSpPr>
+          <p:spPr>
+            <a:xfrm>
+              <a:off x="438068" y="457200"/>
+              <a:ext cx="3703320" cy="94997"/>
+            </a:xfrm>
+            <a:prstGeom prst="rect">
+              <a:avLst/>
+            </a:prstGeom>
+            <a:solidFill>
+              <a:srgbClr val="465359"/>
+            </a:solidFill>
+            <a:ln>
+              <a:noFill/>
+            </a:ln>
+            <a:effectLst/>
+          </p:spPr>
+          <p:style>
+            <a:lnRef idx="1">
+              <a:schemeClr val="accent1"/>
+            </a:lnRef>
+            <a:fillRef idx="3">
+              <a:schemeClr val="accent1"/>
+            </a:fillRef>
+            <a:effectRef idx="2">
+              <a:schemeClr val="accent1"/>
+            </a:effectRef>
+            <a:fontRef idx="minor">
+              <a:schemeClr val="lt1"/>
+            </a:fontRef>
+          </p:style>
+        </p:sp>
+      </p:grpSp>
+      <p:sp>
+        <p:nvSpPr>
+          <p:cNvPr id="2" name="Titel 1">
+            <a:extLst>
+              <a:ext uri="{FF2B5EF4-FFF2-40B4-BE49-F238E27FC236}">
+                <a16:creationId xmlns:a16="http://schemas.microsoft.com/office/drawing/2014/main" id="{06158C18-B0AD-4A23-BB2F-A981A9ADFAF7}"/>
+              </a:ext>
+            </a:extLst>
+          </p:cNvPr>
+          <p:cNvSpPr>
+            <a:spLocks noGrp="1"/>
+          </p:cNvSpPr>
+          <p:nvPr>
+            <p:ph type="title"/>
+          </p:nvPr>
+        </p:nvSpPr>
+        <p:spPr>
+          <a:xfrm>
+            <a:off x="584200" y="1524001"/>
+            <a:ext cx="3412067" cy="3478384"/>
+          </a:xfrm>
+        </p:spPr>
+        <p:txBody>
+          <a:bodyPr vert="horz" lIns="91440" tIns="45720" rIns="91440" bIns="45720" rtlCol="0" anchor="b">
+            <a:normAutofit/>
+          </a:bodyPr>
+          <a:lstStyle/>
+          <a:p>
+            <a:r>
+              <a:rPr lang="en-US" sz="3600" dirty="0">
+                <a:solidFill>
+                  <a:srgbClr val="FFFFFF"/>
+                </a:solidFill>
+              </a:rPr>
+              <a:t>Second Iteration </a:t>
+            </a:r>
+            <a:br>
+              <a:rPr lang="en-US" sz="3600" dirty="0">
+                <a:solidFill>
+                  <a:srgbClr val="FFFFFF"/>
+                </a:solidFill>
+              </a:rPr>
+            </a:br>
+            <a:r>
+              <a:rPr lang="en-US" sz="3600" dirty="0">
+                <a:solidFill>
+                  <a:srgbClr val="FFFFFF"/>
+                </a:solidFill>
+              </a:rPr>
+              <a:t>Modeling Result – ROC</a:t>
+            </a:r>
+            <a:br>
+              <a:rPr lang="en-US" sz="3600" dirty="0">
+                <a:solidFill>
+                  <a:srgbClr val="FFFFFF"/>
+                </a:solidFill>
+              </a:rPr>
+            </a:br>
+            <a:endParaRPr lang="en-US" sz="3600" dirty="0">
+              <a:solidFill>
+                <a:srgbClr val="FFFFFF"/>
+              </a:solidFill>
+            </a:endParaRPr>
+          </a:p>
+        </p:txBody>
+      </p:sp>
+      <p:pic>
+        <p:nvPicPr>
+          <p:cNvPr id="9" name="Inhaltsplatzhalter 8">
+            <a:extLst>
+              <a:ext uri="{FF2B5EF4-FFF2-40B4-BE49-F238E27FC236}">
+                <a16:creationId xmlns:a16="http://schemas.microsoft.com/office/drawing/2014/main" id="{1C12F868-1325-2FAA-8038-BC9A3E042E60}"/>
+              </a:ext>
+            </a:extLst>
+          </p:cNvPr>
+          <p:cNvPicPr>
+            <a:picLocks noGrp="1" noChangeAspect="1"/>
+          </p:cNvPicPr>
+          <p:nvPr>
+            <p:ph idx="1"/>
+          </p:nvPr>
+        </p:nvPicPr>
+        <p:blipFill>
+          <a:blip r:embed="rId3"/>
+          <a:stretch>
+            <a:fillRect/>
+          </a:stretch>
+        </p:blipFill>
+        <p:spPr>
+          <a:xfrm>
+            <a:off x="5054580" y="618067"/>
+            <a:ext cx="6185809" cy="5598157"/>
+          </a:xfrm>
+          <a:prstGeom prst="rect">
+            <a:avLst/>
+          </a:prstGeom>
+        </p:spPr>
+      </p:pic>
+    </p:spTree>
+    <p:extLst>
+      <p:ext uri="{BB962C8B-B14F-4D97-AF65-F5344CB8AC3E}">
+        <p14:creationId xmlns:p14="http://schemas.microsoft.com/office/powerpoint/2010/main" val="3841831720"/>
+      </p:ext>
+    </p:extLst>
+  </p:cSld>
+  <p:clrMapOvr>
+    <a:masterClrMapping/>
+  </p:clrMapOvr>
+</p:sld>
+</file>
+
+<file path=ppt/slides/slide26.xml><?xml version="1.0" encoding="utf-8"?>
+<p:sld xmlns:a="http://schemas.openxmlformats.org/drawingml/2006/main" xmlns:r="http://schemas.openxmlformats.org/officeDocument/2006/relationships" xmlns:p="http://schemas.openxmlformats.org/presentationml/2006/main">
+  <p:cSld>
+    <p:bg>
+      <p:bgPr>
+        <a:solidFill>
+          <a:schemeClr val="bg1"/>
+        </a:solidFill>
+        <a:effectLst/>
+      </p:bgPr>
+    </p:bg>
+    <p:spTree>
+      <p:nvGrpSpPr>
+        <p:cNvPr id="1" name=""/>
+        <p:cNvGrpSpPr/>
+        <p:nvPr/>
+      </p:nvGrpSpPr>
+      <p:grpSpPr>
+        <a:xfrm>
+          <a:off x="0" y="0"/>
+          <a:ext cx="0" cy="0"/>
+          <a:chOff x="0" y="0"/>
+          <a:chExt cx="0" cy="0"/>
+        </a:xfrm>
+      </p:grpSpPr>
+      <p:graphicFrame>
+        <p:nvGraphicFramePr>
+          <p:cNvPr id="14" name="Inhaltsplatzhalter 13"/>
+          <p:cNvGraphicFramePr>
+            <a:graphicFrameLocks noGrp="1"/>
+          </p:cNvGraphicFramePr>
+          <p:nvPr>
+            <p:ph idx="1"/>
+            <p:extLst>
+              <p:ext uri="{D42A27DB-BD31-4B8C-83A1-F6EECF244321}">
+                <p14:modId xmlns:p14="http://schemas.microsoft.com/office/powerpoint/2010/main" val="3310706488"/>
+              </p:ext>
+            </p:extLst>
+          </p:nvPr>
+        </p:nvGraphicFramePr>
+        <p:xfrm>
+          <a:off x="581025" y="1071797"/>
+          <a:ext cx="11029950" cy="5084049"/>
+        </p:xfrm>
+        <a:graphic>
+          <a:graphicData uri="http://schemas.openxmlformats.org/drawingml/2006/chart">
+            <c:chart xmlns:c="http://schemas.openxmlformats.org/drawingml/2006/chart" xmlns:r="http://schemas.openxmlformats.org/officeDocument/2006/relationships" r:id="rId3"/>
+          </a:graphicData>
+        </a:graphic>
+      </p:graphicFrame>
+    </p:spTree>
+    <p:extLst>
+      <p:ext uri="{BB962C8B-B14F-4D97-AF65-F5344CB8AC3E}">
+        <p14:creationId xmlns:p14="http://schemas.microsoft.com/office/powerpoint/2010/main" val="3164598457"/>
       </p:ext>
     </p:extLst>
   </p:cSld>

--- a/HDM Data Science v0226 _copySven.pptx
+++ b/HDM Data Science v0226 _copySven.pptx
@@ -5,7 +5,7 @@
     <p:sldMasterId id="2147483738" r:id="rId1"/>
   </p:sldMasterIdLst>
   <p:notesMasterIdLst>
-    <p:notesMasterId r:id="rId28"/>
+    <p:notesMasterId r:id="rId27"/>
   </p:notesMasterIdLst>
   <p:sldIdLst>
     <p:sldId id="256" r:id="rId2"/>
@@ -29,11 +29,10 @@
     <p:sldId id="279" r:id="rId20"/>
     <p:sldId id="277" r:id="rId21"/>
     <p:sldId id="275" r:id="rId22"/>
-    <p:sldId id="280" r:id="rId23"/>
-    <p:sldId id="276" r:id="rId24"/>
-    <p:sldId id="272" r:id="rId25"/>
-    <p:sldId id="283" r:id="rId26"/>
-    <p:sldId id="284" r:id="rId27"/>
+    <p:sldId id="276" r:id="rId23"/>
+    <p:sldId id="272" r:id="rId24"/>
+    <p:sldId id="285" r:id="rId25"/>
+    <p:sldId id="284" r:id="rId26"/>
   </p:sldIdLst>
   <p:sldSz cx="12192000" cy="6858000"/>
   <p:notesSz cx="6858000" cy="9144000"/>
@@ -1029,6 +1028,7 @@
         <c:axId val="819983832"/>
         <c:scaling>
           <c:orientation val="minMax"/>
+          <c:max val="1"/>
         </c:scaling>
         <c:delete val="0"/>
         <c:axPos val="l"/>
@@ -2036,6 +2036,7 @@
         <c:axId val="819983832"/>
         <c:scaling>
           <c:orientation val="minMax"/>
+          <c:max val="1"/>
         </c:scaling>
         <c:delete val="0"/>
         <c:axPos val="l"/>
@@ -2239,7 +2240,7 @@
               <c:strCache>
                 <c:ptCount val="1"/>
                 <c:pt idx="0">
-                  <c:v>KNN</c:v>
+                  <c:v>Stacking XG RndForest</c:v>
                 </c:pt>
               </c:strCache>
             </c:strRef>
@@ -2336,13 +2337,13 @@
                 <c:formatCode>0.00%</c:formatCode>
                 <c:ptCount val="3"/>
                 <c:pt idx="0">
-                  <c:v>0.7389</c:v>
+                  <c:v>0.73089999999999999</c:v>
                 </c:pt>
                 <c:pt idx="1">
-                  <c:v>0.80520000000000003</c:v>
+                  <c:v>0.94510000000000005</c:v>
                 </c:pt>
                 <c:pt idx="2">
-                  <c:v>0.62160000000000004</c:v>
+                  <c:v>0.49080000000000001</c:v>
                 </c:pt>
               </c:numCache>
             </c:numRef>
@@ -2362,7 +2363,7 @@
               <c:strCache>
                 <c:ptCount val="1"/>
                 <c:pt idx="0">
-                  <c:v>Log. Regression</c:v>
+                  <c:v>Stracking All</c:v>
                 </c:pt>
               </c:strCache>
             </c:strRef>
@@ -2456,16 +2457,16 @@
             <c:numRef>
               <c:f>Tabelle1!$C$2:$C$4</c:f>
               <c:numCache>
-                <c:formatCode>0.00%</c:formatCode>
+                <c:formatCode>0%</c:formatCode>
                 <c:ptCount val="3"/>
-                <c:pt idx="0">
-                  <c:v>0.58250000000000002</c:v>
+                <c:pt idx="0" formatCode="0.00%">
+                  <c:v>0.68269999999999997</c:v>
                 </c:pt>
                 <c:pt idx="1">
-                  <c:v>0.57779999999999998</c:v>
+                  <c:v>0.74590000000000001</c:v>
                 </c:pt>
                 <c:pt idx="2">
-                  <c:v>0.57389999999999997</c:v>
+                  <c:v>0.55530000000000002</c:v>
                 </c:pt>
               </c:numCache>
             </c:numRef>
@@ -2485,7 +2486,7 @@
               <c:strCache>
                 <c:ptCount val="1"/>
                 <c:pt idx="0">
-                  <c:v>Random Forest</c:v>
+                  <c:v>XGBoost</c:v>
                 </c:pt>
               </c:strCache>
             </c:strRef>
@@ -2582,13 +2583,13 @@
                 <c:formatCode>0.00%</c:formatCode>
                 <c:ptCount val="3"/>
                 <c:pt idx="0">
-                  <c:v>0.8276</c:v>
+                  <c:v>0.68220000000000003</c:v>
                 </c:pt>
                 <c:pt idx="1">
-                  <c:v>0.83840000000000003</c:v>
+                  <c:v>0.67810000000000004</c:v>
                 </c:pt>
                 <c:pt idx="2">
-                  <c:v>0.80620000000000003</c:v>
+                  <c:v>0.69489999999999996</c:v>
                 </c:pt>
               </c:numCache>
             </c:numRef>
@@ -2608,7 +2609,7 @@
               <c:strCache>
                 <c:ptCount val="1"/>
                 <c:pt idx="0">
-                  <c:v>SVM</c:v>
+                  <c:v>Random Forest</c:v>
                 </c:pt>
               </c:strCache>
             </c:strRef>
@@ -2707,13 +2708,13 @@
                 <c:formatCode>0.00%</c:formatCode>
                 <c:ptCount val="3"/>
                 <c:pt idx="0">
-                  <c:v>0.62909999999999999</c:v>
+                  <c:v>0.68179999999999996</c:v>
                 </c:pt>
                 <c:pt idx="1">
-                  <c:v>0.57410000000000005</c:v>
+                  <c:v>0.67359999999999998</c:v>
                 </c:pt>
                 <c:pt idx="2">
-                  <c:v>0.9647</c:v>
+                  <c:v>0.70640000000000003</c:v>
                 </c:pt>
               </c:numCache>
             </c:numRef>
@@ -2733,7 +2734,7 @@
               <c:strCache>
                 <c:ptCount val="1"/>
                 <c:pt idx="0">
-                  <c:v>XGBoost</c:v>
+                  <c:v>Voting All</c:v>
                 </c:pt>
               </c:strCache>
             </c:strRef>
@@ -2832,13 +2833,13 @@
                 <c:formatCode>0.00%</c:formatCode>
                 <c:ptCount val="3"/>
                 <c:pt idx="0">
-                  <c:v>0.76900000000000002</c:v>
+                  <c:v>0.64119999999999999</c:v>
                 </c:pt>
                 <c:pt idx="1">
-                  <c:v>0.77480000000000004</c:v>
+                  <c:v>0.75390000000000001</c:v>
                 </c:pt>
                 <c:pt idx="2">
-                  <c:v>0.75019999999999998</c:v>
+                  <c:v>0.42059999999999997</c:v>
                 </c:pt>
               </c:numCache>
             </c:numRef>
@@ -2846,6 +2847,383 @@
           <c:extLst>
             <c:ext xmlns:c16="http://schemas.microsoft.com/office/drawing/2014/chart" uri="{C3380CC4-5D6E-409C-BE32-E72D297353CC}">
               <c16:uniqueId val="{00000004-CB1C-4803-8449-D9D4C366A9FF}"/>
+            </c:ext>
+          </c:extLst>
+        </c:ser>
+        <c:ser>
+          <c:idx val="5"/>
+          <c:order val="5"/>
+          <c:tx>
+            <c:strRef>
+              <c:f>Tabelle1!$G$1</c:f>
+              <c:strCache>
+                <c:ptCount val="1"/>
+                <c:pt idx="0">
+                  <c:v>KNN</c:v>
+                </c:pt>
+              </c:strCache>
+            </c:strRef>
+          </c:tx>
+          <c:spPr>
+            <a:solidFill>
+              <a:schemeClr val="accent5">
+                <a:lumMod val="60000"/>
+              </a:schemeClr>
+            </a:solidFill>
+            <a:ln>
+              <a:noFill/>
+            </a:ln>
+            <a:effectLst/>
+          </c:spPr>
+          <c:invertIfNegative val="0"/>
+          <c:dLbls>
+            <c:spPr>
+              <a:noFill/>
+              <a:ln>
+                <a:noFill/>
+              </a:ln>
+              <a:effectLst/>
+            </c:spPr>
+            <c:txPr>
+              <a:bodyPr rot="0" spcFirstLastPara="1" vertOverflow="ellipsis" vert="horz" wrap="square" lIns="38100" tIns="19050" rIns="38100" bIns="19050" anchor="ctr" anchorCtr="1">
+                <a:spAutoFit/>
+              </a:bodyPr>
+              <a:lstStyle/>
+              <a:p>
+                <a:pPr>
+                  <a:defRPr sz="1197" b="0" i="0" u="none" strike="noStrike" kern="1200" baseline="0">
+                    <a:solidFill>
+                      <a:schemeClr val="tx1">
+                        <a:lumMod val="75000"/>
+                        <a:lumOff val="25000"/>
+                      </a:schemeClr>
+                    </a:solidFill>
+                    <a:latin typeface="+mn-lt"/>
+                    <a:ea typeface="+mn-ea"/>
+                    <a:cs typeface="+mn-cs"/>
+                  </a:defRPr>
+                </a:pPr>
+                <a:endParaRPr lang="de-DE"/>
+              </a:p>
+            </c:txPr>
+            <c:dLblPos val="outEnd"/>
+            <c:showLegendKey val="0"/>
+            <c:showVal val="1"/>
+            <c:showCatName val="0"/>
+            <c:showSerName val="0"/>
+            <c:showPercent val="0"/>
+            <c:showBubbleSize val="0"/>
+            <c:showLeaderLines val="0"/>
+            <c:extLst>
+              <c:ext xmlns:c15="http://schemas.microsoft.com/office/drawing/2012/chart" uri="{CE6537A1-D6FC-4f65-9D91-7224C49458BB}">
+                <c15:showLeaderLines val="1"/>
+                <c15:leaderLines>
+                  <c:spPr>
+                    <a:ln w="9525" cap="flat" cmpd="sng" algn="ctr">
+                      <a:solidFill>
+                        <a:schemeClr val="tx1">
+                          <a:lumMod val="35000"/>
+                          <a:lumOff val="65000"/>
+                        </a:schemeClr>
+                      </a:solidFill>
+                      <a:round/>
+                    </a:ln>
+                    <a:effectLst/>
+                  </c:spPr>
+                </c15:leaderLines>
+              </c:ext>
+            </c:extLst>
+          </c:dLbls>
+          <c:cat>
+            <c:strRef>
+              <c:f>Tabelle1!$A$2:$A$4</c:f>
+              <c:strCache>
+                <c:ptCount val="3"/>
+                <c:pt idx="0">
+                  <c:v>Accuracy</c:v>
+                </c:pt>
+                <c:pt idx="1">
+                  <c:v>Precision</c:v>
+                </c:pt>
+                <c:pt idx="2">
+                  <c:v>Recall</c:v>
+                </c:pt>
+              </c:strCache>
+            </c:strRef>
+          </c:cat>
+          <c:val>
+            <c:numRef>
+              <c:f>Tabelle1!$G$2:$G$4</c:f>
+              <c:numCache>
+                <c:formatCode>0.00%</c:formatCode>
+                <c:ptCount val="3"/>
+                <c:pt idx="0">
+                  <c:v>0.6079</c:v>
+                </c:pt>
+                <c:pt idx="1">
+                  <c:v>0.58720000000000006</c:v>
+                </c:pt>
+                <c:pt idx="2">
+                  <c:v>0.72899999999999998</c:v>
+                </c:pt>
+              </c:numCache>
+            </c:numRef>
+          </c:val>
+          <c:extLst>
+            <c:ext xmlns:c16="http://schemas.microsoft.com/office/drawing/2014/chart" uri="{C3380CC4-5D6E-409C-BE32-E72D297353CC}">
+              <c16:uniqueId val="{00000000-06AE-42F0-BE62-1B571509FCEA}"/>
+            </c:ext>
+          </c:extLst>
+        </c:ser>
+        <c:ser>
+          <c:idx val="6"/>
+          <c:order val="6"/>
+          <c:tx>
+            <c:strRef>
+              <c:f>Tabelle1!$H$1</c:f>
+              <c:strCache>
+                <c:ptCount val="1"/>
+                <c:pt idx="0">
+                  <c:v>Log. Regression</c:v>
+                </c:pt>
+              </c:strCache>
+            </c:strRef>
+          </c:tx>
+          <c:spPr>
+            <a:solidFill>
+              <a:schemeClr val="accent1">
+                <a:lumMod val="80000"/>
+                <a:lumOff val="20000"/>
+              </a:schemeClr>
+            </a:solidFill>
+            <a:ln>
+              <a:noFill/>
+            </a:ln>
+            <a:effectLst/>
+          </c:spPr>
+          <c:invertIfNegative val="0"/>
+          <c:dLbls>
+            <c:spPr>
+              <a:noFill/>
+              <a:ln>
+                <a:noFill/>
+              </a:ln>
+              <a:effectLst/>
+            </c:spPr>
+            <c:txPr>
+              <a:bodyPr rot="0" spcFirstLastPara="1" vertOverflow="ellipsis" vert="horz" wrap="square" lIns="38100" tIns="19050" rIns="38100" bIns="19050" anchor="ctr" anchorCtr="1">
+                <a:spAutoFit/>
+              </a:bodyPr>
+              <a:lstStyle/>
+              <a:p>
+                <a:pPr>
+                  <a:defRPr sz="1197" b="0" i="0" u="none" strike="noStrike" kern="1200" baseline="0">
+                    <a:solidFill>
+                      <a:schemeClr val="tx1">
+                        <a:lumMod val="75000"/>
+                        <a:lumOff val="25000"/>
+                      </a:schemeClr>
+                    </a:solidFill>
+                    <a:latin typeface="+mn-lt"/>
+                    <a:ea typeface="+mn-ea"/>
+                    <a:cs typeface="+mn-cs"/>
+                  </a:defRPr>
+                </a:pPr>
+                <a:endParaRPr lang="de-DE"/>
+              </a:p>
+            </c:txPr>
+            <c:dLblPos val="outEnd"/>
+            <c:showLegendKey val="0"/>
+            <c:showVal val="1"/>
+            <c:showCatName val="0"/>
+            <c:showSerName val="0"/>
+            <c:showPercent val="0"/>
+            <c:showBubbleSize val="0"/>
+            <c:showLeaderLines val="0"/>
+            <c:extLst>
+              <c:ext xmlns:c15="http://schemas.microsoft.com/office/drawing/2012/chart" uri="{CE6537A1-D6FC-4f65-9D91-7224C49458BB}">
+                <c15:showLeaderLines val="1"/>
+                <c15:leaderLines>
+                  <c:spPr>
+                    <a:ln w="9525" cap="flat" cmpd="sng" algn="ctr">
+                      <a:solidFill>
+                        <a:schemeClr val="tx1">
+                          <a:lumMod val="35000"/>
+                          <a:lumOff val="65000"/>
+                        </a:schemeClr>
+                      </a:solidFill>
+                      <a:round/>
+                    </a:ln>
+                    <a:effectLst/>
+                  </c:spPr>
+                </c15:leaderLines>
+              </c:ext>
+            </c:extLst>
+          </c:dLbls>
+          <c:cat>
+            <c:strRef>
+              <c:f>Tabelle1!$A$2:$A$4</c:f>
+              <c:strCache>
+                <c:ptCount val="3"/>
+                <c:pt idx="0">
+                  <c:v>Accuracy</c:v>
+                </c:pt>
+                <c:pt idx="1">
+                  <c:v>Precision</c:v>
+                </c:pt>
+                <c:pt idx="2">
+                  <c:v>Recall</c:v>
+                </c:pt>
+              </c:strCache>
+            </c:strRef>
+          </c:cat>
+          <c:val>
+            <c:numRef>
+              <c:f>Tabelle1!$H$2:$H$4</c:f>
+              <c:numCache>
+                <c:formatCode>0.00%</c:formatCode>
+                <c:ptCount val="3"/>
+                <c:pt idx="0">
+                  <c:v>0.60740000000000005</c:v>
+                </c:pt>
+                <c:pt idx="1">
+                  <c:v>0.5968</c:v>
+                </c:pt>
+                <c:pt idx="2">
+                  <c:v>0.68710000000000004</c:v>
+                </c:pt>
+              </c:numCache>
+            </c:numRef>
+          </c:val>
+          <c:extLst>
+            <c:ext xmlns:c16="http://schemas.microsoft.com/office/drawing/2014/chart" uri="{C3380CC4-5D6E-409C-BE32-E72D297353CC}">
+              <c16:uniqueId val="{00000000-6F8B-40BE-A1A0-98B4AA3C9139}"/>
+            </c:ext>
+          </c:extLst>
+        </c:ser>
+        <c:ser>
+          <c:idx val="7"/>
+          <c:order val="7"/>
+          <c:tx>
+            <c:strRef>
+              <c:f>Tabelle1!$I$1</c:f>
+              <c:strCache>
+                <c:ptCount val="1"/>
+                <c:pt idx="0">
+                  <c:v>Voting XG RndForest</c:v>
+                </c:pt>
+              </c:strCache>
+            </c:strRef>
+          </c:tx>
+          <c:spPr>
+            <a:solidFill>
+              <a:schemeClr val="accent3">
+                <a:lumMod val="80000"/>
+                <a:lumOff val="20000"/>
+              </a:schemeClr>
+            </a:solidFill>
+            <a:ln>
+              <a:noFill/>
+            </a:ln>
+            <a:effectLst/>
+          </c:spPr>
+          <c:invertIfNegative val="0"/>
+          <c:dLbls>
+            <c:spPr>
+              <a:noFill/>
+              <a:ln>
+                <a:noFill/>
+              </a:ln>
+              <a:effectLst/>
+            </c:spPr>
+            <c:txPr>
+              <a:bodyPr rot="0" spcFirstLastPara="1" vertOverflow="ellipsis" vert="horz" wrap="square" lIns="38100" tIns="19050" rIns="38100" bIns="19050" anchor="ctr" anchorCtr="1">
+                <a:spAutoFit/>
+              </a:bodyPr>
+              <a:lstStyle/>
+              <a:p>
+                <a:pPr>
+                  <a:defRPr sz="1197" b="0" i="0" u="none" strike="noStrike" kern="1200" baseline="0">
+                    <a:solidFill>
+                      <a:schemeClr val="tx1">
+                        <a:lumMod val="75000"/>
+                        <a:lumOff val="25000"/>
+                      </a:schemeClr>
+                    </a:solidFill>
+                    <a:latin typeface="+mn-lt"/>
+                    <a:ea typeface="+mn-ea"/>
+                    <a:cs typeface="+mn-cs"/>
+                  </a:defRPr>
+                </a:pPr>
+                <a:endParaRPr lang="de-DE"/>
+              </a:p>
+            </c:txPr>
+            <c:dLblPos val="outEnd"/>
+            <c:showLegendKey val="0"/>
+            <c:showVal val="1"/>
+            <c:showCatName val="0"/>
+            <c:showSerName val="0"/>
+            <c:showPercent val="0"/>
+            <c:showBubbleSize val="0"/>
+            <c:showLeaderLines val="0"/>
+            <c:extLst>
+              <c:ext xmlns:c15="http://schemas.microsoft.com/office/drawing/2012/chart" uri="{CE6537A1-D6FC-4f65-9D91-7224C49458BB}">
+                <c15:showLeaderLines val="1"/>
+                <c15:leaderLines>
+                  <c:spPr>
+                    <a:ln w="9525" cap="flat" cmpd="sng" algn="ctr">
+                      <a:solidFill>
+                        <a:schemeClr val="tx1">
+                          <a:lumMod val="35000"/>
+                          <a:lumOff val="65000"/>
+                        </a:schemeClr>
+                      </a:solidFill>
+                      <a:round/>
+                    </a:ln>
+                    <a:effectLst/>
+                  </c:spPr>
+                </c15:leaderLines>
+              </c:ext>
+            </c:extLst>
+          </c:dLbls>
+          <c:cat>
+            <c:strRef>
+              <c:f>Tabelle1!$A$2:$A$4</c:f>
+              <c:strCache>
+                <c:ptCount val="3"/>
+                <c:pt idx="0">
+                  <c:v>Accuracy</c:v>
+                </c:pt>
+                <c:pt idx="1">
+                  <c:v>Precision</c:v>
+                </c:pt>
+                <c:pt idx="2">
+                  <c:v>Recall</c:v>
+                </c:pt>
+              </c:strCache>
+            </c:strRef>
+          </c:cat>
+          <c:val>
+            <c:numRef>
+              <c:f>Tabelle1!$I$2:$I$4</c:f>
+              <c:numCache>
+                <c:formatCode>0.00%</c:formatCode>
+                <c:ptCount val="3"/>
+                <c:pt idx="0">
+                  <c:v>0.5</c:v>
+                </c:pt>
+                <c:pt idx="1">
+                  <c:v>1</c:v>
+                </c:pt>
+                <c:pt idx="2">
+                  <c:v>0</c:v>
+                </c:pt>
+              </c:numCache>
+            </c:numRef>
+          </c:val>
+          <c:extLst>
+            <c:ext xmlns:c16="http://schemas.microsoft.com/office/drawing/2014/chart" uri="{C3380CC4-5D6E-409C-BE32-E72D297353CC}">
+              <c16:uniqueId val="{00000001-6F8B-40BE-A1A0-98B4AA3C9139}"/>
             </c:ext>
           </c:extLst>
         </c:ser>
@@ -2918,6 +3296,7 @@
         <c:axId val="819983832"/>
         <c:scaling>
           <c:orientation val="minMax"/>
+          <c:max val="1"/>
         </c:scaling>
         <c:delete val="0"/>
         <c:axPos val="l"/>
@@ -3070,15 +3449,23 @@
               </a:defRPr>
             </a:pPr>
             <a:r>
-              <a:rPr lang="de-DE"/>
-              <a:t>Model </a:t>
-            </a:r>
-            <a:r>
-              <a:rPr lang="de-DE" err="1"/>
+              <a:rPr lang="de-DE" dirty="0"/>
+              <a:t>Model  </a:t>
+            </a:r>
+            <a:r>
+              <a:rPr lang="de-DE" dirty="0" err="1"/>
+              <a:t>weights</a:t>
+            </a:r>
+            <a:r>
+              <a:rPr lang="de-DE" baseline="0" dirty="0"/>
+              <a:t> </a:t>
+            </a:r>
+            <a:r>
+              <a:rPr lang="de-DE" baseline="0" dirty="0" err="1"/>
               <a:t>comparison</a:t>
             </a:r>
             <a:r>
-              <a:rPr lang="de-DE"/>
+              <a:rPr lang="de-DE" dirty="0"/>
               <a:t> </a:t>
             </a:r>
           </a:p>
@@ -4703,7 +5090,6 @@
           </c:extLst>
         </c:ser>
         <c:dLbls>
-          <c:dLblPos val="outEnd"/>
           <c:showLegendKey val="0"/>
           <c:showVal val="0"/>
           <c:showCatName val="0"/>
@@ -7637,7 +8023,7 @@
           <a:p>
             <a:fld id="{8CE265D3-6F69-46A3-BC22-BD3030E0EBE5}" type="slidenum">
               <a:rPr lang="de-DE" smtClean="0"/>
-              <a:t>22</a:t>
+              <a:t>23</a:t>
             </a:fld>
             <a:endParaRPr lang="de-DE"/>
           </a:p>
@@ -7646,7 +8032,7 @@
     </p:spTree>
     <p:extLst>
       <p:ext uri="{BB962C8B-B14F-4D97-AF65-F5344CB8AC3E}">
-        <p14:creationId xmlns:p14="http://schemas.microsoft.com/office/powerpoint/2010/main" val="2384088561"/>
+        <p14:creationId xmlns:p14="http://schemas.microsoft.com/office/powerpoint/2010/main" val="3913961450"/>
       </p:ext>
     </p:extLst>
   </p:cSld>
@@ -7730,7 +8116,7 @@
     </p:spTree>
     <p:extLst>
       <p:ext uri="{BB962C8B-B14F-4D97-AF65-F5344CB8AC3E}">
-        <p14:creationId xmlns:p14="http://schemas.microsoft.com/office/powerpoint/2010/main" val="3913961450"/>
+        <p14:creationId xmlns:p14="http://schemas.microsoft.com/office/powerpoint/2010/main" val="3488712602"/>
       </p:ext>
     </p:extLst>
   </p:cSld>
@@ -7806,90 +8192,6 @@
             <a:fld id="{8CE265D3-6F69-46A3-BC22-BD3030E0EBE5}" type="slidenum">
               <a:rPr lang="de-DE" smtClean="0"/>
               <a:t>25</a:t>
-            </a:fld>
-            <a:endParaRPr lang="de-DE"/>
-          </a:p>
-        </p:txBody>
-      </p:sp>
-    </p:spTree>
-    <p:extLst>
-      <p:ext uri="{BB962C8B-B14F-4D97-AF65-F5344CB8AC3E}">
-        <p14:creationId xmlns:p14="http://schemas.microsoft.com/office/powerpoint/2010/main" val="4097581328"/>
-      </p:ext>
-    </p:extLst>
-  </p:cSld>
-  <p:clrMapOvr>
-    <a:masterClrMapping/>
-  </p:clrMapOvr>
-</p:notes>
-</file>
-
-<file path=ppt/notesSlides/notesSlide14.xml><?xml version="1.0" encoding="utf-8"?>
-<p:notes xmlns:a="http://schemas.openxmlformats.org/drawingml/2006/main" xmlns:r="http://schemas.openxmlformats.org/officeDocument/2006/relationships" xmlns:p="http://schemas.openxmlformats.org/presentationml/2006/main">
-  <p:cSld>
-    <p:spTree>
-      <p:nvGrpSpPr>
-        <p:cNvPr id="1" name=""/>
-        <p:cNvGrpSpPr/>
-        <p:nvPr/>
-      </p:nvGrpSpPr>
-      <p:grpSpPr>
-        <a:xfrm>
-          <a:off x="0" y="0"/>
-          <a:ext cx="0" cy="0"/>
-          <a:chOff x="0" y="0"/>
-          <a:chExt cx="0" cy="0"/>
-        </a:xfrm>
-      </p:grpSpPr>
-      <p:sp>
-        <p:nvSpPr>
-          <p:cNvPr id="2" name="Folienbildplatzhalter 1"/>
-          <p:cNvSpPr>
-            <a:spLocks noGrp="1" noRot="1" noChangeAspect="1"/>
-          </p:cNvSpPr>
-          <p:nvPr>
-            <p:ph type="sldImg"/>
-          </p:nvPr>
-        </p:nvSpPr>
-        <p:spPr/>
-      </p:sp>
-      <p:sp>
-        <p:nvSpPr>
-          <p:cNvPr id="3" name="Notizenplatzhalter 2"/>
-          <p:cNvSpPr>
-            <a:spLocks noGrp="1"/>
-          </p:cNvSpPr>
-          <p:nvPr>
-            <p:ph type="body" idx="1"/>
-          </p:nvPr>
-        </p:nvSpPr>
-        <p:spPr/>
-        <p:txBody>
-          <a:bodyPr/>
-          <a:lstStyle/>
-          <a:p>
-            <a:endParaRPr lang="de-DE" dirty="0"/>
-          </a:p>
-        </p:txBody>
-      </p:sp>
-      <p:sp>
-        <p:nvSpPr>
-          <p:cNvPr id="4" name="Foliennummernplatzhalter 3"/>
-          <p:cNvSpPr>
-            <a:spLocks noGrp="1"/>
-          </p:cNvSpPr>
-          <p:nvPr>
-            <p:ph type="sldNum" sz="quarter" idx="5"/>
-          </p:nvPr>
-        </p:nvSpPr>
-        <p:spPr/>
-        <p:txBody>
-          <a:bodyPr/>
-          <a:lstStyle/>
-          <a:p>
-            <a:fld id="{8CE265D3-6F69-46A3-BC22-BD3030E0EBE5}" type="slidenum">
-              <a:rPr lang="de-DE" smtClean="0"/>
-              <a:t>26</a:t>
             </a:fld>
             <a:endParaRPr lang="de-DE"/>
           </a:p>
@@ -17868,393 +18170,6 @@
           <a:chExt cx="0" cy="0"/>
         </a:xfrm>
       </p:grpSpPr>
-      <p:sp useBgFill="1">
-        <p:nvSpPr>
-          <p:cNvPr id="19" name="Rectangle 18">
-            <a:extLst>
-              <a:ext uri="{FF2B5EF4-FFF2-40B4-BE49-F238E27FC236}">
-                <a16:creationId xmlns:a16="http://schemas.microsoft.com/office/drawing/2014/main" id="{FBE7ADA7-D199-447B-83C7-7FB0F7BFE027}"/>
-              </a:ext>
-              <a:ext uri="{C183D7F6-B498-43B3-948B-1728B52AA6E4}">
-                <adec:decorative xmlns:adec="http://schemas.microsoft.com/office/drawing/2017/decorative" val="1"/>
-              </a:ext>
-            </a:extLst>
-          </p:cNvPr>
-          <p:cNvSpPr>
-            <a:spLocks noGrp="1" noRot="1" noChangeAspect="1" noMove="1" noResize="1" noEditPoints="1" noAdjustHandles="1" noChangeArrowheads="1" noChangeShapeType="1" noTextEdit="1"/>
-          </p:cNvSpPr>
-          <p:nvPr>
-            <p:extLst>
-              <p:ext uri="{386F3935-93C4-4BCD-93E2-E3B085C9AB24}">
-                <p16:designElem xmlns:p16="http://schemas.microsoft.com/office/powerpoint/2015/main" val="1"/>
-              </p:ext>
-            </p:extLst>
-          </p:nvPr>
-        </p:nvSpPr>
-        <p:spPr>
-          <a:xfrm>
-            <a:off x="0" y="0"/>
-            <a:ext cx="12192000" cy="6858000"/>
-          </a:xfrm>
-          <a:prstGeom prst="rect">
-            <a:avLst/>
-          </a:prstGeom>
-          <a:ln>
-            <a:noFill/>
-          </a:ln>
-        </p:spPr>
-        <p:style>
-          <a:lnRef idx="2">
-            <a:schemeClr val="accent1">
-              <a:shade val="50000"/>
-            </a:schemeClr>
-          </a:lnRef>
-          <a:fillRef idx="1">
-            <a:schemeClr val="accent1"/>
-          </a:fillRef>
-          <a:effectRef idx="0">
-            <a:schemeClr val="accent1"/>
-          </a:effectRef>
-          <a:fontRef idx="minor">
-            <a:schemeClr val="lt1"/>
-          </a:fontRef>
-        </p:style>
-        <p:txBody>
-          <a:bodyPr rtlCol="0" anchor="ctr"/>
-          <a:lstStyle/>
-          <a:p>
-            <a:pPr algn="ctr"/>
-            <a:endParaRPr lang="en-US"/>
-          </a:p>
-        </p:txBody>
-      </p:sp>
-      <p:sp>
-        <p:nvSpPr>
-          <p:cNvPr id="21" name="Rectangle 20">
-            <a:extLst>
-              <a:ext uri="{FF2B5EF4-FFF2-40B4-BE49-F238E27FC236}">
-                <a16:creationId xmlns:a16="http://schemas.microsoft.com/office/drawing/2014/main" id="{CF7BDE25-3D6C-4A65-AE1F-17B3C31DC9DF}"/>
-              </a:ext>
-              <a:ext uri="{C183D7F6-B498-43B3-948B-1728B52AA6E4}">
-                <adec:decorative xmlns:adec="http://schemas.microsoft.com/office/drawing/2017/decorative" val="1"/>
-              </a:ext>
-            </a:extLst>
-          </p:cNvPr>
-          <p:cNvSpPr>
-            <a:spLocks noGrp="1" noRot="1" noChangeAspect="1" noMove="1" noResize="1" noEditPoints="1" noAdjustHandles="1" noChangeArrowheads="1" noChangeShapeType="1" noTextEdit="1"/>
-          </p:cNvSpPr>
-          <p:nvPr>
-            <p:extLst>
-              <p:ext uri="{386F3935-93C4-4BCD-93E2-E3B085C9AB24}">
-                <p16:designElem xmlns:p16="http://schemas.microsoft.com/office/powerpoint/2015/main" val="1"/>
-              </p:ext>
-            </p:extLst>
-          </p:nvPr>
-        </p:nvSpPr>
-        <p:spPr>
-          <a:xfrm>
-            <a:off x="446534" y="4561150"/>
-            <a:ext cx="3703320" cy="94997"/>
-          </a:xfrm>
-          <a:prstGeom prst="rect">
-            <a:avLst/>
-          </a:prstGeom>
-          <a:solidFill>
-            <a:srgbClr val="465359"/>
-          </a:solidFill>
-          <a:ln>
-            <a:noFill/>
-          </a:ln>
-          <a:effectLst/>
-        </p:spPr>
-        <p:style>
-          <a:lnRef idx="1">
-            <a:schemeClr val="accent1"/>
-          </a:lnRef>
-          <a:fillRef idx="3">
-            <a:schemeClr val="accent1"/>
-          </a:fillRef>
-          <a:effectRef idx="2">
-            <a:schemeClr val="accent1"/>
-          </a:effectRef>
-          <a:fontRef idx="minor">
-            <a:schemeClr val="lt1"/>
-          </a:fontRef>
-        </p:style>
-      </p:sp>
-      <p:sp>
-        <p:nvSpPr>
-          <p:cNvPr id="23" name="Rectangle 22">
-            <a:extLst>
-              <a:ext uri="{FF2B5EF4-FFF2-40B4-BE49-F238E27FC236}">
-                <a16:creationId xmlns:a16="http://schemas.microsoft.com/office/drawing/2014/main" id="{5CD6E934-390A-4282-9C06-550879EA88ED}"/>
-              </a:ext>
-              <a:ext uri="{C183D7F6-B498-43B3-948B-1728B52AA6E4}">
-                <adec:decorative xmlns:adec="http://schemas.microsoft.com/office/drawing/2017/decorative" val="1"/>
-              </a:ext>
-            </a:extLst>
-          </p:cNvPr>
-          <p:cNvSpPr>
-            <a:spLocks noGrp="1" noRot="1" noChangeAspect="1" noMove="1" noResize="1" noEditPoints="1" noAdjustHandles="1" noChangeArrowheads="1" noChangeShapeType="1" noTextEdit="1"/>
-          </p:cNvSpPr>
-          <p:nvPr>
-            <p:extLst>
-              <p:ext uri="{386F3935-93C4-4BCD-93E2-E3B085C9AB24}">
-                <p16:designElem xmlns:p16="http://schemas.microsoft.com/office/powerpoint/2015/main" val="1"/>
-              </p:ext>
-            </p:extLst>
-          </p:nvPr>
-        </p:nvSpPr>
-        <p:spPr>
-          <a:xfrm>
-            <a:off x="4241830" y="4561150"/>
-            <a:ext cx="3703320" cy="91440"/>
-          </a:xfrm>
-          <a:prstGeom prst="rect">
-            <a:avLst/>
-          </a:prstGeom>
-          <a:solidFill>
-            <a:schemeClr val="accent1"/>
-          </a:solidFill>
-          <a:ln>
-            <a:noFill/>
-          </a:ln>
-          <a:effectLst/>
-        </p:spPr>
-        <p:style>
-          <a:lnRef idx="1">
-            <a:schemeClr val="accent1"/>
-          </a:lnRef>
-          <a:fillRef idx="3">
-            <a:schemeClr val="accent1"/>
-          </a:fillRef>
-          <a:effectRef idx="2">
-            <a:schemeClr val="accent1"/>
-          </a:effectRef>
-          <a:fontRef idx="minor">
-            <a:schemeClr val="lt1"/>
-          </a:fontRef>
-        </p:style>
-      </p:sp>
-      <p:sp>
-        <p:nvSpPr>
-          <p:cNvPr id="25" name="Rectangle 24">
-            <a:extLst>
-              <a:ext uri="{FF2B5EF4-FFF2-40B4-BE49-F238E27FC236}">
-                <a16:creationId xmlns:a16="http://schemas.microsoft.com/office/drawing/2014/main" id="{5207C480-2ED1-4822-91D1-C253F6887113}"/>
-              </a:ext>
-              <a:ext uri="{C183D7F6-B498-43B3-948B-1728B52AA6E4}">
-                <adec:decorative xmlns:adec="http://schemas.microsoft.com/office/drawing/2017/decorative" val="1"/>
-              </a:ext>
-            </a:extLst>
-          </p:cNvPr>
-          <p:cNvSpPr>
-            <a:spLocks noGrp="1" noRot="1" noChangeAspect="1" noMove="1" noResize="1" noEditPoints="1" noAdjustHandles="1" noChangeArrowheads="1" noChangeShapeType="1" noTextEdit="1"/>
-          </p:cNvSpPr>
-          <p:nvPr>
-            <p:extLst>
-              <p:ext uri="{386F3935-93C4-4BCD-93E2-E3B085C9AB24}">
-                <p16:designElem xmlns:p16="http://schemas.microsoft.com/office/powerpoint/2015/main" val="1"/>
-              </p:ext>
-            </p:extLst>
-          </p:nvPr>
-        </p:nvSpPr>
-        <p:spPr>
-          <a:xfrm>
-            <a:off x="8042147" y="4557593"/>
-            <a:ext cx="3703320" cy="98554"/>
-          </a:xfrm>
-          <a:prstGeom prst="rect">
-            <a:avLst/>
-          </a:prstGeom>
-          <a:solidFill>
-            <a:srgbClr val="969FA7"/>
-          </a:solidFill>
-          <a:ln>
-            <a:noFill/>
-          </a:ln>
-          <a:effectLst/>
-        </p:spPr>
-        <p:style>
-          <a:lnRef idx="1">
-            <a:schemeClr val="accent1"/>
-          </a:lnRef>
-          <a:fillRef idx="3">
-            <a:schemeClr val="accent1"/>
-          </a:fillRef>
-          <a:effectRef idx="2">
-            <a:schemeClr val="accent1"/>
-          </a:effectRef>
-          <a:fontRef idx="minor">
-            <a:schemeClr val="lt1"/>
-          </a:fontRef>
-        </p:style>
-      </p:sp>
-      <p:sp>
-        <p:nvSpPr>
-          <p:cNvPr id="27" name="Rectangle 26">
-            <a:extLst>
-              <a:ext uri="{FF2B5EF4-FFF2-40B4-BE49-F238E27FC236}">
-                <a16:creationId xmlns:a16="http://schemas.microsoft.com/office/drawing/2014/main" id="{A62FAE06-6CFA-41A5-8807-43DD2423C568}"/>
-              </a:ext>
-              <a:ext uri="{C183D7F6-B498-43B3-948B-1728B52AA6E4}">
-                <adec:decorative xmlns:adec="http://schemas.microsoft.com/office/drawing/2017/decorative" val="1"/>
-              </a:ext>
-            </a:extLst>
-          </p:cNvPr>
-          <p:cNvSpPr>
-            <a:spLocks noGrp="1" noRot="1" noChangeAspect="1" noMove="1" noResize="1" noEditPoints="1" noAdjustHandles="1" noChangeArrowheads="1" noChangeShapeType="1" noTextEdit="1"/>
-          </p:cNvSpPr>
-          <p:nvPr>
-            <p:extLst>
-              <p:ext uri="{386F3935-93C4-4BCD-93E2-E3B085C9AB24}">
-                <p16:designElem xmlns:p16="http://schemas.microsoft.com/office/powerpoint/2015/main" val="1"/>
-              </p:ext>
-            </p:extLst>
-          </p:nvPr>
-        </p:nvSpPr>
-        <p:spPr>
-          <a:xfrm>
-            <a:off x="440286" y="4734570"/>
-            <a:ext cx="11309338" cy="1656683"/>
-          </a:xfrm>
-          <a:prstGeom prst="rect">
-            <a:avLst/>
-          </a:prstGeom>
-          <a:solidFill>
-            <a:srgbClr val="465359"/>
-          </a:solidFill>
-          <a:ln>
-            <a:noFill/>
-          </a:ln>
-          <a:effectLst/>
-        </p:spPr>
-        <p:style>
-          <a:lnRef idx="1">
-            <a:schemeClr val="accent1"/>
-          </a:lnRef>
-          <a:fillRef idx="3">
-            <a:schemeClr val="accent1"/>
-          </a:fillRef>
-          <a:effectRef idx="2">
-            <a:schemeClr val="accent1"/>
-          </a:effectRef>
-          <a:fontRef idx="minor">
-            <a:schemeClr val="lt1"/>
-          </a:fontRef>
-        </p:style>
-      </p:sp>
-      <p:sp>
-        <p:nvSpPr>
-          <p:cNvPr id="2" name="Titel 1"/>
-          <p:cNvSpPr>
-            <a:spLocks noGrp="1"/>
-          </p:cNvSpPr>
-          <p:nvPr>
-            <p:ph type="title"/>
-          </p:nvPr>
-        </p:nvSpPr>
-        <p:spPr>
-          <a:xfrm>
-            <a:off x="581192" y="4929704"/>
-            <a:ext cx="10925008" cy="1245166"/>
-          </a:xfrm>
-        </p:spPr>
-        <p:txBody>
-          <a:bodyPr anchor="ctr">
-            <a:normAutofit/>
-          </a:bodyPr>
-          <a:lstStyle/>
-          <a:p>
-            <a:r>
-              <a:rPr lang="en-GB" dirty="0">
-                <a:solidFill>
-                  <a:srgbClr val="FFFEFF"/>
-                </a:solidFill>
-              </a:rPr>
-              <a:t>Second Iteration</a:t>
-            </a:r>
-            <a:br>
-              <a:rPr lang="en-GB" dirty="0">
-                <a:solidFill>
-                  <a:srgbClr val="FFFEFF"/>
-                </a:solidFill>
-              </a:rPr>
-            </a:br>
-            <a:r>
-              <a:rPr lang="en-GB" dirty="0">
-                <a:solidFill>
-                  <a:srgbClr val="FFFEFF"/>
-                </a:solidFill>
-              </a:rPr>
-              <a:t>Random forest is the best performing model</a:t>
-            </a:r>
-          </a:p>
-        </p:txBody>
-      </p:sp>
-      <p:graphicFrame>
-        <p:nvGraphicFramePr>
-          <p:cNvPr id="14" name="Inhaltsplatzhalter 13"/>
-          <p:cNvGraphicFramePr>
-            <a:graphicFrameLocks noGrp="1"/>
-          </p:cNvGraphicFramePr>
-          <p:nvPr>
-            <p:ph idx="1"/>
-            <p:extLst>
-              <p:ext uri="{D42A27DB-BD31-4B8C-83A1-F6EECF244321}">
-                <p14:modId xmlns:p14="http://schemas.microsoft.com/office/powerpoint/2010/main" val="1929921343"/>
-              </p:ext>
-            </p:extLst>
-          </p:nvPr>
-        </p:nvGraphicFramePr>
-        <p:xfrm>
-          <a:off x="581025" y="728488"/>
-          <a:ext cx="11029950" cy="3560291"/>
-        </p:xfrm>
-        <a:graphic>
-          <a:graphicData uri="http://schemas.openxmlformats.org/drawingml/2006/chart">
-            <c:chart xmlns:c="http://schemas.openxmlformats.org/drawingml/2006/chart" xmlns:r="http://schemas.openxmlformats.org/officeDocument/2006/relationships" r:id="rId3"/>
-          </a:graphicData>
-        </a:graphic>
-      </p:graphicFrame>
-    </p:spTree>
-    <p:extLst>
-      <p:ext uri="{BB962C8B-B14F-4D97-AF65-F5344CB8AC3E}">
-        <p14:creationId xmlns:p14="http://schemas.microsoft.com/office/powerpoint/2010/main" val="525597324"/>
-      </p:ext>
-    </p:extLst>
-  </p:cSld>
-  <p:clrMapOvr>
-    <a:masterClrMapping/>
-  </p:clrMapOvr>
-</p:sld>
-</file>
-
-<file path=ppt/slides/slide23.xml><?xml version="1.0" encoding="utf-8"?>
-<p:sld xmlns:a="http://schemas.openxmlformats.org/drawingml/2006/main" xmlns:r="http://schemas.openxmlformats.org/officeDocument/2006/relationships" xmlns:p="http://schemas.openxmlformats.org/presentationml/2006/main">
-  <p:cSld>
-    <p:bg>
-      <p:bgPr>
-        <a:solidFill>
-          <a:schemeClr val="bg1"/>
-        </a:solidFill>
-        <a:effectLst/>
-      </p:bgPr>
-    </p:bg>
-    <p:spTree>
-      <p:nvGrpSpPr>
-        <p:cNvPr id="1" name=""/>
-        <p:cNvGrpSpPr/>
-        <p:nvPr/>
-      </p:nvGrpSpPr>
-      <p:grpSpPr>
-        <a:xfrm>
-          <a:off x="0" y="0"/>
-          <a:ext cx="0" cy="0"/>
-          <a:chOff x="0" y="0"/>
-          <a:chExt cx="0" cy="0"/>
-        </a:xfrm>
-      </p:grpSpPr>
       <p:sp>
         <p:nvSpPr>
           <p:cNvPr id="11" name="Rectangle 10">
@@ -18738,7 +18653,7 @@
 </p:sld>
 </file>
 
-<file path=ppt/slides/slide24.xml><?xml version="1.0" encoding="utf-8"?>
+<file path=ppt/slides/slide23.xml><?xml version="1.0" encoding="utf-8"?>
 <p:sld xmlns:a="http://schemas.openxmlformats.org/drawingml/2006/main" xmlns:r="http://schemas.openxmlformats.org/officeDocument/2006/relationships" xmlns:p="http://schemas.openxmlformats.org/presentationml/2006/main">
   <p:cSld>
     <p:bg>
@@ -19267,7 +19182,7 @@
         </p:blipFill>
         <p:spPr>
           <a:xfrm>
-            <a:off x="5054580" y="618067"/>
+            <a:off x="4849929" y="601201"/>
             <a:ext cx="6185809" cy="5598157"/>
           </a:xfrm>
           <a:prstGeom prst="rect">
@@ -19279,6 +19194,94 @@
     <p:extLst>
       <p:ext uri="{BB962C8B-B14F-4D97-AF65-F5344CB8AC3E}">
         <p14:creationId xmlns:p14="http://schemas.microsoft.com/office/powerpoint/2010/main" val="201829269"/>
+      </p:ext>
+    </p:extLst>
+  </p:cSld>
+  <p:clrMapOvr>
+    <a:masterClrMapping/>
+  </p:clrMapOvr>
+</p:sld>
+</file>
+
+<file path=ppt/slides/slide24.xml><?xml version="1.0" encoding="utf-8"?>
+<p:sld xmlns:a="http://schemas.openxmlformats.org/drawingml/2006/main" xmlns:r="http://schemas.openxmlformats.org/officeDocument/2006/relationships" xmlns:p="http://schemas.openxmlformats.org/presentationml/2006/main">
+  <p:cSld>
+    <p:spTree>
+      <p:nvGrpSpPr>
+        <p:cNvPr id="1" name=""/>
+        <p:cNvGrpSpPr/>
+        <p:nvPr/>
+      </p:nvGrpSpPr>
+      <p:grpSpPr>
+        <a:xfrm>
+          <a:off x="0" y="0"/>
+          <a:ext cx="0" cy="0"/>
+          <a:chOff x="0" y="0"/>
+          <a:chExt cx="0" cy="0"/>
+        </a:xfrm>
+      </p:grpSpPr>
+      <p:sp>
+        <p:nvSpPr>
+          <p:cNvPr id="2" name="Titel 1"/>
+          <p:cNvSpPr>
+            <a:spLocks noGrp="1"/>
+          </p:cNvSpPr>
+          <p:nvPr>
+            <p:ph type="title"/>
+          </p:nvPr>
+        </p:nvSpPr>
+        <p:spPr>
+          <a:xfrm>
+            <a:off x="581192" y="5264486"/>
+            <a:ext cx="10883444" cy="958513"/>
+          </a:xfrm>
+        </p:spPr>
+        <p:txBody>
+          <a:bodyPr anchor="ctr">
+            <a:normAutofit/>
+          </a:bodyPr>
+          <a:lstStyle/>
+          <a:p>
+            <a:r>
+              <a:rPr lang="en-GB" dirty="0">
+                <a:solidFill>
+                  <a:srgbClr val="FFFEFF"/>
+                </a:solidFill>
+              </a:rPr>
+              <a:t>First Iteration Balanced</a:t>
+            </a:r>
+          </a:p>
+        </p:txBody>
+      </p:sp>
+      <p:graphicFrame>
+        <p:nvGraphicFramePr>
+          <p:cNvPr id="14" name="Inhaltsplatzhalter 13"/>
+          <p:cNvGraphicFramePr>
+            <a:graphicFrameLocks noGrp="1"/>
+          </p:cNvGraphicFramePr>
+          <p:nvPr>
+            <p:ph idx="1"/>
+            <p:extLst>
+              <p:ext uri="{D42A27DB-BD31-4B8C-83A1-F6EECF244321}">
+                <p14:modId xmlns:p14="http://schemas.microsoft.com/office/powerpoint/2010/main" val="741152277"/>
+              </p:ext>
+            </p:extLst>
+          </p:nvPr>
+        </p:nvGraphicFramePr>
+        <p:xfrm>
+          <a:off x="642938" y="858445"/>
+          <a:ext cx="10906125" cy="3961205"/>
+        </p:xfrm>
+        <a:graphic>
+          <a:graphicData uri="http://schemas.openxmlformats.org/drawingml/2006/chart">
+            <c:chart xmlns:c="http://schemas.openxmlformats.org/drawingml/2006/chart" xmlns:r="http://schemas.openxmlformats.org/officeDocument/2006/relationships" r:id="rId3"/>
+          </a:graphicData>
+        </a:graphic>
+      </p:graphicFrame>
+    </p:spTree>
+    <p:extLst>
+      <p:ext uri="{BB962C8B-B14F-4D97-AF65-F5344CB8AC3E}">
+        <p14:creationId xmlns:p14="http://schemas.microsoft.com/office/powerpoint/2010/main" val="228595810"/>
       </p:ext>
     </p:extLst>
   </p:cSld>
@@ -19313,556 +19316,6 @@
           <a:chExt cx="0" cy="0"/>
         </a:xfrm>
       </p:grpSpPr>
-      <p:sp>
-        <p:nvSpPr>
-          <p:cNvPr id="27" name="Rectangle 26">
-            <a:extLst>
-              <a:ext uri="{FF2B5EF4-FFF2-40B4-BE49-F238E27FC236}">
-                <a16:creationId xmlns:a16="http://schemas.microsoft.com/office/drawing/2014/main" id="{DD651B61-325E-4E73-8445-38B0DE8AAAB6}"/>
-              </a:ext>
-              <a:ext uri="{C183D7F6-B498-43B3-948B-1728B52AA6E4}">
-                <adec:decorative xmlns:adec="http://schemas.microsoft.com/office/drawing/2017/decorative" val="1"/>
-              </a:ext>
-            </a:extLst>
-          </p:cNvPr>
-          <p:cNvSpPr>
-            <a:spLocks noGrp="1" noRot="1" noChangeAspect="1" noMove="1" noResize="1" noEditPoints="1" noAdjustHandles="1" noChangeArrowheads="1" noChangeShapeType="1" noTextEdit="1"/>
-          </p:cNvSpPr>
-          <p:nvPr>
-            <p:extLst>
-              <p:ext uri="{386F3935-93C4-4BCD-93E2-E3B085C9AB24}">
-                <p16:designElem xmlns:p16="http://schemas.microsoft.com/office/powerpoint/2015/main" val="1"/>
-              </p:ext>
-            </p:extLst>
-          </p:nvPr>
-        </p:nvSpPr>
-        <p:spPr>
-          <a:xfrm>
-            <a:off x="446534" y="457200"/>
-            <a:ext cx="3703320" cy="94997"/>
-          </a:xfrm>
-          <a:prstGeom prst="rect">
-            <a:avLst/>
-          </a:prstGeom>
-          <a:solidFill>
-            <a:srgbClr val="465359"/>
-          </a:solidFill>
-          <a:ln>
-            <a:noFill/>
-          </a:ln>
-          <a:effectLst/>
-        </p:spPr>
-        <p:style>
-          <a:lnRef idx="1">
-            <a:schemeClr val="accent1"/>
-          </a:lnRef>
-          <a:fillRef idx="3">
-            <a:schemeClr val="accent1"/>
-          </a:fillRef>
-          <a:effectRef idx="2">
-            <a:schemeClr val="accent1"/>
-          </a:effectRef>
-          <a:fontRef idx="minor">
-            <a:schemeClr val="lt1"/>
-          </a:fontRef>
-        </p:style>
-      </p:sp>
-      <p:sp>
-        <p:nvSpPr>
-          <p:cNvPr id="29" name="Rectangle 28">
-            <a:extLst>
-              <a:ext uri="{FF2B5EF4-FFF2-40B4-BE49-F238E27FC236}">
-                <a16:creationId xmlns:a16="http://schemas.microsoft.com/office/drawing/2014/main" id="{B42E5253-D3AC-4AC2-B766-8B34F13C2F5E}"/>
-              </a:ext>
-              <a:ext uri="{C183D7F6-B498-43B3-948B-1728B52AA6E4}">
-                <adec:decorative xmlns:adec="http://schemas.microsoft.com/office/drawing/2017/decorative" val="1"/>
-              </a:ext>
-            </a:extLst>
-          </p:cNvPr>
-          <p:cNvSpPr>
-            <a:spLocks noGrp="1" noRot="1" noChangeAspect="1" noMove="1" noResize="1" noEditPoints="1" noAdjustHandles="1" noChangeArrowheads="1" noChangeShapeType="1" noTextEdit="1"/>
-          </p:cNvSpPr>
-          <p:nvPr>
-            <p:extLst>
-              <p:ext uri="{386F3935-93C4-4BCD-93E2-E3B085C9AB24}">
-                <p16:designElem xmlns:p16="http://schemas.microsoft.com/office/powerpoint/2015/main" val="1"/>
-              </p:ext>
-            </p:extLst>
-          </p:nvPr>
-        </p:nvSpPr>
-        <p:spPr>
-          <a:xfrm>
-            <a:off x="8042147" y="453643"/>
-            <a:ext cx="3703320" cy="98554"/>
-          </a:xfrm>
-          <a:prstGeom prst="rect">
-            <a:avLst/>
-          </a:prstGeom>
-          <a:solidFill>
-            <a:srgbClr val="969FA7"/>
-          </a:solidFill>
-          <a:ln>
-            <a:noFill/>
-          </a:ln>
-          <a:effectLst/>
-        </p:spPr>
-        <p:style>
-          <a:lnRef idx="1">
-            <a:schemeClr val="accent1"/>
-          </a:lnRef>
-          <a:fillRef idx="3">
-            <a:schemeClr val="accent1"/>
-          </a:fillRef>
-          <a:effectRef idx="2">
-            <a:schemeClr val="accent1"/>
-          </a:effectRef>
-          <a:fontRef idx="minor">
-            <a:schemeClr val="lt1"/>
-          </a:fontRef>
-        </p:style>
-      </p:sp>
-      <p:sp>
-        <p:nvSpPr>
-          <p:cNvPr id="31" name="Rectangle 30">
-            <a:extLst>
-              <a:ext uri="{FF2B5EF4-FFF2-40B4-BE49-F238E27FC236}">
-                <a16:creationId xmlns:a16="http://schemas.microsoft.com/office/drawing/2014/main" id="{10AE8D57-436A-4073-9A75-15BB5949F8B4}"/>
-              </a:ext>
-              <a:ext uri="{C183D7F6-B498-43B3-948B-1728B52AA6E4}">
-                <adec:decorative xmlns:adec="http://schemas.microsoft.com/office/drawing/2017/decorative" val="1"/>
-              </a:ext>
-            </a:extLst>
-          </p:cNvPr>
-          <p:cNvSpPr>
-            <a:spLocks noGrp="1" noRot="1" noChangeAspect="1" noMove="1" noResize="1" noEditPoints="1" noAdjustHandles="1" noChangeArrowheads="1" noChangeShapeType="1" noTextEdit="1"/>
-          </p:cNvSpPr>
-          <p:nvPr>
-            <p:extLst>
-              <p:ext uri="{386F3935-93C4-4BCD-93E2-E3B085C9AB24}">
-                <p16:designElem xmlns:p16="http://schemas.microsoft.com/office/powerpoint/2015/main" val="1"/>
-              </p:ext>
-            </p:extLst>
-          </p:nvPr>
-        </p:nvSpPr>
-        <p:spPr>
-          <a:xfrm>
-            <a:off x="4241830" y="457200"/>
-            <a:ext cx="3703320" cy="91440"/>
-          </a:xfrm>
-          <a:prstGeom prst="rect">
-            <a:avLst/>
-          </a:prstGeom>
-          <a:solidFill>
-            <a:schemeClr val="accent1"/>
-          </a:solidFill>
-          <a:ln>
-            <a:noFill/>
-          </a:ln>
-          <a:effectLst/>
-        </p:spPr>
-        <p:style>
-          <a:lnRef idx="1">
-            <a:schemeClr val="accent1"/>
-          </a:lnRef>
-          <a:fillRef idx="3">
-            <a:schemeClr val="accent1"/>
-          </a:fillRef>
-          <a:effectRef idx="2">
-            <a:schemeClr val="accent1"/>
-          </a:effectRef>
-          <a:fontRef idx="minor">
-            <a:schemeClr val="lt1"/>
-          </a:fontRef>
-        </p:style>
-      </p:sp>
-      <p:sp>
-        <p:nvSpPr>
-          <p:cNvPr id="33" name="Rectangle 32">
-            <a:extLst>
-              <a:ext uri="{FF2B5EF4-FFF2-40B4-BE49-F238E27FC236}">
-                <a16:creationId xmlns:a16="http://schemas.microsoft.com/office/drawing/2014/main" id="{E2852671-8EB6-4EAF-8AF8-65CF3FD66456}"/>
-              </a:ext>
-              <a:ext uri="{C183D7F6-B498-43B3-948B-1728B52AA6E4}">
-                <adec:decorative xmlns:adec="http://schemas.microsoft.com/office/drawing/2017/decorative" val="1"/>
-              </a:ext>
-            </a:extLst>
-          </p:cNvPr>
-          <p:cNvSpPr>
-            <a:spLocks noGrp="1" noRot="1" noChangeAspect="1" noMove="1" noResize="1" noEditPoints="1" noAdjustHandles="1" noChangeArrowheads="1" noChangeShapeType="1" noTextEdit="1"/>
-          </p:cNvSpPr>
-          <p:nvPr>
-            <p:extLst>
-              <p:ext uri="{386F3935-93C4-4BCD-93E2-E3B085C9AB24}">
-                <p16:designElem xmlns:p16="http://schemas.microsoft.com/office/powerpoint/2015/main" val="1"/>
-              </p:ext>
-            </p:extLst>
-          </p:nvPr>
-        </p:nvSpPr>
-        <p:spPr>
-          <a:xfrm>
-            <a:off x="446534" y="3085764"/>
-            <a:ext cx="11298932" cy="3338149"/>
-          </a:xfrm>
-          <a:prstGeom prst="rect">
-            <a:avLst/>
-          </a:prstGeom>
-          <a:solidFill>
-            <a:srgbClr val="465359"/>
-          </a:solidFill>
-          <a:ln>
-            <a:noFill/>
-          </a:ln>
-          <a:effectLst/>
-        </p:spPr>
-        <p:style>
-          <a:lnRef idx="1">
-            <a:schemeClr val="accent1"/>
-          </a:lnRef>
-          <a:fillRef idx="3">
-            <a:schemeClr val="accent1"/>
-          </a:fillRef>
-          <a:effectRef idx="2">
-            <a:schemeClr val="accent1"/>
-          </a:effectRef>
-          <a:fontRef idx="minor">
-            <a:schemeClr val="lt1"/>
-          </a:fontRef>
-        </p:style>
-      </p:sp>
-      <p:sp useBgFill="1">
-        <p:nvSpPr>
-          <p:cNvPr id="35" name="Rectangle 34">
-            <a:extLst>
-              <a:ext uri="{FF2B5EF4-FFF2-40B4-BE49-F238E27FC236}">
-                <a16:creationId xmlns:a16="http://schemas.microsoft.com/office/drawing/2014/main" id="{26B4480E-B7FF-4481-890E-043A69AE6FE2}"/>
-              </a:ext>
-              <a:ext uri="{C183D7F6-B498-43B3-948B-1728B52AA6E4}">
-                <adec:decorative xmlns:adec="http://schemas.microsoft.com/office/drawing/2017/decorative" val="1"/>
-              </a:ext>
-            </a:extLst>
-          </p:cNvPr>
-          <p:cNvSpPr>
-            <a:spLocks noGrp="1" noRot="1" noChangeAspect="1" noMove="1" noResize="1" noEditPoints="1" noAdjustHandles="1" noChangeArrowheads="1" noChangeShapeType="1" noTextEdit="1"/>
-          </p:cNvSpPr>
-          <p:nvPr>
-            <p:extLst>
-              <p:ext uri="{386F3935-93C4-4BCD-93E2-E3B085C9AB24}">
-                <p16:designElem xmlns:p16="http://schemas.microsoft.com/office/powerpoint/2015/main" val="1"/>
-              </p:ext>
-            </p:extLst>
-          </p:nvPr>
-        </p:nvSpPr>
-        <p:spPr>
-          <a:xfrm>
-            <a:off x="0" y="0"/>
-            <a:ext cx="12192000" cy="6858000"/>
-          </a:xfrm>
-          <a:prstGeom prst="rect">
-            <a:avLst/>
-          </a:prstGeom>
-          <a:ln>
-            <a:noFill/>
-          </a:ln>
-        </p:spPr>
-        <p:style>
-          <a:lnRef idx="2">
-            <a:schemeClr val="accent1">
-              <a:shade val="50000"/>
-            </a:schemeClr>
-          </a:lnRef>
-          <a:fillRef idx="1">
-            <a:schemeClr val="accent1"/>
-          </a:fillRef>
-          <a:effectRef idx="0">
-            <a:schemeClr val="accent1"/>
-          </a:effectRef>
-          <a:fontRef idx="minor">
-            <a:schemeClr val="lt1"/>
-          </a:fontRef>
-        </p:style>
-        <p:txBody>
-          <a:bodyPr rtlCol="0" anchor="ctr"/>
-          <a:lstStyle/>
-          <a:p>
-            <a:pPr algn="ctr"/>
-            <a:endParaRPr lang="en-US"/>
-          </a:p>
-        </p:txBody>
-      </p:sp>
-      <p:grpSp>
-        <p:nvGrpSpPr>
-          <p:cNvPr id="37" name="Group 36">
-            <a:extLst>
-              <a:ext uri="{FF2B5EF4-FFF2-40B4-BE49-F238E27FC236}">
-                <a16:creationId xmlns:a16="http://schemas.microsoft.com/office/drawing/2014/main" id="{79394E1F-0B5F-497D-B2A6-8383A2A54834}"/>
-              </a:ext>
-              <a:ext uri="{C183D7F6-B498-43B3-948B-1728B52AA6E4}">
-                <adec:decorative xmlns:adec="http://schemas.microsoft.com/office/drawing/2017/decorative" val="1"/>
-              </a:ext>
-            </a:extLst>
-          </p:cNvPr>
-          <p:cNvGrpSpPr>
-            <a:grpSpLocks noGrp="1" noUngrp="1" noRot="1" noChangeAspect="1" noMove="1" noResize="1"/>
-          </p:cNvGrpSpPr>
-          <p:nvPr>
-            <p:extLst>
-              <p:ext uri="{386F3935-93C4-4BCD-93E2-E3B085C9AB24}">
-                <p16:designElem xmlns:p16="http://schemas.microsoft.com/office/powerpoint/2015/main" val="1"/>
-              </p:ext>
-            </p:extLst>
-          </p:nvPr>
-        </p:nvGrpSpPr>
-        <p:grpSpPr>
-          <a:xfrm>
-            <a:off x="438068" y="457200"/>
-            <a:ext cx="3703320" cy="5935133"/>
-            <a:chOff x="438068" y="457200"/>
-            <a:chExt cx="3703320" cy="5935133"/>
-          </a:xfrm>
-        </p:grpSpPr>
-        <p:sp>
-          <p:nvSpPr>
-            <p:cNvPr id="38" name="Rectangle 37">
-              <a:extLst>
-                <a:ext uri="{FF2B5EF4-FFF2-40B4-BE49-F238E27FC236}">
-                  <a16:creationId xmlns:a16="http://schemas.microsoft.com/office/drawing/2014/main" id="{1F1FF39A-AC3C-4066-9D4C-519AA22812EA}"/>
-                </a:ext>
-                <a:ext uri="{C183D7F6-B498-43B3-948B-1728B52AA6E4}">
-                  <adec:decorative xmlns:adec="http://schemas.microsoft.com/office/drawing/2017/decorative" val="1"/>
-                </a:ext>
-              </a:extLst>
-            </p:cNvPr>
-            <p:cNvSpPr/>
-            <p:nvPr>
-              <p:extLst>
-                <p:ext uri="{386F3935-93C4-4BCD-93E2-E3B085C9AB24}">
-                  <p16:designElem xmlns:p16="http://schemas.microsoft.com/office/powerpoint/2015/main" val="1"/>
-                </p:ext>
-              </p:extLst>
-            </p:nvPr>
-          </p:nvSpPr>
-          <p:spPr>
-            <a:xfrm>
-              <a:off x="438068" y="601201"/>
-              <a:ext cx="3702134" cy="5791132"/>
-            </a:xfrm>
-            <a:prstGeom prst="rect">
-              <a:avLst/>
-            </a:prstGeom>
-            <a:solidFill>
-              <a:srgbClr val="465359">
-                <a:alpha val="97000"/>
-              </a:srgbClr>
-            </a:solidFill>
-            <a:ln w="6350" cmpd="sng">
-              <a:noFill/>
-            </a:ln>
-            <a:effectLst/>
-          </p:spPr>
-          <p:style>
-            <a:lnRef idx="1">
-              <a:schemeClr val="accent1"/>
-            </a:lnRef>
-            <a:fillRef idx="3">
-              <a:schemeClr val="accent1"/>
-            </a:fillRef>
-            <a:effectRef idx="2">
-              <a:schemeClr val="accent1"/>
-            </a:effectRef>
-            <a:fontRef idx="minor">
-              <a:schemeClr val="lt1"/>
-            </a:fontRef>
-          </p:style>
-        </p:sp>
-        <p:sp>
-          <p:nvSpPr>
-            <p:cNvPr id="39" name="Rectangle 38">
-              <a:extLst>
-                <a:ext uri="{FF2B5EF4-FFF2-40B4-BE49-F238E27FC236}">
-                  <a16:creationId xmlns:a16="http://schemas.microsoft.com/office/drawing/2014/main" id="{64C13BAB-7C00-4D21-A857-E3D41C0A2A66}"/>
-                </a:ext>
-                <a:ext uri="{C183D7F6-B498-43B3-948B-1728B52AA6E4}">
-                  <adec:decorative xmlns:adec="http://schemas.microsoft.com/office/drawing/2017/decorative" val="1"/>
-                </a:ext>
-              </a:extLst>
-            </p:cNvPr>
-            <p:cNvSpPr/>
-            <p:nvPr>
-              <p:extLst>
-                <p:ext uri="{386F3935-93C4-4BCD-93E2-E3B085C9AB24}">
-                  <p16:designElem xmlns:p16="http://schemas.microsoft.com/office/powerpoint/2015/main" val="1"/>
-                </p:ext>
-              </p:extLst>
-            </p:nvPr>
-          </p:nvSpPr>
-          <p:spPr>
-            <a:xfrm>
-              <a:off x="438068" y="457200"/>
-              <a:ext cx="3703320" cy="94997"/>
-            </a:xfrm>
-            <a:prstGeom prst="rect">
-              <a:avLst/>
-            </a:prstGeom>
-            <a:solidFill>
-              <a:srgbClr val="465359"/>
-            </a:solidFill>
-            <a:ln>
-              <a:noFill/>
-            </a:ln>
-            <a:effectLst/>
-          </p:spPr>
-          <p:style>
-            <a:lnRef idx="1">
-              <a:schemeClr val="accent1"/>
-            </a:lnRef>
-            <a:fillRef idx="3">
-              <a:schemeClr val="accent1"/>
-            </a:fillRef>
-            <a:effectRef idx="2">
-              <a:schemeClr val="accent1"/>
-            </a:effectRef>
-            <a:fontRef idx="minor">
-              <a:schemeClr val="lt1"/>
-            </a:fontRef>
-          </p:style>
-        </p:sp>
-      </p:grpSp>
-      <p:sp>
-        <p:nvSpPr>
-          <p:cNvPr id="2" name="Titel 1">
-            <a:extLst>
-              <a:ext uri="{FF2B5EF4-FFF2-40B4-BE49-F238E27FC236}">
-                <a16:creationId xmlns:a16="http://schemas.microsoft.com/office/drawing/2014/main" id="{06158C18-B0AD-4A23-BB2F-A981A9ADFAF7}"/>
-              </a:ext>
-            </a:extLst>
-          </p:cNvPr>
-          <p:cNvSpPr>
-            <a:spLocks noGrp="1"/>
-          </p:cNvSpPr>
-          <p:nvPr>
-            <p:ph type="title"/>
-          </p:nvPr>
-        </p:nvSpPr>
-        <p:spPr>
-          <a:xfrm>
-            <a:off x="584200" y="1524001"/>
-            <a:ext cx="3412067" cy="3478384"/>
-          </a:xfrm>
-        </p:spPr>
-        <p:txBody>
-          <a:bodyPr vert="horz" lIns="91440" tIns="45720" rIns="91440" bIns="45720" rtlCol="0" anchor="b">
-            <a:normAutofit/>
-          </a:bodyPr>
-          <a:lstStyle/>
-          <a:p>
-            <a:r>
-              <a:rPr lang="en-US" sz="3600" dirty="0">
-                <a:solidFill>
-                  <a:srgbClr val="FFFFFF"/>
-                </a:solidFill>
-              </a:rPr>
-              <a:t>Second Iteration </a:t>
-            </a:r>
-            <a:br>
-              <a:rPr lang="en-US" sz="3600" dirty="0">
-                <a:solidFill>
-                  <a:srgbClr val="FFFFFF"/>
-                </a:solidFill>
-              </a:rPr>
-            </a:br>
-            <a:r>
-              <a:rPr lang="en-US" sz="3600" dirty="0">
-                <a:solidFill>
-                  <a:srgbClr val="FFFFFF"/>
-                </a:solidFill>
-              </a:rPr>
-              <a:t>Modeling Result – ROC</a:t>
-            </a:r>
-            <a:br>
-              <a:rPr lang="en-US" sz="3600" dirty="0">
-                <a:solidFill>
-                  <a:srgbClr val="FFFFFF"/>
-                </a:solidFill>
-              </a:rPr>
-            </a:br>
-            <a:endParaRPr lang="en-US" sz="3600" dirty="0">
-              <a:solidFill>
-                <a:srgbClr val="FFFFFF"/>
-              </a:solidFill>
-            </a:endParaRPr>
-          </a:p>
-        </p:txBody>
-      </p:sp>
-      <p:pic>
-        <p:nvPicPr>
-          <p:cNvPr id="9" name="Inhaltsplatzhalter 8">
-            <a:extLst>
-              <a:ext uri="{FF2B5EF4-FFF2-40B4-BE49-F238E27FC236}">
-                <a16:creationId xmlns:a16="http://schemas.microsoft.com/office/drawing/2014/main" id="{1C12F868-1325-2FAA-8038-BC9A3E042E60}"/>
-              </a:ext>
-            </a:extLst>
-          </p:cNvPr>
-          <p:cNvPicPr>
-            <a:picLocks noGrp="1" noChangeAspect="1"/>
-          </p:cNvPicPr>
-          <p:nvPr>
-            <p:ph idx="1"/>
-          </p:nvPr>
-        </p:nvPicPr>
-        <p:blipFill>
-          <a:blip r:embed="rId3"/>
-          <a:stretch>
-            <a:fillRect/>
-          </a:stretch>
-        </p:blipFill>
-        <p:spPr>
-          <a:xfrm>
-            <a:off x="5054580" y="618067"/>
-            <a:ext cx="6185809" cy="5598157"/>
-          </a:xfrm>
-          <a:prstGeom prst="rect">
-            <a:avLst/>
-          </a:prstGeom>
-        </p:spPr>
-      </p:pic>
-    </p:spTree>
-    <p:extLst>
-      <p:ext uri="{BB962C8B-B14F-4D97-AF65-F5344CB8AC3E}">
-        <p14:creationId xmlns:p14="http://schemas.microsoft.com/office/powerpoint/2010/main" val="3841831720"/>
-      </p:ext>
-    </p:extLst>
-  </p:cSld>
-  <p:clrMapOvr>
-    <a:masterClrMapping/>
-  </p:clrMapOvr>
-</p:sld>
-</file>
-
-<file path=ppt/slides/slide26.xml><?xml version="1.0" encoding="utf-8"?>
-<p:sld xmlns:a="http://schemas.openxmlformats.org/drawingml/2006/main" xmlns:r="http://schemas.openxmlformats.org/officeDocument/2006/relationships" xmlns:p="http://schemas.openxmlformats.org/presentationml/2006/main">
-  <p:cSld>
-    <p:bg>
-      <p:bgPr>
-        <a:solidFill>
-          <a:schemeClr val="bg1"/>
-        </a:solidFill>
-        <a:effectLst/>
-      </p:bgPr>
-    </p:bg>
-    <p:spTree>
-      <p:nvGrpSpPr>
-        <p:cNvPr id="1" name=""/>
-        <p:cNvGrpSpPr/>
-        <p:nvPr/>
-      </p:nvGrpSpPr>
-      <p:grpSpPr>
-        <a:xfrm>
-          <a:off x="0" y="0"/>
-          <a:ext cx="0" cy="0"/>
-          <a:chOff x="0" y="0"/>
-          <a:chExt cx="0" cy="0"/>
-        </a:xfrm>
-      </p:grpSpPr>
       <p:graphicFrame>
         <p:nvGraphicFramePr>
           <p:cNvPr id="14" name="Inhaltsplatzhalter 13"/>
@@ -19873,7 +19326,7 @@
             <p:ph idx="1"/>
             <p:extLst>
               <p:ext uri="{D42A27DB-BD31-4B8C-83A1-F6EECF244321}">
-                <p14:modId xmlns:p14="http://schemas.microsoft.com/office/powerpoint/2010/main" val="3310706488"/>
+                <p14:modId xmlns:p14="http://schemas.microsoft.com/office/powerpoint/2010/main" val="1299656794"/>
               </p:ext>
             </p:extLst>
           </p:nvPr>

--- a/HDM Data Science v0226 _copySven.pptx
+++ b/HDM Data Science v0226 _copySven.pptx
@@ -5,7 +5,7 @@
     <p:sldMasterId id="2147483738" r:id="rId1"/>
   </p:sldMasterIdLst>
   <p:notesMasterIdLst>
-    <p:notesMasterId r:id="rId27"/>
+    <p:notesMasterId r:id="rId29"/>
   </p:notesMasterIdLst>
   <p:sldIdLst>
     <p:sldId id="256" r:id="rId2"/>
@@ -30,9 +30,11 @@
     <p:sldId id="277" r:id="rId21"/>
     <p:sldId id="275" r:id="rId22"/>
     <p:sldId id="276" r:id="rId23"/>
-    <p:sldId id="272" r:id="rId24"/>
-    <p:sldId id="285" r:id="rId25"/>
-    <p:sldId id="284" r:id="rId26"/>
+    <p:sldId id="286" r:id="rId24"/>
+    <p:sldId id="272" r:id="rId25"/>
+    <p:sldId id="285" r:id="rId26"/>
+    <p:sldId id="284" r:id="rId27"/>
+    <p:sldId id="287" r:id="rId28"/>
   </p:sldIdLst>
   <p:sldSz cx="12192000" cy="6858000"/>
   <p:notesSz cx="6858000" cy="9144000"/>
@@ -2236,11 +2238,11 @@
           <c:order val="0"/>
           <c:tx>
             <c:strRef>
-              <c:f>Tabelle1!$B$1</c:f>
+              <c:f>Tabelle1!$C$1</c:f>
               <c:strCache>
                 <c:ptCount val="1"/>
                 <c:pt idx="0">
-                  <c:v>Stacking XG RndForest</c:v>
+                  <c:v>Stacking XG RndForest2</c:v>
                 </c:pt>
               </c:strCache>
             </c:strRef>
@@ -2315,7 +2317,7 @@
           </c:dLbls>
           <c:cat>
             <c:strRef>
-              <c:f>Tabelle1!$A$2:$A$4</c:f>
+              <c:f>Tabelle1!$A$2:$A$5</c:f>
               <c:strCache>
                 <c:ptCount val="3"/>
                 <c:pt idx="0">
@@ -2332,18 +2334,18 @@
           </c:cat>
           <c:val>
             <c:numRef>
-              <c:f>Tabelle1!$B$2:$B$4</c:f>
+              <c:f>Tabelle1!$C$2:$C$5</c:f>
               <c:numCache>
                 <c:formatCode>0.00%</c:formatCode>
                 <c:ptCount val="3"/>
                 <c:pt idx="0">
-                  <c:v>0.73089999999999999</c:v>
+                  <c:v>0.80769999999999997</c:v>
                 </c:pt>
                 <c:pt idx="1">
-                  <c:v>0.94510000000000005</c:v>
+                  <c:v>0.92479999999999996</c:v>
                 </c:pt>
                 <c:pt idx="2">
-                  <c:v>0.49080000000000001</c:v>
+                  <c:v>0.67030000000000001</c:v>
                 </c:pt>
               </c:numCache>
             </c:numRef>
@@ -2359,11 +2361,134 @@
           <c:order val="1"/>
           <c:tx>
             <c:strRef>
-              <c:f>Tabelle1!$C$1</c:f>
+              <c:f>Tabelle1!$D$1</c:f>
               <c:strCache>
                 <c:ptCount val="1"/>
                 <c:pt idx="0">
-                  <c:v>Stracking All</c:v>
+                  <c:v>XGBoost</c:v>
+                </c:pt>
+              </c:strCache>
+            </c:strRef>
+          </c:tx>
+          <c:spPr>
+            <a:solidFill>
+              <a:schemeClr val="accent2"/>
+            </a:solidFill>
+            <a:ln>
+              <a:noFill/>
+            </a:ln>
+            <a:effectLst/>
+          </c:spPr>
+          <c:invertIfNegative val="0"/>
+          <c:dLbls>
+            <c:spPr>
+              <a:noFill/>
+              <a:ln>
+                <a:noFill/>
+              </a:ln>
+              <a:effectLst/>
+            </c:spPr>
+            <c:txPr>
+              <a:bodyPr rot="0" spcFirstLastPara="1" vertOverflow="ellipsis" vert="horz" wrap="square" lIns="38100" tIns="19050" rIns="38100" bIns="19050" anchor="ctr" anchorCtr="1">
+                <a:spAutoFit/>
+              </a:bodyPr>
+              <a:lstStyle/>
+              <a:p>
+                <a:pPr>
+                  <a:defRPr sz="1197" b="0" i="0" u="none" strike="noStrike" kern="1200" baseline="0">
+                    <a:solidFill>
+                      <a:schemeClr val="tx1">
+                        <a:lumMod val="75000"/>
+                        <a:lumOff val="25000"/>
+                      </a:schemeClr>
+                    </a:solidFill>
+                    <a:latin typeface="+mn-lt"/>
+                    <a:ea typeface="+mn-ea"/>
+                    <a:cs typeface="+mn-cs"/>
+                  </a:defRPr>
+                </a:pPr>
+                <a:endParaRPr lang="de-DE"/>
+              </a:p>
+            </c:txPr>
+            <c:dLblPos val="outEnd"/>
+            <c:showLegendKey val="0"/>
+            <c:showVal val="1"/>
+            <c:showCatName val="0"/>
+            <c:showSerName val="0"/>
+            <c:showPercent val="0"/>
+            <c:showBubbleSize val="0"/>
+            <c:showLeaderLines val="0"/>
+            <c:extLst>
+              <c:ext xmlns:c15="http://schemas.microsoft.com/office/drawing/2012/chart" uri="{CE6537A1-D6FC-4f65-9D91-7224C49458BB}">
+                <c15:showLeaderLines val="1"/>
+                <c15:leaderLines>
+                  <c:spPr>
+                    <a:ln w="9525" cap="flat" cmpd="sng" algn="ctr">
+                      <a:solidFill>
+                        <a:schemeClr val="tx1">
+                          <a:lumMod val="35000"/>
+                          <a:lumOff val="65000"/>
+                        </a:schemeClr>
+                      </a:solidFill>
+                      <a:round/>
+                    </a:ln>
+                    <a:effectLst/>
+                  </c:spPr>
+                </c15:leaderLines>
+              </c:ext>
+            </c:extLst>
+          </c:dLbls>
+          <c:cat>
+            <c:strRef>
+              <c:f>Tabelle1!$A$2:$A$5</c:f>
+              <c:strCache>
+                <c:ptCount val="3"/>
+                <c:pt idx="0">
+                  <c:v>Accuracy</c:v>
+                </c:pt>
+                <c:pt idx="1">
+                  <c:v>Precision</c:v>
+                </c:pt>
+                <c:pt idx="2">
+                  <c:v>Recall</c:v>
+                </c:pt>
+              </c:strCache>
+            </c:strRef>
+          </c:cat>
+          <c:val>
+            <c:numRef>
+              <c:f>Tabelle1!$D$2:$D$5</c:f>
+              <c:numCache>
+                <c:formatCode>0.00%</c:formatCode>
+                <c:ptCount val="3"/>
+                <c:pt idx="0">
+                  <c:v>0.68220000000000003</c:v>
+                </c:pt>
+                <c:pt idx="1">
+                  <c:v>0.67810000000000004</c:v>
+                </c:pt>
+                <c:pt idx="2">
+                  <c:v>0.69489999999999996</c:v>
+                </c:pt>
+              </c:numCache>
+            </c:numRef>
+          </c:val>
+          <c:extLst>
+            <c:ext xmlns:c16="http://schemas.microsoft.com/office/drawing/2014/chart" uri="{C3380CC4-5D6E-409C-BE32-E72D297353CC}">
+              <c16:uniqueId val="{00000001-CB1C-4803-8449-D9D4C366A9FF}"/>
+            </c:ext>
+          </c:extLst>
+        </c:ser>
+        <c:ser>
+          <c:idx val="2"/>
+          <c:order val="2"/>
+          <c:tx>
+            <c:strRef>
+              <c:f>Tabelle1!$E$1</c:f>
+              <c:strCache>
+                <c:ptCount val="1"/>
+                <c:pt idx="0">
+                  <c:v>Random Forest</c:v>
                 </c:pt>
               </c:strCache>
             </c:strRef>
@@ -2438,7 +2563,7 @@
           </c:dLbls>
           <c:cat>
             <c:strRef>
-              <c:f>Tabelle1!$A$2:$A$4</c:f>
+              <c:f>Tabelle1!$A$2:$A$5</c:f>
               <c:strCache>
                 <c:ptCount val="3"/>
                 <c:pt idx="0">
@@ -2455,38 +2580,161 @@
           </c:cat>
           <c:val>
             <c:numRef>
-              <c:f>Tabelle1!$C$2:$C$4</c:f>
+              <c:f>Tabelle1!$E$2:$E$5</c:f>
               <c:numCache>
-                <c:formatCode>0%</c:formatCode>
+                <c:formatCode>0.00%</c:formatCode>
                 <c:ptCount val="3"/>
-                <c:pt idx="0" formatCode="0.00%">
-                  <c:v>0.68269999999999997</c:v>
+                <c:pt idx="0">
+                  <c:v>0.68179999999999996</c:v>
                 </c:pt>
                 <c:pt idx="1">
-                  <c:v>0.74590000000000001</c:v>
+                  <c:v>0.67359999999999998</c:v>
                 </c:pt>
                 <c:pt idx="2">
-                  <c:v>0.55530000000000002</c:v>
+                  <c:v>0.70640000000000003</c:v>
                 </c:pt>
               </c:numCache>
             </c:numRef>
           </c:val>
           <c:extLst>
             <c:ext xmlns:c16="http://schemas.microsoft.com/office/drawing/2014/chart" uri="{C3380CC4-5D6E-409C-BE32-E72D297353CC}">
-              <c16:uniqueId val="{00000001-CB1C-4803-8449-D9D4C366A9FF}"/>
+              <c16:uniqueId val="{00000002-CB1C-4803-8449-D9D4C366A9FF}"/>
             </c:ext>
           </c:extLst>
         </c:ser>
         <c:ser>
-          <c:idx val="2"/>
-          <c:order val="2"/>
+          <c:idx val="3"/>
+          <c:order val="3"/>
           <c:tx>
             <c:strRef>
-              <c:f>Tabelle1!$D$1</c:f>
+              <c:f>Tabelle1!$F$1</c:f>
               <c:strCache>
                 <c:ptCount val="1"/>
                 <c:pt idx="0">
-                  <c:v>XGBoost</c:v>
+                  <c:v>Voting All</c:v>
+                </c:pt>
+              </c:strCache>
+            </c:strRef>
+          </c:tx>
+          <c:spPr>
+            <a:solidFill>
+              <a:schemeClr val="accent4"/>
+            </a:solidFill>
+            <a:ln>
+              <a:noFill/>
+            </a:ln>
+            <a:effectLst/>
+          </c:spPr>
+          <c:invertIfNegative val="0"/>
+          <c:dLbls>
+            <c:spPr>
+              <a:noFill/>
+              <a:ln>
+                <a:noFill/>
+              </a:ln>
+              <a:effectLst/>
+            </c:spPr>
+            <c:txPr>
+              <a:bodyPr rot="0" spcFirstLastPara="1" vertOverflow="ellipsis" vert="horz" wrap="square" lIns="38100" tIns="19050" rIns="38100" bIns="19050" anchor="ctr" anchorCtr="1">
+                <a:spAutoFit/>
+              </a:bodyPr>
+              <a:lstStyle/>
+              <a:p>
+                <a:pPr>
+                  <a:defRPr sz="1197" b="0" i="0" u="none" strike="noStrike" kern="1200" baseline="0">
+                    <a:solidFill>
+                      <a:schemeClr val="tx1">
+                        <a:lumMod val="75000"/>
+                        <a:lumOff val="25000"/>
+                      </a:schemeClr>
+                    </a:solidFill>
+                    <a:latin typeface="+mn-lt"/>
+                    <a:ea typeface="+mn-ea"/>
+                    <a:cs typeface="+mn-cs"/>
+                  </a:defRPr>
+                </a:pPr>
+                <a:endParaRPr lang="de-DE"/>
+              </a:p>
+            </c:txPr>
+            <c:dLblPos val="outEnd"/>
+            <c:showLegendKey val="0"/>
+            <c:showVal val="1"/>
+            <c:showCatName val="0"/>
+            <c:showSerName val="0"/>
+            <c:showPercent val="0"/>
+            <c:showBubbleSize val="0"/>
+            <c:showLeaderLines val="0"/>
+            <c:extLst>
+              <c:ext xmlns:c15="http://schemas.microsoft.com/office/drawing/2012/chart" uri="{CE6537A1-D6FC-4f65-9D91-7224C49458BB}">
+                <c15:showLeaderLines val="1"/>
+                <c15:leaderLines>
+                  <c:spPr>
+                    <a:ln w="9525" cap="flat" cmpd="sng" algn="ctr">
+                      <a:solidFill>
+                        <a:schemeClr val="tx1">
+                          <a:lumMod val="35000"/>
+                          <a:lumOff val="65000"/>
+                        </a:schemeClr>
+                      </a:solidFill>
+                      <a:round/>
+                    </a:ln>
+                    <a:effectLst/>
+                  </c:spPr>
+                </c15:leaderLines>
+              </c:ext>
+            </c:extLst>
+          </c:dLbls>
+          <c:cat>
+            <c:strRef>
+              <c:f>Tabelle1!$A$2:$A$5</c:f>
+              <c:strCache>
+                <c:ptCount val="3"/>
+                <c:pt idx="0">
+                  <c:v>Accuracy</c:v>
+                </c:pt>
+                <c:pt idx="1">
+                  <c:v>Precision</c:v>
+                </c:pt>
+                <c:pt idx="2">
+                  <c:v>Recall</c:v>
+                </c:pt>
+              </c:strCache>
+            </c:strRef>
+          </c:cat>
+          <c:val>
+            <c:numRef>
+              <c:f>Tabelle1!$F$2:$F$5</c:f>
+              <c:numCache>
+                <c:formatCode>0.00%</c:formatCode>
+                <c:ptCount val="3"/>
+                <c:pt idx="0">
+                  <c:v>0.64119999999999999</c:v>
+                </c:pt>
+                <c:pt idx="1">
+                  <c:v>0.75390000000000001</c:v>
+                </c:pt>
+                <c:pt idx="2">
+                  <c:v>0.42059999999999997</c:v>
+                </c:pt>
+              </c:numCache>
+            </c:numRef>
+          </c:val>
+          <c:extLst>
+            <c:ext xmlns:c16="http://schemas.microsoft.com/office/drawing/2014/chart" uri="{C3380CC4-5D6E-409C-BE32-E72D297353CC}">
+              <c16:uniqueId val="{00000003-CB1C-4803-8449-D9D4C366A9FF}"/>
+            </c:ext>
+          </c:extLst>
+        </c:ser>
+        <c:ser>
+          <c:idx val="4"/>
+          <c:order val="4"/>
+          <c:tx>
+            <c:strRef>
+              <c:f>Tabelle1!$G$1</c:f>
+              <c:strCache>
+                <c:ptCount val="1"/>
+                <c:pt idx="0">
+                  <c:v>KNN</c:v>
                 </c:pt>
               </c:strCache>
             </c:strRef>
@@ -2561,7 +2809,7 @@
           </c:dLbls>
           <c:cat>
             <c:strRef>
-              <c:f>Tabelle1!$A$2:$A$4</c:f>
+              <c:f>Tabelle1!$A$2:$A$5</c:f>
               <c:strCache>
                 <c:ptCount val="3"/>
                 <c:pt idx="0">
@@ -2578,38 +2826,161 @@
           </c:cat>
           <c:val>
             <c:numRef>
-              <c:f>Tabelle1!$D$2:$D$4</c:f>
+              <c:f>Tabelle1!$G$2:$G$5</c:f>
               <c:numCache>
                 <c:formatCode>0.00%</c:formatCode>
                 <c:ptCount val="3"/>
                 <c:pt idx="0">
-                  <c:v>0.68220000000000003</c:v>
+                  <c:v>0.6079</c:v>
                 </c:pt>
                 <c:pt idx="1">
-                  <c:v>0.67810000000000004</c:v>
+                  <c:v>0.58720000000000006</c:v>
                 </c:pt>
                 <c:pt idx="2">
-                  <c:v>0.69489999999999996</c:v>
+                  <c:v>0.72899999999999998</c:v>
                 </c:pt>
               </c:numCache>
             </c:numRef>
           </c:val>
           <c:extLst>
             <c:ext xmlns:c16="http://schemas.microsoft.com/office/drawing/2014/chart" uri="{C3380CC4-5D6E-409C-BE32-E72D297353CC}">
-              <c16:uniqueId val="{00000002-CB1C-4803-8449-D9D4C366A9FF}"/>
+              <c16:uniqueId val="{00000004-CB1C-4803-8449-D9D4C366A9FF}"/>
             </c:ext>
           </c:extLst>
         </c:ser>
         <c:ser>
-          <c:idx val="3"/>
-          <c:order val="3"/>
+          <c:idx val="5"/>
+          <c:order val="5"/>
           <c:tx>
             <c:strRef>
-              <c:f>Tabelle1!$E$1</c:f>
+              <c:f>Tabelle1!$H$1</c:f>
               <c:strCache>
                 <c:ptCount val="1"/>
                 <c:pt idx="0">
-                  <c:v>Random Forest</c:v>
+                  <c:v>Log. Regression</c:v>
+                </c:pt>
+              </c:strCache>
+            </c:strRef>
+          </c:tx>
+          <c:spPr>
+            <a:solidFill>
+              <a:schemeClr val="accent6"/>
+            </a:solidFill>
+            <a:ln>
+              <a:noFill/>
+            </a:ln>
+            <a:effectLst/>
+          </c:spPr>
+          <c:invertIfNegative val="0"/>
+          <c:dLbls>
+            <c:spPr>
+              <a:noFill/>
+              <a:ln>
+                <a:noFill/>
+              </a:ln>
+              <a:effectLst/>
+            </c:spPr>
+            <c:txPr>
+              <a:bodyPr rot="0" spcFirstLastPara="1" vertOverflow="ellipsis" vert="horz" wrap="square" lIns="38100" tIns="19050" rIns="38100" bIns="19050" anchor="ctr" anchorCtr="1">
+                <a:spAutoFit/>
+              </a:bodyPr>
+              <a:lstStyle/>
+              <a:p>
+                <a:pPr>
+                  <a:defRPr sz="1197" b="0" i="0" u="none" strike="noStrike" kern="1200" baseline="0">
+                    <a:solidFill>
+                      <a:schemeClr val="tx1">
+                        <a:lumMod val="75000"/>
+                        <a:lumOff val="25000"/>
+                      </a:schemeClr>
+                    </a:solidFill>
+                    <a:latin typeface="+mn-lt"/>
+                    <a:ea typeface="+mn-ea"/>
+                    <a:cs typeface="+mn-cs"/>
+                  </a:defRPr>
+                </a:pPr>
+                <a:endParaRPr lang="de-DE"/>
+              </a:p>
+            </c:txPr>
+            <c:dLblPos val="outEnd"/>
+            <c:showLegendKey val="0"/>
+            <c:showVal val="1"/>
+            <c:showCatName val="0"/>
+            <c:showSerName val="0"/>
+            <c:showPercent val="0"/>
+            <c:showBubbleSize val="0"/>
+            <c:showLeaderLines val="0"/>
+            <c:extLst>
+              <c:ext xmlns:c15="http://schemas.microsoft.com/office/drawing/2012/chart" uri="{CE6537A1-D6FC-4f65-9D91-7224C49458BB}">
+                <c15:showLeaderLines val="1"/>
+                <c15:leaderLines>
+                  <c:spPr>
+                    <a:ln w="9525" cap="flat" cmpd="sng" algn="ctr">
+                      <a:solidFill>
+                        <a:schemeClr val="tx1">
+                          <a:lumMod val="35000"/>
+                          <a:lumOff val="65000"/>
+                        </a:schemeClr>
+                      </a:solidFill>
+                      <a:round/>
+                    </a:ln>
+                    <a:effectLst/>
+                  </c:spPr>
+                </c15:leaderLines>
+              </c:ext>
+            </c:extLst>
+          </c:dLbls>
+          <c:cat>
+            <c:strRef>
+              <c:f>Tabelle1!$A$2:$A$5</c:f>
+              <c:strCache>
+                <c:ptCount val="3"/>
+                <c:pt idx="0">
+                  <c:v>Accuracy</c:v>
+                </c:pt>
+                <c:pt idx="1">
+                  <c:v>Precision</c:v>
+                </c:pt>
+                <c:pt idx="2">
+                  <c:v>Recall</c:v>
+                </c:pt>
+              </c:strCache>
+            </c:strRef>
+          </c:cat>
+          <c:val>
+            <c:numRef>
+              <c:f>Tabelle1!$H$2:$H$5</c:f>
+              <c:numCache>
+                <c:formatCode>0.00%</c:formatCode>
+                <c:ptCount val="3"/>
+                <c:pt idx="0">
+                  <c:v>0.60740000000000005</c:v>
+                </c:pt>
+                <c:pt idx="1">
+                  <c:v>0.5968</c:v>
+                </c:pt>
+                <c:pt idx="2">
+                  <c:v>0.68710000000000004</c:v>
+                </c:pt>
+              </c:numCache>
+            </c:numRef>
+          </c:val>
+          <c:extLst>
+            <c:ext xmlns:c16="http://schemas.microsoft.com/office/drawing/2014/chart" uri="{C3380CC4-5D6E-409C-BE32-E72D297353CC}">
+              <c16:uniqueId val="{00000000-06AE-42F0-BE62-1B571509FCEA}"/>
+            </c:ext>
+          </c:extLst>
+        </c:ser>
+        <c:ser>
+          <c:idx val="6"/>
+          <c:order val="6"/>
+          <c:tx>
+            <c:strRef>
+              <c:f>Tabelle1!$I$1</c:f>
+              <c:strCache>
+                <c:ptCount val="1"/>
+                <c:pt idx="0">
+                  <c:v>Voting XG RndForest</c:v>
                 </c:pt>
               </c:strCache>
             </c:strRef>
@@ -2686,7 +3057,7 @@
           </c:dLbls>
           <c:cat>
             <c:strRef>
-              <c:f>Tabelle1!$A$2:$A$4</c:f>
+              <c:f>Tabelle1!$A$2:$A$5</c:f>
               <c:strCache>
                 <c:ptCount val="3"/>
                 <c:pt idx="0">
@@ -2703,394 +3074,18 @@
           </c:cat>
           <c:val>
             <c:numRef>
-              <c:f>Tabelle1!$E$2:$E$4</c:f>
+              <c:f>Tabelle1!$I$2:$I$5</c:f>
               <c:numCache>
                 <c:formatCode>0.00%</c:formatCode>
                 <c:ptCount val="3"/>
                 <c:pt idx="0">
-                  <c:v>0.68179999999999996</c:v>
+                  <c:v>0.5</c:v>
                 </c:pt>
                 <c:pt idx="1">
-                  <c:v>0.67359999999999998</c:v>
+                  <c:v>1</c:v>
                 </c:pt>
                 <c:pt idx="2">
-                  <c:v>0.70640000000000003</c:v>
-                </c:pt>
-              </c:numCache>
-            </c:numRef>
-          </c:val>
-          <c:extLst>
-            <c:ext xmlns:c16="http://schemas.microsoft.com/office/drawing/2014/chart" uri="{C3380CC4-5D6E-409C-BE32-E72D297353CC}">
-              <c16:uniqueId val="{00000003-CB1C-4803-8449-D9D4C366A9FF}"/>
-            </c:ext>
-          </c:extLst>
-        </c:ser>
-        <c:ser>
-          <c:idx val="4"/>
-          <c:order val="4"/>
-          <c:tx>
-            <c:strRef>
-              <c:f>Tabelle1!$F$1</c:f>
-              <c:strCache>
-                <c:ptCount val="1"/>
-                <c:pt idx="0">
-                  <c:v>Voting All</c:v>
-                </c:pt>
-              </c:strCache>
-            </c:strRef>
-          </c:tx>
-          <c:spPr>
-            <a:solidFill>
-              <a:schemeClr val="accent3">
-                <a:lumMod val="60000"/>
-              </a:schemeClr>
-            </a:solidFill>
-            <a:ln>
-              <a:noFill/>
-            </a:ln>
-            <a:effectLst/>
-          </c:spPr>
-          <c:invertIfNegative val="0"/>
-          <c:dLbls>
-            <c:spPr>
-              <a:noFill/>
-              <a:ln>
-                <a:noFill/>
-              </a:ln>
-              <a:effectLst/>
-            </c:spPr>
-            <c:txPr>
-              <a:bodyPr rot="0" spcFirstLastPara="1" vertOverflow="ellipsis" vert="horz" wrap="square" lIns="38100" tIns="19050" rIns="38100" bIns="19050" anchor="ctr" anchorCtr="1">
-                <a:spAutoFit/>
-              </a:bodyPr>
-              <a:lstStyle/>
-              <a:p>
-                <a:pPr>
-                  <a:defRPr sz="1197" b="0" i="0" u="none" strike="noStrike" kern="1200" baseline="0">
-                    <a:solidFill>
-                      <a:schemeClr val="tx1">
-                        <a:lumMod val="75000"/>
-                        <a:lumOff val="25000"/>
-                      </a:schemeClr>
-                    </a:solidFill>
-                    <a:latin typeface="+mn-lt"/>
-                    <a:ea typeface="+mn-ea"/>
-                    <a:cs typeface="+mn-cs"/>
-                  </a:defRPr>
-                </a:pPr>
-                <a:endParaRPr lang="de-DE"/>
-              </a:p>
-            </c:txPr>
-            <c:dLblPos val="outEnd"/>
-            <c:showLegendKey val="0"/>
-            <c:showVal val="1"/>
-            <c:showCatName val="0"/>
-            <c:showSerName val="0"/>
-            <c:showPercent val="0"/>
-            <c:showBubbleSize val="0"/>
-            <c:showLeaderLines val="0"/>
-            <c:extLst>
-              <c:ext xmlns:c15="http://schemas.microsoft.com/office/drawing/2012/chart" uri="{CE6537A1-D6FC-4f65-9D91-7224C49458BB}">
-                <c15:showLeaderLines val="1"/>
-                <c15:leaderLines>
-                  <c:spPr>
-                    <a:ln w="9525" cap="flat" cmpd="sng" algn="ctr">
-                      <a:solidFill>
-                        <a:schemeClr val="tx1">
-                          <a:lumMod val="35000"/>
-                          <a:lumOff val="65000"/>
-                        </a:schemeClr>
-                      </a:solidFill>
-                      <a:round/>
-                    </a:ln>
-                    <a:effectLst/>
-                  </c:spPr>
-                </c15:leaderLines>
-              </c:ext>
-            </c:extLst>
-          </c:dLbls>
-          <c:cat>
-            <c:strRef>
-              <c:f>Tabelle1!$A$2:$A$4</c:f>
-              <c:strCache>
-                <c:ptCount val="3"/>
-                <c:pt idx="0">
-                  <c:v>Accuracy</c:v>
-                </c:pt>
-                <c:pt idx="1">
-                  <c:v>Precision</c:v>
-                </c:pt>
-                <c:pt idx="2">
-                  <c:v>Recall</c:v>
-                </c:pt>
-              </c:strCache>
-            </c:strRef>
-          </c:cat>
-          <c:val>
-            <c:numRef>
-              <c:f>Tabelle1!$F$2:$F$4</c:f>
-              <c:numCache>
-                <c:formatCode>0.00%</c:formatCode>
-                <c:ptCount val="3"/>
-                <c:pt idx="0">
-                  <c:v>0.64119999999999999</c:v>
-                </c:pt>
-                <c:pt idx="1">
-                  <c:v>0.75390000000000001</c:v>
-                </c:pt>
-                <c:pt idx="2">
-                  <c:v>0.42059999999999997</c:v>
-                </c:pt>
-              </c:numCache>
-            </c:numRef>
-          </c:val>
-          <c:extLst>
-            <c:ext xmlns:c16="http://schemas.microsoft.com/office/drawing/2014/chart" uri="{C3380CC4-5D6E-409C-BE32-E72D297353CC}">
-              <c16:uniqueId val="{00000004-CB1C-4803-8449-D9D4C366A9FF}"/>
-            </c:ext>
-          </c:extLst>
-        </c:ser>
-        <c:ser>
-          <c:idx val="5"/>
-          <c:order val="5"/>
-          <c:tx>
-            <c:strRef>
-              <c:f>Tabelle1!$G$1</c:f>
-              <c:strCache>
-                <c:ptCount val="1"/>
-                <c:pt idx="0">
-                  <c:v>KNN</c:v>
-                </c:pt>
-              </c:strCache>
-            </c:strRef>
-          </c:tx>
-          <c:spPr>
-            <a:solidFill>
-              <a:schemeClr val="accent5">
-                <a:lumMod val="60000"/>
-              </a:schemeClr>
-            </a:solidFill>
-            <a:ln>
-              <a:noFill/>
-            </a:ln>
-            <a:effectLst/>
-          </c:spPr>
-          <c:invertIfNegative val="0"/>
-          <c:dLbls>
-            <c:spPr>
-              <a:noFill/>
-              <a:ln>
-                <a:noFill/>
-              </a:ln>
-              <a:effectLst/>
-            </c:spPr>
-            <c:txPr>
-              <a:bodyPr rot="0" spcFirstLastPara="1" vertOverflow="ellipsis" vert="horz" wrap="square" lIns="38100" tIns="19050" rIns="38100" bIns="19050" anchor="ctr" anchorCtr="1">
-                <a:spAutoFit/>
-              </a:bodyPr>
-              <a:lstStyle/>
-              <a:p>
-                <a:pPr>
-                  <a:defRPr sz="1197" b="0" i="0" u="none" strike="noStrike" kern="1200" baseline="0">
-                    <a:solidFill>
-                      <a:schemeClr val="tx1">
-                        <a:lumMod val="75000"/>
-                        <a:lumOff val="25000"/>
-                      </a:schemeClr>
-                    </a:solidFill>
-                    <a:latin typeface="+mn-lt"/>
-                    <a:ea typeface="+mn-ea"/>
-                    <a:cs typeface="+mn-cs"/>
-                  </a:defRPr>
-                </a:pPr>
-                <a:endParaRPr lang="de-DE"/>
-              </a:p>
-            </c:txPr>
-            <c:dLblPos val="outEnd"/>
-            <c:showLegendKey val="0"/>
-            <c:showVal val="1"/>
-            <c:showCatName val="0"/>
-            <c:showSerName val="0"/>
-            <c:showPercent val="0"/>
-            <c:showBubbleSize val="0"/>
-            <c:showLeaderLines val="0"/>
-            <c:extLst>
-              <c:ext xmlns:c15="http://schemas.microsoft.com/office/drawing/2012/chart" uri="{CE6537A1-D6FC-4f65-9D91-7224C49458BB}">
-                <c15:showLeaderLines val="1"/>
-                <c15:leaderLines>
-                  <c:spPr>
-                    <a:ln w="9525" cap="flat" cmpd="sng" algn="ctr">
-                      <a:solidFill>
-                        <a:schemeClr val="tx1">
-                          <a:lumMod val="35000"/>
-                          <a:lumOff val="65000"/>
-                        </a:schemeClr>
-                      </a:solidFill>
-                      <a:round/>
-                    </a:ln>
-                    <a:effectLst/>
-                  </c:spPr>
-                </c15:leaderLines>
-              </c:ext>
-            </c:extLst>
-          </c:dLbls>
-          <c:cat>
-            <c:strRef>
-              <c:f>Tabelle1!$A$2:$A$4</c:f>
-              <c:strCache>
-                <c:ptCount val="3"/>
-                <c:pt idx="0">
-                  <c:v>Accuracy</c:v>
-                </c:pt>
-                <c:pt idx="1">
-                  <c:v>Precision</c:v>
-                </c:pt>
-                <c:pt idx="2">
-                  <c:v>Recall</c:v>
-                </c:pt>
-              </c:strCache>
-            </c:strRef>
-          </c:cat>
-          <c:val>
-            <c:numRef>
-              <c:f>Tabelle1!$G$2:$G$4</c:f>
-              <c:numCache>
-                <c:formatCode>0.00%</c:formatCode>
-                <c:ptCount val="3"/>
-                <c:pt idx="0">
-                  <c:v>0.6079</c:v>
-                </c:pt>
-                <c:pt idx="1">
-                  <c:v>0.58720000000000006</c:v>
-                </c:pt>
-                <c:pt idx="2">
-                  <c:v>0.72899999999999998</c:v>
-                </c:pt>
-              </c:numCache>
-            </c:numRef>
-          </c:val>
-          <c:extLst>
-            <c:ext xmlns:c16="http://schemas.microsoft.com/office/drawing/2014/chart" uri="{C3380CC4-5D6E-409C-BE32-E72D297353CC}">
-              <c16:uniqueId val="{00000000-06AE-42F0-BE62-1B571509FCEA}"/>
-            </c:ext>
-          </c:extLst>
-        </c:ser>
-        <c:ser>
-          <c:idx val="6"/>
-          <c:order val="6"/>
-          <c:tx>
-            <c:strRef>
-              <c:f>Tabelle1!$H$1</c:f>
-              <c:strCache>
-                <c:ptCount val="1"/>
-                <c:pt idx="0">
-                  <c:v>Log. Regression</c:v>
-                </c:pt>
-              </c:strCache>
-            </c:strRef>
-          </c:tx>
-          <c:spPr>
-            <a:solidFill>
-              <a:schemeClr val="accent1">
-                <a:lumMod val="80000"/>
-                <a:lumOff val="20000"/>
-              </a:schemeClr>
-            </a:solidFill>
-            <a:ln>
-              <a:noFill/>
-            </a:ln>
-            <a:effectLst/>
-          </c:spPr>
-          <c:invertIfNegative val="0"/>
-          <c:dLbls>
-            <c:spPr>
-              <a:noFill/>
-              <a:ln>
-                <a:noFill/>
-              </a:ln>
-              <a:effectLst/>
-            </c:spPr>
-            <c:txPr>
-              <a:bodyPr rot="0" spcFirstLastPara="1" vertOverflow="ellipsis" vert="horz" wrap="square" lIns="38100" tIns="19050" rIns="38100" bIns="19050" anchor="ctr" anchorCtr="1">
-                <a:spAutoFit/>
-              </a:bodyPr>
-              <a:lstStyle/>
-              <a:p>
-                <a:pPr>
-                  <a:defRPr sz="1197" b="0" i="0" u="none" strike="noStrike" kern="1200" baseline="0">
-                    <a:solidFill>
-                      <a:schemeClr val="tx1">
-                        <a:lumMod val="75000"/>
-                        <a:lumOff val="25000"/>
-                      </a:schemeClr>
-                    </a:solidFill>
-                    <a:latin typeface="+mn-lt"/>
-                    <a:ea typeface="+mn-ea"/>
-                    <a:cs typeface="+mn-cs"/>
-                  </a:defRPr>
-                </a:pPr>
-                <a:endParaRPr lang="de-DE"/>
-              </a:p>
-            </c:txPr>
-            <c:dLblPos val="outEnd"/>
-            <c:showLegendKey val="0"/>
-            <c:showVal val="1"/>
-            <c:showCatName val="0"/>
-            <c:showSerName val="0"/>
-            <c:showPercent val="0"/>
-            <c:showBubbleSize val="0"/>
-            <c:showLeaderLines val="0"/>
-            <c:extLst>
-              <c:ext xmlns:c15="http://schemas.microsoft.com/office/drawing/2012/chart" uri="{CE6537A1-D6FC-4f65-9D91-7224C49458BB}">
-                <c15:showLeaderLines val="1"/>
-                <c15:leaderLines>
-                  <c:spPr>
-                    <a:ln w="9525" cap="flat" cmpd="sng" algn="ctr">
-                      <a:solidFill>
-                        <a:schemeClr val="tx1">
-                          <a:lumMod val="35000"/>
-                          <a:lumOff val="65000"/>
-                        </a:schemeClr>
-                      </a:solidFill>
-                      <a:round/>
-                    </a:ln>
-                    <a:effectLst/>
-                  </c:spPr>
-                </c15:leaderLines>
-              </c:ext>
-            </c:extLst>
-          </c:dLbls>
-          <c:cat>
-            <c:strRef>
-              <c:f>Tabelle1!$A$2:$A$4</c:f>
-              <c:strCache>
-                <c:ptCount val="3"/>
-                <c:pt idx="0">
-                  <c:v>Accuracy</c:v>
-                </c:pt>
-                <c:pt idx="1">
-                  <c:v>Precision</c:v>
-                </c:pt>
-                <c:pt idx="2">
-                  <c:v>Recall</c:v>
-                </c:pt>
-              </c:strCache>
-            </c:strRef>
-          </c:cat>
-          <c:val>
-            <c:numRef>
-              <c:f>Tabelle1!$H$2:$H$4</c:f>
-              <c:numCache>
-                <c:formatCode>0.00%</c:formatCode>
-                <c:ptCount val="3"/>
-                <c:pt idx="0">
-                  <c:v>0.60740000000000005</c:v>
-                </c:pt>
-                <c:pt idx="1">
-                  <c:v>0.5968</c:v>
-                </c:pt>
-                <c:pt idx="2">
-                  <c:v>0.68710000000000004</c:v>
+                  <c:v>0</c:v>
                 </c:pt>
               </c:numCache>
             </c:numRef>
@@ -3098,132 +3093,6 @@
           <c:extLst>
             <c:ext xmlns:c16="http://schemas.microsoft.com/office/drawing/2014/chart" uri="{C3380CC4-5D6E-409C-BE32-E72D297353CC}">
               <c16:uniqueId val="{00000000-6F8B-40BE-A1A0-98B4AA3C9139}"/>
-            </c:ext>
-          </c:extLst>
-        </c:ser>
-        <c:ser>
-          <c:idx val="7"/>
-          <c:order val="7"/>
-          <c:tx>
-            <c:strRef>
-              <c:f>Tabelle1!$I$1</c:f>
-              <c:strCache>
-                <c:ptCount val="1"/>
-                <c:pt idx="0">
-                  <c:v>Voting XG RndForest</c:v>
-                </c:pt>
-              </c:strCache>
-            </c:strRef>
-          </c:tx>
-          <c:spPr>
-            <a:solidFill>
-              <a:schemeClr val="accent3">
-                <a:lumMod val="80000"/>
-                <a:lumOff val="20000"/>
-              </a:schemeClr>
-            </a:solidFill>
-            <a:ln>
-              <a:noFill/>
-            </a:ln>
-            <a:effectLst/>
-          </c:spPr>
-          <c:invertIfNegative val="0"/>
-          <c:dLbls>
-            <c:spPr>
-              <a:noFill/>
-              <a:ln>
-                <a:noFill/>
-              </a:ln>
-              <a:effectLst/>
-            </c:spPr>
-            <c:txPr>
-              <a:bodyPr rot="0" spcFirstLastPara="1" vertOverflow="ellipsis" vert="horz" wrap="square" lIns="38100" tIns="19050" rIns="38100" bIns="19050" anchor="ctr" anchorCtr="1">
-                <a:spAutoFit/>
-              </a:bodyPr>
-              <a:lstStyle/>
-              <a:p>
-                <a:pPr>
-                  <a:defRPr sz="1197" b="0" i="0" u="none" strike="noStrike" kern="1200" baseline="0">
-                    <a:solidFill>
-                      <a:schemeClr val="tx1">
-                        <a:lumMod val="75000"/>
-                        <a:lumOff val="25000"/>
-                      </a:schemeClr>
-                    </a:solidFill>
-                    <a:latin typeface="+mn-lt"/>
-                    <a:ea typeface="+mn-ea"/>
-                    <a:cs typeface="+mn-cs"/>
-                  </a:defRPr>
-                </a:pPr>
-                <a:endParaRPr lang="de-DE"/>
-              </a:p>
-            </c:txPr>
-            <c:dLblPos val="outEnd"/>
-            <c:showLegendKey val="0"/>
-            <c:showVal val="1"/>
-            <c:showCatName val="0"/>
-            <c:showSerName val="0"/>
-            <c:showPercent val="0"/>
-            <c:showBubbleSize val="0"/>
-            <c:showLeaderLines val="0"/>
-            <c:extLst>
-              <c:ext xmlns:c15="http://schemas.microsoft.com/office/drawing/2012/chart" uri="{CE6537A1-D6FC-4f65-9D91-7224C49458BB}">
-                <c15:showLeaderLines val="1"/>
-                <c15:leaderLines>
-                  <c:spPr>
-                    <a:ln w="9525" cap="flat" cmpd="sng" algn="ctr">
-                      <a:solidFill>
-                        <a:schemeClr val="tx1">
-                          <a:lumMod val="35000"/>
-                          <a:lumOff val="65000"/>
-                        </a:schemeClr>
-                      </a:solidFill>
-                      <a:round/>
-                    </a:ln>
-                    <a:effectLst/>
-                  </c:spPr>
-                </c15:leaderLines>
-              </c:ext>
-            </c:extLst>
-          </c:dLbls>
-          <c:cat>
-            <c:strRef>
-              <c:f>Tabelle1!$A$2:$A$4</c:f>
-              <c:strCache>
-                <c:ptCount val="3"/>
-                <c:pt idx="0">
-                  <c:v>Accuracy</c:v>
-                </c:pt>
-                <c:pt idx="1">
-                  <c:v>Precision</c:v>
-                </c:pt>
-                <c:pt idx="2">
-                  <c:v>Recall</c:v>
-                </c:pt>
-              </c:strCache>
-            </c:strRef>
-          </c:cat>
-          <c:val>
-            <c:numRef>
-              <c:f>Tabelle1!$I$2:$I$4</c:f>
-              <c:numCache>
-                <c:formatCode>0.00%</c:formatCode>
-                <c:ptCount val="3"/>
-                <c:pt idx="0">
-                  <c:v>0.5</c:v>
-                </c:pt>
-                <c:pt idx="1">
-                  <c:v>1</c:v>
-                </c:pt>
-                <c:pt idx="2">
-                  <c:v>0</c:v>
-                </c:pt>
-              </c:numCache>
-            </c:numRef>
-          </c:val>
-          <c:extLst>
-            <c:ext xmlns:c16="http://schemas.microsoft.com/office/drawing/2014/chart" uri="{C3380CC4-5D6E-409C-BE32-E72D297353CC}">
-              <c16:uniqueId val="{00000001-6F8B-40BE-A1A0-98B4AA3C9139}"/>
             </c:ext>
           </c:extLst>
         </c:ser>
@@ -3240,6 +3109,143 @@
         <c:overlap val="-27"/>
         <c:axId val="819986456"/>
         <c:axId val="819983832"/>
+        <c:extLst>
+          <c:ext xmlns:c15="http://schemas.microsoft.com/office/drawing/2012/chart" uri="{02D57815-91ED-43cb-92C2-25804820EDAC}">
+            <c15:filteredBarSeries>
+              <c15:ser>
+                <c:idx val="7"/>
+                <c:order val="7"/>
+                <c:tx>
+                  <c:strRef>
+                    <c:extLst>
+                      <c:ext uri="{02D57815-91ED-43cb-92C2-25804820EDAC}">
+                        <c15:formulaRef>
+                          <c15:sqref>Tabelle1!$J$1</c15:sqref>
+                        </c15:formulaRef>
+                      </c:ext>
+                    </c:extLst>
+                    <c:strCache>
+                      <c:ptCount val="1"/>
+                    </c:strCache>
+                  </c:strRef>
+                </c:tx>
+                <c:spPr>
+                  <a:solidFill>
+                    <a:schemeClr val="accent2">
+                      <a:lumMod val="60000"/>
+                    </a:schemeClr>
+                  </a:solidFill>
+                  <a:ln>
+                    <a:noFill/>
+                  </a:ln>
+                  <a:effectLst/>
+                </c:spPr>
+                <c:invertIfNegative val="0"/>
+                <c:dLbls>
+                  <c:spPr>
+                    <a:noFill/>
+                    <a:ln>
+                      <a:noFill/>
+                    </a:ln>
+                    <a:effectLst/>
+                  </c:spPr>
+                  <c:txPr>
+                    <a:bodyPr rot="0" spcFirstLastPara="1" vertOverflow="ellipsis" vert="horz" wrap="square" lIns="38100" tIns="19050" rIns="38100" bIns="19050" anchor="ctr" anchorCtr="1">
+                      <a:spAutoFit/>
+                    </a:bodyPr>
+                    <a:lstStyle/>
+                    <a:p>
+                      <a:pPr>
+                        <a:defRPr sz="1197" b="0" i="0" u="none" strike="noStrike" kern="1200" baseline="0">
+                          <a:solidFill>
+                            <a:schemeClr val="tx1">
+                              <a:lumMod val="75000"/>
+                              <a:lumOff val="25000"/>
+                            </a:schemeClr>
+                          </a:solidFill>
+                          <a:latin typeface="+mn-lt"/>
+                          <a:ea typeface="+mn-ea"/>
+                          <a:cs typeface="+mn-cs"/>
+                        </a:defRPr>
+                      </a:pPr>
+                      <a:endParaRPr lang="de-DE"/>
+                    </a:p>
+                  </c:txPr>
+                  <c:dLblPos val="outEnd"/>
+                  <c:showLegendKey val="0"/>
+                  <c:showVal val="1"/>
+                  <c:showCatName val="0"/>
+                  <c:showSerName val="0"/>
+                  <c:showPercent val="0"/>
+                  <c:showBubbleSize val="0"/>
+                  <c:showLeaderLines val="0"/>
+                  <c:extLst>
+                    <c:ext uri="{CE6537A1-D6FC-4f65-9D91-7224C49458BB}">
+                      <c15:showLeaderLines val="1"/>
+                      <c15:leaderLines>
+                        <c:spPr>
+                          <a:ln w="9525" cap="flat" cmpd="sng" algn="ctr">
+                            <a:solidFill>
+                              <a:schemeClr val="tx1">
+                                <a:lumMod val="35000"/>
+                                <a:lumOff val="65000"/>
+                              </a:schemeClr>
+                            </a:solidFill>
+                            <a:round/>
+                          </a:ln>
+                          <a:effectLst/>
+                        </c:spPr>
+                      </c15:leaderLines>
+                    </c:ext>
+                  </c:extLst>
+                </c:dLbls>
+                <c:cat>
+                  <c:strRef>
+                    <c:extLst>
+                      <c:ext uri="{02D57815-91ED-43cb-92C2-25804820EDAC}">
+                        <c15:formulaRef>
+                          <c15:sqref>Tabelle1!$A$2:$A$5</c15:sqref>
+                        </c15:formulaRef>
+                      </c:ext>
+                    </c:extLst>
+                    <c:strCache>
+                      <c:ptCount val="3"/>
+                      <c:pt idx="0">
+                        <c:v>Accuracy</c:v>
+                      </c:pt>
+                      <c:pt idx="1">
+                        <c:v>Precision</c:v>
+                      </c:pt>
+                      <c:pt idx="2">
+                        <c:v>Recall</c:v>
+                      </c:pt>
+                    </c:strCache>
+                  </c:strRef>
+                </c:cat>
+                <c:val>
+                  <c:numRef>
+                    <c:extLst>
+                      <c:ext uri="{02D57815-91ED-43cb-92C2-25804820EDAC}">
+                        <c15:formulaRef>
+                          <c15:sqref>Tabelle1!$J$2:$J$4</c15:sqref>
+                        </c15:formulaRef>
+                      </c:ext>
+                    </c:extLst>
+                    <c:numCache>
+                      <c:formatCode>General</c:formatCode>
+                      <c:ptCount val="3"/>
+                    </c:numCache>
+                  </c:numRef>
+                </c:val>
+                <c:extLst>
+                  <c:ext xmlns:c16="http://schemas.microsoft.com/office/drawing/2014/chart" uri="{C3380CC4-5D6E-409C-BE32-E72D297353CC}">
+                    <c16:uniqueId val="{00000001-6F8B-40BE-A1A0-98B4AA3C9139}"/>
+                  </c:ext>
+                </c:extLst>
+              </c15:ser>
+            </c15:filteredBarSeries>
+          </c:ext>
+        </c:extLst>
       </c:barChart>
       <c:catAx>
         <c:axId val="819986456"/>
@@ -3449,23 +3455,93 @@
               </a:defRPr>
             </a:pPr>
             <a:r>
-              <a:rPr lang="de-DE" dirty="0"/>
+              <a:rPr kumimoji="0" lang="de-DE" sz="1862" b="0" i="0" u="none" strike="noStrike" kern="1200" cap="none" spc="0" normalizeH="0" baseline="0" noProof="0" dirty="0">
+                <a:ln>
+                  <a:noFill/>
+                </a:ln>
+                <a:solidFill>
+                  <a:srgbClr val="000000">
+                    <a:lumMod val="65000"/>
+                    <a:lumOff val="35000"/>
+                  </a:srgbClr>
+                </a:solidFill>
+                <a:effectLst/>
+                <a:uLnTx/>
+                <a:uFillTx/>
+                <a:latin typeface="Tw Cen MT" panose="020B0502020104020203"/>
+              </a:rPr>
               <a:t>Model  </a:t>
             </a:r>
             <a:r>
-              <a:rPr lang="de-DE" dirty="0" err="1"/>
+              <a:rPr kumimoji="0" lang="de-DE" sz="1862" b="0" i="0" u="none" strike="noStrike" kern="1200" cap="none" spc="0" normalizeH="0" baseline="0" noProof="0" dirty="0" err="1">
+                <a:ln>
+                  <a:noFill/>
+                </a:ln>
+                <a:solidFill>
+                  <a:srgbClr val="000000">
+                    <a:lumMod val="65000"/>
+                    <a:lumOff val="35000"/>
+                  </a:srgbClr>
+                </a:solidFill>
+                <a:effectLst/>
+                <a:uLnTx/>
+                <a:uFillTx/>
+                <a:latin typeface="Tw Cen MT" panose="020B0502020104020203"/>
+              </a:rPr>
               <a:t>weights</a:t>
             </a:r>
             <a:r>
-              <a:rPr lang="de-DE" baseline="0" dirty="0"/>
+              <a:rPr kumimoji="0" lang="de-DE" sz="1862" b="0" i="0" u="none" strike="noStrike" kern="1200" cap="none" spc="0" normalizeH="0" baseline="0" noProof="0" dirty="0">
+                <a:ln>
+                  <a:noFill/>
+                </a:ln>
+                <a:solidFill>
+                  <a:srgbClr val="000000">
+                    <a:lumMod val="65000"/>
+                    <a:lumOff val="35000"/>
+                  </a:srgbClr>
+                </a:solidFill>
+                <a:effectLst/>
+                <a:uLnTx/>
+                <a:uFillTx/>
+                <a:latin typeface="Tw Cen MT" panose="020B0502020104020203"/>
+              </a:rPr>
               <a:t> </a:t>
             </a:r>
             <a:r>
-              <a:rPr lang="de-DE" baseline="0" dirty="0" err="1"/>
+              <a:rPr kumimoji="0" lang="de-DE" sz="1862" b="0" i="0" u="none" strike="noStrike" kern="1200" cap="none" spc="0" normalizeH="0" baseline="0" noProof="0" dirty="0" err="1">
+                <a:ln>
+                  <a:noFill/>
+                </a:ln>
+                <a:solidFill>
+                  <a:srgbClr val="000000">
+                    <a:lumMod val="65000"/>
+                    <a:lumOff val="35000"/>
+                  </a:srgbClr>
+                </a:solidFill>
+                <a:effectLst/>
+                <a:uLnTx/>
+                <a:uFillTx/>
+                <a:latin typeface="Tw Cen MT" panose="020B0502020104020203"/>
+              </a:rPr>
               <a:t>comparison</a:t>
             </a:r>
             <a:r>
-              <a:rPr lang="de-DE" dirty="0"/>
+              <a:rPr kumimoji="0" lang="de-DE" sz="1862" b="0" i="0" u="none" strike="noStrike" kern="1200" cap="none" spc="0" normalizeH="0" baseline="0" noProof="0" dirty="0">
+                <a:ln>
+                  <a:noFill/>
+                </a:ln>
+                <a:solidFill>
+                  <a:srgbClr val="000000">
+                    <a:lumMod val="65000"/>
+                    <a:lumOff val="35000"/>
+                  </a:srgbClr>
+                </a:solidFill>
+                <a:effectLst/>
+                <a:uLnTx/>
+                <a:uFillTx/>
+                <a:latin typeface="Tw Cen MT" panose="020B0502020104020203"/>
+              </a:rPr>
               <a:t> </a:t>
             </a:r>
           </a:p>
@@ -3562,7 +3638,7 @@
           </c:val>
           <c:extLst>
             <c:ext xmlns:c16="http://schemas.microsoft.com/office/drawing/2014/chart" uri="{C3380CC4-5D6E-409C-BE32-E72D297353CC}">
-              <c16:uniqueId val="{00000000-CB1C-4803-8449-D9D4C366A9FF}"/>
+              <c16:uniqueId val="{00000000-BA53-4FB2-B5FC-91EB07F98940}"/>
             </c:ext>
           </c:extLst>
         </c:ser>
@@ -3621,7 +3697,7 @@
           </c:val>
           <c:extLst>
             <c:ext xmlns:c16="http://schemas.microsoft.com/office/drawing/2014/chart" uri="{C3380CC4-5D6E-409C-BE32-E72D297353CC}">
-              <c16:uniqueId val="{00000001-CB1C-4803-8449-D9D4C366A9FF}"/>
+              <c16:uniqueId val="{00000001-BA53-4FB2-B5FC-91EB07F98940}"/>
             </c:ext>
           </c:extLst>
         </c:ser>
@@ -3680,7 +3756,7 @@
           </c:val>
           <c:extLst>
             <c:ext xmlns:c16="http://schemas.microsoft.com/office/drawing/2014/chart" uri="{C3380CC4-5D6E-409C-BE32-E72D297353CC}">
-              <c16:uniqueId val="{00000002-CB1C-4803-8449-D9D4C366A9FF}"/>
+              <c16:uniqueId val="{00000002-BA53-4FB2-B5FC-91EB07F98940}"/>
             </c:ext>
           </c:extLst>
         </c:ser>
@@ -3739,7 +3815,7 @@
           </c:val>
           <c:extLst>
             <c:ext xmlns:c16="http://schemas.microsoft.com/office/drawing/2014/chart" uri="{C3380CC4-5D6E-409C-BE32-E72D297353CC}">
-              <c16:uniqueId val="{00000003-CB1C-4803-8449-D9D4C366A9FF}"/>
+              <c16:uniqueId val="{00000003-BA53-4FB2-B5FC-91EB07F98940}"/>
             </c:ext>
           </c:extLst>
         </c:ser>
@@ -3798,7 +3874,7 @@
           </c:val>
           <c:extLst>
             <c:ext xmlns:c16="http://schemas.microsoft.com/office/drawing/2014/chart" uri="{C3380CC4-5D6E-409C-BE32-E72D297353CC}">
-              <c16:uniqueId val="{00000004-CB1C-4803-8449-D9D4C366A9FF}"/>
+              <c16:uniqueId val="{00000004-BA53-4FB2-B5FC-91EB07F98940}"/>
             </c:ext>
           </c:extLst>
         </c:ser>
@@ -3857,7 +3933,7 @@
           </c:val>
           <c:extLst>
             <c:ext xmlns:c16="http://schemas.microsoft.com/office/drawing/2014/chart" uri="{C3380CC4-5D6E-409C-BE32-E72D297353CC}">
-              <c16:uniqueId val="{00000000-06AE-42F0-BE62-1B571509FCEA}"/>
+              <c16:uniqueId val="{00000005-BA53-4FB2-B5FC-91EB07F98940}"/>
             </c:ext>
           </c:extLst>
         </c:ser>
@@ -3918,7 +3994,7 @@
           </c:val>
           <c:extLst>
             <c:ext xmlns:c16="http://schemas.microsoft.com/office/drawing/2014/chart" uri="{C3380CC4-5D6E-409C-BE32-E72D297353CC}">
-              <c16:uniqueId val="{00000000-AF2F-462C-93BE-40BF4BFF6F86}"/>
+              <c16:uniqueId val="{00000006-BA53-4FB2-B5FC-91EB07F98940}"/>
             </c:ext>
           </c:extLst>
         </c:ser>
@@ -3979,7 +4055,7 @@
           </c:val>
           <c:extLst>
             <c:ext xmlns:c16="http://schemas.microsoft.com/office/drawing/2014/chart" uri="{C3380CC4-5D6E-409C-BE32-E72D297353CC}">
-              <c16:uniqueId val="{00000001-AF2F-462C-93BE-40BF4BFF6F86}"/>
+              <c16:uniqueId val="{00000007-BA53-4FB2-B5FC-91EB07F98940}"/>
             </c:ext>
           </c:extLst>
         </c:ser>
@@ -4040,7 +4116,7 @@
           </c:val>
           <c:extLst>
             <c:ext xmlns:c16="http://schemas.microsoft.com/office/drawing/2014/chart" uri="{C3380CC4-5D6E-409C-BE32-E72D297353CC}">
-              <c16:uniqueId val="{00000002-AF2F-462C-93BE-40BF4BFF6F86}"/>
+              <c16:uniqueId val="{00000008-BA53-4FB2-B5FC-91EB07F98940}"/>
             </c:ext>
           </c:extLst>
         </c:ser>
@@ -4101,7 +4177,7 @@
           </c:val>
           <c:extLst>
             <c:ext xmlns:c16="http://schemas.microsoft.com/office/drawing/2014/chart" uri="{C3380CC4-5D6E-409C-BE32-E72D297353CC}">
-              <c16:uniqueId val="{00000003-AF2F-462C-93BE-40BF4BFF6F86}"/>
+              <c16:uniqueId val="{00000009-BA53-4FB2-B5FC-91EB07F98940}"/>
             </c:ext>
           </c:extLst>
         </c:ser>
@@ -4162,7 +4238,7 @@
           </c:val>
           <c:extLst>
             <c:ext xmlns:c16="http://schemas.microsoft.com/office/drawing/2014/chart" uri="{C3380CC4-5D6E-409C-BE32-E72D297353CC}">
-              <c16:uniqueId val="{00000004-AF2F-462C-93BE-40BF4BFF6F86}"/>
+              <c16:uniqueId val="{0000000A-BA53-4FB2-B5FC-91EB07F98940}"/>
             </c:ext>
           </c:extLst>
         </c:ser>
@@ -4223,7 +4299,7 @@
           </c:val>
           <c:extLst>
             <c:ext xmlns:c16="http://schemas.microsoft.com/office/drawing/2014/chart" uri="{C3380CC4-5D6E-409C-BE32-E72D297353CC}">
-              <c16:uniqueId val="{00000005-AF2F-462C-93BE-40BF4BFF6F86}"/>
+              <c16:uniqueId val="{0000000B-BA53-4FB2-B5FC-91EB07F98940}"/>
             </c:ext>
           </c:extLst>
         </c:ser>
@@ -4285,7 +4361,7 @@
           </c:val>
           <c:extLst>
             <c:ext xmlns:c16="http://schemas.microsoft.com/office/drawing/2014/chart" uri="{C3380CC4-5D6E-409C-BE32-E72D297353CC}">
-              <c16:uniqueId val="{00000006-AF2F-462C-93BE-40BF4BFF6F86}"/>
+              <c16:uniqueId val="{0000000C-BA53-4FB2-B5FC-91EB07F98940}"/>
             </c:ext>
           </c:extLst>
         </c:ser>
@@ -4347,7 +4423,7 @@
           </c:val>
           <c:extLst>
             <c:ext xmlns:c16="http://schemas.microsoft.com/office/drawing/2014/chart" uri="{C3380CC4-5D6E-409C-BE32-E72D297353CC}">
-              <c16:uniqueId val="{00000007-AF2F-462C-93BE-40BF4BFF6F86}"/>
+              <c16:uniqueId val="{0000000D-BA53-4FB2-B5FC-91EB07F98940}"/>
             </c:ext>
           </c:extLst>
         </c:ser>
@@ -4409,7 +4485,7 @@
           </c:val>
           <c:extLst>
             <c:ext xmlns:c16="http://schemas.microsoft.com/office/drawing/2014/chart" uri="{C3380CC4-5D6E-409C-BE32-E72D297353CC}">
-              <c16:uniqueId val="{00000008-AF2F-462C-93BE-40BF4BFF6F86}"/>
+              <c16:uniqueId val="{0000000E-BA53-4FB2-B5FC-91EB07F98940}"/>
             </c:ext>
           </c:extLst>
         </c:ser>
@@ -4471,7 +4547,7 @@
           </c:val>
           <c:extLst>
             <c:ext xmlns:c16="http://schemas.microsoft.com/office/drawing/2014/chart" uri="{C3380CC4-5D6E-409C-BE32-E72D297353CC}">
-              <c16:uniqueId val="{00000009-AF2F-462C-93BE-40BF4BFF6F86}"/>
+              <c16:uniqueId val="{0000000F-BA53-4FB2-B5FC-91EB07F98940}"/>
             </c:ext>
           </c:extLst>
         </c:ser>
@@ -4533,7 +4609,7 @@
           </c:val>
           <c:extLst>
             <c:ext xmlns:c16="http://schemas.microsoft.com/office/drawing/2014/chart" uri="{C3380CC4-5D6E-409C-BE32-E72D297353CC}">
-              <c16:uniqueId val="{0000000A-AF2F-462C-93BE-40BF4BFF6F86}"/>
+              <c16:uniqueId val="{00000010-BA53-4FB2-B5FC-91EB07F98940}"/>
             </c:ext>
           </c:extLst>
         </c:ser>
@@ -4595,7 +4671,7 @@
           </c:val>
           <c:extLst>
             <c:ext xmlns:c16="http://schemas.microsoft.com/office/drawing/2014/chart" uri="{C3380CC4-5D6E-409C-BE32-E72D297353CC}">
-              <c16:uniqueId val="{0000000B-AF2F-462C-93BE-40BF4BFF6F86}"/>
+              <c16:uniqueId val="{00000011-BA53-4FB2-B5FC-91EB07F98940}"/>
             </c:ext>
           </c:extLst>
         </c:ser>
@@ -4656,7 +4732,7 @@
           </c:val>
           <c:extLst>
             <c:ext xmlns:c16="http://schemas.microsoft.com/office/drawing/2014/chart" uri="{C3380CC4-5D6E-409C-BE32-E72D297353CC}">
-              <c16:uniqueId val="{0000000C-AF2F-462C-93BE-40BF4BFF6F86}"/>
+              <c16:uniqueId val="{00000012-BA53-4FB2-B5FC-91EB07F98940}"/>
             </c:ext>
           </c:extLst>
         </c:ser>
@@ -4717,7 +4793,7 @@
           </c:val>
           <c:extLst>
             <c:ext xmlns:c16="http://schemas.microsoft.com/office/drawing/2014/chart" uri="{C3380CC4-5D6E-409C-BE32-E72D297353CC}">
-              <c16:uniqueId val="{0000000D-AF2F-462C-93BE-40BF4BFF6F86}"/>
+              <c16:uniqueId val="{00000013-BA53-4FB2-B5FC-91EB07F98940}"/>
             </c:ext>
           </c:extLst>
         </c:ser>
@@ -4778,7 +4854,7 @@
           </c:val>
           <c:extLst>
             <c:ext xmlns:c16="http://schemas.microsoft.com/office/drawing/2014/chart" uri="{C3380CC4-5D6E-409C-BE32-E72D297353CC}">
-              <c16:uniqueId val="{0000000E-AF2F-462C-93BE-40BF4BFF6F86}"/>
+              <c16:uniqueId val="{00000014-BA53-4FB2-B5FC-91EB07F98940}"/>
             </c:ext>
           </c:extLst>
         </c:ser>
@@ -4839,7 +4915,7 @@
           </c:val>
           <c:extLst>
             <c:ext xmlns:c16="http://schemas.microsoft.com/office/drawing/2014/chart" uri="{C3380CC4-5D6E-409C-BE32-E72D297353CC}">
-              <c16:uniqueId val="{0000000F-AF2F-462C-93BE-40BF4BFF6F86}"/>
+              <c16:uniqueId val="{00000015-BA53-4FB2-B5FC-91EB07F98940}"/>
             </c:ext>
           </c:extLst>
         </c:ser>
@@ -4900,7 +4976,7 @@
           </c:val>
           <c:extLst>
             <c:ext xmlns:c16="http://schemas.microsoft.com/office/drawing/2014/chart" uri="{C3380CC4-5D6E-409C-BE32-E72D297353CC}">
-              <c16:uniqueId val="{00000010-AF2F-462C-93BE-40BF4BFF6F86}"/>
+              <c16:uniqueId val="{00000016-BA53-4FB2-B5FC-91EB07F98940}"/>
             </c:ext>
           </c:extLst>
         </c:ser>
@@ -4961,7 +5037,7 @@
           </c:val>
           <c:extLst>
             <c:ext xmlns:c16="http://schemas.microsoft.com/office/drawing/2014/chart" uri="{C3380CC4-5D6E-409C-BE32-E72D297353CC}">
-              <c16:uniqueId val="{00000011-AF2F-462C-93BE-40BF4BFF6F86}"/>
+              <c16:uniqueId val="{00000017-BA53-4FB2-B5FC-91EB07F98940}"/>
             </c:ext>
           </c:extLst>
         </c:ser>
@@ -5023,7 +5099,7 @@
           </c:val>
           <c:extLst>
             <c:ext xmlns:c16="http://schemas.microsoft.com/office/drawing/2014/chart" uri="{C3380CC4-5D6E-409C-BE32-E72D297353CC}">
-              <c16:uniqueId val="{00000012-AF2F-462C-93BE-40BF4BFF6F86}"/>
+              <c16:uniqueId val="{00000018-BA53-4FB2-B5FC-91EB07F98940}"/>
             </c:ext>
           </c:extLst>
         </c:ser>
@@ -5085,7 +5161,7 @@
           </c:val>
           <c:extLst>
             <c:ext xmlns:c16="http://schemas.microsoft.com/office/drawing/2014/chart" uri="{C3380CC4-5D6E-409C-BE32-E72D297353CC}">
-              <c16:uniqueId val="{00000013-AF2F-462C-93BE-40BF4BFF6F86}"/>
+              <c16:uniqueId val="{00000019-BA53-4FB2-B5FC-91EB07F98940}"/>
             </c:ext>
           </c:extLst>
         </c:ser>
@@ -5097,12 +5173,12 @@
           <c:showPercent val="0"/>
           <c:showBubbleSize val="0"/>
         </c:dLbls>
-        <c:gapWidth val="150"/>
-        <c:axId val="819986456"/>
-        <c:axId val="819983832"/>
+        <c:gapWidth val="219"/>
+        <c:axId val="1922890256"/>
+        <c:axId val="1630652144"/>
       </c:barChart>
       <c:catAx>
-        <c:axId val="819986456"/>
+        <c:axId val="1922890256"/>
         <c:scaling>
           <c:orientation val="minMax"/>
         </c:scaling>
@@ -5145,7 +5221,7 @@
             <a:endParaRPr lang="de-DE"/>
           </a:p>
         </c:txPr>
-        <c:crossAx val="819983832"/>
+        <c:crossAx val="1630652144"/>
         <c:crosses val="autoZero"/>
         <c:auto val="1"/>
         <c:lblAlgn val="ctr"/>
@@ -5153,7 +5229,7 @@
         <c:noMultiLvlLbl val="0"/>
       </c:catAx>
       <c:valAx>
-        <c:axId val="819983832"/>
+        <c:axId val="1630652144"/>
         <c:scaling>
           <c:orientation val="minMax"/>
         </c:scaling>
@@ -5204,7 +5280,7 @@
             <a:endParaRPr lang="de-DE"/>
           </a:p>
         </c:txPr>
-        <c:crossAx val="819986456"/>
+        <c:crossAx val="1922890256"/>
         <c:crosses val="autoZero"/>
         <c:crossBetween val="between"/>
       </c:valAx>
@@ -5217,7 +5293,7 @@
       </c:spPr>
     </c:plotArea>
     <c:legend>
-      <c:legendPos val="r"/>
+      <c:legendPos val="b"/>
       <c:overlay val="0"/>
       <c:spPr>
         <a:noFill/>
@@ -5249,6 +5325,1752 @@
     </c:legend>
     <c:plotVisOnly val="1"/>
     <c:dispBlanksAs val="gap"/>
+    <c:extLst>
+      <c:ext xmlns:c16r3="http://schemas.microsoft.com/office/drawing/2017/03/chart" uri="{56B9EC1D-385E-4148-901F-78D8002777C0}">
+        <c16r3:dataDisplayOptions16>
+          <c16r3:dispNaAsBlank val="1"/>
+        </c16r3:dataDisplayOptions16>
+      </c:ext>
+    </c:extLst>
+    <c:showDLblsOverMax val="0"/>
+  </c:chart>
+  <c:spPr>
+    <a:noFill/>
+    <a:ln>
+      <a:noFill/>
+    </a:ln>
+    <a:effectLst/>
+  </c:spPr>
+  <c:txPr>
+    <a:bodyPr/>
+    <a:lstStyle/>
+    <a:p>
+      <a:pPr>
+        <a:defRPr/>
+      </a:pPr>
+      <a:endParaRPr lang="de-DE"/>
+    </a:p>
+  </c:txPr>
+  <c:externalData r:id="rId3">
+    <c:autoUpdate val="0"/>
+  </c:externalData>
+</c:chartSpace>
+</file>
+
+<file path=ppt/charts/chart5.xml><?xml version="1.0" encoding="utf-8"?>
+<c:chartSpace xmlns:c="http://schemas.openxmlformats.org/drawingml/2006/chart" xmlns:a="http://schemas.openxmlformats.org/drawingml/2006/main" xmlns:r="http://schemas.openxmlformats.org/officeDocument/2006/relationships" xmlns:c16r2="http://schemas.microsoft.com/office/drawing/2015/06/chart">
+  <c:date1904 val="0"/>
+  <c:lang val="de-DE"/>
+  <c:roundedCorners val="0"/>
+  <mc:AlternateContent xmlns:mc="http://schemas.openxmlformats.org/markup-compatibility/2006">
+    <mc:Choice xmlns:c14="http://schemas.microsoft.com/office/drawing/2007/8/2/chart" Requires="c14">
+      <c14:style val="102"/>
+    </mc:Choice>
+    <mc:Fallback>
+      <c:style val="2"/>
+    </mc:Fallback>
+  </mc:AlternateContent>
+  <c:chart>
+    <c:autoTitleDeleted val="1"/>
+    <c:plotArea>
+      <c:layout>
+        <c:manualLayout>
+          <c:layoutTarget val="inner"/>
+          <c:xMode val="edge"/>
+          <c:yMode val="edge"/>
+          <c:x val="0.21433224991953725"/>
+          <c:y val="1.8490960276466989E-2"/>
+          <c:w val="0.77300223482427388"/>
+          <c:h val="6.0141550484888041E-2"/>
+        </c:manualLayout>
+      </c:layout>
+      <c:barChart>
+        <c:barDir val="col"/>
+        <c:grouping val="clustered"/>
+        <c:varyColors val="0"/>
+        <c:ser>
+          <c:idx val="0"/>
+          <c:order val="0"/>
+          <c:tx>
+            <c:strRef>
+              <c:f>Tabelle1!$B$1</c:f>
+              <c:strCache>
+                <c:ptCount val="1"/>
+                <c:pt idx="0">
+                  <c:v>average Popularity Main Artist </c:v>
+                </c:pt>
+              </c:strCache>
+            </c:strRef>
+          </c:tx>
+          <c:spPr>
+            <a:solidFill>
+              <a:schemeClr val="accent1"/>
+            </a:solidFill>
+            <a:ln>
+              <a:noFill/>
+            </a:ln>
+            <a:effectLst/>
+          </c:spPr>
+          <c:invertIfNegative val="0"/>
+          <c:cat>
+            <c:strRef>
+              <c:f>Tabelle1!$A$2:$A$3</c:f>
+              <c:strCache>
+                <c:ptCount val="2"/>
+                <c:pt idx="0">
+                  <c:v>Weights first iteration</c:v>
+                </c:pt>
+                <c:pt idx="1">
+                  <c:v>Weights second iteration</c:v>
+                </c:pt>
+              </c:strCache>
+            </c:strRef>
+          </c:cat>
+          <c:val>
+            <c:numRef>
+              <c:f>Tabelle1!$B$2:$B$3</c:f>
+              <c:numCache>
+                <c:formatCode>0.000</c:formatCode>
+                <c:ptCount val="2"/>
+                <c:pt idx="0" formatCode="_-* #,##0.000_-;\-* #,##0.000_-;_-* &quot;-&quot;??_-;_-@_-">
+                  <c:v>0</c:v>
+                </c:pt>
+                <c:pt idx="1">
+                  <c:v>8.4919741035776805E-2</c:v>
+                </c:pt>
+              </c:numCache>
+            </c:numRef>
+          </c:val>
+          <c:extLst>
+            <c:ext xmlns:c16="http://schemas.microsoft.com/office/drawing/2014/chart" uri="{C3380CC4-5D6E-409C-BE32-E72D297353CC}">
+              <c16:uniqueId val="{00000000-BA53-4FB2-B5FC-91EB07F98940}"/>
+            </c:ext>
+          </c:extLst>
+        </c:ser>
+        <c:ser>
+          <c:idx val="1"/>
+          <c:order val="1"/>
+          <c:tx>
+            <c:strRef>
+              <c:f>Tabelle1!$C$1</c:f>
+              <c:strCache>
+                <c:ptCount val="1"/>
+                <c:pt idx="0">
+                  <c:v>average Follower Main Artist </c:v>
+                </c:pt>
+              </c:strCache>
+            </c:strRef>
+          </c:tx>
+          <c:spPr>
+            <a:solidFill>
+              <a:schemeClr val="accent2"/>
+            </a:solidFill>
+            <a:ln>
+              <a:noFill/>
+            </a:ln>
+            <a:effectLst/>
+          </c:spPr>
+          <c:invertIfNegative val="0"/>
+          <c:cat>
+            <c:strRef>
+              <c:f>Tabelle1!$A$2:$A$3</c:f>
+              <c:strCache>
+                <c:ptCount val="2"/>
+                <c:pt idx="0">
+                  <c:v>Weights first iteration</c:v>
+                </c:pt>
+                <c:pt idx="1">
+                  <c:v>Weights second iteration</c:v>
+                </c:pt>
+              </c:strCache>
+            </c:strRef>
+          </c:cat>
+          <c:val>
+            <c:numRef>
+              <c:f>Tabelle1!$C$2:$C$3</c:f>
+              <c:numCache>
+                <c:formatCode>0.000</c:formatCode>
+                <c:ptCount val="2"/>
+                <c:pt idx="0" formatCode="_-* #,##0.000_-;\-* #,##0.000_-;_-* &quot;-&quot;??_-;_-@_-">
+                  <c:v>0</c:v>
+                </c:pt>
+                <c:pt idx="1">
+                  <c:v>7.6902151035924501E-2</c:v>
+                </c:pt>
+              </c:numCache>
+            </c:numRef>
+          </c:val>
+          <c:extLst>
+            <c:ext xmlns:c16="http://schemas.microsoft.com/office/drawing/2014/chart" uri="{C3380CC4-5D6E-409C-BE32-E72D297353CC}">
+              <c16:uniqueId val="{00000001-BA53-4FB2-B5FC-91EB07F98940}"/>
+            </c:ext>
+          </c:extLst>
+        </c:ser>
+        <c:ser>
+          <c:idx val="2"/>
+          <c:order val="2"/>
+          <c:tx>
+            <c:strRef>
+              <c:f>Tabelle1!$D$1</c:f>
+              <c:strCache>
+                <c:ptCount val="1"/>
+                <c:pt idx="0">
+                  <c:v>Follower main Artist</c:v>
+                </c:pt>
+              </c:strCache>
+            </c:strRef>
+          </c:tx>
+          <c:spPr>
+            <a:solidFill>
+              <a:schemeClr val="accent3"/>
+            </a:solidFill>
+            <a:ln>
+              <a:noFill/>
+            </a:ln>
+            <a:effectLst/>
+          </c:spPr>
+          <c:invertIfNegative val="0"/>
+          <c:cat>
+            <c:strRef>
+              <c:f>Tabelle1!$A$2:$A$3</c:f>
+              <c:strCache>
+                <c:ptCount val="2"/>
+                <c:pt idx="0">
+                  <c:v>Weights first iteration</c:v>
+                </c:pt>
+                <c:pt idx="1">
+                  <c:v>Weights second iteration</c:v>
+                </c:pt>
+              </c:strCache>
+            </c:strRef>
+          </c:cat>
+          <c:val>
+            <c:numRef>
+              <c:f>Tabelle1!$D$2:$D$3</c:f>
+              <c:numCache>
+                <c:formatCode>0.000</c:formatCode>
+                <c:ptCount val="2"/>
+                <c:pt idx="0" formatCode="_-* #,##0.000_-;\-* #,##0.000_-;_-* &quot;-&quot;??_-;_-@_-">
+                  <c:v>0</c:v>
+                </c:pt>
+                <c:pt idx="1">
+                  <c:v>6.2895379116795005E-2</c:v>
+                </c:pt>
+              </c:numCache>
+            </c:numRef>
+          </c:val>
+          <c:extLst>
+            <c:ext xmlns:c16="http://schemas.microsoft.com/office/drawing/2014/chart" uri="{C3380CC4-5D6E-409C-BE32-E72D297353CC}">
+              <c16:uniqueId val="{00000002-BA53-4FB2-B5FC-91EB07F98940}"/>
+            </c:ext>
+          </c:extLst>
+        </c:ser>
+        <c:ser>
+          <c:idx val="3"/>
+          <c:order val="3"/>
+          <c:tx>
+            <c:strRef>
+              <c:f>Tabelle1!$E$1</c:f>
+              <c:strCache>
+                <c:ptCount val="1"/>
+                <c:pt idx="0">
+                  <c:v>loudness</c:v>
+                </c:pt>
+              </c:strCache>
+            </c:strRef>
+          </c:tx>
+          <c:spPr>
+            <a:solidFill>
+              <a:schemeClr val="accent4"/>
+            </a:solidFill>
+            <a:ln>
+              <a:noFill/>
+            </a:ln>
+            <a:effectLst/>
+          </c:spPr>
+          <c:invertIfNegative val="0"/>
+          <c:cat>
+            <c:strRef>
+              <c:f>Tabelle1!$A$2:$A$3</c:f>
+              <c:strCache>
+                <c:ptCount val="2"/>
+                <c:pt idx="0">
+                  <c:v>Weights first iteration</c:v>
+                </c:pt>
+                <c:pt idx="1">
+                  <c:v>Weights second iteration</c:v>
+                </c:pt>
+              </c:strCache>
+            </c:strRef>
+          </c:cat>
+          <c:val>
+            <c:numRef>
+              <c:f>Tabelle1!$E$2:$E$3</c:f>
+              <c:numCache>
+                <c:formatCode>0.000</c:formatCode>
+                <c:ptCount val="2"/>
+                <c:pt idx="0" formatCode="_-* #,##0.000_-;\-* #,##0.000_-;_-* &quot;-&quot;??_-;_-@_-">
+                  <c:v>0.13800000000000001</c:v>
+                </c:pt>
+                <c:pt idx="1">
+                  <c:v>5.7205244354562201E-2</c:v>
+                </c:pt>
+              </c:numCache>
+            </c:numRef>
+          </c:val>
+          <c:extLst>
+            <c:ext xmlns:c16="http://schemas.microsoft.com/office/drawing/2014/chart" uri="{C3380CC4-5D6E-409C-BE32-E72D297353CC}">
+              <c16:uniqueId val="{00000003-BA53-4FB2-B5FC-91EB07F98940}"/>
+            </c:ext>
+          </c:extLst>
+        </c:ser>
+        <c:ser>
+          <c:idx val="4"/>
+          <c:order val="4"/>
+          <c:tx>
+            <c:strRef>
+              <c:f>Tabelle1!$F$1</c:f>
+              <c:strCache>
+                <c:ptCount val="1"/>
+                <c:pt idx="0">
+                  <c:v>maximum Follower Main artist</c:v>
+                </c:pt>
+              </c:strCache>
+            </c:strRef>
+          </c:tx>
+          <c:spPr>
+            <a:solidFill>
+              <a:schemeClr val="accent5"/>
+            </a:solidFill>
+            <a:ln>
+              <a:noFill/>
+            </a:ln>
+            <a:effectLst/>
+          </c:spPr>
+          <c:invertIfNegative val="0"/>
+          <c:cat>
+            <c:strRef>
+              <c:f>Tabelle1!$A$2:$A$3</c:f>
+              <c:strCache>
+                <c:ptCount val="2"/>
+                <c:pt idx="0">
+                  <c:v>Weights first iteration</c:v>
+                </c:pt>
+                <c:pt idx="1">
+                  <c:v>Weights second iteration</c:v>
+                </c:pt>
+              </c:strCache>
+            </c:strRef>
+          </c:cat>
+          <c:val>
+            <c:numRef>
+              <c:f>Tabelle1!$F$2:$F$3</c:f>
+              <c:numCache>
+                <c:formatCode>0.000</c:formatCode>
+                <c:ptCount val="2"/>
+                <c:pt idx="0" formatCode="_-* #,##0.000_-;\-* #,##0.000_-;_-* &quot;-&quot;??_-;_-@_-">
+                  <c:v>0</c:v>
+                </c:pt>
+                <c:pt idx="1">
+                  <c:v>5.60296176787137E-2</c:v>
+                </c:pt>
+              </c:numCache>
+            </c:numRef>
+          </c:val>
+          <c:extLst>
+            <c:ext xmlns:c16="http://schemas.microsoft.com/office/drawing/2014/chart" uri="{C3380CC4-5D6E-409C-BE32-E72D297353CC}">
+              <c16:uniqueId val="{00000004-BA53-4FB2-B5FC-91EB07F98940}"/>
+            </c:ext>
+          </c:extLst>
+        </c:ser>
+        <c:ser>
+          <c:idx val="5"/>
+          <c:order val="5"/>
+          <c:tx>
+            <c:strRef>
+              <c:f>Tabelle1!$G$1</c:f>
+              <c:strCache>
+                <c:ptCount val="1"/>
+                <c:pt idx="0">
+                  <c:v>tempo</c:v>
+                </c:pt>
+              </c:strCache>
+            </c:strRef>
+          </c:tx>
+          <c:spPr>
+            <a:solidFill>
+              <a:schemeClr val="accent6"/>
+            </a:solidFill>
+            <a:ln>
+              <a:noFill/>
+            </a:ln>
+            <a:effectLst/>
+          </c:spPr>
+          <c:invertIfNegative val="0"/>
+          <c:cat>
+            <c:strRef>
+              <c:f>Tabelle1!$A$2:$A$3</c:f>
+              <c:strCache>
+                <c:ptCount val="2"/>
+                <c:pt idx="0">
+                  <c:v>Weights first iteration</c:v>
+                </c:pt>
+                <c:pt idx="1">
+                  <c:v>Weights second iteration</c:v>
+                </c:pt>
+              </c:strCache>
+            </c:strRef>
+          </c:cat>
+          <c:val>
+            <c:numRef>
+              <c:f>Tabelle1!$G$2:$G$3</c:f>
+              <c:numCache>
+                <c:formatCode>0.000</c:formatCode>
+                <c:ptCount val="2"/>
+                <c:pt idx="0" formatCode="_-* #,##0.000_-;\-* #,##0.000_-;_-* &quot;-&quot;??_-;_-@_-">
+                  <c:v>0.124</c:v>
+                </c:pt>
+                <c:pt idx="1">
+                  <c:v>5.3382930916454199E-2</c:v>
+                </c:pt>
+              </c:numCache>
+            </c:numRef>
+          </c:val>
+          <c:extLst>
+            <c:ext xmlns:c16="http://schemas.microsoft.com/office/drawing/2014/chart" uri="{C3380CC4-5D6E-409C-BE32-E72D297353CC}">
+              <c16:uniqueId val="{00000005-BA53-4FB2-B5FC-91EB07F98940}"/>
+            </c:ext>
+          </c:extLst>
+        </c:ser>
+        <c:ser>
+          <c:idx val="6"/>
+          <c:order val="6"/>
+          <c:tx>
+            <c:strRef>
+              <c:f>Tabelle1!$H$1</c:f>
+              <c:strCache>
+                <c:ptCount val="1"/>
+                <c:pt idx="0">
+                  <c:v>popularity</c:v>
+                </c:pt>
+              </c:strCache>
+            </c:strRef>
+          </c:tx>
+          <c:spPr>
+            <a:solidFill>
+              <a:schemeClr val="accent1">
+                <a:lumMod val="60000"/>
+              </a:schemeClr>
+            </a:solidFill>
+            <a:ln>
+              <a:noFill/>
+            </a:ln>
+            <a:effectLst/>
+          </c:spPr>
+          <c:invertIfNegative val="0"/>
+          <c:cat>
+            <c:strRef>
+              <c:f>Tabelle1!$A$2:$A$3</c:f>
+              <c:strCache>
+                <c:ptCount val="2"/>
+                <c:pt idx="0">
+                  <c:v>Weights first iteration</c:v>
+                </c:pt>
+                <c:pt idx="1">
+                  <c:v>Weights second iteration</c:v>
+                </c:pt>
+              </c:strCache>
+            </c:strRef>
+          </c:cat>
+          <c:val>
+            <c:numRef>
+              <c:f>Tabelle1!$H$2:$H$3</c:f>
+              <c:numCache>
+                <c:formatCode>0.000</c:formatCode>
+                <c:ptCount val="2"/>
+                <c:pt idx="0" formatCode="_-* #,##0.000_-;\-* #,##0.000_-;_-* &quot;-&quot;??_-;_-@_-">
+                  <c:v>0</c:v>
+                </c:pt>
+                <c:pt idx="1">
+                  <c:v>4.70968172734006E-2</c:v>
+                </c:pt>
+              </c:numCache>
+            </c:numRef>
+          </c:val>
+          <c:extLst>
+            <c:ext xmlns:c16="http://schemas.microsoft.com/office/drawing/2014/chart" uri="{C3380CC4-5D6E-409C-BE32-E72D297353CC}">
+              <c16:uniqueId val="{00000006-BA53-4FB2-B5FC-91EB07F98940}"/>
+            </c:ext>
+          </c:extLst>
+        </c:ser>
+        <c:ser>
+          <c:idx val="7"/>
+          <c:order val="7"/>
+          <c:tx>
+            <c:strRef>
+              <c:f>Tabelle1!$I$1</c:f>
+              <c:strCache>
+                <c:ptCount val="1"/>
+                <c:pt idx="0">
+                  <c:v>danceability</c:v>
+                </c:pt>
+              </c:strCache>
+            </c:strRef>
+          </c:tx>
+          <c:spPr>
+            <a:solidFill>
+              <a:schemeClr val="accent2">
+                <a:lumMod val="60000"/>
+              </a:schemeClr>
+            </a:solidFill>
+            <a:ln>
+              <a:noFill/>
+            </a:ln>
+            <a:effectLst/>
+          </c:spPr>
+          <c:invertIfNegative val="0"/>
+          <c:cat>
+            <c:strRef>
+              <c:f>Tabelle1!$A$2:$A$3</c:f>
+              <c:strCache>
+                <c:ptCount val="2"/>
+                <c:pt idx="0">
+                  <c:v>Weights first iteration</c:v>
+                </c:pt>
+                <c:pt idx="1">
+                  <c:v>Weights second iteration</c:v>
+                </c:pt>
+              </c:strCache>
+            </c:strRef>
+          </c:cat>
+          <c:val>
+            <c:numRef>
+              <c:f>Tabelle1!$I$2:$I$3</c:f>
+              <c:numCache>
+                <c:formatCode>0.000</c:formatCode>
+                <c:ptCount val="2"/>
+                <c:pt idx="0" formatCode="_-* #,##0.000_-;\-* #,##0.000_-;_-* &quot;-&quot;??_-;_-@_-">
+                  <c:v>9.5000000000000001E-2</c:v>
+                </c:pt>
+                <c:pt idx="1">
+                  <c:v>4.5684141731632502E-2</c:v>
+                </c:pt>
+              </c:numCache>
+            </c:numRef>
+          </c:val>
+          <c:extLst>
+            <c:ext xmlns:c16="http://schemas.microsoft.com/office/drawing/2014/chart" uri="{C3380CC4-5D6E-409C-BE32-E72D297353CC}">
+              <c16:uniqueId val="{00000007-BA53-4FB2-B5FC-91EB07F98940}"/>
+            </c:ext>
+          </c:extLst>
+        </c:ser>
+        <c:ser>
+          <c:idx val="8"/>
+          <c:order val="8"/>
+          <c:tx>
+            <c:strRef>
+              <c:f>Tabelle1!$J$1</c:f>
+              <c:strCache>
+                <c:ptCount val="1"/>
+                <c:pt idx="0">
+                  <c:v>median(Follower_main_artist)</c:v>
+                </c:pt>
+              </c:strCache>
+            </c:strRef>
+          </c:tx>
+          <c:spPr>
+            <a:solidFill>
+              <a:schemeClr val="accent3">
+                <a:lumMod val="60000"/>
+              </a:schemeClr>
+            </a:solidFill>
+            <a:ln>
+              <a:noFill/>
+            </a:ln>
+            <a:effectLst/>
+          </c:spPr>
+          <c:invertIfNegative val="0"/>
+          <c:cat>
+            <c:strRef>
+              <c:f>Tabelle1!$A$2:$A$3</c:f>
+              <c:strCache>
+                <c:ptCount val="2"/>
+                <c:pt idx="0">
+                  <c:v>Weights first iteration</c:v>
+                </c:pt>
+                <c:pt idx="1">
+                  <c:v>Weights second iteration</c:v>
+                </c:pt>
+              </c:strCache>
+            </c:strRef>
+          </c:cat>
+          <c:val>
+            <c:numRef>
+              <c:f>Tabelle1!$J$2:$J$3</c:f>
+              <c:numCache>
+                <c:formatCode>0.000</c:formatCode>
+                <c:ptCount val="2"/>
+                <c:pt idx="0" formatCode="_-* #,##0.000_-;\-* #,##0.000_-;_-* &quot;-&quot;??_-;_-@_-">
+                  <c:v>0</c:v>
+                </c:pt>
+                <c:pt idx="1">
+                  <c:v>4.2419393952027699E-2</c:v>
+                </c:pt>
+              </c:numCache>
+            </c:numRef>
+          </c:val>
+          <c:extLst>
+            <c:ext xmlns:c16="http://schemas.microsoft.com/office/drawing/2014/chart" uri="{C3380CC4-5D6E-409C-BE32-E72D297353CC}">
+              <c16:uniqueId val="{00000008-BA53-4FB2-B5FC-91EB07F98940}"/>
+            </c:ext>
+          </c:extLst>
+        </c:ser>
+        <c:ser>
+          <c:idx val="9"/>
+          <c:order val="9"/>
+          <c:tx>
+            <c:strRef>
+              <c:f>Tabelle1!$K$1</c:f>
+              <c:strCache>
+                <c:ptCount val="1"/>
+                <c:pt idx="0">
+                  <c:v>median(Popularity Main Artist)</c:v>
+                </c:pt>
+              </c:strCache>
+            </c:strRef>
+          </c:tx>
+          <c:spPr>
+            <a:solidFill>
+              <a:schemeClr val="accent4">
+                <a:lumMod val="60000"/>
+              </a:schemeClr>
+            </a:solidFill>
+            <a:ln>
+              <a:noFill/>
+            </a:ln>
+            <a:effectLst/>
+          </c:spPr>
+          <c:invertIfNegative val="0"/>
+          <c:cat>
+            <c:strRef>
+              <c:f>Tabelle1!$A$2:$A$3</c:f>
+              <c:strCache>
+                <c:ptCount val="2"/>
+                <c:pt idx="0">
+                  <c:v>Weights first iteration</c:v>
+                </c:pt>
+                <c:pt idx="1">
+                  <c:v>Weights second iteration</c:v>
+                </c:pt>
+              </c:strCache>
+            </c:strRef>
+          </c:cat>
+          <c:val>
+            <c:numRef>
+              <c:f>Tabelle1!$K$2:$K$3</c:f>
+              <c:numCache>
+                <c:formatCode>0.000</c:formatCode>
+                <c:ptCount val="2"/>
+                <c:pt idx="0" formatCode="_-* #,##0.000_-;\-* #,##0.000_-;_-* &quot;-&quot;??_-;_-@_-">
+                  <c:v>0</c:v>
+                </c:pt>
+                <c:pt idx="1">
+                  <c:v>4.1774115567461897E-2</c:v>
+                </c:pt>
+              </c:numCache>
+            </c:numRef>
+          </c:val>
+          <c:extLst>
+            <c:ext xmlns:c16="http://schemas.microsoft.com/office/drawing/2014/chart" uri="{C3380CC4-5D6E-409C-BE32-E72D297353CC}">
+              <c16:uniqueId val="{00000009-BA53-4FB2-B5FC-91EB07F98940}"/>
+            </c:ext>
+          </c:extLst>
+        </c:ser>
+        <c:ser>
+          <c:idx val="10"/>
+          <c:order val="10"/>
+          <c:tx>
+            <c:strRef>
+              <c:f>Tabelle1!$L$1</c:f>
+              <c:strCache>
+                <c:ptCount val="1"/>
+                <c:pt idx="0">
+                  <c:v>maximum(Popularity Main Artist)</c:v>
+                </c:pt>
+              </c:strCache>
+            </c:strRef>
+          </c:tx>
+          <c:spPr>
+            <a:solidFill>
+              <a:schemeClr val="accent5">
+                <a:lumMod val="60000"/>
+              </a:schemeClr>
+            </a:solidFill>
+            <a:ln>
+              <a:noFill/>
+            </a:ln>
+            <a:effectLst/>
+          </c:spPr>
+          <c:invertIfNegative val="0"/>
+          <c:cat>
+            <c:strRef>
+              <c:f>Tabelle1!$A$2:$A$3</c:f>
+              <c:strCache>
+                <c:ptCount val="2"/>
+                <c:pt idx="0">
+                  <c:v>Weights first iteration</c:v>
+                </c:pt>
+                <c:pt idx="1">
+                  <c:v>Weights second iteration</c:v>
+                </c:pt>
+              </c:strCache>
+            </c:strRef>
+          </c:cat>
+          <c:val>
+            <c:numRef>
+              <c:f>Tabelle1!$L$2:$L$3</c:f>
+              <c:numCache>
+                <c:formatCode>0.000</c:formatCode>
+                <c:ptCount val="2"/>
+                <c:pt idx="0" formatCode="_-* #,##0.000_-;\-* #,##0.000_-;_-* &quot;-&quot;??_-;_-@_-">
+                  <c:v>0</c:v>
+                </c:pt>
+                <c:pt idx="1">
+                  <c:v>4.1629085187086003E-2</c:v>
+                </c:pt>
+              </c:numCache>
+            </c:numRef>
+          </c:val>
+          <c:extLst>
+            <c:ext xmlns:c16="http://schemas.microsoft.com/office/drawing/2014/chart" uri="{C3380CC4-5D6E-409C-BE32-E72D297353CC}">
+              <c16:uniqueId val="{0000000A-BA53-4FB2-B5FC-91EB07F98940}"/>
+            </c:ext>
+          </c:extLst>
+        </c:ser>
+        <c:ser>
+          <c:idx val="11"/>
+          <c:order val="11"/>
+          <c:tx>
+            <c:strRef>
+              <c:f>Tabelle1!$M$1</c:f>
+              <c:strCache>
+                <c:ptCount val="1"/>
+                <c:pt idx="0">
+                  <c:v>energy</c:v>
+                </c:pt>
+              </c:strCache>
+            </c:strRef>
+          </c:tx>
+          <c:spPr>
+            <a:solidFill>
+              <a:schemeClr val="accent6">
+                <a:lumMod val="60000"/>
+              </a:schemeClr>
+            </a:solidFill>
+            <a:ln>
+              <a:noFill/>
+            </a:ln>
+            <a:effectLst/>
+          </c:spPr>
+          <c:invertIfNegative val="0"/>
+          <c:cat>
+            <c:strRef>
+              <c:f>Tabelle1!$A$2:$A$3</c:f>
+              <c:strCache>
+                <c:ptCount val="2"/>
+                <c:pt idx="0">
+                  <c:v>Weights first iteration</c:v>
+                </c:pt>
+                <c:pt idx="1">
+                  <c:v>Weights second iteration</c:v>
+                </c:pt>
+              </c:strCache>
+            </c:strRef>
+          </c:cat>
+          <c:val>
+            <c:numRef>
+              <c:f>Tabelle1!$M$2:$M$3</c:f>
+              <c:numCache>
+                <c:formatCode>0.000</c:formatCode>
+                <c:ptCount val="2"/>
+                <c:pt idx="0" formatCode="_-* #,##0.000_-;\-* #,##0.000_-;_-* &quot;-&quot;??_-;_-@_-">
+                  <c:v>8.7999999999999995E-2</c:v>
+                </c:pt>
+                <c:pt idx="1">
+                  <c:v>4.14965676809965E-2</c:v>
+                </c:pt>
+              </c:numCache>
+            </c:numRef>
+          </c:val>
+          <c:extLst>
+            <c:ext xmlns:c16="http://schemas.microsoft.com/office/drawing/2014/chart" uri="{C3380CC4-5D6E-409C-BE32-E72D297353CC}">
+              <c16:uniqueId val="{0000000B-BA53-4FB2-B5FC-91EB07F98940}"/>
+            </c:ext>
+          </c:extLst>
+        </c:ser>
+        <c:ser>
+          <c:idx val="12"/>
+          <c:order val="12"/>
+          <c:tx>
+            <c:strRef>
+              <c:f>Tabelle1!$N$1</c:f>
+              <c:strCache>
+                <c:ptCount val="1"/>
+                <c:pt idx="0">
+                  <c:v>speechiness</c:v>
+                </c:pt>
+              </c:strCache>
+            </c:strRef>
+          </c:tx>
+          <c:spPr>
+            <a:solidFill>
+              <a:schemeClr val="accent1">
+                <a:lumMod val="80000"/>
+                <a:lumOff val="20000"/>
+              </a:schemeClr>
+            </a:solidFill>
+            <a:ln>
+              <a:noFill/>
+            </a:ln>
+            <a:effectLst/>
+          </c:spPr>
+          <c:invertIfNegative val="0"/>
+          <c:cat>
+            <c:strRef>
+              <c:f>Tabelle1!$A$2:$A$3</c:f>
+              <c:strCache>
+                <c:ptCount val="2"/>
+                <c:pt idx="0">
+                  <c:v>Weights first iteration</c:v>
+                </c:pt>
+                <c:pt idx="1">
+                  <c:v>Weights second iteration</c:v>
+                </c:pt>
+              </c:strCache>
+            </c:strRef>
+          </c:cat>
+          <c:val>
+            <c:numRef>
+              <c:f>Tabelle1!$N$2:$N$3</c:f>
+              <c:numCache>
+                <c:formatCode>0.000</c:formatCode>
+                <c:ptCount val="2"/>
+                <c:pt idx="0" formatCode="_-* #,##0.000_-;\-* #,##0.000_-;_-* &quot;-&quot;??_-;_-@_-">
+                  <c:v>8.1000000000000003E-2</c:v>
+                </c:pt>
+                <c:pt idx="1">
+                  <c:v>3.6560431720682803E-2</c:v>
+                </c:pt>
+              </c:numCache>
+            </c:numRef>
+          </c:val>
+          <c:extLst>
+            <c:ext xmlns:c16="http://schemas.microsoft.com/office/drawing/2014/chart" uri="{C3380CC4-5D6E-409C-BE32-E72D297353CC}">
+              <c16:uniqueId val="{0000000C-BA53-4FB2-B5FC-91EB07F98940}"/>
+            </c:ext>
+          </c:extLst>
+        </c:ser>
+        <c:ser>
+          <c:idx val="13"/>
+          <c:order val="13"/>
+          <c:tx>
+            <c:strRef>
+              <c:f>Tabelle1!$O$1</c:f>
+              <c:strCache>
+                <c:ptCount val="1"/>
+                <c:pt idx="0">
+                  <c:v>variance(Popularity Main Artist)</c:v>
+                </c:pt>
+              </c:strCache>
+            </c:strRef>
+          </c:tx>
+          <c:spPr>
+            <a:solidFill>
+              <a:schemeClr val="accent2">
+                <a:lumMod val="80000"/>
+                <a:lumOff val="20000"/>
+              </a:schemeClr>
+            </a:solidFill>
+            <a:ln>
+              <a:noFill/>
+            </a:ln>
+            <a:effectLst/>
+          </c:spPr>
+          <c:invertIfNegative val="0"/>
+          <c:cat>
+            <c:strRef>
+              <c:f>Tabelle1!$A$2:$A$3</c:f>
+              <c:strCache>
+                <c:ptCount val="2"/>
+                <c:pt idx="0">
+                  <c:v>Weights first iteration</c:v>
+                </c:pt>
+                <c:pt idx="1">
+                  <c:v>Weights second iteration</c:v>
+                </c:pt>
+              </c:strCache>
+            </c:strRef>
+          </c:cat>
+          <c:val>
+            <c:numRef>
+              <c:f>Tabelle1!$O$2:$O$3</c:f>
+              <c:numCache>
+                <c:formatCode>0.000</c:formatCode>
+                <c:ptCount val="2"/>
+                <c:pt idx="0" formatCode="_-* #,##0.000_-;\-* #,##0.000_-;_-* &quot;-&quot;??_-;_-@_-">
+                  <c:v>0</c:v>
+                </c:pt>
+                <c:pt idx="1">
+                  <c:v>3.6013845182396101E-2</c:v>
+                </c:pt>
+              </c:numCache>
+            </c:numRef>
+          </c:val>
+          <c:extLst>
+            <c:ext xmlns:c16="http://schemas.microsoft.com/office/drawing/2014/chart" uri="{C3380CC4-5D6E-409C-BE32-E72D297353CC}">
+              <c16:uniqueId val="{0000000D-BA53-4FB2-B5FC-91EB07F98940}"/>
+            </c:ext>
+          </c:extLst>
+        </c:ser>
+        <c:ser>
+          <c:idx val="14"/>
+          <c:order val="14"/>
+          <c:tx>
+            <c:strRef>
+              <c:f>Tabelle1!$P$1</c:f>
+              <c:strCache>
+                <c:ptCount val="1"/>
+                <c:pt idx="0">
+                  <c:v>acousticness</c:v>
+                </c:pt>
+              </c:strCache>
+            </c:strRef>
+          </c:tx>
+          <c:spPr>
+            <a:solidFill>
+              <a:schemeClr val="accent3">
+                <a:lumMod val="80000"/>
+                <a:lumOff val="20000"/>
+              </a:schemeClr>
+            </a:solidFill>
+            <a:ln>
+              <a:noFill/>
+            </a:ln>
+            <a:effectLst/>
+          </c:spPr>
+          <c:invertIfNegative val="0"/>
+          <c:cat>
+            <c:strRef>
+              <c:f>Tabelle1!$A$2:$A$3</c:f>
+              <c:strCache>
+                <c:ptCount val="2"/>
+                <c:pt idx="0">
+                  <c:v>Weights first iteration</c:v>
+                </c:pt>
+                <c:pt idx="1">
+                  <c:v>Weights second iteration</c:v>
+                </c:pt>
+              </c:strCache>
+            </c:strRef>
+          </c:cat>
+          <c:val>
+            <c:numRef>
+              <c:f>Tabelle1!$P$2:$P$3</c:f>
+              <c:numCache>
+                <c:formatCode>0.000</c:formatCode>
+                <c:ptCount val="2"/>
+                <c:pt idx="0" formatCode="_-* #,##0.000_-;\-* #,##0.000_-;_-* &quot;-&quot;??_-;_-@_-">
+                  <c:v>8.5999999999999993E-2</c:v>
+                </c:pt>
+                <c:pt idx="1">
+                  <c:v>3.4531052410420197E-2</c:v>
+                </c:pt>
+              </c:numCache>
+            </c:numRef>
+          </c:val>
+          <c:extLst>
+            <c:ext xmlns:c16="http://schemas.microsoft.com/office/drawing/2014/chart" uri="{C3380CC4-5D6E-409C-BE32-E72D297353CC}">
+              <c16:uniqueId val="{0000000E-BA53-4FB2-B5FC-91EB07F98940}"/>
+            </c:ext>
+          </c:extLst>
+        </c:ser>
+        <c:ser>
+          <c:idx val="15"/>
+          <c:order val="15"/>
+          <c:tx>
+            <c:strRef>
+              <c:f>Tabelle1!$Q$1</c:f>
+              <c:strCache>
+                <c:ptCount val="1"/>
+                <c:pt idx="0">
+                  <c:v>minimum(Popularity Main Artist)</c:v>
+                </c:pt>
+              </c:strCache>
+            </c:strRef>
+          </c:tx>
+          <c:spPr>
+            <a:solidFill>
+              <a:schemeClr val="accent4">
+                <a:lumMod val="80000"/>
+                <a:lumOff val="20000"/>
+              </a:schemeClr>
+            </a:solidFill>
+            <a:ln>
+              <a:noFill/>
+            </a:ln>
+            <a:effectLst/>
+          </c:spPr>
+          <c:invertIfNegative val="0"/>
+          <c:cat>
+            <c:strRef>
+              <c:f>Tabelle1!$A$2:$A$3</c:f>
+              <c:strCache>
+                <c:ptCount val="2"/>
+                <c:pt idx="0">
+                  <c:v>Weights first iteration</c:v>
+                </c:pt>
+                <c:pt idx="1">
+                  <c:v>Weights second iteration</c:v>
+                </c:pt>
+              </c:strCache>
+            </c:strRef>
+          </c:cat>
+          <c:val>
+            <c:numRef>
+              <c:f>Tabelle1!$Q$2:$Q$3</c:f>
+              <c:numCache>
+                <c:formatCode>0.000</c:formatCode>
+                <c:ptCount val="2"/>
+                <c:pt idx="0" formatCode="_-* #,##0.000_-;\-* #,##0.000_-;_-* &quot;-&quot;??_-;_-@_-">
+                  <c:v>0</c:v>
+                </c:pt>
+                <c:pt idx="1">
+                  <c:v>3.4491329387234003E-2</c:v>
+                </c:pt>
+              </c:numCache>
+            </c:numRef>
+          </c:val>
+          <c:extLst>
+            <c:ext xmlns:c16="http://schemas.microsoft.com/office/drawing/2014/chart" uri="{C3380CC4-5D6E-409C-BE32-E72D297353CC}">
+              <c16:uniqueId val="{0000000F-BA53-4FB2-B5FC-91EB07F98940}"/>
+            </c:ext>
+          </c:extLst>
+        </c:ser>
+        <c:ser>
+          <c:idx val="16"/>
+          <c:order val="16"/>
+          <c:tx>
+            <c:strRef>
+              <c:f>Tabelle1!$R$1</c:f>
+              <c:strCache>
+                <c:ptCount val="1"/>
+                <c:pt idx="0">
+                  <c:v>variance(Follower_main_artist)</c:v>
+                </c:pt>
+              </c:strCache>
+            </c:strRef>
+          </c:tx>
+          <c:spPr>
+            <a:solidFill>
+              <a:schemeClr val="accent5">
+                <a:lumMod val="80000"/>
+                <a:lumOff val="20000"/>
+              </a:schemeClr>
+            </a:solidFill>
+            <a:ln>
+              <a:noFill/>
+            </a:ln>
+            <a:effectLst/>
+          </c:spPr>
+          <c:invertIfNegative val="0"/>
+          <c:cat>
+            <c:strRef>
+              <c:f>Tabelle1!$A$2:$A$3</c:f>
+              <c:strCache>
+                <c:ptCount val="2"/>
+                <c:pt idx="0">
+                  <c:v>Weights first iteration</c:v>
+                </c:pt>
+                <c:pt idx="1">
+                  <c:v>Weights second iteration</c:v>
+                </c:pt>
+              </c:strCache>
+            </c:strRef>
+          </c:cat>
+          <c:val>
+            <c:numRef>
+              <c:f>Tabelle1!$R$2:$R$3</c:f>
+              <c:numCache>
+                <c:formatCode>0.000</c:formatCode>
+                <c:ptCount val="2"/>
+                <c:pt idx="0" formatCode="_-* #,##0.000_-;\-* #,##0.000_-;_-* &quot;-&quot;??_-;_-@_-">
+                  <c:v>0</c:v>
+                </c:pt>
+                <c:pt idx="1">
+                  <c:v>3.4372443501873198E-2</c:v>
+                </c:pt>
+              </c:numCache>
+            </c:numRef>
+          </c:val>
+          <c:extLst>
+            <c:ext xmlns:c16="http://schemas.microsoft.com/office/drawing/2014/chart" uri="{C3380CC4-5D6E-409C-BE32-E72D297353CC}">
+              <c16:uniqueId val="{00000010-BA53-4FB2-B5FC-91EB07F98940}"/>
+            </c:ext>
+          </c:extLst>
+        </c:ser>
+        <c:ser>
+          <c:idx val="17"/>
+          <c:order val="17"/>
+          <c:tx>
+            <c:strRef>
+              <c:f>Tabelle1!$S$1</c:f>
+              <c:strCache>
+                <c:ptCount val="1"/>
+                <c:pt idx="0">
+                  <c:v>valence</c:v>
+                </c:pt>
+              </c:strCache>
+            </c:strRef>
+          </c:tx>
+          <c:spPr>
+            <a:solidFill>
+              <a:schemeClr val="accent6">
+                <a:lumMod val="80000"/>
+                <a:lumOff val="20000"/>
+              </a:schemeClr>
+            </a:solidFill>
+            <a:ln>
+              <a:noFill/>
+            </a:ln>
+            <a:effectLst/>
+          </c:spPr>
+          <c:invertIfNegative val="0"/>
+          <c:cat>
+            <c:strRef>
+              <c:f>Tabelle1!$A$2:$A$3</c:f>
+              <c:strCache>
+                <c:ptCount val="2"/>
+                <c:pt idx="0">
+                  <c:v>Weights first iteration</c:v>
+                </c:pt>
+                <c:pt idx="1">
+                  <c:v>Weights second iteration</c:v>
+                </c:pt>
+              </c:strCache>
+            </c:strRef>
+          </c:cat>
+          <c:val>
+            <c:numRef>
+              <c:f>Tabelle1!$S$2:$S$3</c:f>
+              <c:numCache>
+                <c:formatCode>0.000</c:formatCode>
+                <c:ptCount val="2"/>
+                <c:pt idx="0" formatCode="_-* #,##0.000_-;\-* #,##0.000_-;_-* &quot;-&quot;??_-;_-@_-">
+                  <c:v>6.5000000000000002E-2</c:v>
+                </c:pt>
+                <c:pt idx="1">
+                  <c:v>3.1537932009084703E-2</c:v>
+                </c:pt>
+              </c:numCache>
+            </c:numRef>
+          </c:val>
+          <c:extLst>
+            <c:ext xmlns:c16="http://schemas.microsoft.com/office/drawing/2014/chart" uri="{C3380CC4-5D6E-409C-BE32-E72D297353CC}">
+              <c16:uniqueId val="{00000011-BA53-4FB2-B5FC-91EB07F98940}"/>
+            </c:ext>
+          </c:extLst>
+        </c:ser>
+        <c:ser>
+          <c:idx val="18"/>
+          <c:order val="18"/>
+          <c:tx>
+            <c:strRef>
+              <c:f>Tabelle1!$T$1</c:f>
+              <c:strCache>
+                <c:ptCount val="1"/>
+                <c:pt idx="0">
+                  <c:v>liveness</c:v>
+                </c:pt>
+              </c:strCache>
+            </c:strRef>
+          </c:tx>
+          <c:spPr>
+            <a:solidFill>
+              <a:schemeClr val="accent1">
+                <a:lumMod val="80000"/>
+              </a:schemeClr>
+            </a:solidFill>
+            <a:ln>
+              <a:noFill/>
+            </a:ln>
+            <a:effectLst/>
+          </c:spPr>
+          <c:invertIfNegative val="0"/>
+          <c:cat>
+            <c:strRef>
+              <c:f>Tabelle1!$A$2:$A$3</c:f>
+              <c:strCache>
+                <c:ptCount val="2"/>
+                <c:pt idx="0">
+                  <c:v>Weights first iteration</c:v>
+                </c:pt>
+                <c:pt idx="1">
+                  <c:v>Weights second iteration</c:v>
+                </c:pt>
+              </c:strCache>
+            </c:strRef>
+          </c:cat>
+          <c:val>
+            <c:numRef>
+              <c:f>Tabelle1!$T$2:$T$3</c:f>
+              <c:numCache>
+                <c:formatCode>0.000</c:formatCode>
+                <c:ptCount val="2"/>
+                <c:pt idx="0" formatCode="_-* #,##0.000_-;\-* #,##0.000_-;_-* &quot;-&quot;??_-;_-@_-">
+                  <c:v>7.4999999999999997E-2</c:v>
+                </c:pt>
+                <c:pt idx="1">
+                  <c:v>3.1142126534147701E-2</c:v>
+                </c:pt>
+              </c:numCache>
+            </c:numRef>
+          </c:val>
+          <c:extLst>
+            <c:ext xmlns:c16="http://schemas.microsoft.com/office/drawing/2014/chart" uri="{C3380CC4-5D6E-409C-BE32-E72D297353CC}">
+              <c16:uniqueId val="{00000012-BA53-4FB2-B5FC-91EB07F98940}"/>
+            </c:ext>
+          </c:extLst>
+        </c:ser>
+        <c:ser>
+          <c:idx val="19"/>
+          <c:order val="19"/>
+          <c:tx>
+            <c:strRef>
+              <c:f>Tabelle1!$U$1</c:f>
+              <c:strCache>
+                <c:ptCount val="1"/>
+                <c:pt idx="0">
+                  <c:v>Chartsduration</c:v>
+                </c:pt>
+              </c:strCache>
+            </c:strRef>
+          </c:tx>
+          <c:spPr>
+            <a:solidFill>
+              <a:schemeClr val="accent2">
+                <a:lumMod val="80000"/>
+              </a:schemeClr>
+            </a:solidFill>
+            <a:ln>
+              <a:noFill/>
+            </a:ln>
+            <a:effectLst/>
+          </c:spPr>
+          <c:invertIfNegative val="0"/>
+          <c:cat>
+            <c:strRef>
+              <c:f>Tabelle1!$A$2:$A$3</c:f>
+              <c:strCache>
+                <c:ptCount val="2"/>
+                <c:pt idx="0">
+                  <c:v>Weights first iteration</c:v>
+                </c:pt>
+                <c:pt idx="1">
+                  <c:v>Weights second iteration</c:v>
+                </c:pt>
+              </c:strCache>
+            </c:strRef>
+          </c:cat>
+          <c:val>
+            <c:numRef>
+              <c:f>Tabelle1!$U$2:$U$3</c:f>
+              <c:numCache>
+                <c:formatCode>0.000</c:formatCode>
+                <c:ptCount val="2"/>
+                <c:pt idx="0" formatCode="_-* #,##0.000_-;\-* #,##0.000_-;_-* &quot;-&quot;??_-;_-@_-">
+                  <c:v>0.115</c:v>
+                </c:pt>
+                <c:pt idx="1">
+                  <c:v>2.9323258305387099E-2</c:v>
+                </c:pt>
+              </c:numCache>
+            </c:numRef>
+          </c:val>
+          <c:extLst>
+            <c:ext xmlns:c16="http://schemas.microsoft.com/office/drawing/2014/chart" uri="{C3380CC4-5D6E-409C-BE32-E72D297353CC}">
+              <c16:uniqueId val="{00000013-BA53-4FB2-B5FC-91EB07F98940}"/>
+            </c:ext>
+          </c:extLst>
+        </c:ser>
+        <c:ser>
+          <c:idx val="20"/>
+          <c:order val="20"/>
+          <c:tx>
+            <c:strRef>
+              <c:f>Tabelle1!$V$1</c:f>
+              <c:strCache>
+                <c:ptCount val="1"/>
+                <c:pt idx="0">
+                  <c:v>key</c:v>
+                </c:pt>
+              </c:strCache>
+            </c:strRef>
+          </c:tx>
+          <c:spPr>
+            <a:solidFill>
+              <a:schemeClr val="accent3">
+                <a:lumMod val="80000"/>
+              </a:schemeClr>
+            </a:solidFill>
+            <a:ln>
+              <a:noFill/>
+            </a:ln>
+            <a:effectLst/>
+          </c:spPr>
+          <c:invertIfNegative val="0"/>
+          <c:cat>
+            <c:strRef>
+              <c:f>Tabelle1!$A$2:$A$3</c:f>
+              <c:strCache>
+                <c:ptCount val="2"/>
+                <c:pt idx="0">
+                  <c:v>Weights first iteration</c:v>
+                </c:pt>
+                <c:pt idx="1">
+                  <c:v>Weights second iteration</c:v>
+                </c:pt>
+              </c:strCache>
+            </c:strRef>
+          </c:cat>
+          <c:val>
+            <c:numRef>
+              <c:f>Tabelle1!$V$2:$V$3</c:f>
+              <c:numCache>
+                <c:formatCode>0.000</c:formatCode>
+                <c:ptCount val="2"/>
+                <c:pt idx="0" formatCode="_-* #,##0.000_-;\-* #,##0.000_-;_-* &quot;-&quot;??_-;_-@_-">
+                  <c:v>1.6E-2</c:v>
+                </c:pt>
+                <c:pt idx="1">
+                  <c:v>2.9098920704475E-2</c:v>
+                </c:pt>
+              </c:numCache>
+            </c:numRef>
+          </c:val>
+          <c:extLst>
+            <c:ext xmlns:c16="http://schemas.microsoft.com/office/drawing/2014/chart" uri="{C3380CC4-5D6E-409C-BE32-E72D297353CC}">
+              <c16:uniqueId val="{00000014-BA53-4FB2-B5FC-91EB07F98940}"/>
+            </c:ext>
+          </c:extLst>
+        </c:ser>
+        <c:ser>
+          <c:idx val="21"/>
+          <c:order val="21"/>
+          <c:tx>
+            <c:strRef>
+              <c:f>Tabelle1!$W$1</c:f>
+              <c:strCache>
+                <c:ptCount val="1"/>
+                <c:pt idx="0">
+                  <c:v>Artist_Popularity</c:v>
+                </c:pt>
+              </c:strCache>
+            </c:strRef>
+          </c:tx>
+          <c:spPr>
+            <a:solidFill>
+              <a:schemeClr val="accent4">
+                <a:lumMod val="80000"/>
+              </a:schemeClr>
+            </a:solidFill>
+            <a:ln>
+              <a:noFill/>
+            </a:ln>
+            <a:effectLst/>
+          </c:spPr>
+          <c:invertIfNegative val="0"/>
+          <c:cat>
+            <c:strRef>
+              <c:f>Tabelle1!$A$2:$A$3</c:f>
+              <c:strCache>
+                <c:ptCount val="2"/>
+                <c:pt idx="0">
+                  <c:v>Weights first iteration</c:v>
+                </c:pt>
+                <c:pt idx="1">
+                  <c:v>Weights second iteration</c:v>
+                </c:pt>
+              </c:strCache>
+            </c:strRef>
+          </c:cat>
+          <c:val>
+            <c:numRef>
+              <c:f>Tabelle1!$W$2:$W$3</c:f>
+              <c:numCache>
+                <c:formatCode>0.000</c:formatCode>
+                <c:ptCount val="2"/>
+                <c:pt idx="0" formatCode="_-* #,##0.000_-;\-* #,##0.000_-;_-* &quot;-&quot;??_-;_-@_-">
+                  <c:v>0</c:v>
+                </c:pt>
+                <c:pt idx="1">
+                  <c:v>1.86773415651664E-2</c:v>
+                </c:pt>
+              </c:numCache>
+            </c:numRef>
+          </c:val>
+          <c:extLst>
+            <c:ext xmlns:c16="http://schemas.microsoft.com/office/drawing/2014/chart" uri="{C3380CC4-5D6E-409C-BE32-E72D297353CC}">
+              <c16:uniqueId val="{00000015-BA53-4FB2-B5FC-91EB07F98940}"/>
+            </c:ext>
+          </c:extLst>
+        </c:ser>
+        <c:ser>
+          <c:idx val="22"/>
+          <c:order val="22"/>
+          <c:tx>
+            <c:strRef>
+              <c:f>Tabelle1!$X$1</c:f>
+              <c:strCache>
+                <c:ptCount val="1"/>
+                <c:pt idx="0">
+                  <c:v>instrumentalness</c:v>
+                </c:pt>
+              </c:strCache>
+            </c:strRef>
+          </c:tx>
+          <c:spPr>
+            <a:solidFill>
+              <a:schemeClr val="accent5">
+                <a:lumMod val="80000"/>
+              </a:schemeClr>
+            </a:solidFill>
+            <a:ln>
+              <a:noFill/>
+            </a:ln>
+            <a:effectLst/>
+          </c:spPr>
+          <c:invertIfNegative val="0"/>
+          <c:cat>
+            <c:strRef>
+              <c:f>Tabelle1!$A$2:$A$3</c:f>
+              <c:strCache>
+                <c:ptCount val="2"/>
+                <c:pt idx="0">
+                  <c:v>Weights first iteration</c:v>
+                </c:pt>
+                <c:pt idx="1">
+                  <c:v>Weights second iteration</c:v>
+                </c:pt>
+              </c:strCache>
+            </c:strRef>
+          </c:cat>
+          <c:val>
+            <c:numRef>
+              <c:f>Tabelle1!$X$2:$X$3</c:f>
+              <c:numCache>
+                <c:formatCode>0.000</c:formatCode>
+                <c:ptCount val="2"/>
+                <c:pt idx="0" formatCode="_-* #,##0.000_-;\-* #,##0.000_-;_-* &quot;-&quot;??_-;_-@_-">
+                  <c:v>5.2999999999999999E-2</c:v>
+                </c:pt>
+                <c:pt idx="1">
+                  <c:v>1.6620813218678102E-2</c:v>
+                </c:pt>
+              </c:numCache>
+            </c:numRef>
+          </c:val>
+          <c:extLst>
+            <c:ext xmlns:c16="http://schemas.microsoft.com/office/drawing/2014/chart" uri="{C3380CC4-5D6E-409C-BE32-E72D297353CC}">
+              <c16:uniqueId val="{00000016-BA53-4FB2-B5FC-91EB07F98940}"/>
+            </c:ext>
+          </c:extLst>
+        </c:ser>
+        <c:ser>
+          <c:idx val="23"/>
+          <c:order val="23"/>
+          <c:tx>
+            <c:strRef>
+              <c:f>Tabelle1!$Y$1</c:f>
+              <c:strCache>
+                <c:ptCount val="1"/>
+                <c:pt idx="0">
+                  <c:v>mode</c:v>
+                </c:pt>
+              </c:strCache>
+            </c:strRef>
+          </c:tx>
+          <c:spPr>
+            <a:solidFill>
+              <a:schemeClr val="accent6">
+                <a:lumMod val="80000"/>
+              </a:schemeClr>
+            </a:solidFill>
+            <a:ln>
+              <a:noFill/>
+            </a:ln>
+            <a:effectLst/>
+          </c:spPr>
+          <c:invertIfNegative val="0"/>
+          <c:cat>
+            <c:strRef>
+              <c:f>Tabelle1!$A$2:$A$3</c:f>
+              <c:strCache>
+                <c:ptCount val="2"/>
+                <c:pt idx="0">
+                  <c:v>Weights first iteration</c:v>
+                </c:pt>
+                <c:pt idx="1">
+                  <c:v>Weights second iteration</c:v>
+                </c:pt>
+              </c:strCache>
+            </c:strRef>
+          </c:cat>
+          <c:val>
+            <c:numRef>
+              <c:f>Tabelle1!$Y$2:$Y$3</c:f>
+              <c:numCache>
+                <c:formatCode>0.000</c:formatCode>
+                <c:ptCount val="2"/>
+                <c:pt idx="0" formatCode="_-* #,##0.000_-;\-* #,##0.000_-;_-* &quot;-&quot;??_-;_-@_-">
+                  <c:v>2E-3</c:v>
+                </c:pt>
+                <c:pt idx="1">
+                  <c:v>8.12609631854792E-3</c:v>
+                </c:pt>
+              </c:numCache>
+            </c:numRef>
+          </c:val>
+          <c:extLst>
+            <c:ext xmlns:c16="http://schemas.microsoft.com/office/drawing/2014/chart" uri="{C3380CC4-5D6E-409C-BE32-E72D297353CC}">
+              <c16:uniqueId val="{00000017-BA53-4FB2-B5FC-91EB07F98940}"/>
+            </c:ext>
+          </c:extLst>
+        </c:ser>
+        <c:ser>
+          <c:idx val="24"/>
+          <c:order val="24"/>
+          <c:tx>
+            <c:strRef>
+              <c:f>Tabelle1!$Z$1</c:f>
+              <c:strCache>
+                <c:ptCount val="1"/>
+                <c:pt idx="0">
+                  <c:v>explicit</c:v>
+                </c:pt>
+              </c:strCache>
+            </c:strRef>
+          </c:tx>
+          <c:spPr>
+            <a:solidFill>
+              <a:schemeClr val="accent1">
+                <a:lumMod val="60000"/>
+                <a:lumOff val="40000"/>
+              </a:schemeClr>
+            </a:solidFill>
+            <a:ln>
+              <a:noFill/>
+            </a:ln>
+            <a:effectLst/>
+          </c:spPr>
+          <c:invertIfNegative val="0"/>
+          <c:cat>
+            <c:strRef>
+              <c:f>Tabelle1!$A$2:$A$3</c:f>
+              <c:strCache>
+                <c:ptCount val="2"/>
+                <c:pt idx="0">
+                  <c:v>Weights first iteration</c:v>
+                </c:pt>
+                <c:pt idx="1">
+                  <c:v>Weights second iteration</c:v>
+                </c:pt>
+              </c:strCache>
+            </c:strRef>
+          </c:cat>
+          <c:val>
+            <c:numRef>
+              <c:f>Tabelle1!$Z$2:$Z$3</c:f>
+              <c:numCache>
+                <c:formatCode>0.000</c:formatCode>
+                <c:ptCount val="2"/>
+                <c:pt idx="0" formatCode="_-* #,##0.000_-;\-* #,##0.000_-;_-* &quot;-&quot;??_-;_-@_-">
+                  <c:v>2E-3</c:v>
+                </c:pt>
+                <c:pt idx="1">
+                  <c:v>6.2499731562618297E-3</c:v>
+                </c:pt>
+              </c:numCache>
+            </c:numRef>
+          </c:val>
+          <c:extLst>
+            <c:ext xmlns:c16="http://schemas.microsoft.com/office/drawing/2014/chart" uri="{C3380CC4-5D6E-409C-BE32-E72D297353CC}">
+              <c16:uniqueId val="{00000018-BA53-4FB2-B5FC-91EB07F98940}"/>
+            </c:ext>
+          </c:extLst>
+        </c:ser>
+        <c:ser>
+          <c:idx val="25"/>
+          <c:order val="25"/>
+          <c:tx>
+            <c:strRef>
+              <c:f>Tabelle1!$AA$1</c:f>
+              <c:strCache>
+                <c:ptCount val="1"/>
+                <c:pt idx="0">
+                  <c:v>time_signature</c:v>
+                </c:pt>
+              </c:strCache>
+            </c:strRef>
+          </c:tx>
+          <c:spPr>
+            <a:solidFill>
+              <a:schemeClr val="accent2">
+                <a:lumMod val="60000"/>
+                <a:lumOff val="40000"/>
+              </a:schemeClr>
+            </a:solidFill>
+            <a:ln>
+              <a:noFill/>
+            </a:ln>
+            <a:effectLst/>
+          </c:spPr>
+          <c:invertIfNegative val="0"/>
+          <c:cat>
+            <c:strRef>
+              <c:f>Tabelle1!$A$2:$A$3</c:f>
+              <c:strCache>
+                <c:ptCount val="2"/>
+                <c:pt idx="0">
+                  <c:v>Weights first iteration</c:v>
+                </c:pt>
+                <c:pt idx="1">
+                  <c:v>Weights second iteration</c:v>
+                </c:pt>
+              </c:strCache>
+            </c:strRef>
+          </c:cat>
+          <c:val>
+            <c:numRef>
+              <c:f>Tabelle1!$AA$2:$AA$3</c:f>
+              <c:numCache>
+                <c:formatCode>0.000</c:formatCode>
+                <c:ptCount val="2"/>
+                <c:pt idx="0" formatCode="_-* #,##0.000_-;\-* #,##0.000_-;_-* &quot;-&quot;??_-;_-@_-">
+                  <c:v>0</c:v>
+                </c:pt>
+                <c:pt idx="1">
+                  <c:v>1.81925045481209E-3</c:v>
+                </c:pt>
+              </c:numCache>
+            </c:numRef>
+          </c:val>
+          <c:extLst>
+            <c:ext xmlns:c16="http://schemas.microsoft.com/office/drawing/2014/chart" uri="{C3380CC4-5D6E-409C-BE32-E72D297353CC}">
+              <c16:uniqueId val="{00000019-BA53-4FB2-B5FC-91EB07F98940}"/>
+            </c:ext>
+          </c:extLst>
+        </c:ser>
+        <c:dLbls>
+          <c:showLegendKey val="0"/>
+          <c:showVal val="0"/>
+          <c:showCatName val="0"/>
+          <c:showSerName val="0"/>
+          <c:showPercent val="0"/>
+          <c:showBubbleSize val="0"/>
+        </c:dLbls>
+        <c:gapWidth val="219"/>
+        <c:axId val="1922890256"/>
+        <c:axId val="1630652144"/>
+      </c:barChart>
+      <c:catAx>
+        <c:axId val="1922890256"/>
+        <c:scaling>
+          <c:orientation val="minMax"/>
+        </c:scaling>
+        <c:delete val="1"/>
+        <c:axPos val="b"/>
+        <c:numFmt formatCode="General" sourceLinked="1"/>
+        <c:majorTickMark val="none"/>
+        <c:minorTickMark val="none"/>
+        <c:tickLblPos val="nextTo"/>
+        <c:crossAx val="1630652144"/>
+        <c:crosses val="autoZero"/>
+        <c:auto val="1"/>
+        <c:lblAlgn val="ctr"/>
+        <c:lblOffset val="100"/>
+        <c:noMultiLvlLbl val="0"/>
+      </c:catAx>
+      <c:valAx>
+        <c:axId val="1630652144"/>
+        <c:scaling>
+          <c:orientation val="minMax"/>
+        </c:scaling>
+        <c:delete val="1"/>
+        <c:axPos val="l"/>
+        <c:numFmt formatCode="_-* #,##0.000_-;\-* #,##0.000_-;_-* &quot;-&quot;??_-;_-@_-" sourceLinked="1"/>
+        <c:majorTickMark val="none"/>
+        <c:minorTickMark val="none"/>
+        <c:tickLblPos val="nextTo"/>
+        <c:crossAx val="1922890256"/>
+        <c:crosses val="autoZero"/>
+        <c:crossBetween val="between"/>
+      </c:valAx>
+      <c:dTable>
+        <c:showHorzBorder val="1"/>
+        <c:showVertBorder val="1"/>
+        <c:showOutline val="1"/>
+        <c:showKeys val="1"/>
+        <c:spPr>
+          <a:noFill/>
+          <a:ln w="9525" cap="flat" cmpd="sng" algn="ctr">
+            <a:solidFill>
+              <a:schemeClr val="tx1">
+                <a:lumMod val="15000"/>
+                <a:lumOff val="85000"/>
+              </a:schemeClr>
+            </a:solidFill>
+            <a:round/>
+          </a:ln>
+          <a:effectLst/>
+        </c:spPr>
+        <c:txPr>
+          <a:bodyPr rot="0" spcFirstLastPara="1" vertOverflow="ellipsis" vert="horz" wrap="square" anchor="ctr" anchorCtr="1"/>
+          <a:lstStyle/>
+          <a:p>
+            <a:pPr rtl="0">
+              <a:defRPr sz="1197" b="0" i="0" u="none" strike="noStrike" kern="1200" baseline="0">
+                <a:solidFill>
+                  <a:schemeClr val="tx1">
+                    <a:lumMod val="65000"/>
+                    <a:lumOff val="35000"/>
+                  </a:schemeClr>
+                </a:solidFill>
+                <a:latin typeface="+mn-lt"/>
+                <a:ea typeface="+mn-ea"/>
+                <a:cs typeface="+mn-cs"/>
+              </a:defRPr>
+            </a:pPr>
+            <a:endParaRPr lang="de-DE"/>
+          </a:p>
+        </c:txPr>
+      </c:dTable>
+      <c:spPr>
+        <a:noFill/>
+        <a:ln>
+          <a:noFill/>
+        </a:ln>
+        <a:effectLst/>
+      </c:spPr>
+    </c:plotArea>
+    <c:plotVisOnly val="1"/>
+    <c:dispBlanksAs val="gap"/>
+    <c:extLst>
+      <c:ext xmlns:c16r3="http://schemas.microsoft.com/office/drawing/2017/03/chart" uri="{56B9EC1D-385E-4148-901F-78D8002777C0}">
+        <c16r3:dataDisplayOptions16>
+          <c16r3:dispNaAsBlank val="1"/>
+        </c16r3:dataDisplayOptions16>
+      </c:ext>
+    </c:extLst>
     <c:showDLblsOverMax val="0"/>
   </c:chart>
   <c:spPr>
@@ -5349,10 +7171,13 @@
 </file>
 
 <file path=ppt/charts/colors3.xml><?xml version="1.0" encoding="utf-8"?>
-<cs:colorStyle xmlns:cs="http://schemas.microsoft.com/office/drawing/2012/chartStyle" xmlns:a="http://schemas.openxmlformats.org/drawingml/2006/main" meth="cycle" id="11">
+<cs:colorStyle xmlns:cs="http://schemas.microsoft.com/office/drawing/2012/chartStyle" xmlns:a="http://schemas.openxmlformats.org/drawingml/2006/main" meth="cycle" id="10">
   <a:schemeClr val="accent1"/>
+  <a:schemeClr val="accent2"/>
   <a:schemeClr val="accent3"/>
+  <a:schemeClr val="accent4"/>
   <a:schemeClr val="accent5"/>
+  <a:schemeClr val="accent6"/>
   <cs:variation/>
   <cs:variation>
     <a:lumMod val="60000"/>
@@ -5386,6 +7211,46 @@
 </file>
 
 <file path=ppt/charts/colors4.xml><?xml version="1.0" encoding="utf-8"?>
+<cs:colorStyle xmlns:cs="http://schemas.microsoft.com/office/drawing/2012/chartStyle" xmlns:a="http://schemas.openxmlformats.org/drawingml/2006/main" meth="cycle" id="10">
+  <a:schemeClr val="accent1"/>
+  <a:schemeClr val="accent2"/>
+  <a:schemeClr val="accent3"/>
+  <a:schemeClr val="accent4"/>
+  <a:schemeClr val="accent5"/>
+  <a:schemeClr val="accent6"/>
+  <cs:variation/>
+  <cs:variation>
+    <a:lumMod val="60000"/>
+  </cs:variation>
+  <cs:variation>
+    <a:lumMod val="80000"/>
+    <a:lumOff val="20000"/>
+  </cs:variation>
+  <cs:variation>
+    <a:lumMod val="80000"/>
+  </cs:variation>
+  <cs:variation>
+    <a:lumMod val="60000"/>
+    <a:lumOff val="40000"/>
+  </cs:variation>
+  <cs:variation>
+    <a:lumMod val="50000"/>
+  </cs:variation>
+  <cs:variation>
+    <a:lumMod val="70000"/>
+    <a:lumOff val="30000"/>
+  </cs:variation>
+  <cs:variation>
+    <a:lumMod val="70000"/>
+  </cs:variation>
+  <cs:variation>
+    <a:lumMod val="50000"/>
+    <a:lumOff val="50000"/>
+  </cs:variation>
+</cs:colorStyle>
+</file>
+
+<file path=ppt/charts/colors5.xml><?xml version="1.0" encoding="utf-8"?>
 <cs:colorStyle xmlns:cs="http://schemas.microsoft.com/office/drawing/2012/chartStyle" xmlns:a="http://schemas.openxmlformats.org/drawingml/2006/main" meth="cycle" id="10">
   <a:schemeClr val="accent1"/>
   <a:schemeClr val="accent2"/>
@@ -7437,6 +9302,509 @@
 </cs:chartStyle>
 </file>
 
+<file path=ppt/charts/style5.xml><?xml version="1.0" encoding="utf-8"?>
+<cs:chartStyle xmlns:cs="http://schemas.microsoft.com/office/drawing/2012/chartStyle" xmlns:a="http://schemas.openxmlformats.org/drawingml/2006/main" id="201">
+  <cs:axisTitle>
+    <cs:lnRef idx="0"/>
+    <cs:fillRef idx="0"/>
+    <cs:effectRef idx="0"/>
+    <cs:fontRef idx="minor">
+      <a:schemeClr val="tx1">
+        <a:lumMod val="65000"/>
+        <a:lumOff val="35000"/>
+      </a:schemeClr>
+    </cs:fontRef>
+    <cs:defRPr sz="1330" kern="1200"/>
+  </cs:axisTitle>
+  <cs:categoryAxis>
+    <cs:lnRef idx="0"/>
+    <cs:fillRef idx="0"/>
+    <cs:effectRef idx="0"/>
+    <cs:fontRef idx="minor">
+      <a:schemeClr val="tx1">
+        <a:lumMod val="65000"/>
+        <a:lumOff val="35000"/>
+      </a:schemeClr>
+    </cs:fontRef>
+    <cs:spPr>
+      <a:ln w="9525" cap="flat" cmpd="sng" algn="ctr">
+        <a:solidFill>
+          <a:schemeClr val="tx1">
+            <a:lumMod val="15000"/>
+            <a:lumOff val="85000"/>
+          </a:schemeClr>
+        </a:solidFill>
+        <a:round/>
+      </a:ln>
+    </cs:spPr>
+    <cs:defRPr sz="1197" kern="1200"/>
+  </cs:categoryAxis>
+  <cs:chartArea mods="allowNoFillOverride allowNoLineOverride">
+    <cs:lnRef idx="0"/>
+    <cs:fillRef idx="0"/>
+    <cs:effectRef idx="0"/>
+    <cs:fontRef idx="minor">
+      <a:schemeClr val="tx1"/>
+    </cs:fontRef>
+    <cs:spPr>
+      <a:solidFill>
+        <a:schemeClr val="bg1"/>
+      </a:solidFill>
+      <a:ln w="9525" cap="flat" cmpd="sng" algn="ctr">
+        <a:solidFill>
+          <a:schemeClr val="tx1">
+            <a:lumMod val="15000"/>
+            <a:lumOff val="85000"/>
+          </a:schemeClr>
+        </a:solidFill>
+        <a:round/>
+      </a:ln>
+    </cs:spPr>
+    <cs:defRPr sz="1330" kern="1200"/>
+  </cs:chartArea>
+  <cs:dataLabel>
+    <cs:lnRef idx="0"/>
+    <cs:fillRef idx="0"/>
+    <cs:effectRef idx="0"/>
+    <cs:fontRef idx="minor">
+      <a:schemeClr val="tx1">
+        <a:lumMod val="75000"/>
+        <a:lumOff val="25000"/>
+      </a:schemeClr>
+    </cs:fontRef>
+    <cs:defRPr sz="1197" kern="1200"/>
+  </cs:dataLabel>
+  <cs:dataLabelCallout>
+    <cs:lnRef idx="0"/>
+    <cs:fillRef idx="0"/>
+    <cs:effectRef idx="0"/>
+    <cs:fontRef idx="minor">
+      <a:schemeClr val="dk1">
+        <a:lumMod val="65000"/>
+        <a:lumOff val="35000"/>
+      </a:schemeClr>
+    </cs:fontRef>
+    <cs:spPr>
+      <a:solidFill>
+        <a:schemeClr val="lt1"/>
+      </a:solidFill>
+      <a:ln>
+        <a:solidFill>
+          <a:schemeClr val="dk1">
+            <a:lumMod val="25000"/>
+            <a:lumOff val="75000"/>
+          </a:schemeClr>
+        </a:solidFill>
+      </a:ln>
+    </cs:spPr>
+    <cs:defRPr sz="1197" kern="1200"/>
+    <cs:bodyPr rot="0" spcFirstLastPara="1" vertOverflow="clip" horzOverflow="clip" vert="horz" wrap="square" lIns="36576" tIns="18288" rIns="36576" bIns="18288" anchor="ctr" anchorCtr="1">
+      <a:spAutoFit/>
+    </cs:bodyPr>
+  </cs:dataLabelCallout>
+  <cs:dataPoint>
+    <cs:lnRef idx="0"/>
+    <cs:fillRef idx="1">
+      <cs:styleClr val="auto"/>
+    </cs:fillRef>
+    <cs:effectRef idx="0"/>
+    <cs:fontRef idx="minor">
+      <a:schemeClr val="tx1"/>
+    </cs:fontRef>
+  </cs:dataPoint>
+  <cs:dataPoint3D>
+    <cs:lnRef idx="0"/>
+    <cs:fillRef idx="1">
+      <cs:styleClr val="auto"/>
+    </cs:fillRef>
+    <cs:effectRef idx="0"/>
+    <cs:fontRef idx="minor">
+      <a:schemeClr val="tx1"/>
+    </cs:fontRef>
+  </cs:dataPoint3D>
+  <cs:dataPointLine>
+    <cs:lnRef idx="0">
+      <cs:styleClr val="auto"/>
+    </cs:lnRef>
+    <cs:fillRef idx="1"/>
+    <cs:effectRef idx="0"/>
+    <cs:fontRef idx="minor">
+      <a:schemeClr val="tx1"/>
+    </cs:fontRef>
+    <cs:spPr>
+      <a:ln w="28575" cap="rnd">
+        <a:solidFill>
+          <a:schemeClr val="phClr"/>
+        </a:solidFill>
+        <a:round/>
+      </a:ln>
+    </cs:spPr>
+  </cs:dataPointLine>
+  <cs:dataPointMarker>
+    <cs:lnRef idx="0">
+      <cs:styleClr val="auto"/>
+    </cs:lnRef>
+    <cs:fillRef idx="1">
+      <cs:styleClr val="auto"/>
+    </cs:fillRef>
+    <cs:effectRef idx="0"/>
+    <cs:fontRef idx="minor">
+      <a:schemeClr val="tx1"/>
+    </cs:fontRef>
+    <cs:spPr>
+      <a:ln w="9525">
+        <a:solidFill>
+          <a:schemeClr val="phClr"/>
+        </a:solidFill>
+      </a:ln>
+    </cs:spPr>
+  </cs:dataPointMarker>
+  <cs:dataPointMarkerLayout symbol="circle" size="5"/>
+  <cs:dataPointWireframe>
+    <cs:lnRef idx="0">
+      <cs:styleClr val="auto"/>
+    </cs:lnRef>
+    <cs:fillRef idx="1"/>
+    <cs:effectRef idx="0"/>
+    <cs:fontRef idx="minor">
+      <a:schemeClr val="tx1"/>
+    </cs:fontRef>
+    <cs:spPr>
+      <a:ln w="9525" cap="rnd">
+        <a:solidFill>
+          <a:schemeClr val="phClr"/>
+        </a:solidFill>
+        <a:round/>
+      </a:ln>
+    </cs:spPr>
+  </cs:dataPointWireframe>
+  <cs:dataTable>
+    <cs:lnRef idx="0"/>
+    <cs:fillRef idx="0"/>
+    <cs:effectRef idx="0"/>
+    <cs:fontRef idx="minor">
+      <a:schemeClr val="tx1">
+        <a:lumMod val="65000"/>
+        <a:lumOff val="35000"/>
+      </a:schemeClr>
+    </cs:fontRef>
+    <cs:spPr>
+      <a:noFill/>
+      <a:ln w="9525" cap="flat" cmpd="sng" algn="ctr">
+        <a:solidFill>
+          <a:schemeClr val="tx1">
+            <a:lumMod val="15000"/>
+            <a:lumOff val="85000"/>
+          </a:schemeClr>
+        </a:solidFill>
+        <a:round/>
+      </a:ln>
+    </cs:spPr>
+    <cs:defRPr sz="1197" kern="1200"/>
+  </cs:dataTable>
+  <cs:downBar>
+    <cs:lnRef idx="0"/>
+    <cs:fillRef idx="0"/>
+    <cs:effectRef idx="0"/>
+    <cs:fontRef idx="minor">
+      <a:schemeClr val="dk1"/>
+    </cs:fontRef>
+    <cs:spPr>
+      <a:solidFill>
+        <a:schemeClr val="dk1">
+          <a:lumMod val="65000"/>
+          <a:lumOff val="35000"/>
+        </a:schemeClr>
+      </a:solidFill>
+      <a:ln w="9525">
+        <a:solidFill>
+          <a:schemeClr val="tx1">
+            <a:lumMod val="65000"/>
+            <a:lumOff val="35000"/>
+          </a:schemeClr>
+        </a:solidFill>
+      </a:ln>
+    </cs:spPr>
+  </cs:downBar>
+  <cs:dropLine>
+    <cs:lnRef idx="0"/>
+    <cs:fillRef idx="0"/>
+    <cs:effectRef idx="0"/>
+    <cs:fontRef idx="minor">
+      <a:schemeClr val="tx1"/>
+    </cs:fontRef>
+    <cs:spPr>
+      <a:ln w="9525" cap="flat" cmpd="sng" algn="ctr">
+        <a:solidFill>
+          <a:schemeClr val="tx1">
+            <a:lumMod val="35000"/>
+            <a:lumOff val="65000"/>
+          </a:schemeClr>
+        </a:solidFill>
+        <a:round/>
+      </a:ln>
+    </cs:spPr>
+  </cs:dropLine>
+  <cs:errorBar>
+    <cs:lnRef idx="0"/>
+    <cs:fillRef idx="0"/>
+    <cs:effectRef idx="0"/>
+    <cs:fontRef idx="minor">
+      <a:schemeClr val="tx1"/>
+    </cs:fontRef>
+    <cs:spPr>
+      <a:ln w="9525" cap="flat" cmpd="sng" algn="ctr">
+        <a:solidFill>
+          <a:schemeClr val="tx1">
+            <a:lumMod val="65000"/>
+            <a:lumOff val="35000"/>
+          </a:schemeClr>
+        </a:solidFill>
+        <a:round/>
+      </a:ln>
+    </cs:spPr>
+  </cs:errorBar>
+  <cs:floor>
+    <cs:lnRef idx="0"/>
+    <cs:fillRef idx="0"/>
+    <cs:effectRef idx="0"/>
+    <cs:fontRef idx="minor">
+      <a:schemeClr val="tx1"/>
+    </cs:fontRef>
+    <cs:spPr>
+      <a:noFill/>
+      <a:ln>
+        <a:noFill/>
+      </a:ln>
+    </cs:spPr>
+  </cs:floor>
+  <cs:gridlineMajor>
+    <cs:lnRef idx="0"/>
+    <cs:fillRef idx="0"/>
+    <cs:effectRef idx="0"/>
+    <cs:fontRef idx="minor">
+      <a:schemeClr val="tx1"/>
+    </cs:fontRef>
+    <cs:spPr>
+      <a:ln w="9525" cap="flat" cmpd="sng" algn="ctr">
+        <a:solidFill>
+          <a:schemeClr val="tx1">
+            <a:lumMod val="15000"/>
+            <a:lumOff val="85000"/>
+          </a:schemeClr>
+        </a:solidFill>
+        <a:round/>
+      </a:ln>
+    </cs:spPr>
+  </cs:gridlineMajor>
+  <cs:gridlineMinor>
+    <cs:lnRef idx="0"/>
+    <cs:fillRef idx="0"/>
+    <cs:effectRef idx="0"/>
+    <cs:fontRef idx="minor">
+      <a:schemeClr val="tx1"/>
+    </cs:fontRef>
+    <cs:spPr>
+      <a:ln w="9525" cap="flat" cmpd="sng" algn="ctr">
+        <a:solidFill>
+          <a:schemeClr val="tx1">
+            <a:lumMod val="5000"/>
+            <a:lumOff val="95000"/>
+          </a:schemeClr>
+        </a:solidFill>
+        <a:round/>
+      </a:ln>
+    </cs:spPr>
+  </cs:gridlineMinor>
+  <cs:hiLoLine>
+    <cs:lnRef idx="0"/>
+    <cs:fillRef idx="0"/>
+    <cs:effectRef idx="0"/>
+    <cs:fontRef idx="minor">
+      <a:schemeClr val="tx1"/>
+    </cs:fontRef>
+    <cs:spPr>
+      <a:ln w="9525" cap="flat" cmpd="sng" algn="ctr">
+        <a:solidFill>
+          <a:schemeClr val="tx1">
+            <a:lumMod val="75000"/>
+            <a:lumOff val="25000"/>
+          </a:schemeClr>
+        </a:solidFill>
+        <a:round/>
+      </a:ln>
+    </cs:spPr>
+  </cs:hiLoLine>
+  <cs:leaderLine>
+    <cs:lnRef idx="0"/>
+    <cs:fillRef idx="0"/>
+    <cs:effectRef idx="0"/>
+    <cs:fontRef idx="minor">
+      <a:schemeClr val="tx1"/>
+    </cs:fontRef>
+    <cs:spPr>
+      <a:ln w="9525" cap="flat" cmpd="sng" algn="ctr">
+        <a:solidFill>
+          <a:schemeClr val="tx1">
+            <a:lumMod val="35000"/>
+            <a:lumOff val="65000"/>
+          </a:schemeClr>
+        </a:solidFill>
+        <a:round/>
+      </a:ln>
+    </cs:spPr>
+  </cs:leaderLine>
+  <cs:legend>
+    <cs:lnRef idx="0"/>
+    <cs:fillRef idx="0"/>
+    <cs:effectRef idx="0"/>
+    <cs:fontRef idx="minor">
+      <a:schemeClr val="tx1">
+        <a:lumMod val="65000"/>
+        <a:lumOff val="35000"/>
+      </a:schemeClr>
+    </cs:fontRef>
+    <cs:defRPr sz="1197" kern="1200"/>
+  </cs:legend>
+  <cs:plotArea mods="allowNoFillOverride allowNoLineOverride">
+    <cs:lnRef idx="0"/>
+    <cs:fillRef idx="0"/>
+    <cs:effectRef idx="0"/>
+    <cs:fontRef idx="minor">
+      <a:schemeClr val="tx1"/>
+    </cs:fontRef>
+  </cs:plotArea>
+  <cs:plotArea3D mods="allowNoFillOverride allowNoLineOverride">
+    <cs:lnRef idx="0"/>
+    <cs:fillRef idx="0"/>
+    <cs:effectRef idx="0"/>
+    <cs:fontRef idx="minor">
+      <a:schemeClr val="tx1"/>
+    </cs:fontRef>
+  </cs:plotArea3D>
+  <cs:seriesAxis>
+    <cs:lnRef idx="0"/>
+    <cs:fillRef idx="0"/>
+    <cs:effectRef idx="0"/>
+    <cs:fontRef idx="minor">
+      <a:schemeClr val="tx1">
+        <a:lumMod val="65000"/>
+        <a:lumOff val="35000"/>
+      </a:schemeClr>
+    </cs:fontRef>
+    <cs:defRPr sz="1197" kern="1200"/>
+  </cs:seriesAxis>
+  <cs:seriesLine>
+    <cs:lnRef idx="0"/>
+    <cs:fillRef idx="0"/>
+    <cs:effectRef idx="0"/>
+    <cs:fontRef idx="minor">
+      <a:schemeClr val="tx1"/>
+    </cs:fontRef>
+    <cs:spPr>
+      <a:ln w="9525" cap="flat" cmpd="sng" algn="ctr">
+        <a:solidFill>
+          <a:schemeClr val="tx1">
+            <a:lumMod val="35000"/>
+            <a:lumOff val="65000"/>
+          </a:schemeClr>
+        </a:solidFill>
+        <a:round/>
+      </a:ln>
+    </cs:spPr>
+  </cs:seriesLine>
+  <cs:title>
+    <cs:lnRef idx="0"/>
+    <cs:fillRef idx="0"/>
+    <cs:effectRef idx="0"/>
+    <cs:fontRef idx="minor">
+      <a:schemeClr val="tx1">
+        <a:lumMod val="65000"/>
+        <a:lumOff val="35000"/>
+      </a:schemeClr>
+    </cs:fontRef>
+    <cs:defRPr sz="1862" b="0" kern="1200" spc="0" baseline="0"/>
+  </cs:title>
+  <cs:trendline>
+    <cs:lnRef idx="0">
+      <cs:styleClr val="auto"/>
+    </cs:lnRef>
+    <cs:fillRef idx="0"/>
+    <cs:effectRef idx="0"/>
+    <cs:fontRef idx="minor">
+      <a:schemeClr val="tx1"/>
+    </cs:fontRef>
+    <cs:spPr>
+      <a:ln w="19050" cap="rnd">
+        <a:solidFill>
+          <a:schemeClr val="phClr"/>
+        </a:solidFill>
+        <a:prstDash val="sysDot"/>
+      </a:ln>
+    </cs:spPr>
+  </cs:trendline>
+  <cs:trendlineLabel>
+    <cs:lnRef idx="0"/>
+    <cs:fillRef idx="0"/>
+    <cs:effectRef idx="0"/>
+    <cs:fontRef idx="minor">
+      <a:schemeClr val="tx1">
+        <a:lumMod val="65000"/>
+        <a:lumOff val="35000"/>
+      </a:schemeClr>
+    </cs:fontRef>
+    <cs:defRPr sz="1197" kern="1200"/>
+  </cs:trendlineLabel>
+  <cs:upBar>
+    <cs:lnRef idx="0"/>
+    <cs:fillRef idx="0"/>
+    <cs:effectRef idx="0"/>
+    <cs:fontRef idx="minor">
+      <a:schemeClr val="dk1"/>
+    </cs:fontRef>
+    <cs:spPr>
+      <a:solidFill>
+        <a:schemeClr val="lt1"/>
+      </a:solidFill>
+      <a:ln w="9525">
+        <a:solidFill>
+          <a:schemeClr val="tx1">
+            <a:lumMod val="15000"/>
+            <a:lumOff val="85000"/>
+          </a:schemeClr>
+        </a:solidFill>
+      </a:ln>
+    </cs:spPr>
+  </cs:upBar>
+  <cs:valueAxis>
+    <cs:lnRef idx="0"/>
+    <cs:fillRef idx="0"/>
+    <cs:effectRef idx="0"/>
+    <cs:fontRef idx="minor">
+      <a:schemeClr val="tx1">
+        <a:lumMod val="65000"/>
+        <a:lumOff val="35000"/>
+      </a:schemeClr>
+    </cs:fontRef>
+    <cs:defRPr sz="1197" kern="1200"/>
+  </cs:valueAxis>
+  <cs:wall>
+    <cs:lnRef idx="0"/>
+    <cs:fillRef idx="0"/>
+    <cs:effectRef idx="0"/>
+    <cs:fontRef idx="minor">
+      <a:schemeClr val="tx1"/>
+    </cs:fontRef>
+    <cs:spPr>
+      <a:noFill/>
+      <a:ln>
+        <a:noFill/>
+      </a:ln>
+    </cs:spPr>
+  </cs:wall>
+</cs:chartStyle>
+</file>
+
 <file path=ppt/notesMasters/notesMaster1.xml><?xml version="1.0" encoding="utf-8"?>
 <p:notesMaster xmlns:a="http://schemas.openxmlformats.org/drawingml/2006/main" xmlns:r="http://schemas.openxmlformats.org/officeDocument/2006/relationships" xmlns:p="http://schemas.openxmlformats.org/presentationml/2006/main">
   <p:cSld>
@@ -7519,7 +9887,7 @@
           <a:p>
             <a:fld id="{9B39517B-FB26-4CEE-A0CD-05465EABC2B5}" type="datetimeFigureOut">
               <a:rPr lang="de-DE" smtClean="0"/>
-              <a:t>11.03.2023</a:t>
+              <a:t>12.03.2023</a:t>
             </a:fld>
             <a:endParaRPr lang="de-DE"/>
           </a:p>
@@ -8032,7 +10400,7 @@
     </p:spTree>
     <p:extLst>
       <p:ext uri="{BB962C8B-B14F-4D97-AF65-F5344CB8AC3E}">
-        <p14:creationId xmlns:p14="http://schemas.microsoft.com/office/powerpoint/2010/main" val="3913961450"/>
+        <p14:creationId xmlns:p14="http://schemas.microsoft.com/office/powerpoint/2010/main" val="2330982275"/>
       </p:ext>
     </p:extLst>
   </p:cSld>
@@ -8116,7 +10484,7 @@
     </p:spTree>
     <p:extLst>
       <p:ext uri="{BB962C8B-B14F-4D97-AF65-F5344CB8AC3E}">
-        <p14:creationId xmlns:p14="http://schemas.microsoft.com/office/powerpoint/2010/main" val="3488712602"/>
+        <p14:creationId xmlns:p14="http://schemas.microsoft.com/office/powerpoint/2010/main" val="3913961450"/>
       </p:ext>
     </p:extLst>
   </p:cSld>
@@ -8200,7 +10568,175 @@
     </p:spTree>
     <p:extLst>
       <p:ext uri="{BB962C8B-B14F-4D97-AF65-F5344CB8AC3E}">
+        <p14:creationId xmlns:p14="http://schemas.microsoft.com/office/powerpoint/2010/main" val="3488712602"/>
+      </p:ext>
+    </p:extLst>
+  </p:cSld>
+  <p:clrMapOvr>
+    <a:masterClrMapping/>
+  </p:clrMapOvr>
+</p:notes>
+</file>
+
+<file path=ppt/notesSlides/notesSlide14.xml><?xml version="1.0" encoding="utf-8"?>
+<p:notes xmlns:a="http://schemas.openxmlformats.org/drawingml/2006/main" xmlns:r="http://schemas.openxmlformats.org/officeDocument/2006/relationships" xmlns:p="http://schemas.openxmlformats.org/presentationml/2006/main">
+  <p:cSld>
+    <p:spTree>
+      <p:nvGrpSpPr>
+        <p:cNvPr id="1" name=""/>
+        <p:cNvGrpSpPr/>
+        <p:nvPr/>
+      </p:nvGrpSpPr>
+      <p:grpSpPr>
+        <a:xfrm>
+          <a:off x="0" y="0"/>
+          <a:ext cx="0" cy="0"/>
+          <a:chOff x="0" y="0"/>
+          <a:chExt cx="0" cy="0"/>
+        </a:xfrm>
+      </p:grpSpPr>
+      <p:sp>
+        <p:nvSpPr>
+          <p:cNvPr id="2" name="Folienbildplatzhalter 1"/>
+          <p:cNvSpPr>
+            <a:spLocks noGrp="1" noRot="1" noChangeAspect="1"/>
+          </p:cNvSpPr>
+          <p:nvPr>
+            <p:ph type="sldImg"/>
+          </p:nvPr>
+        </p:nvSpPr>
+        <p:spPr/>
+      </p:sp>
+      <p:sp>
+        <p:nvSpPr>
+          <p:cNvPr id="3" name="Notizenplatzhalter 2"/>
+          <p:cNvSpPr>
+            <a:spLocks noGrp="1"/>
+          </p:cNvSpPr>
+          <p:nvPr>
+            <p:ph type="body" idx="1"/>
+          </p:nvPr>
+        </p:nvSpPr>
+        <p:spPr/>
+        <p:txBody>
+          <a:bodyPr/>
+          <a:lstStyle/>
+          <a:p>
+            <a:endParaRPr lang="de-DE" dirty="0"/>
+          </a:p>
+        </p:txBody>
+      </p:sp>
+      <p:sp>
+        <p:nvSpPr>
+          <p:cNvPr id="4" name="Foliennummernplatzhalter 3"/>
+          <p:cNvSpPr>
+            <a:spLocks noGrp="1"/>
+          </p:cNvSpPr>
+          <p:nvPr>
+            <p:ph type="sldNum" sz="quarter" idx="5"/>
+          </p:nvPr>
+        </p:nvSpPr>
+        <p:spPr/>
+        <p:txBody>
+          <a:bodyPr/>
+          <a:lstStyle/>
+          <a:p>
+            <a:fld id="{8CE265D3-6F69-46A3-BC22-BD3030E0EBE5}" type="slidenum">
+              <a:rPr lang="de-DE" smtClean="0"/>
+              <a:t>26</a:t>
+            </a:fld>
+            <a:endParaRPr lang="de-DE"/>
+          </a:p>
+        </p:txBody>
+      </p:sp>
+    </p:spTree>
+    <p:extLst>
+      <p:ext uri="{BB962C8B-B14F-4D97-AF65-F5344CB8AC3E}">
         <p14:creationId xmlns:p14="http://schemas.microsoft.com/office/powerpoint/2010/main" val="2866494394"/>
+      </p:ext>
+    </p:extLst>
+  </p:cSld>
+  <p:clrMapOvr>
+    <a:masterClrMapping/>
+  </p:clrMapOvr>
+</p:notes>
+</file>
+
+<file path=ppt/notesSlides/notesSlide15.xml><?xml version="1.0" encoding="utf-8"?>
+<p:notes xmlns:a="http://schemas.openxmlformats.org/drawingml/2006/main" xmlns:r="http://schemas.openxmlformats.org/officeDocument/2006/relationships" xmlns:p="http://schemas.openxmlformats.org/presentationml/2006/main">
+  <p:cSld>
+    <p:spTree>
+      <p:nvGrpSpPr>
+        <p:cNvPr id="1" name=""/>
+        <p:cNvGrpSpPr/>
+        <p:nvPr/>
+      </p:nvGrpSpPr>
+      <p:grpSpPr>
+        <a:xfrm>
+          <a:off x="0" y="0"/>
+          <a:ext cx="0" cy="0"/>
+          <a:chOff x="0" y="0"/>
+          <a:chExt cx="0" cy="0"/>
+        </a:xfrm>
+      </p:grpSpPr>
+      <p:sp>
+        <p:nvSpPr>
+          <p:cNvPr id="2" name="Folienbildplatzhalter 1"/>
+          <p:cNvSpPr>
+            <a:spLocks noGrp="1" noRot="1" noChangeAspect="1"/>
+          </p:cNvSpPr>
+          <p:nvPr>
+            <p:ph type="sldImg"/>
+          </p:nvPr>
+        </p:nvSpPr>
+        <p:spPr/>
+      </p:sp>
+      <p:sp>
+        <p:nvSpPr>
+          <p:cNvPr id="3" name="Notizenplatzhalter 2"/>
+          <p:cNvSpPr>
+            <a:spLocks noGrp="1"/>
+          </p:cNvSpPr>
+          <p:nvPr>
+            <p:ph type="body" idx="1"/>
+          </p:nvPr>
+        </p:nvSpPr>
+        <p:spPr/>
+        <p:txBody>
+          <a:bodyPr/>
+          <a:lstStyle/>
+          <a:p>
+            <a:endParaRPr lang="de-DE" dirty="0"/>
+          </a:p>
+        </p:txBody>
+      </p:sp>
+      <p:sp>
+        <p:nvSpPr>
+          <p:cNvPr id="4" name="Foliennummernplatzhalter 3"/>
+          <p:cNvSpPr>
+            <a:spLocks noGrp="1"/>
+          </p:cNvSpPr>
+          <p:nvPr>
+            <p:ph type="sldNum" sz="quarter" idx="5"/>
+          </p:nvPr>
+        </p:nvSpPr>
+        <p:spPr/>
+        <p:txBody>
+          <a:bodyPr/>
+          <a:lstStyle/>
+          <a:p>
+            <a:fld id="{8CE265D3-6F69-46A3-BC22-BD3030E0EBE5}" type="slidenum">
+              <a:rPr lang="de-DE" smtClean="0"/>
+              <a:t>27</a:t>
+            </a:fld>
+            <a:endParaRPr lang="de-DE"/>
+          </a:p>
+        </p:txBody>
+      </p:sp>
+    </p:spTree>
+    <p:extLst>
+      <p:ext uri="{BB962C8B-B14F-4D97-AF65-F5344CB8AC3E}">
+        <p14:creationId xmlns:p14="http://schemas.microsoft.com/office/powerpoint/2010/main" val="2011804826"/>
       </p:ext>
     </p:extLst>
   </p:cSld>
@@ -10268,7 +12804,7 @@
           <a:p>
             <a:fld id="{ED291B17-9318-49DB-B28B-6E5994AE9581}" type="datetime1">
               <a:rPr lang="en-US" smtClean="0"/>
-              <a:t>3/11/2023</a:t>
+              <a:t>3/12/2023</a:t>
             </a:fld>
             <a:endParaRPr lang="en-US" dirty="0"/>
           </a:p>
@@ -10471,7 +13007,7 @@
           <a:p>
             <a:fld id="{2CED4963-E985-44C4-B8C4-FDD613B7C2F8}" type="datetime1">
               <a:rPr lang="en-US" smtClean="0"/>
-              <a:t>3/11/2023</a:t>
+              <a:t>3/12/2023</a:t>
             </a:fld>
             <a:endParaRPr lang="en-US" dirty="0"/>
           </a:p>
@@ -10833,7 +13369,7 @@
           <a:p>
             <a:fld id="{ED291B17-9318-49DB-B28B-6E5994AE9581}" type="datetime1">
               <a:rPr lang="en-US" smtClean="0"/>
-              <a:t>3/11/2023</a:t>
+              <a:t>3/12/2023</a:t>
             </a:fld>
             <a:endParaRPr lang="en-US" dirty="0"/>
           </a:p>
@@ -11031,7 +13567,7 @@
           <a:p>
             <a:fld id="{78DD82B9-B8EE-4375-B6FF-88FA6ABB15D9}" type="datetime1">
               <a:rPr lang="en-US" smtClean="0"/>
-              <a:t>3/11/2023</a:t>
+              <a:t>3/12/2023</a:t>
             </a:fld>
             <a:endParaRPr lang="en-US" dirty="0"/>
           </a:p>
@@ -11343,7 +13879,7 @@
           <a:p>
             <a:fld id="{B2497495-0637-405E-AE64-5CC7506D51F5}" type="datetime1">
               <a:rPr lang="en-US" smtClean="0"/>
-              <a:t>3/11/2023</a:t>
+              <a:t>3/12/2023</a:t>
             </a:fld>
             <a:endParaRPr lang="en-US" dirty="0"/>
           </a:p>
@@ -11596,7 +14132,7 @@
           <a:p>
             <a:fld id="{7BFFD690-9426-415D-8B65-26881E07B2D4}" type="datetime1">
               <a:rPr lang="en-US" smtClean="0"/>
-              <a:t>3/11/2023</a:t>
+              <a:t>3/12/2023</a:t>
             </a:fld>
             <a:endParaRPr lang="en-US" dirty="0"/>
           </a:p>
@@ -12018,7 +14554,7 @@
           <a:p>
             <a:fld id="{04C4989A-474C-40DE-95B9-011C28B71673}" type="datetime1">
               <a:rPr lang="en-US" smtClean="0"/>
-              <a:t>3/11/2023</a:t>
+              <a:t>3/12/2023</a:t>
             </a:fld>
             <a:endParaRPr lang="en-US" dirty="0"/>
           </a:p>
@@ -12141,7 +14677,7 @@
           <a:p>
             <a:fld id="{5DB4ED54-5B5E-4A04-93D3-5772E3CE3818}" type="datetime1">
               <a:rPr lang="en-US" smtClean="0"/>
-              <a:t>3/11/2023</a:t>
+              <a:t>3/12/2023</a:t>
             </a:fld>
             <a:endParaRPr lang="en-US" dirty="0"/>
           </a:p>
@@ -12236,7 +14772,7 @@
           <a:p>
             <a:fld id="{4EDE50D6-574B-40AF-946F-D52A04ADE379}" type="datetime1">
               <a:rPr lang="en-US" smtClean="0"/>
-              <a:t>3/11/2023</a:t>
+              <a:t>3/12/2023</a:t>
             </a:fld>
             <a:endParaRPr lang="en-US" dirty="0"/>
           </a:p>
@@ -12613,7 +15149,7 @@
           <a:p>
             <a:fld id="{D82884F1-FFEA-405F-9602-3DCA865EDA4E}" type="datetime1">
               <a:rPr lang="en-US" smtClean="0"/>
-              <a:t>3/11/2023</a:t>
+              <a:t>3/12/2023</a:t>
             </a:fld>
             <a:endParaRPr lang="en-US" dirty="0"/>
           </a:p>
@@ -12906,7 +15442,7 @@
           <a:p>
             <a:fld id="{7E18DB4A-8810-4A10-AD5C-D5E2C667F5B3}" type="datetime1">
               <a:rPr lang="en-US" smtClean="0"/>
-              <a:t>3/11/2023</a:t>
+              <a:t>3/12/2023</a:t>
             </a:fld>
             <a:endParaRPr lang="en-US" dirty="0"/>
           </a:p>
@@ -13121,7 +15657,7 @@
           <a:p>
             <a:fld id="{ED291B17-9318-49DB-B28B-6E5994AE9581}" type="datetime1">
               <a:rPr lang="en-US" smtClean="0"/>
-              <a:t>3/11/2023</a:t>
+              <a:t>3/12/2023</a:t>
             </a:fld>
             <a:endParaRPr lang="en-US" dirty="0"/>
           </a:p>
@@ -18680,6 +21216,556 @@
       </p:grpSpPr>
       <p:sp>
         <p:nvSpPr>
+          <p:cNvPr id="44" name="Rectangle 43">
+            <a:extLst>
+              <a:ext uri="{FF2B5EF4-FFF2-40B4-BE49-F238E27FC236}">
+                <a16:creationId xmlns:a16="http://schemas.microsoft.com/office/drawing/2014/main" id="{DD651B61-325E-4E73-8445-38B0DE8AAAB6}"/>
+              </a:ext>
+              <a:ext uri="{C183D7F6-B498-43B3-948B-1728B52AA6E4}">
+                <adec:decorative xmlns:adec="http://schemas.microsoft.com/office/drawing/2017/decorative" val="1"/>
+              </a:ext>
+            </a:extLst>
+          </p:cNvPr>
+          <p:cNvSpPr>
+            <a:spLocks noGrp="1" noRot="1" noChangeAspect="1" noMove="1" noResize="1" noEditPoints="1" noAdjustHandles="1" noChangeArrowheads="1" noChangeShapeType="1" noTextEdit="1"/>
+          </p:cNvSpPr>
+          <p:nvPr>
+            <p:extLst>
+              <p:ext uri="{386F3935-93C4-4BCD-93E2-E3B085C9AB24}">
+                <p16:designElem xmlns:p16="http://schemas.microsoft.com/office/powerpoint/2015/main" val="1"/>
+              </p:ext>
+            </p:extLst>
+          </p:nvPr>
+        </p:nvSpPr>
+        <p:spPr>
+          <a:xfrm>
+            <a:off x="446534" y="457200"/>
+            <a:ext cx="3703320" cy="94997"/>
+          </a:xfrm>
+          <a:prstGeom prst="rect">
+            <a:avLst/>
+          </a:prstGeom>
+          <a:solidFill>
+            <a:srgbClr val="465359"/>
+          </a:solidFill>
+          <a:ln>
+            <a:noFill/>
+          </a:ln>
+          <a:effectLst/>
+        </p:spPr>
+        <p:style>
+          <a:lnRef idx="1">
+            <a:schemeClr val="accent1"/>
+          </a:lnRef>
+          <a:fillRef idx="3">
+            <a:schemeClr val="accent1"/>
+          </a:fillRef>
+          <a:effectRef idx="2">
+            <a:schemeClr val="accent1"/>
+          </a:effectRef>
+          <a:fontRef idx="minor">
+            <a:schemeClr val="lt1"/>
+          </a:fontRef>
+        </p:style>
+      </p:sp>
+      <p:sp>
+        <p:nvSpPr>
+          <p:cNvPr id="46" name="Rectangle 45">
+            <a:extLst>
+              <a:ext uri="{FF2B5EF4-FFF2-40B4-BE49-F238E27FC236}">
+                <a16:creationId xmlns:a16="http://schemas.microsoft.com/office/drawing/2014/main" id="{B42E5253-D3AC-4AC2-B766-8B34F13C2F5E}"/>
+              </a:ext>
+              <a:ext uri="{C183D7F6-B498-43B3-948B-1728B52AA6E4}">
+                <adec:decorative xmlns:adec="http://schemas.microsoft.com/office/drawing/2017/decorative" val="1"/>
+              </a:ext>
+            </a:extLst>
+          </p:cNvPr>
+          <p:cNvSpPr>
+            <a:spLocks noGrp="1" noRot="1" noChangeAspect="1" noMove="1" noResize="1" noEditPoints="1" noAdjustHandles="1" noChangeArrowheads="1" noChangeShapeType="1" noTextEdit="1"/>
+          </p:cNvSpPr>
+          <p:nvPr>
+            <p:extLst>
+              <p:ext uri="{386F3935-93C4-4BCD-93E2-E3B085C9AB24}">
+                <p16:designElem xmlns:p16="http://schemas.microsoft.com/office/powerpoint/2015/main" val="1"/>
+              </p:ext>
+            </p:extLst>
+          </p:nvPr>
+        </p:nvSpPr>
+        <p:spPr>
+          <a:xfrm>
+            <a:off x="8042147" y="453643"/>
+            <a:ext cx="3703320" cy="98554"/>
+          </a:xfrm>
+          <a:prstGeom prst="rect">
+            <a:avLst/>
+          </a:prstGeom>
+          <a:solidFill>
+            <a:srgbClr val="969FA7"/>
+          </a:solidFill>
+          <a:ln>
+            <a:noFill/>
+          </a:ln>
+          <a:effectLst/>
+        </p:spPr>
+        <p:style>
+          <a:lnRef idx="1">
+            <a:schemeClr val="accent1"/>
+          </a:lnRef>
+          <a:fillRef idx="3">
+            <a:schemeClr val="accent1"/>
+          </a:fillRef>
+          <a:effectRef idx="2">
+            <a:schemeClr val="accent1"/>
+          </a:effectRef>
+          <a:fontRef idx="minor">
+            <a:schemeClr val="lt1"/>
+          </a:fontRef>
+        </p:style>
+      </p:sp>
+      <p:sp>
+        <p:nvSpPr>
+          <p:cNvPr id="48" name="Rectangle 47">
+            <a:extLst>
+              <a:ext uri="{FF2B5EF4-FFF2-40B4-BE49-F238E27FC236}">
+                <a16:creationId xmlns:a16="http://schemas.microsoft.com/office/drawing/2014/main" id="{10AE8D57-436A-4073-9A75-15BB5949F8B4}"/>
+              </a:ext>
+              <a:ext uri="{C183D7F6-B498-43B3-948B-1728B52AA6E4}">
+                <adec:decorative xmlns:adec="http://schemas.microsoft.com/office/drawing/2017/decorative" val="1"/>
+              </a:ext>
+            </a:extLst>
+          </p:cNvPr>
+          <p:cNvSpPr>
+            <a:spLocks noGrp="1" noRot="1" noChangeAspect="1" noMove="1" noResize="1" noEditPoints="1" noAdjustHandles="1" noChangeArrowheads="1" noChangeShapeType="1" noTextEdit="1"/>
+          </p:cNvSpPr>
+          <p:nvPr>
+            <p:extLst>
+              <p:ext uri="{386F3935-93C4-4BCD-93E2-E3B085C9AB24}">
+                <p16:designElem xmlns:p16="http://schemas.microsoft.com/office/powerpoint/2015/main" val="1"/>
+              </p:ext>
+            </p:extLst>
+          </p:nvPr>
+        </p:nvSpPr>
+        <p:spPr>
+          <a:xfrm>
+            <a:off x="4241830" y="457200"/>
+            <a:ext cx="3703320" cy="91440"/>
+          </a:xfrm>
+          <a:prstGeom prst="rect">
+            <a:avLst/>
+          </a:prstGeom>
+          <a:solidFill>
+            <a:schemeClr val="accent1"/>
+          </a:solidFill>
+          <a:ln>
+            <a:noFill/>
+          </a:ln>
+          <a:effectLst/>
+        </p:spPr>
+        <p:style>
+          <a:lnRef idx="1">
+            <a:schemeClr val="accent1"/>
+          </a:lnRef>
+          <a:fillRef idx="3">
+            <a:schemeClr val="accent1"/>
+          </a:fillRef>
+          <a:effectRef idx="2">
+            <a:schemeClr val="accent1"/>
+          </a:effectRef>
+          <a:fontRef idx="minor">
+            <a:schemeClr val="lt1"/>
+          </a:fontRef>
+        </p:style>
+      </p:sp>
+      <p:sp>
+        <p:nvSpPr>
+          <p:cNvPr id="50" name="Rectangle 49">
+            <a:extLst>
+              <a:ext uri="{FF2B5EF4-FFF2-40B4-BE49-F238E27FC236}">
+                <a16:creationId xmlns:a16="http://schemas.microsoft.com/office/drawing/2014/main" id="{E2852671-8EB6-4EAF-8AF8-65CF3FD66456}"/>
+              </a:ext>
+              <a:ext uri="{C183D7F6-B498-43B3-948B-1728B52AA6E4}">
+                <adec:decorative xmlns:adec="http://schemas.microsoft.com/office/drawing/2017/decorative" val="1"/>
+              </a:ext>
+            </a:extLst>
+          </p:cNvPr>
+          <p:cNvSpPr>
+            <a:spLocks noGrp="1" noRot="1" noChangeAspect="1" noMove="1" noResize="1" noEditPoints="1" noAdjustHandles="1" noChangeArrowheads="1" noChangeShapeType="1" noTextEdit="1"/>
+          </p:cNvSpPr>
+          <p:nvPr>
+            <p:extLst>
+              <p:ext uri="{386F3935-93C4-4BCD-93E2-E3B085C9AB24}">
+                <p16:designElem xmlns:p16="http://schemas.microsoft.com/office/powerpoint/2015/main" val="1"/>
+              </p:ext>
+            </p:extLst>
+          </p:nvPr>
+        </p:nvSpPr>
+        <p:spPr>
+          <a:xfrm>
+            <a:off x="446534" y="3085764"/>
+            <a:ext cx="11298932" cy="3338149"/>
+          </a:xfrm>
+          <a:prstGeom prst="rect">
+            <a:avLst/>
+          </a:prstGeom>
+          <a:solidFill>
+            <a:srgbClr val="465359"/>
+          </a:solidFill>
+          <a:ln>
+            <a:noFill/>
+          </a:ln>
+          <a:effectLst/>
+        </p:spPr>
+        <p:style>
+          <a:lnRef idx="1">
+            <a:schemeClr val="accent1"/>
+          </a:lnRef>
+          <a:fillRef idx="3">
+            <a:schemeClr val="accent1"/>
+          </a:fillRef>
+          <a:effectRef idx="2">
+            <a:schemeClr val="accent1"/>
+          </a:effectRef>
+          <a:fontRef idx="minor">
+            <a:schemeClr val="lt1"/>
+          </a:fontRef>
+        </p:style>
+      </p:sp>
+      <p:sp useBgFill="1">
+        <p:nvSpPr>
+          <p:cNvPr id="52" name="Rectangle 51">
+            <a:extLst>
+              <a:ext uri="{FF2B5EF4-FFF2-40B4-BE49-F238E27FC236}">
+                <a16:creationId xmlns:a16="http://schemas.microsoft.com/office/drawing/2014/main" id="{26B4480E-B7FF-4481-890E-043A69AE6FE2}"/>
+              </a:ext>
+              <a:ext uri="{C183D7F6-B498-43B3-948B-1728B52AA6E4}">
+                <adec:decorative xmlns:adec="http://schemas.microsoft.com/office/drawing/2017/decorative" val="1"/>
+              </a:ext>
+            </a:extLst>
+          </p:cNvPr>
+          <p:cNvSpPr>
+            <a:spLocks noGrp="1" noRot="1" noChangeAspect="1" noMove="1" noResize="1" noEditPoints="1" noAdjustHandles="1" noChangeArrowheads="1" noChangeShapeType="1" noTextEdit="1"/>
+          </p:cNvSpPr>
+          <p:nvPr>
+            <p:extLst>
+              <p:ext uri="{386F3935-93C4-4BCD-93E2-E3B085C9AB24}">
+                <p16:designElem xmlns:p16="http://schemas.microsoft.com/office/powerpoint/2015/main" val="1"/>
+              </p:ext>
+            </p:extLst>
+          </p:nvPr>
+        </p:nvSpPr>
+        <p:spPr>
+          <a:xfrm>
+            <a:off x="0" y="0"/>
+            <a:ext cx="12192000" cy="6858000"/>
+          </a:xfrm>
+          <a:prstGeom prst="rect">
+            <a:avLst/>
+          </a:prstGeom>
+          <a:ln>
+            <a:noFill/>
+          </a:ln>
+        </p:spPr>
+        <p:style>
+          <a:lnRef idx="2">
+            <a:schemeClr val="accent1">
+              <a:shade val="50000"/>
+            </a:schemeClr>
+          </a:lnRef>
+          <a:fillRef idx="1">
+            <a:schemeClr val="accent1"/>
+          </a:fillRef>
+          <a:effectRef idx="0">
+            <a:schemeClr val="accent1"/>
+          </a:effectRef>
+          <a:fontRef idx="minor">
+            <a:schemeClr val="lt1"/>
+          </a:fontRef>
+        </p:style>
+        <p:txBody>
+          <a:bodyPr rtlCol="0" anchor="ctr"/>
+          <a:lstStyle/>
+          <a:p>
+            <a:pPr algn="ctr"/>
+            <a:endParaRPr lang="en-US"/>
+          </a:p>
+        </p:txBody>
+      </p:sp>
+      <p:grpSp>
+        <p:nvGrpSpPr>
+          <p:cNvPr id="54" name="Group 53">
+            <a:extLst>
+              <a:ext uri="{FF2B5EF4-FFF2-40B4-BE49-F238E27FC236}">
+                <a16:creationId xmlns:a16="http://schemas.microsoft.com/office/drawing/2014/main" id="{79394E1F-0B5F-497D-B2A6-8383A2A54834}"/>
+              </a:ext>
+              <a:ext uri="{C183D7F6-B498-43B3-948B-1728B52AA6E4}">
+                <adec:decorative xmlns:adec="http://schemas.microsoft.com/office/drawing/2017/decorative" val="1"/>
+              </a:ext>
+            </a:extLst>
+          </p:cNvPr>
+          <p:cNvGrpSpPr>
+            <a:grpSpLocks noGrp="1" noUngrp="1" noRot="1" noChangeAspect="1" noMove="1" noResize="1"/>
+          </p:cNvGrpSpPr>
+          <p:nvPr>
+            <p:extLst>
+              <p:ext uri="{386F3935-93C4-4BCD-93E2-E3B085C9AB24}">
+                <p16:designElem xmlns:p16="http://schemas.microsoft.com/office/powerpoint/2015/main" val="1"/>
+              </p:ext>
+            </p:extLst>
+          </p:nvPr>
+        </p:nvGrpSpPr>
+        <p:grpSpPr>
+          <a:xfrm>
+            <a:off x="438068" y="457200"/>
+            <a:ext cx="3703320" cy="5935133"/>
+            <a:chOff x="438068" y="457200"/>
+            <a:chExt cx="3703320" cy="5935133"/>
+          </a:xfrm>
+        </p:grpSpPr>
+        <p:sp>
+          <p:nvSpPr>
+            <p:cNvPr id="55" name="Rectangle 54">
+              <a:extLst>
+                <a:ext uri="{FF2B5EF4-FFF2-40B4-BE49-F238E27FC236}">
+                  <a16:creationId xmlns:a16="http://schemas.microsoft.com/office/drawing/2014/main" id="{1F1FF39A-AC3C-4066-9D4C-519AA22812EA}"/>
+                </a:ext>
+                <a:ext uri="{C183D7F6-B498-43B3-948B-1728B52AA6E4}">
+                  <adec:decorative xmlns:adec="http://schemas.microsoft.com/office/drawing/2017/decorative" val="1"/>
+                </a:ext>
+              </a:extLst>
+            </p:cNvPr>
+            <p:cNvSpPr/>
+            <p:nvPr>
+              <p:extLst>
+                <p:ext uri="{386F3935-93C4-4BCD-93E2-E3B085C9AB24}">
+                  <p16:designElem xmlns:p16="http://schemas.microsoft.com/office/powerpoint/2015/main" val="1"/>
+                </p:ext>
+              </p:extLst>
+            </p:nvPr>
+          </p:nvSpPr>
+          <p:spPr>
+            <a:xfrm>
+              <a:off x="438068" y="601201"/>
+              <a:ext cx="3702134" cy="5791132"/>
+            </a:xfrm>
+            <a:prstGeom prst="rect">
+              <a:avLst/>
+            </a:prstGeom>
+            <a:solidFill>
+              <a:srgbClr val="465359">
+                <a:alpha val="97000"/>
+              </a:srgbClr>
+            </a:solidFill>
+            <a:ln w="6350" cmpd="sng">
+              <a:noFill/>
+            </a:ln>
+            <a:effectLst/>
+          </p:spPr>
+          <p:style>
+            <a:lnRef idx="1">
+              <a:schemeClr val="accent1"/>
+            </a:lnRef>
+            <a:fillRef idx="3">
+              <a:schemeClr val="accent1"/>
+            </a:fillRef>
+            <a:effectRef idx="2">
+              <a:schemeClr val="accent1"/>
+            </a:effectRef>
+            <a:fontRef idx="minor">
+              <a:schemeClr val="lt1"/>
+            </a:fontRef>
+          </p:style>
+        </p:sp>
+        <p:sp>
+          <p:nvSpPr>
+            <p:cNvPr id="56" name="Rectangle 55">
+              <a:extLst>
+                <a:ext uri="{FF2B5EF4-FFF2-40B4-BE49-F238E27FC236}">
+                  <a16:creationId xmlns:a16="http://schemas.microsoft.com/office/drawing/2014/main" id="{64C13BAB-7C00-4D21-A857-E3D41C0A2A66}"/>
+                </a:ext>
+                <a:ext uri="{C183D7F6-B498-43B3-948B-1728B52AA6E4}">
+                  <adec:decorative xmlns:adec="http://schemas.microsoft.com/office/drawing/2017/decorative" val="1"/>
+                </a:ext>
+              </a:extLst>
+            </p:cNvPr>
+            <p:cNvSpPr/>
+            <p:nvPr>
+              <p:extLst>
+                <p:ext uri="{386F3935-93C4-4BCD-93E2-E3B085C9AB24}">
+                  <p16:designElem xmlns:p16="http://schemas.microsoft.com/office/powerpoint/2015/main" val="1"/>
+                </p:ext>
+              </p:extLst>
+            </p:nvPr>
+          </p:nvSpPr>
+          <p:spPr>
+            <a:xfrm>
+              <a:off x="438068" y="457200"/>
+              <a:ext cx="3703320" cy="94997"/>
+            </a:xfrm>
+            <a:prstGeom prst="rect">
+              <a:avLst/>
+            </a:prstGeom>
+            <a:solidFill>
+              <a:srgbClr val="465359"/>
+            </a:solidFill>
+            <a:ln>
+              <a:noFill/>
+            </a:ln>
+            <a:effectLst/>
+          </p:spPr>
+          <p:style>
+            <a:lnRef idx="1">
+              <a:schemeClr val="accent1"/>
+            </a:lnRef>
+            <a:fillRef idx="3">
+              <a:schemeClr val="accent1"/>
+            </a:fillRef>
+            <a:effectRef idx="2">
+              <a:schemeClr val="accent1"/>
+            </a:effectRef>
+            <a:fontRef idx="minor">
+              <a:schemeClr val="lt1"/>
+            </a:fontRef>
+          </p:style>
+        </p:sp>
+      </p:grpSp>
+      <p:sp>
+        <p:nvSpPr>
+          <p:cNvPr id="2" name="Titel 1">
+            <a:extLst>
+              <a:ext uri="{FF2B5EF4-FFF2-40B4-BE49-F238E27FC236}">
+                <a16:creationId xmlns:a16="http://schemas.microsoft.com/office/drawing/2014/main" id="{06158C18-B0AD-4A23-BB2F-A981A9ADFAF7}"/>
+              </a:ext>
+            </a:extLst>
+          </p:cNvPr>
+          <p:cNvSpPr>
+            <a:spLocks noGrp="1"/>
+          </p:cNvSpPr>
+          <p:nvPr>
+            <p:ph type="title"/>
+          </p:nvPr>
+        </p:nvSpPr>
+        <p:spPr>
+          <a:xfrm>
+            <a:off x="584200" y="1524001"/>
+            <a:ext cx="3412067" cy="3478384"/>
+          </a:xfrm>
+        </p:spPr>
+        <p:txBody>
+          <a:bodyPr vert="horz" lIns="91440" tIns="45720" rIns="91440" bIns="45720" rtlCol="0" anchor="b">
+            <a:normAutofit/>
+          </a:bodyPr>
+          <a:lstStyle/>
+          <a:p>
+            <a:r>
+              <a:rPr lang="en-US" sz="3600" dirty="0">
+                <a:solidFill>
+                  <a:srgbClr val="FFFFFF"/>
+                </a:solidFill>
+              </a:rPr>
+              <a:t>Second Iteration </a:t>
+            </a:r>
+            <a:br>
+              <a:rPr lang="en-US" sz="3600" dirty="0">
+                <a:solidFill>
+                  <a:srgbClr val="FFFFFF"/>
+                </a:solidFill>
+              </a:rPr>
+            </a:br>
+            <a:r>
+              <a:rPr lang="en-US" sz="3600" dirty="0">
+                <a:solidFill>
+                  <a:srgbClr val="FFFFFF"/>
+                </a:solidFill>
+              </a:rPr>
+              <a:t>Modeling Result – ROC unbalanced</a:t>
+            </a:r>
+            <a:br>
+              <a:rPr lang="en-US" sz="3600" dirty="0">
+                <a:solidFill>
+                  <a:srgbClr val="FFFFFF"/>
+                </a:solidFill>
+              </a:rPr>
+            </a:br>
+            <a:endParaRPr lang="en-US" sz="3600" dirty="0">
+              <a:solidFill>
+                <a:srgbClr val="FFFFFF"/>
+              </a:solidFill>
+            </a:endParaRPr>
+          </a:p>
+        </p:txBody>
+      </p:sp>
+      <p:pic>
+        <p:nvPicPr>
+          <p:cNvPr id="8" name="Inhaltsplatzhalter 7">
+            <a:extLst>
+              <a:ext uri="{FF2B5EF4-FFF2-40B4-BE49-F238E27FC236}">
+                <a16:creationId xmlns:a16="http://schemas.microsoft.com/office/drawing/2014/main" id="{AAF545FD-6E59-DE4A-6C35-8411C55BB378}"/>
+              </a:ext>
+            </a:extLst>
+          </p:cNvPr>
+          <p:cNvPicPr>
+            <a:picLocks noGrp="1" noChangeAspect="1"/>
+          </p:cNvPicPr>
+          <p:nvPr>
+            <p:ph idx="1"/>
+          </p:nvPr>
+        </p:nvPicPr>
+        <p:blipFill>
+          <a:blip r:embed="rId3"/>
+          <a:stretch>
+            <a:fillRect/>
+          </a:stretch>
+        </p:blipFill>
+        <p:spPr>
+          <a:xfrm>
+            <a:off x="4765053" y="1421511"/>
+            <a:ext cx="6764864" cy="3991269"/>
+          </a:xfrm>
+          <a:prstGeom prst="rect">
+            <a:avLst/>
+          </a:prstGeom>
+        </p:spPr>
+      </p:pic>
+    </p:spTree>
+    <p:extLst>
+      <p:ext uri="{BB962C8B-B14F-4D97-AF65-F5344CB8AC3E}">
+        <p14:creationId xmlns:p14="http://schemas.microsoft.com/office/powerpoint/2010/main" val="2457033002"/>
+      </p:ext>
+    </p:extLst>
+  </p:cSld>
+  <p:clrMapOvr>
+    <a:masterClrMapping/>
+  </p:clrMapOvr>
+</p:sld>
+</file>
+
+<file path=ppt/slides/slide24.xml><?xml version="1.0" encoding="utf-8"?>
+<p:sld xmlns:a="http://schemas.openxmlformats.org/drawingml/2006/main" xmlns:r="http://schemas.openxmlformats.org/officeDocument/2006/relationships" xmlns:p="http://schemas.openxmlformats.org/presentationml/2006/main">
+  <p:cSld>
+    <p:bg>
+      <p:bgPr>
+        <a:solidFill>
+          <a:schemeClr val="bg1"/>
+        </a:solidFill>
+        <a:effectLst/>
+      </p:bgPr>
+    </p:bg>
+    <p:spTree>
+      <p:nvGrpSpPr>
+        <p:cNvPr id="1" name=""/>
+        <p:cNvGrpSpPr/>
+        <p:nvPr/>
+      </p:nvGrpSpPr>
+      <p:grpSpPr>
+        <a:xfrm>
+          <a:off x="0" y="0"/>
+          <a:ext cx="0" cy="0"/>
+          <a:chOff x="0" y="0"/>
+          <a:chExt cx="0" cy="0"/>
+        </a:xfrm>
+      </p:grpSpPr>
+      <p:sp>
+        <p:nvSpPr>
           <p:cNvPr id="27" name="Rectangle 26">
             <a:extLst>
               <a:ext uri="{FF2B5EF4-FFF2-40B4-BE49-F238E27FC236}">
@@ -19141,7 +22227,7 @@
                   <a:srgbClr val="FFFFFF"/>
                 </a:solidFill>
               </a:rPr>
-              <a:t>Modeling Result – ROC</a:t>
+              <a:t>Modeling Result – ROC Balanced</a:t>
             </a:r>
             <a:br>
               <a:rPr lang="en-US" sz="3600" dirty="0">
@@ -19160,10 +22246,10 @@
       </p:sp>
       <p:pic>
         <p:nvPicPr>
-          <p:cNvPr id="9" name="Inhaltsplatzhalter 8">
+          <p:cNvPr id="6" name="Inhaltsplatzhalter 5">
             <a:extLst>
               <a:ext uri="{FF2B5EF4-FFF2-40B4-BE49-F238E27FC236}">
-                <a16:creationId xmlns:a16="http://schemas.microsoft.com/office/drawing/2014/main" id="{1C12F868-1325-2FAA-8038-BC9A3E042E60}"/>
+                <a16:creationId xmlns:a16="http://schemas.microsoft.com/office/drawing/2014/main" id="{ECD5BB94-0381-5599-B6D7-52DC168B93A5}"/>
               </a:ext>
             </a:extLst>
           </p:cNvPr>
@@ -19182,106 +22268,15 @@
         </p:blipFill>
         <p:spPr>
           <a:xfrm>
-            <a:off x="4849929" y="601201"/>
-            <a:ext cx="6185809" cy="5598157"/>
+            <a:off x="4526886" y="665547"/>
+            <a:ext cx="7030521" cy="4847547"/>
           </a:xfrm>
-          <a:prstGeom prst="rect">
-            <a:avLst/>
-          </a:prstGeom>
         </p:spPr>
       </p:pic>
     </p:spTree>
     <p:extLst>
       <p:ext uri="{BB962C8B-B14F-4D97-AF65-F5344CB8AC3E}">
         <p14:creationId xmlns:p14="http://schemas.microsoft.com/office/powerpoint/2010/main" val="201829269"/>
-      </p:ext>
-    </p:extLst>
-  </p:cSld>
-  <p:clrMapOvr>
-    <a:masterClrMapping/>
-  </p:clrMapOvr>
-</p:sld>
-</file>
-
-<file path=ppt/slides/slide24.xml><?xml version="1.0" encoding="utf-8"?>
-<p:sld xmlns:a="http://schemas.openxmlformats.org/drawingml/2006/main" xmlns:r="http://schemas.openxmlformats.org/officeDocument/2006/relationships" xmlns:p="http://schemas.openxmlformats.org/presentationml/2006/main">
-  <p:cSld>
-    <p:spTree>
-      <p:nvGrpSpPr>
-        <p:cNvPr id="1" name=""/>
-        <p:cNvGrpSpPr/>
-        <p:nvPr/>
-      </p:nvGrpSpPr>
-      <p:grpSpPr>
-        <a:xfrm>
-          <a:off x="0" y="0"/>
-          <a:ext cx="0" cy="0"/>
-          <a:chOff x="0" y="0"/>
-          <a:chExt cx="0" cy="0"/>
-        </a:xfrm>
-      </p:grpSpPr>
-      <p:sp>
-        <p:nvSpPr>
-          <p:cNvPr id="2" name="Titel 1"/>
-          <p:cNvSpPr>
-            <a:spLocks noGrp="1"/>
-          </p:cNvSpPr>
-          <p:nvPr>
-            <p:ph type="title"/>
-          </p:nvPr>
-        </p:nvSpPr>
-        <p:spPr>
-          <a:xfrm>
-            <a:off x="581192" y="5264486"/>
-            <a:ext cx="10883444" cy="958513"/>
-          </a:xfrm>
-        </p:spPr>
-        <p:txBody>
-          <a:bodyPr anchor="ctr">
-            <a:normAutofit/>
-          </a:bodyPr>
-          <a:lstStyle/>
-          <a:p>
-            <a:r>
-              <a:rPr lang="en-GB" dirty="0">
-                <a:solidFill>
-                  <a:srgbClr val="FFFEFF"/>
-                </a:solidFill>
-              </a:rPr>
-              <a:t>First Iteration Balanced</a:t>
-            </a:r>
-          </a:p>
-        </p:txBody>
-      </p:sp>
-      <p:graphicFrame>
-        <p:nvGraphicFramePr>
-          <p:cNvPr id="14" name="Inhaltsplatzhalter 13"/>
-          <p:cNvGraphicFramePr>
-            <a:graphicFrameLocks noGrp="1"/>
-          </p:cNvGraphicFramePr>
-          <p:nvPr>
-            <p:ph idx="1"/>
-            <p:extLst>
-              <p:ext uri="{D42A27DB-BD31-4B8C-83A1-F6EECF244321}">
-                <p14:modId xmlns:p14="http://schemas.microsoft.com/office/powerpoint/2010/main" val="741152277"/>
-              </p:ext>
-            </p:extLst>
-          </p:nvPr>
-        </p:nvGraphicFramePr>
-        <p:xfrm>
-          <a:off x="642938" y="858445"/>
-          <a:ext cx="10906125" cy="3961205"/>
-        </p:xfrm>
-        <a:graphic>
-          <a:graphicData uri="http://schemas.openxmlformats.org/drawingml/2006/chart">
-            <c:chart xmlns:c="http://schemas.openxmlformats.org/drawingml/2006/chart" xmlns:r="http://schemas.openxmlformats.org/officeDocument/2006/relationships" r:id="rId3"/>
-          </a:graphicData>
-        </a:graphic>
-      </p:graphicFrame>
-    </p:spTree>
-    <p:extLst>
-      <p:ext uri="{BB962C8B-B14F-4D97-AF65-F5344CB8AC3E}">
-        <p14:creationId xmlns:p14="http://schemas.microsoft.com/office/powerpoint/2010/main" val="228595810"/>
       </p:ext>
     </p:extLst>
   </p:cSld>
@@ -19316,6 +22311,315 @@
           <a:chExt cx="0" cy="0"/>
         </a:xfrm>
       </p:grpSpPr>
+      <p:sp useBgFill="1">
+        <p:nvSpPr>
+          <p:cNvPr id="19" name="Rectangle 18">
+            <a:extLst>
+              <a:ext uri="{FF2B5EF4-FFF2-40B4-BE49-F238E27FC236}">
+                <a16:creationId xmlns:a16="http://schemas.microsoft.com/office/drawing/2014/main" id="{FBE7ADA7-D199-447B-83C7-7FB0F7BFE027}"/>
+              </a:ext>
+              <a:ext uri="{C183D7F6-B498-43B3-948B-1728B52AA6E4}">
+                <adec:decorative xmlns:adec="http://schemas.microsoft.com/office/drawing/2017/decorative" val="1"/>
+              </a:ext>
+            </a:extLst>
+          </p:cNvPr>
+          <p:cNvSpPr>
+            <a:spLocks noGrp="1" noRot="1" noChangeAspect="1" noMove="1" noResize="1" noEditPoints="1" noAdjustHandles="1" noChangeArrowheads="1" noChangeShapeType="1" noTextEdit="1"/>
+          </p:cNvSpPr>
+          <p:nvPr>
+            <p:extLst>
+              <p:ext uri="{386F3935-93C4-4BCD-93E2-E3B085C9AB24}">
+                <p16:designElem xmlns:p16="http://schemas.microsoft.com/office/powerpoint/2015/main" val="1"/>
+              </p:ext>
+            </p:extLst>
+          </p:nvPr>
+        </p:nvSpPr>
+        <p:spPr>
+          <a:xfrm>
+            <a:off x="0" y="0"/>
+            <a:ext cx="12192000" cy="6858000"/>
+          </a:xfrm>
+          <a:prstGeom prst="rect">
+            <a:avLst/>
+          </a:prstGeom>
+          <a:ln>
+            <a:noFill/>
+          </a:ln>
+        </p:spPr>
+        <p:style>
+          <a:lnRef idx="2">
+            <a:schemeClr val="accent1">
+              <a:shade val="50000"/>
+            </a:schemeClr>
+          </a:lnRef>
+          <a:fillRef idx="1">
+            <a:schemeClr val="accent1"/>
+          </a:fillRef>
+          <a:effectRef idx="0">
+            <a:schemeClr val="accent1"/>
+          </a:effectRef>
+          <a:fontRef idx="minor">
+            <a:schemeClr val="lt1"/>
+          </a:fontRef>
+        </p:style>
+        <p:txBody>
+          <a:bodyPr rtlCol="0" anchor="ctr"/>
+          <a:lstStyle/>
+          <a:p>
+            <a:pPr algn="ctr"/>
+            <a:endParaRPr lang="en-US"/>
+          </a:p>
+        </p:txBody>
+      </p:sp>
+      <p:sp>
+        <p:nvSpPr>
+          <p:cNvPr id="21" name="Rectangle 20">
+            <a:extLst>
+              <a:ext uri="{FF2B5EF4-FFF2-40B4-BE49-F238E27FC236}">
+                <a16:creationId xmlns:a16="http://schemas.microsoft.com/office/drawing/2014/main" id="{CF7BDE25-3D6C-4A65-AE1F-17B3C31DC9DF}"/>
+              </a:ext>
+              <a:ext uri="{C183D7F6-B498-43B3-948B-1728B52AA6E4}">
+                <adec:decorative xmlns:adec="http://schemas.microsoft.com/office/drawing/2017/decorative" val="1"/>
+              </a:ext>
+            </a:extLst>
+          </p:cNvPr>
+          <p:cNvSpPr>
+            <a:spLocks noGrp="1" noRot="1" noChangeAspect="1" noMove="1" noResize="1" noEditPoints="1" noAdjustHandles="1" noChangeArrowheads="1" noChangeShapeType="1" noTextEdit="1"/>
+          </p:cNvSpPr>
+          <p:nvPr>
+            <p:extLst>
+              <p:ext uri="{386F3935-93C4-4BCD-93E2-E3B085C9AB24}">
+                <p16:designElem xmlns:p16="http://schemas.microsoft.com/office/powerpoint/2015/main" val="1"/>
+              </p:ext>
+            </p:extLst>
+          </p:nvPr>
+        </p:nvSpPr>
+        <p:spPr>
+          <a:xfrm>
+            <a:off x="446534" y="4561150"/>
+            <a:ext cx="3703320" cy="94997"/>
+          </a:xfrm>
+          <a:prstGeom prst="rect">
+            <a:avLst/>
+          </a:prstGeom>
+          <a:solidFill>
+            <a:srgbClr val="465359"/>
+          </a:solidFill>
+          <a:ln>
+            <a:noFill/>
+          </a:ln>
+          <a:effectLst/>
+        </p:spPr>
+        <p:style>
+          <a:lnRef idx="1">
+            <a:schemeClr val="accent1"/>
+          </a:lnRef>
+          <a:fillRef idx="3">
+            <a:schemeClr val="accent1"/>
+          </a:fillRef>
+          <a:effectRef idx="2">
+            <a:schemeClr val="accent1"/>
+          </a:effectRef>
+          <a:fontRef idx="minor">
+            <a:schemeClr val="lt1"/>
+          </a:fontRef>
+        </p:style>
+      </p:sp>
+      <p:sp>
+        <p:nvSpPr>
+          <p:cNvPr id="23" name="Rectangle 22">
+            <a:extLst>
+              <a:ext uri="{FF2B5EF4-FFF2-40B4-BE49-F238E27FC236}">
+                <a16:creationId xmlns:a16="http://schemas.microsoft.com/office/drawing/2014/main" id="{5CD6E934-390A-4282-9C06-550879EA88ED}"/>
+              </a:ext>
+              <a:ext uri="{C183D7F6-B498-43B3-948B-1728B52AA6E4}">
+                <adec:decorative xmlns:adec="http://schemas.microsoft.com/office/drawing/2017/decorative" val="1"/>
+              </a:ext>
+            </a:extLst>
+          </p:cNvPr>
+          <p:cNvSpPr>
+            <a:spLocks noGrp="1" noRot="1" noChangeAspect="1" noMove="1" noResize="1" noEditPoints="1" noAdjustHandles="1" noChangeArrowheads="1" noChangeShapeType="1" noTextEdit="1"/>
+          </p:cNvSpPr>
+          <p:nvPr>
+            <p:extLst>
+              <p:ext uri="{386F3935-93C4-4BCD-93E2-E3B085C9AB24}">
+                <p16:designElem xmlns:p16="http://schemas.microsoft.com/office/powerpoint/2015/main" val="1"/>
+              </p:ext>
+            </p:extLst>
+          </p:nvPr>
+        </p:nvSpPr>
+        <p:spPr>
+          <a:xfrm>
+            <a:off x="4241830" y="4561150"/>
+            <a:ext cx="3703320" cy="91440"/>
+          </a:xfrm>
+          <a:prstGeom prst="rect">
+            <a:avLst/>
+          </a:prstGeom>
+          <a:solidFill>
+            <a:schemeClr val="accent1"/>
+          </a:solidFill>
+          <a:ln>
+            <a:noFill/>
+          </a:ln>
+          <a:effectLst/>
+        </p:spPr>
+        <p:style>
+          <a:lnRef idx="1">
+            <a:schemeClr val="accent1"/>
+          </a:lnRef>
+          <a:fillRef idx="3">
+            <a:schemeClr val="accent1"/>
+          </a:fillRef>
+          <a:effectRef idx="2">
+            <a:schemeClr val="accent1"/>
+          </a:effectRef>
+          <a:fontRef idx="minor">
+            <a:schemeClr val="lt1"/>
+          </a:fontRef>
+        </p:style>
+      </p:sp>
+      <p:sp>
+        <p:nvSpPr>
+          <p:cNvPr id="25" name="Rectangle 24">
+            <a:extLst>
+              <a:ext uri="{FF2B5EF4-FFF2-40B4-BE49-F238E27FC236}">
+                <a16:creationId xmlns:a16="http://schemas.microsoft.com/office/drawing/2014/main" id="{5207C480-2ED1-4822-91D1-C253F6887113}"/>
+              </a:ext>
+              <a:ext uri="{C183D7F6-B498-43B3-948B-1728B52AA6E4}">
+                <adec:decorative xmlns:adec="http://schemas.microsoft.com/office/drawing/2017/decorative" val="1"/>
+              </a:ext>
+            </a:extLst>
+          </p:cNvPr>
+          <p:cNvSpPr>
+            <a:spLocks noGrp="1" noRot="1" noChangeAspect="1" noMove="1" noResize="1" noEditPoints="1" noAdjustHandles="1" noChangeArrowheads="1" noChangeShapeType="1" noTextEdit="1"/>
+          </p:cNvSpPr>
+          <p:nvPr>
+            <p:extLst>
+              <p:ext uri="{386F3935-93C4-4BCD-93E2-E3B085C9AB24}">
+                <p16:designElem xmlns:p16="http://schemas.microsoft.com/office/powerpoint/2015/main" val="1"/>
+              </p:ext>
+            </p:extLst>
+          </p:nvPr>
+        </p:nvSpPr>
+        <p:spPr>
+          <a:xfrm>
+            <a:off x="8042147" y="4557593"/>
+            <a:ext cx="3703320" cy="98554"/>
+          </a:xfrm>
+          <a:prstGeom prst="rect">
+            <a:avLst/>
+          </a:prstGeom>
+          <a:solidFill>
+            <a:srgbClr val="969FA7"/>
+          </a:solidFill>
+          <a:ln>
+            <a:noFill/>
+          </a:ln>
+          <a:effectLst/>
+        </p:spPr>
+        <p:style>
+          <a:lnRef idx="1">
+            <a:schemeClr val="accent1"/>
+          </a:lnRef>
+          <a:fillRef idx="3">
+            <a:schemeClr val="accent1"/>
+          </a:fillRef>
+          <a:effectRef idx="2">
+            <a:schemeClr val="accent1"/>
+          </a:effectRef>
+          <a:fontRef idx="minor">
+            <a:schemeClr val="lt1"/>
+          </a:fontRef>
+        </p:style>
+      </p:sp>
+      <p:sp>
+        <p:nvSpPr>
+          <p:cNvPr id="27" name="Rectangle 26">
+            <a:extLst>
+              <a:ext uri="{FF2B5EF4-FFF2-40B4-BE49-F238E27FC236}">
+                <a16:creationId xmlns:a16="http://schemas.microsoft.com/office/drawing/2014/main" id="{A62FAE06-6CFA-41A5-8807-43DD2423C568}"/>
+              </a:ext>
+              <a:ext uri="{C183D7F6-B498-43B3-948B-1728B52AA6E4}">
+                <adec:decorative xmlns:adec="http://schemas.microsoft.com/office/drawing/2017/decorative" val="1"/>
+              </a:ext>
+            </a:extLst>
+          </p:cNvPr>
+          <p:cNvSpPr>
+            <a:spLocks noGrp="1" noRot="1" noChangeAspect="1" noMove="1" noResize="1" noEditPoints="1" noAdjustHandles="1" noChangeArrowheads="1" noChangeShapeType="1" noTextEdit="1"/>
+          </p:cNvSpPr>
+          <p:nvPr>
+            <p:extLst>
+              <p:ext uri="{386F3935-93C4-4BCD-93E2-E3B085C9AB24}">
+                <p16:designElem xmlns:p16="http://schemas.microsoft.com/office/powerpoint/2015/main" val="1"/>
+              </p:ext>
+            </p:extLst>
+          </p:nvPr>
+        </p:nvSpPr>
+        <p:spPr>
+          <a:xfrm>
+            <a:off x="440286" y="4734570"/>
+            <a:ext cx="11309338" cy="1656683"/>
+          </a:xfrm>
+          <a:prstGeom prst="rect">
+            <a:avLst/>
+          </a:prstGeom>
+          <a:solidFill>
+            <a:srgbClr val="465359"/>
+          </a:solidFill>
+          <a:ln>
+            <a:noFill/>
+          </a:ln>
+          <a:effectLst/>
+        </p:spPr>
+        <p:style>
+          <a:lnRef idx="1">
+            <a:schemeClr val="accent1"/>
+          </a:lnRef>
+          <a:fillRef idx="3">
+            <a:schemeClr val="accent1"/>
+          </a:fillRef>
+          <a:effectRef idx="2">
+            <a:schemeClr val="accent1"/>
+          </a:effectRef>
+          <a:fontRef idx="minor">
+            <a:schemeClr val="lt1"/>
+          </a:fontRef>
+        </p:style>
+      </p:sp>
+      <p:sp>
+        <p:nvSpPr>
+          <p:cNvPr id="2" name="Titel 1"/>
+          <p:cNvSpPr>
+            <a:spLocks noGrp="1"/>
+          </p:cNvSpPr>
+          <p:nvPr>
+            <p:ph type="title"/>
+          </p:nvPr>
+        </p:nvSpPr>
+        <p:spPr>
+          <a:xfrm>
+            <a:off x="581192" y="4929704"/>
+            <a:ext cx="10925008" cy="1245166"/>
+          </a:xfrm>
+        </p:spPr>
+        <p:txBody>
+          <a:bodyPr anchor="ctr">
+            <a:normAutofit/>
+          </a:bodyPr>
+          <a:lstStyle/>
+          <a:p>
+            <a:r>
+              <a:rPr lang="en-GB" dirty="0">
+                <a:solidFill>
+                  <a:srgbClr val="FFFEFF"/>
+                </a:solidFill>
+              </a:rPr>
+              <a:t>Second Iteration Balanced Model Results</a:t>
+            </a:r>
+          </a:p>
+        </p:txBody>
+      </p:sp>
       <p:graphicFrame>
         <p:nvGraphicFramePr>
           <p:cNvPr id="14" name="Inhaltsplatzhalter 13"/>
@@ -19326,7 +22630,70 @@
             <p:ph idx="1"/>
             <p:extLst>
               <p:ext uri="{D42A27DB-BD31-4B8C-83A1-F6EECF244321}">
-                <p14:modId xmlns:p14="http://schemas.microsoft.com/office/powerpoint/2010/main" val="1299656794"/>
+                <p14:modId xmlns:p14="http://schemas.microsoft.com/office/powerpoint/2010/main" val="509508084"/>
+              </p:ext>
+            </p:extLst>
+          </p:nvPr>
+        </p:nvGraphicFramePr>
+        <p:xfrm>
+          <a:off x="581025" y="728488"/>
+          <a:ext cx="11029950" cy="3560291"/>
+        </p:xfrm>
+        <a:graphic>
+          <a:graphicData uri="http://schemas.openxmlformats.org/drawingml/2006/chart">
+            <c:chart xmlns:c="http://schemas.openxmlformats.org/drawingml/2006/chart" xmlns:r="http://schemas.openxmlformats.org/officeDocument/2006/relationships" r:id="rId3"/>
+          </a:graphicData>
+        </a:graphic>
+      </p:graphicFrame>
+    </p:spTree>
+    <p:extLst>
+      <p:ext uri="{BB962C8B-B14F-4D97-AF65-F5344CB8AC3E}">
+        <p14:creationId xmlns:p14="http://schemas.microsoft.com/office/powerpoint/2010/main" val="228595810"/>
+      </p:ext>
+    </p:extLst>
+  </p:cSld>
+  <p:clrMapOvr>
+    <a:masterClrMapping/>
+  </p:clrMapOvr>
+</p:sld>
+</file>
+
+<file path=ppt/slides/slide26.xml><?xml version="1.0" encoding="utf-8"?>
+<p:sld xmlns:a="http://schemas.openxmlformats.org/drawingml/2006/main" xmlns:r="http://schemas.openxmlformats.org/officeDocument/2006/relationships" xmlns:p="http://schemas.openxmlformats.org/presentationml/2006/main">
+  <p:cSld>
+    <p:bg>
+      <p:bgPr>
+        <a:solidFill>
+          <a:schemeClr val="bg1"/>
+        </a:solidFill>
+        <a:effectLst/>
+      </p:bgPr>
+    </p:bg>
+    <p:spTree>
+      <p:nvGrpSpPr>
+        <p:cNvPr id="1" name=""/>
+        <p:cNvGrpSpPr/>
+        <p:nvPr/>
+      </p:nvGrpSpPr>
+      <p:grpSpPr>
+        <a:xfrm>
+          <a:off x="0" y="0"/>
+          <a:ext cx="0" cy="0"/>
+          <a:chOff x="0" y="0"/>
+          <a:chExt cx="0" cy="0"/>
+        </a:xfrm>
+      </p:grpSpPr>
+      <p:graphicFrame>
+        <p:nvGraphicFramePr>
+          <p:cNvPr id="14" name="Inhaltsplatzhalter 13"/>
+          <p:cNvGraphicFramePr>
+            <a:graphicFrameLocks noGrp="1"/>
+          </p:cNvGraphicFramePr>
+          <p:nvPr>
+            <p:ph idx="1"/>
+            <p:extLst>
+              <p:ext uri="{D42A27DB-BD31-4B8C-83A1-F6EECF244321}">
+                <p14:modId xmlns:p14="http://schemas.microsoft.com/office/powerpoint/2010/main" val="2198970807"/>
               </p:ext>
             </p:extLst>
           </p:nvPr>
@@ -19345,6 +22712,69 @@
     <p:extLst>
       <p:ext uri="{BB962C8B-B14F-4D97-AF65-F5344CB8AC3E}">
         <p14:creationId xmlns:p14="http://schemas.microsoft.com/office/powerpoint/2010/main" val="3164598457"/>
+      </p:ext>
+    </p:extLst>
+  </p:cSld>
+  <p:clrMapOvr>
+    <a:masterClrMapping/>
+  </p:clrMapOvr>
+</p:sld>
+</file>
+
+<file path=ppt/slides/slide27.xml><?xml version="1.0" encoding="utf-8"?>
+<p:sld xmlns:a="http://schemas.openxmlformats.org/drawingml/2006/main" xmlns:r="http://schemas.openxmlformats.org/officeDocument/2006/relationships" xmlns:p="http://schemas.openxmlformats.org/presentationml/2006/main">
+  <p:cSld>
+    <p:bg>
+      <p:bgPr>
+        <a:solidFill>
+          <a:schemeClr val="bg1"/>
+        </a:solidFill>
+        <a:effectLst/>
+      </p:bgPr>
+    </p:bg>
+    <p:spTree>
+      <p:nvGrpSpPr>
+        <p:cNvPr id="1" name=""/>
+        <p:cNvGrpSpPr/>
+        <p:nvPr/>
+      </p:nvGrpSpPr>
+      <p:grpSpPr>
+        <a:xfrm>
+          <a:off x="0" y="0"/>
+          <a:ext cx="0" cy="0"/>
+          <a:chOff x="0" y="0"/>
+          <a:chExt cx="0" cy="0"/>
+        </a:xfrm>
+      </p:grpSpPr>
+      <p:graphicFrame>
+        <p:nvGraphicFramePr>
+          <p:cNvPr id="14" name="Inhaltsplatzhalter 13"/>
+          <p:cNvGraphicFramePr>
+            <a:graphicFrameLocks noGrp="1"/>
+          </p:cNvGraphicFramePr>
+          <p:nvPr>
+            <p:ph idx="1"/>
+            <p:extLst>
+              <p:ext uri="{D42A27DB-BD31-4B8C-83A1-F6EECF244321}">
+                <p14:modId xmlns:p14="http://schemas.microsoft.com/office/powerpoint/2010/main" val="3973856876"/>
+              </p:ext>
+            </p:extLst>
+          </p:nvPr>
+        </p:nvGraphicFramePr>
+        <p:xfrm>
+          <a:off x="581025" y="374753"/>
+          <a:ext cx="11029950" cy="7555043"/>
+        </p:xfrm>
+        <a:graphic>
+          <a:graphicData uri="http://schemas.openxmlformats.org/drawingml/2006/chart">
+            <c:chart xmlns:c="http://schemas.openxmlformats.org/drawingml/2006/chart" xmlns:r="http://schemas.openxmlformats.org/officeDocument/2006/relationships" r:id="rId3"/>
+          </a:graphicData>
+        </a:graphic>
+      </p:graphicFrame>
+    </p:spTree>
+    <p:extLst>
+      <p:ext uri="{BB962C8B-B14F-4D97-AF65-F5344CB8AC3E}">
+        <p14:creationId xmlns:p14="http://schemas.microsoft.com/office/powerpoint/2010/main" val="3716949718"/>
       </p:ext>
     </p:extLst>
   </p:cSld>
